--- a/project.pptx
+++ b/project.pptx
@@ -13,6 +13,9 @@
     <p:sldId id="258" r:id="rId7"/>
     <p:sldId id="261" r:id="rId8"/>
     <p:sldId id="262" r:id="rId9"/>
+    <p:sldId id="264" r:id="rId10"/>
+    <p:sldId id="266" r:id="rId11"/>
+    <p:sldId id="265" r:id="rId12"/>
   </p:sldIdLst>
   <p:sldSz cx="12192000" cy="6858000"/>
   <p:notesSz cx="6858000" cy="9144000"/>
@@ -111,6 +114,11 @@
       </a:defRPr>
     </a:lvl9pPr>
   </p:defaultTextStyle>
+  <p:extLst>
+    <p:ext uri="{EFAFB233-063F-42B5-8137-9DF3F51BA10A}">
+      <p15:sldGuideLst xmlns:p15="http://schemas.microsoft.com/office/powerpoint/2012/main"/>
+    </p:ext>
+  </p:extLst>
 </p:presentation>
 </file>
 
@@ -1550,101 +1558,6 @@
             <pc:docMk/>
             <pc:sldMasterMk cId="377338832" sldId="2147483648"/>
             <pc:sldLayoutMk cId="4139684426" sldId="2147483659"/>
-          </pc:sldLayoutMkLst>
-        </pc:sldLayoutChg>
-      </pc:sldMasterChg>
-      <pc:sldMasterChg chg="add del replId addSldLayout delSldLayout">
-        <pc:chgData name="harish udhay" userId="7ff6ee94ce330d11" providerId="LiveId" clId="{D1AC2F3E-7863-430B-AA95-D920581813E5}" dt="2021-12-06T02:59:46.716" v="3" actId="26606"/>
-        <pc:sldMasterMkLst>
-          <pc:docMk/>
-          <pc:sldMasterMk cId="3362504023" sldId="2147483660"/>
-        </pc:sldMasterMkLst>
-        <pc:sldLayoutChg chg="add del">
-          <pc:chgData name="harish udhay" userId="7ff6ee94ce330d11" providerId="LiveId" clId="{D1AC2F3E-7863-430B-AA95-D920581813E5}" dt="2021-12-06T02:59:46.716" v="3" actId="26606"/>
-          <pc:sldLayoutMkLst>
-            <pc:docMk/>
-            <pc:sldMasterMk cId="3362504023" sldId="2147483660"/>
-            <pc:sldLayoutMk cId="2534905237" sldId="2147483661"/>
-          </pc:sldLayoutMkLst>
-        </pc:sldLayoutChg>
-        <pc:sldLayoutChg chg="add del replId">
-          <pc:chgData name="harish udhay" userId="7ff6ee94ce330d11" providerId="LiveId" clId="{D1AC2F3E-7863-430B-AA95-D920581813E5}" dt="2021-12-06T02:59:46.716" v="3" actId="26606"/>
-          <pc:sldLayoutMkLst>
-            <pc:docMk/>
-            <pc:sldMasterMk cId="3362504023" sldId="2147483660"/>
-            <pc:sldLayoutMk cId="3389657221" sldId="2147483662"/>
-          </pc:sldLayoutMkLst>
-        </pc:sldLayoutChg>
-        <pc:sldLayoutChg chg="add del replId">
-          <pc:chgData name="harish udhay" userId="7ff6ee94ce330d11" providerId="LiveId" clId="{D1AC2F3E-7863-430B-AA95-D920581813E5}" dt="2021-12-06T02:59:46.716" v="3" actId="26606"/>
-          <pc:sldLayoutMkLst>
-            <pc:docMk/>
-            <pc:sldMasterMk cId="3362504023" sldId="2147483660"/>
-            <pc:sldLayoutMk cId="1822898885" sldId="2147483663"/>
-          </pc:sldLayoutMkLst>
-        </pc:sldLayoutChg>
-        <pc:sldLayoutChg chg="add del replId">
-          <pc:chgData name="harish udhay" userId="7ff6ee94ce330d11" providerId="LiveId" clId="{D1AC2F3E-7863-430B-AA95-D920581813E5}" dt="2021-12-06T02:59:46.716" v="3" actId="26606"/>
-          <pc:sldLayoutMkLst>
-            <pc:docMk/>
-            <pc:sldMasterMk cId="3362504023" sldId="2147483660"/>
-            <pc:sldLayoutMk cId="3121367356" sldId="2147483664"/>
-          </pc:sldLayoutMkLst>
-        </pc:sldLayoutChg>
-        <pc:sldLayoutChg chg="add del replId">
-          <pc:chgData name="harish udhay" userId="7ff6ee94ce330d11" providerId="LiveId" clId="{D1AC2F3E-7863-430B-AA95-D920581813E5}" dt="2021-12-06T02:59:46.716" v="3" actId="26606"/>
-          <pc:sldLayoutMkLst>
-            <pc:docMk/>
-            <pc:sldMasterMk cId="3362504023" sldId="2147483660"/>
-            <pc:sldLayoutMk cId="3972647799" sldId="2147483665"/>
-          </pc:sldLayoutMkLst>
-        </pc:sldLayoutChg>
-        <pc:sldLayoutChg chg="add del replId">
-          <pc:chgData name="harish udhay" userId="7ff6ee94ce330d11" providerId="LiveId" clId="{D1AC2F3E-7863-430B-AA95-D920581813E5}" dt="2021-12-06T02:59:46.716" v="3" actId="26606"/>
-          <pc:sldLayoutMkLst>
-            <pc:docMk/>
-            <pc:sldMasterMk cId="3362504023" sldId="2147483660"/>
-            <pc:sldLayoutMk cId="1430732525" sldId="2147483666"/>
-          </pc:sldLayoutMkLst>
-        </pc:sldLayoutChg>
-        <pc:sldLayoutChg chg="add del replId">
-          <pc:chgData name="harish udhay" userId="7ff6ee94ce330d11" providerId="LiveId" clId="{D1AC2F3E-7863-430B-AA95-D920581813E5}" dt="2021-12-06T02:59:46.716" v="3" actId="26606"/>
-          <pc:sldLayoutMkLst>
-            <pc:docMk/>
-            <pc:sldMasterMk cId="3362504023" sldId="2147483660"/>
-            <pc:sldLayoutMk cId="2500418838" sldId="2147483667"/>
-          </pc:sldLayoutMkLst>
-        </pc:sldLayoutChg>
-        <pc:sldLayoutChg chg="add del replId">
-          <pc:chgData name="harish udhay" userId="7ff6ee94ce330d11" providerId="LiveId" clId="{D1AC2F3E-7863-430B-AA95-D920581813E5}" dt="2021-12-06T02:59:46.716" v="3" actId="26606"/>
-          <pc:sldLayoutMkLst>
-            <pc:docMk/>
-            <pc:sldMasterMk cId="3362504023" sldId="2147483660"/>
-            <pc:sldLayoutMk cId="260415824" sldId="2147483668"/>
-          </pc:sldLayoutMkLst>
-        </pc:sldLayoutChg>
-        <pc:sldLayoutChg chg="add del replId">
-          <pc:chgData name="harish udhay" userId="7ff6ee94ce330d11" providerId="LiveId" clId="{D1AC2F3E-7863-430B-AA95-D920581813E5}" dt="2021-12-06T02:59:46.716" v="3" actId="26606"/>
-          <pc:sldLayoutMkLst>
-            <pc:docMk/>
-            <pc:sldMasterMk cId="3362504023" sldId="2147483660"/>
-            <pc:sldLayoutMk cId="1627662895" sldId="2147483669"/>
-          </pc:sldLayoutMkLst>
-        </pc:sldLayoutChg>
-        <pc:sldLayoutChg chg="add del replId">
-          <pc:chgData name="harish udhay" userId="7ff6ee94ce330d11" providerId="LiveId" clId="{D1AC2F3E-7863-430B-AA95-D920581813E5}" dt="2021-12-06T02:59:46.716" v="3" actId="26606"/>
-          <pc:sldLayoutMkLst>
-            <pc:docMk/>
-            <pc:sldMasterMk cId="3362504023" sldId="2147483660"/>
-            <pc:sldLayoutMk cId="1869239348" sldId="2147483670"/>
-          </pc:sldLayoutMkLst>
-        </pc:sldLayoutChg>
-        <pc:sldLayoutChg chg="add del replId">
-          <pc:chgData name="harish udhay" userId="7ff6ee94ce330d11" providerId="LiveId" clId="{D1AC2F3E-7863-430B-AA95-D920581813E5}" dt="2021-12-06T02:59:46.716" v="3" actId="26606"/>
-          <pc:sldLayoutMkLst>
-            <pc:docMk/>
-            <pc:sldMasterMk cId="3362504023" sldId="2147483660"/>
-            <pc:sldLayoutMk cId="1813572966" sldId="2147483671"/>
           </pc:sldLayoutMkLst>
         </pc:sldLayoutChg>
       </pc:sldMasterChg>
@@ -5433,7 +5346,7 @@
           <a:p>
             <a:fld id="{3C04E684-10F4-4CC3-A0B9-F03AA7BE37CF}" type="datetimeFigureOut">
               <a:rPr lang="en-US" smtClean="0"/>
-              <a:t>12/5/2021</a:t>
+              <a:t>2021-12-15</a:t>
             </a:fld>
             <a:endParaRPr lang="en-US"/>
           </a:p>
@@ -7923,7 +7836,7 @@
           <a:p>
             <a:fld id="{3C04E684-10F4-4CC3-A0B9-F03AA7BE37CF}" type="datetimeFigureOut">
               <a:rPr lang="en-US" smtClean="0"/>
-              <a:t>12/5/2021</a:t>
+              <a:t>2021-12-15</a:t>
             </a:fld>
             <a:endParaRPr lang="en-US"/>
           </a:p>
@@ -8121,7 +8034,7 @@
           <a:p>
             <a:fld id="{3C04E684-10F4-4CC3-A0B9-F03AA7BE37CF}" type="datetimeFigureOut">
               <a:rPr lang="en-US" smtClean="0"/>
-              <a:t>12/5/2021</a:t>
+              <a:t>2021-12-15</a:t>
             </a:fld>
             <a:endParaRPr lang="en-US"/>
           </a:p>
@@ -8329,7 +8242,7 @@
           <a:p>
             <a:fld id="{3C04E684-10F4-4CC3-A0B9-F03AA7BE37CF}" type="datetimeFigureOut">
               <a:rPr lang="en-US" smtClean="0"/>
-              <a:t>12/5/2021</a:t>
+              <a:t>2021-12-15</a:t>
             </a:fld>
             <a:endParaRPr lang="en-US"/>
           </a:p>
@@ -9066,7 +8979,7 @@
           <a:p>
             <a:fld id="{3C04E684-10F4-4CC3-A0B9-F03AA7BE37CF}" type="datetimeFigureOut">
               <a:rPr lang="en-US" smtClean="0"/>
-              <a:t>12/5/2021</a:t>
+              <a:t>2021-12-15</a:t>
             </a:fld>
             <a:endParaRPr lang="en-US"/>
           </a:p>
@@ -9708,7 +9621,7 @@
           <a:p>
             <a:fld id="{3C04E684-10F4-4CC3-A0B9-F03AA7BE37CF}" type="datetimeFigureOut">
               <a:rPr lang="en-US" smtClean="0"/>
-              <a:t>12/5/2021</a:t>
+              <a:t>2021-12-15</a:t>
             </a:fld>
             <a:endParaRPr lang="en-US"/>
           </a:p>
@@ -10508,7 +10421,7 @@
           <a:p>
             <a:fld id="{3C04E684-10F4-4CC3-A0B9-F03AA7BE37CF}" type="datetimeFigureOut">
               <a:rPr lang="en-US" smtClean="0"/>
-              <a:t>12/5/2021</a:t>
+              <a:t>2021-12-15</a:t>
             </a:fld>
             <a:endParaRPr lang="en-US"/>
           </a:p>
@@ -11459,7 +11372,7 @@
           <a:p>
             <a:fld id="{3C04E684-10F4-4CC3-A0B9-F03AA7BE37CF}" type="datetimeFigureOut">
               <a:rPr lang="en-US" smtClean="0"/>
-              <a:t>12/5/2021</a:t>
+              <a:t>2021-12-15</a:t>
             </a:fld>
             <a:endParaRPr lang="en-US"/>
           </a:p>
@@ -13808,7 +13721,7 @@
           <a:p>
             <a:fld id="{3C04E684-10F4-4CC3-A0B9-F03AA7BE37CF}" type="datetimeFigureOut">
               <a:rPr lang="en-US" smtClean="0"/>
-              <a:t>12/5/2021</a:t>
+              <a:t>2021-12-15</a:t>
             </a:fld>
             <a:endParaRPr lang="en-US"/>
           </a:p>
@@ -13921,7 +13834,7 @@
           <a:p>
             <a:fld id="{3C04E684-10F4-4CC3-A0B9-F03AA7BE37CF}" type="datetimeFigureOut">
               <a:rPr lang="en-US" smtClean="0"/>
-              <a:t>12/5/2021</a:t>
+              <a:t>2021-12-15</a:t>
             </a:fld>
             <a:endParaRPr lang="en-US"/>
           </a:p>
@@ -14428,7 +14341,7 @@
           <a:p>
             <a:fld id="{3C04E684-10F4-4CC3-A0B9-F03AA7BE37CF}" type="datetimeFigureOut">
               <a:rPr lang="en-US" smtClean="0"/>
-              <a:t>12/5/2021</a:t>
+              <a:t>2021-12-15</a:t>
             </a:fld>
             <a:endParaRPr lang="en-US"/>
           </a:p>
@@ -15731,7 +15644,7 @@
           <a:p>
             <a:fld id="{3C04E684-10F4-4CC3-A0B9-F03AA7BE37CF}" type="datetimeFigureOut">
               <a:rPr lang="en-US" smtClean="0"/>
-              <a:t>12/5/2021</a:t>
+              <a:t>2021-12-15</a:t>
             </a:fld>
             <a:endParaRPr lang="en-US"/>
           </a:p>
@@ -15978,7 +15891,7 @@
           <a:p>
             <a:fld id="{3C04E684-10F4-4CC3-A0B9-F03AA7BE37CF}" type="datetimeFigureOut">
               <a:rPr lang="en-US" smtClean="0"/>
-              <a:t>12/5/2021</a:t>
+              <a:t>2021-12-15</a:t>
             </a:fld>
             <a:endParaRPr lang="en-US"/>
           </a:p>
@@ -16729,8 +16642,8 @@
             <a:chExt cx="10760224" cy="689960"/>
           </a:xfrm>
         </p:grpSpPr>
-        <mc:AlternateContent xmlns:mc="http://schemas.openxmlformats.org/markup-compatibility/2006">
-          <mc:Choice xmlns:a14="http://schemas.microsoft.com/office/drawing/2010/main" Requires="a14">
+        <mc:AlternateContent xmlns:mc="http://schemas.openxmlformats.org/markup-compatibility/2006" xmlns:a14="http://schemas.microsoft.com/office/drawing/2010/main">
+          <mc:Choice Requires="a14">
             <p:sp>
               <p:nvSpPr>
                 <p:cNvPr id="22" name="Rectangle 21">
@@ -16947,7 +16860,7 @@
               </p:txBody>
             </p:sp>
           </mc:Choice>
-          <mc:Fallback>
+          <mc:Fallback xmlns="">
             <p:sp>
               <p:nvSpPr>
                 <p:cNvPr id="22" name="Rectangle 21">
@@ -17055,6 +16968,444 @@
     <p:extLst>
       <p:ext uri="{BB962C8B-B14F-4D97-AF65-F5344CB8AC3E}">
         <p14:creationId xmlns:p14="http://schemas.microsoft.com/office/powerpoint/2010/main" val="311463545"/>
+      </p:ext>
+    </p:extLst>
+  </p:cSld>
+  <p:clrMapOvr>
+    <a:masterClrMapping/>
+  </p:clrMapOvr>
+</p:sld>
+</file>
+
+<file path=ppt/slides/slide10.xml><?xml version="1.0" encoding="utf-8"?>
+<p:sld xmlns:a="http://schemas.openxmlformats.org/drawingml/2006/main" xmlns:r="http://schemas.openxmlformats.org/officeDocument/2006/relationships" xmlns:p="http://schemas.openxmlformats.org/presentationml/2006/main">
+  <p:cSld>
+    <p:spTree>
+      <p:nvGrpSpPr>
+        <p:cNvPr id="1" name=""/>
+        <p:cNvGrpSpPr/>
+        <p:nvPr/>
+      </p:nvGrpSpPr>
+      <p:grpSpPr>
+        <a:xfrm>
+          <a:off x="0" y="0"/>
+          <a:ext cx="0" cy="0"/>
+          <a:chOff x="0" y="0"/>
+          <a:chExt cx="0" cy="0"/>
+        </a:xfrm>
+      </p:grpSpPr>
+      <p:sp>
+        <p:nvSpPr>
+          <p:cNvPr id="2" name="Title 1">
+            <a:extLst>
+              <a:ext uri="{FF2B5EF4-FFF2-40B4-BE49-F238E27FC236}">
+                <a16:creationId xmlns:a16="http://schemas.microsoft.com/office/drawing/2014/main" id="{E2271CBE-7278-4FFE-99FE-65B372FF41ED}"/>
+              </a:ext>
+            </a:extLst>
+          </p:cNvPr>
+          <p:cNvSpPr>
+            <a:spLocks noGrp="1"/>
+          </p:cNvSpPr>
+          <p:nvPr>
+            <p:ph type="title"/>
+          </p:nvPr>
+        </p:nvSpPr>
+        <p:spPr/>
+        <p:txBody>
+          <a:bodyPr/>
+          <a:lstStyle/>
+          <a:p>
+            <a:r>
+              <a:rPr lang="en-US" dirty="0"/>
+              <a:t>Final Graph with Greedy Algorithm</a:t>
+            </a:r>
+          </a:p>
+        </p:txBody>
+      </p:sp>
+      <p:sp>
+        <p:nvSpPr>
+          <p:cNvPr id="3" name="Content Placeholder 2">
+            <a:extLst>
+              <a:ext uri="{FF2B5EF4-FFF2-40B4-BE49-F238E27FC236}">
+                <a16:creationId xmlns:a16="http://schemas.microsoft.com/office/drawing/2014/main" id="{EE4B4FD5-9B74-4CF5-9EF4-EC10A72C44A8}"/>
+              </a:ext>
+            </a:extLst>
+          </p:cNvPr>
+          <p:cNvSpPr>
+            <a:spLocks noGrp="1"/>
+          </p:cNvSpPr>
+          <p:nvPr>
+            <p:ph sz="half" idx="1"/>
+          </p:nvPr>
+        </p:nvSpPr>
+        <p:spPr>
+          <a:xfrm>
+            <a:off x="838200" y="2011680"/>
+            <a:ext cx="4937760" cy="410678"/>
+          </a:xfrm>
+        </p:spPr>
+        <p:txBody>
+          <a:bodyPr>
+            <a:normAutofit fontScale="92500" lnSpcReduction="10000"/>
+          </a:bodyPr>
+          <a:lstStyle/>
+          <a:p>
+            <a:pPr marL="0" indent="0">
+              <a:buNone/>
+            </a:pPr>
+            <a:r>
+              <a:rPr lang="en-US" sz="2400" dirty="0"/>
+              <a:t>Compatibility Visualization</a:t>
+            </a:r>
+          </a:p>
+        </p:txBody>
+      </p:sp>
+      <p:sp>
+        <p:nvSpPr>
+          <p:cNvPr id="4" name="Content Placeholder 3">
+            <a:extLst>
+              <a:ext uri="{FF2B5EF4-FFF2-40B4-BE49-F238E27FC236}">
+                <a16:creationId xmlns:a16="http://schemas.microsoft.com/office/drawing/2014/main" id="{59EE2A06-4AB9-4BC3-A685-4273300CF328}"/>
+              </a:ext>
+            </a:extLst>
+          </p:cNvPr>
+          <p:cNvSpPr>
+            <a:spLocks noGrp="1"/>
+          </p:cNvSpPr>
+          <p:nvPr>
+            <p:ph sz="half" idx="2"/>
+          </p:nvPr>
+        </p:nvSpPr>
+        <p:spPr>
+          <a:xfrm>
+            <a:off x="6419088" y="2011680"/>
+            <a:ext cx="4937760" cy="410678"/>
+          </a:xfrm>
+        </p:spPr>
+        <p:txBody>
+          <a:bodyPr>
+            <a:normAutofit fontScale="92500" lnSpcReduction="10000"/>
+          </a:bodyPr>
+          <a:lstStyle/>
+          <a:p>
+            <a:pPr marL="0" indent="0">
+              <a:buNone/>
+            </a:pPr>
+            <a:r>
+              <a:rPr lang="en-US" sz="2400" dirty="0"/>
+              <a:t>Greedily Maximized Matching</a:t>
+            </a:r>
+          </a:p>
+        </p:txBody>
+      </p:sp>
+      <p:pic>
+        <p:nvPicPr>
+          <p:cNvPr id="5" name="Picture 4" descr="http://graphonline.ru/en/?graph=pHnZqqgsSivHwDRhZZcst">
+            <a:extLst>
+              <a:ext uri="{FF2B5EF4-FFF2-40B4-BE49-F238E27FC236}">
+                <a16:creationId xmlns:a16="http://schemas.microsoft.com/office/drawing/2014/main" id="{0C206279-73D2-4574-A974-5477E4485987}"/>
+              </a:ext>
+            </a:extLst>
+          </p:cNvPr>
+          <p:cNvPicPr>
+            <a:picLocks noChangeAspect="1"/>
+          </p:cNvPicPr>
+          <p:nvPr/>
+        </p:nvPicPr>
+        <p:blipFill>
+          <a:blip r:embed="rId2"/>
+          <a:stretch>
+            <a:fillRect/>
+          </a:stretch>
+        </p:blipFill>
+        <p:spPr>
+          <a:xfrm>
+            <a:off x="835152" y="2743350"/>
+            <a:ext cx="4312318" cy="3351287"/>
+          </a:xfrm>
+          <a:prstGeom prst="rect">
+            <a:avLst/>
+          </a:prstGeom>
+        </p:spPr>
+      </p:pic>
+      <p:pic>
+        <p:nvPicPr>
+          <p:cNvPr id="6" name="Picture 5" descr="http://graphonline.ru/en/?graph=pHnZqqgsSivHwDRhZZcst">
+            <a:extLst>
+              <a:ext uri="{FF2B5EF4-FFF2-40B4-BE49-F238E27FC236}">
+                <a16:creationId xmlns:a16="http://schemas.microsoft.com/office/drawing/2014/main" id="{93CA64F9-3D9B-4F39-AEF4-544B24FB51F6}"/>
+              </a:ext>
+            </a:extLst>
+          </p:cNvPr>
+          <p:cNvPicPr>
+            <a:picLocks noChangeAspect="1"/>
+          </p:cNvPicPr>
+          <p:nvPr/>
+        </p:nvPicPr>
+        <p:blipFill>
+          <a:blip r:embed="rId3"/>
+          <a:stretch>
+            <a:fillRect/>
+          </a:stretch>
+        </p:blipFill>
+        <p:spPr>
+          <a:xfrm>
+            <a:off x="6731809" y="2699172"/>
+            <a:ext cx="4312318" cy="3351287"/>
+          </a:xfrm>
+          <a:prstGeom prst="rect">
+            <a:avLst/>
+          </a:prstGeom>
+        </p:spPr>
+      </p:pic>
+    </p:spTree>
+    <p:extLst>
+      <p:ext uri="{BB962C8B-B14F-4D97-AF65-F5344CB8AC3E}">
+        <p14:creationId xmlns:p14="http://schemas.microsoft.com/office/powerpoint/2010/main" val="957720655"/>
+      </p:ext>
+    </p:extLst>
+  </p:cSld>
+  <p:clrMapOvr>
+    <a:masterClrMapping/>
+  </p:clrMapOvr>
+</p:sld>
+</file>
+
+<file path=ppt/slides/slide11.xml><?xml version="1.0" encoding="utf-8"?>
+<p:sld xmlns:a="http://schemas.openxmlformats.org/drawingml/2006/main" xmlns:r="http://schemas.openxmlformats.org/officeDocument/2006/relationships" xmlns:p="http://schemas.openxmlformats.org/presentationml/2006/main">
+  <p:cSld>
+    <p:spTree>
+      <p:nvGrpSpPr>
+        <p:cNvPr id="1" name=""/>
+        <p:cNvGrpSpPr/>
+        <p:nvPr/>
+      </p:nvGrpSpPr>
+      <p:grpSpPr>
+        <a:xfrm>
+          <a:off x="0" y="0"/>
+          <a:ext cx="0" cy="0"/>
+          <a:chOff x="0" y="0"/>
+          <a:chExt cx="0" cy="0"/>
+        </a:xfrm>
+      </p:grpSpPr>
+      <p:sp>
+        <p:nvSpPr>
+          <p:cNvPr id="2" name="Title 1">
+            <a:extLst>
+              <a:ext uri="{FF2B5EF4-FFF2-40B4-BE49-F238E27FC236}">
+                <a16:creationId xmlns:a16="http://schemas.microsoft.com/office/drawing/2014/main" id="{D121B1BD-1943-4056-A1F5-662940C6914A}"/>
+              </a:ext>
+            </a:extLst>
+          </p:cNvPr>
+          <p:cNvSpPr>
+            <a:spLocks noGrp="1"/>
+          </p:cNvSpPr>
+          <p:nvPr>
+            <p:ph type="title"/>
+          </p:nvPr>
+        </p:nvSpPr>
+        <p:spPr>
+          <a:xfrm>
+            <a:off x="1145309" y="640079"/>
+            <a:ext cx="9139334" cy="481711"/>
+          </a:xfrm>
+        </p:spPr>
+        <p:txBody>
+          <a:bodyPr>
+            <a:normAutofit fontScale="90000"/>
+          </a:bodyPr>
+          <a:lstStyle/>
+          <a:p>
+            <a:r>
+              <a:rPr lang="en-US" dirty="0"/>
+              <a:t>Greedy Algorithm	vs	Hungarian Algorithm</a:t>
+            </a:r>
+          </a:p>
+        </p:txBody>
+      </p:sp>
+      <p:sp>
+        <p:nvSpPr>
+          <p:cNvPr id="4" name="Text Placeholder 3">
+            <a:extLst>
+              <a:ext uri="{FF2B5EF4-FFF2-40B4-BE49-F238E27FC236}">
+                <a16:creationId xmlns:a16="http://schemas.microsoft.com/office/drawing/2014/main" id="{D4945F29-C5FA-45FD-9FD3-0CD50A50BDD5}"/>
+              </a:ext>
+            </a:extLst>
+          </p:cNvPr>
+          <p:cNvSpPr>
+            <a:spLocks noGrp="1"/>
+          </p:cNvSpPr>
+          <p:nvPr>
+            <p:ph type="body" sz="half" idx="2"/>
+          </p:nvPr>
+        </p:nvSpPr>
+        <p:spPr>
+          <a:xfrm>
+            <a:off x="1664110" y="1393158"/>
+            <a:ext cx="3319272" cy="1445292"/>
+          </a:xfrm>
+        </p:spPr>
+        <p:txBody>
+          <a:bodyPr anchor="ctr" anchorCtr="1"/>
+          <a:lstStyle/>
+          <a:p>
+            <a:r>
+              <a:rPr lang="en-US" cap="none" dirty="0"/>
+              <a:t>For the chosen example, the weight of the matching as maximized by greedy method is </a:t>
+            </a:r>
+            <a:r>
+              <a:rPr lang="en-US" b="1" cap="none" dirty="0"/>
+              <a:t>336</a:t>
+            </a:r>
+          </a:p>
+        </p:txBody>
+      </p:sp>
+      <p:pic>
+        <p:nvPicPr>
+          <p:cNvPr id="5" name="Picture 4" descr="http://graphonline.ru/en/?graph=pHnZqqgsSivHwDRhZZcst">
+            <a:extLst>
+              <a:ext uri="{FF2B5EF4-FFF2-40B4-BE49-F238E27FC236}">
+                <a16:creationId xmlns:a16="http://schemas.microsoft.com/office/drawing/2014/main" id="{342A5F91-FEE8-4BB8-B4D5-A63C32B28692}"/>
+              </a:ext>
+            </a:extLst>
+          </p:cNvPr>
+          <p:cNvPicPr>
+            <a:picLocks noChangeAspect="1"/>
+          </p:cNvPicPr>
+          <p:nvPr/>
+        </p:nvPicPr>
+        <p:blipFill>
+          <a:blip r:embed="rId2"/>
+          <a:stretch>
+            <a:fillRect/>
+          </a:stretch>
+        </p:blipFill>
+        <p:spPr>
+          <a:xfrm>
+            <a:off x="1167587" y="3429000"/>
+            <a:ext cx="4312318" cy="3351287"/>
+          </a:xfrm>
+          <a:prstGeom prst="rect">
+            <a:avLst/>
+          </a:prstGeom>
+        </p:spPr>
+      </p:pic>
+      <p:sp>
+        <p:nvSpPr>
+          <p:cNvPr id="6" name="TextBox 5">
+            <a:extLst>
+              <a:ext uri="{FF2B5EF4-FFF2-40B4-BE49-F238E27FC236}">
+                <a16:creationId xmlns:a16="http://schemas.microsoft.com/office/drawing/2014/main" id="{6D2EBF7F-0987-448C-8A86-0E349FDF3344}"/>
+              </a:ext>
+            </a:extLst>
+          </p:cNvPr>
+          <p:cNvSpPr txBox="1"/>
+          <p:nvPr/>
+        </p:nvSpPr>
+        <p:spPr>
+          <a:xfrm>
+            <a:off x="5695926" y="1393158"/>
+            <a:ext cx="5466164" cy="1445292"/>
+          </a:xfrm>
+          <a:prstGeom prst="rect">
+            <a:avLst/>
+          </a:prstGeom>
+          <a:noFill/>
+        </p:spPr>
+        <p:txBody>
+          <a:bodyPr wrap="square" rtlCol="0" anchor="ctr" anchorCtr="1">
+            <a:noAutofit/>
+          </a:bodyPr>
+          <a:lstStyle/>
+          <a:p>
+            <a:pPr marL="0" marR="0" lvl="0" indent="0" algn="ctr" defTabSz="914400" rtl="0" eaLnBrk="1" fontAlgn="auto" latinLnBrk="0" hangingPunct="1">
+              <a:lnSpc>
+                <a:spcPct val="100000"/>
+              </a:lnSpc>
+              <a:spcBef>
+                <a:spcPts val="1000"/>
+              </a:spcBef>
+              <a:spcAft>
+                <a:spcPts val="0"/>
+              </a:spcAft>
+              <a:buClrTx/>
+              <a:buSzTx/>
+              <a:buFont typeface="Arial" panose="020B0604020202020204" pitchFamily="34" charset="0"/>
+              <a:buNone/>
+              <a:tabLst/>
+              <a:defRPr/>
+            </a:pPr>
+            <a:r>
+              <a:rPr kumimoji="0" lang="en-US" sz="2000" b="0" i="0" u="none" strike="noStrike" kern="1200" cap="none" spc="0" normalizeH="0" baseline="0" noProof="0" dirty="0">
+                <a:ln>
+                  <a:noFill/>
+                </a:ln>
+                <a:solidFill>
+                  <a:srgbClr val="000000"/>
+                </a:solidFill>
+                <a:effectLst/>
+                <a:uLnTx/>
+                <a:uFillTx/>
+                <a:latin typeface="Century Gothic"/>
+                <a:ea typeface="+mn-ea"/>
+                <a:cs typeface="+mn-cs"/>
+              </a:rPr>
+              <a:t>Hungarian Algorithm gives us a maximum matching of weight </a:t>
+            </a:r>
+            <a:r>
+              <a:rPr kumimoji="0" lang="en-US" sz="2000" b="1" i="0" u="none" strike="noStrike" kern="1200" cap="none" spc="0" normalizeH="0" baseline="0" noProof="0" dirty="0">
+                <a:ln>
+                  <a:noFill/>
+                </a:ln>
+                <a:solidFill>
+                  <a:srgbClr val="000000"/>
+                </a:solidFill>
+                <a:effectLst/>
+                <a:uLnTx/>
+                <a:uFillTx/>
+                <a:latin typeface="Century Gothic"/>
+                <a:ea typeface="+mn-ea"/>
+                <a:cs typeface="+mn-cs"/>
+              </a:rPr>
+              <a:t>344</a:t>
+            </a:r>
+          </a:p>
+        </p:txBody>
+      </p:sp>
+      <p:pic>
+        <p:nvPicPr>
+          <p:cNvPr id="7" name="Picture 6" descr="http://graphonline.ru/en/?graph=fDXhvfhIBRXnQGYmZZcst">
+            <a:extLst>
+              <a:ext uri="{FF2B5EF4-FFF2-40B4-BE49-F238E27FC236}">
+                <a16:creationId xmlns:a16="http://schemas.microsoft.com/office/drawing/2014/main" id="{45506821-7F2A-407C-BD4F-F04E5B442794}"/>
+              </a:ext>
+            </a:extLst>
+          </p:cNvPr>
+          <p:cNvPicPr>
+            <a:picLocks noChangeAspect="1"/>
+          </p:cNvPicPr>
+          <p:nvPr/>
+        </p:nvPicPr>
+        <p:blipFill>
+          <a:blip r:embed="rId3"/>
+          <a:stretch>
+            <a:fillRect/>
+          </a:stretch>
+        </p:blipFill>
+        <p:spPr>
+          <a:xfrm>
+            <a:off x="6419850" y="3428999"/>
+            <a:ext cx="4312318" cy="3351287"/>
+          </a:xfrm>
+          <a:prstGeom prst="rect">
+            <a:avLst/>
+          </a:prstGeom>
+        </p:spPr>
+      </p:pic>
+    </p:spTree>
+    <p:extLst>
+      <p:ext uri="{BB962C8B-B14F-4D97-AF65-F5344CB8AC3E}">
+        <p14:creationId xmlns:p14="http://schemas.microsoft.com/office/powerpoint/2010/main" val="3782836538"/>
       </p:ext>
     </p:extLst>
   </p:cSld>
@@ -17182,7 +17533,7 @@
                     <a:bodyPr/>
                     <a:lstStyle/>
                     <a:p>
-                      <a:endParaRPr lang="en-US" sz="1200"/>
+                      <a:endParaRPr lang="en-US" sz="1200" dirty="0"/>
                     </a:p>
                   </a:txBody>
                   <a:tcPr>
@@ -36515,7 +36866,7 @@
         <p:spPr>
           <a:xfrm>
             <a:off x="587353" y="613675"/>
-            <a:ext cx="4568879" cy="369332"/>
+            <a:ext cx="2178802" cy="369332"/>
           </a:xfrm>
           <a:prstGeom prst="rect">
             <a:avLst/>
@@ -36530,7 +36881,1655 @@
           <a:p>
             <a:r>
               <a:rPr lang="en-US" b="1" dirty="0"/>
-              <a:t>Greedy Version of Hungarian Algorithm</a:t>
+              <a:t>Greedy Algorithm</a:t>
+            </a:r>
+          </a:p>
+        </p:txBody>
+      </p:sp>
+      <p:graphicFrame>
+        <p:nvGraphicFramePr>
+          <p:cNvPr id="5" name="Table 69">
+            <a:extLst>
+              <a:ext uri="{FF2B5EF4-FFF2-40B4-BE49-F238E27FC236}">
+                <a16:creationId xmlns:a16="http://schemas.microsoft.com/office/drawing/2014/main" id="{1846624B-BE4F-4B46-989F-77C4B0A50816}"/>
+              </a:ext>
+            </a:extLst>
+          </p:cNvPr>
+          <p:cNvGraphicFramePr>
+            <a:graphicFrameLocks noGrp="1"/>
+          </p:cNvGraphicFramePr>
+          <p:nvPr>
+            <p:extLst>
+              <p:ext uri="{D42A27DB-BD31-4B8C-83A1-F6EECF244321}">
+                <p14:modId xmlns:p14="http://schemas.microsoft.com/office/powerpoint/2010/main" val="458578288"/>
+              </p:ext>
+            </p:extLst>
+          </p:nvPr>
+        </p:nvGraphicFramePr>
+        <p:xfrm>
+          <a:off x="3709976" y="2268255"/>
+          <a:ext cx="4645525" cy="2321490"/>
+        </p:xfrm>
+        <a:graphic>
+          <a:graphicData uri="http://schemas.openxmlformats.org/drawingml/2006/table">
+            <a:tbl>
+              <a:tblPr firstRow="1" bandRow="1">
+                <a:tableStyleId>{5C22544A-7EE6-4342-B048-85BDC9FD1C3A}</a:tableStyleId>
+              </a:tblPr>
+              <a:tblGrid>
+                <a:gridCol w="929105">
+                  <a:extLst>
+                    <a:ext uri="{9D8B030D-6E8A-4147-A177-3AD203B41FA5}">
+                      <a16:colId xmlns:a16="http://schemas.microsoft.com/office/drawing/2014/main" val="320037778"/>
+                    </a:ext>
+                  </a:extLst>
+                </a:gridCol>
+                <a:gridCol w="929105">
+                  <a:extLst>
+                    <a:ext uri="{9D8B030D-6E8A-4147-A177-3AD203B41FA5}">
+                      <a16:colId xmlns:a16="http://schemas.microsoft.com/office/drawing/2014/main" val="3061072369"/>
+                    </a:ext>
+                  </a:extLst>
+                </a:gridCol>
+                <a:gridCol w="929105">
+                  <a:extLst>
+                    <a:ext uri="{9D8B030D-6E8A-4147-A177-3AD203B41FA5}">
+                      <a16:colId xmlns:a16="http://schemas.microsoft.com/office/drawing/2014/main" val="3088086231"/>
+                    </a:ext>
+                  </a:extLst>
+                </a:gridCol>
+                <a:gridCol w="929105">
+                  <a:extLst>
+                    <a:ext uri="{9D8B030D-6E8A-4147-A177-3AD203B41FA5}">
+                      <a16:colId xmlns:a16="http://schemas.microsoft.com/office/drawing/2014/main" val="3188720254"/>
+                    </a:ext>
+                  </a:extLst>
+                </a:gridCol>
+                <a:gridCol w="929105">
+                  <a:extLst>
+                    <a:ext uri="{9D8B030D-6E8A-4147-A177-3AD203B41FA5}">
+                      <a16:colId xmlns:a16="http://schemas.microsoft.com/office/drawing/2014/main" val="1387403323"/>
+                    </a:ext>
+                  </a:extLst>
+                </a:gridCol>
+              </a:tblGrid>
+              <a:tr h="464298">
+                <a:tc>
+                  <a:txBody>
+                    <a:bodyPr/>
+                    <a:lstStyle/>
+                    <a:p>
+                      <a:pPr algn="ctr"/>
+                      <a:endParaRPr lang="en-US" sz="1200" dirty="0"/>
+                    </a:p>
+                  </a:txBody>
+                  <a:tcPr anchor="ctr">
+                    <a:lnL w="12700" cap="flat" cmpd="sng" algn="ctr">
+                      <a:solidFill>
+                        <a:schemeClr val="tx1"/>
+                      </a:solidFill>
+                      <a:prstDash val="solid"/>
+                      <a:round/>
+                      <a:headEnd type="none" w="med" len="med"/>
+                      <a:tailEnd type="none" w="med" len="med"/>
+                    </a:lnL>
+                    <a:lnR w="12700" cap="flat" cmpd="sng" algn="ctr">
+                      <a:solidFill>
+                        <a:schemeClr val="tx1"/>
+                      </a:solidFill>
+                      <a:prstDash val="solid"/>
+                      <a:round/>
+                      <a:headEnd type="none" w="med" len="med"/>
+                      <a:tailEnd type="none" w="med" len="med"/>
+                    </a:lnR>
+                    <a:lnT w="12700" cap="flat" cmpd="sng" algn="ctr">
+                      <a:solidFill>
+                        <a:schemeClr val="tx1"/>
+                      </a:solidFill>
+                      <a:prstDash val="solid"/>
+                      <a:round/>
+                      <a:headEnd type="none" w="med" len="med"/>
+                      <a:tailEnd type="none" w="med" len="med"/>
+                    </a:lnT>
+                    <a:lnB w="12700" cap="flat" cmpd="sng" algn="ctr">
+                      <a:solidFill>
+                        <a:schemeClr val="tx1"/>
+                      </a:solidFill>
+                      <a:prstDash val="solid"/>
+                      <a:round/>
+                      <a:headEnd type="none" w="med" len="med"/>
+                      <a:tailEnd type="none" w="med" len="med"/>
+                    </a:lnB>
+                    <a:solidFill>
+                      <a:schemeClr val="bg1"/>
+                    </a:solidFill>
+                  </a:tcPr>
+                </a:tc>
+                <a:tc>
+                  <a:txBody>
+                    <a:bodyPr/>
+                    <a:lstStyle/>
+                    <a:p>
+                      <a:pPr algn="ctr"/>
+                      <a:r>
+                        <a:rPr lang="en-US" sz="1200" b="0" dirty="0">
+                          <a:solidFill>
+                            <a:schemeClr val="tx1"/>
+                          </a:solidFill>
+                        </a:rPr>
+                        <a:t>Patient_1</a:t>
+                      </a:r>
+                    </a:p>
+                  </a:txBody>
+                  <a:tcPr anchor="ctr">
+                    <a:lnL w="12700" cap="flat" cmpd="sng" algn="ctr">
+                      <a:solidFill>
+                        <a:schemeClr val="tx1"/>
+                      </a:solidFill>
+                      <a:prstDash val="solid"/>
+                      <a:round/>
+                      <a:headEnd type="none" w="med" len="med"/>
+                      <a:tailEnd type="none" w="med" len="med"/>
+                    </a:lnL>
+                    <a:lnR w="12700" cap="flat" cmpd="sng" algn="ctr">
+                      <a:solidFill>
+                        <a:schemeClr val="tx1"/>
+                      </a:solidFill>
+                      <a:prstDash val="solid"/>
+                      <a:round/>
+                      <a:headEnd type="none" w="med" len="med"/>
+                      <a:tailEnd type="none" w="med" len="med"/>
+                    </a:lnR>
+                    <a:lnT w="12700" cap="flat" cmpd="sng" algn="ctr">
+                      <a:solidFill>
+                        <a:schemeClr val="tx1"/>
+                      </a:solidFill>
+                      <a:prstDash val="solid"/>
+                      <a:round/>
+                      <a:headEnd type="none" w="med" len="med"/>
+                      <a:tailEnd type="none" w="med" len="med"/>
+                    </a:lnT>
+                    <a:lnB w="12700" cap="flat" cmpd="sng" algn="ctr">
+                      <a:solidFill>
+                        <a:schemeClr val="tx1"/>
+                      </a:solidFill>
+                      <a:prstDash val="solid"/>
+                      <a:round/>
+                      <a:headEnd type="none" w="med" len="med"/>
+                      <a:tailEnd type="none" w="med" len="med"/>
+                    </a:lnB>
+                    <a:solidFill>
+                      <a:schemeClr val="bg1"/>
+                    </a:solidFill>
+                  </a:tcPr>
+                </a:tc>
+                <a:tc>
+                  <a:txBody>
+                    <a:bodyPr/>
+                    <a:lstStyle/>
+                    <a:p>
+                      <a:pPr marL="0" marR="0" lvl="0" indent="0" algn="ctr" defTabSz="914400" rtl="0" eaLnBrk="1" fontAlgn="auto" latinLnBrk="0" hangingPunct="1">
+                        <a:lnSpc>
+                          <a:spcPct val="100000"/>
+                        </a:lnSpc>
+                        <a:spcBef>
+                          <a:spcPts val="0"/>
+                        </a:spcBef>
+                        <a:spcAft>
+                          <a:spcPts val="0"/>
+                        </a:spcAft>
+                        <a:buClrTx/>
+                        <a:buSzTx/>
+                        <a:buFontTx/>
+                        <a:buNone/>
+                        <a:tabLst/>
+                        <a:defRPr/>
+                      </a:pPr>
+                      <a:r>
+                        <a:rPr lang="en-US" sz="1200" b="0" dirty="0">
+                          <a:solidFill>
+                            <a:schemeClr val="tx1"/>
+                          </a:solidFill>
+                        </a:rPr>
+                        <a:t>Patient_2</a:t>
+                      </a:r>
+                    </a:p>
+                  </a:txBody>
+                  <a:tcPr anchor="ctr">
+                    <a:lnL w="12700" cap="flat" cmpd="sng" algn="ctr">
+                      <a:solidFill>
+                        <a:schemeClr val="tx1"/>
+                      </a:solidFill>
+                      <a:prstDash val="solid"/>
+                      <a:round/>
+                      <a:headEnd type="none" w="med" len="med"/>
+                      <a:tailEnd type="none" w="med" len="med"/>
+                    </a:lnL>
+                    <a:lnR w="12700" cap="flat" cmpd="sng" algn="ctr">
+                      <a:solidFill>
+                        <a:schemeClr val="tx1"/>
+                      </a:solidFill>
+                      <a:prstDash val="solid"/>
+                      <a:round/>
+                      <a:headEnd type="none" w="med" len="med"/>
+                      <a:tailEnd type="none" w="med" len="med"/>
+                    </a:lnR>
+                    <a:lnT w="12700" cap="flat" cmpd="sng" algn="ctr">
+                      <a:solidFill>
+                        <a:schemeClr val="tx1"/>
+                      </a:solidFill>
+                      <a:prstDash val="solid"/>
+                      <a:round/>
+                      <a:headEnd type="none" w="med" len="med"/>
+                      <a:tailEnd type="none" w="med" len="med"/>
+                    </a:lnT>
+                    <a:lnB w="12700" cap="flat" cmpd="sng" algn="ctr">
+                      <a:solidFill>
+                        <a:schemeClr val="tx1"/>
+                      </a:solidFill>
+                      <a:prstDash val="solid"/>
+                      <a:round/>
+                      <a:headEnd type="none" w="med" len="med"/>
+                      <a:tailEnd type="none" w="med" len="med"/>
+                    </a:lnB>
+                    <a:solidFill>
+                      <a:schemeClr val="bg1"/>
+                    </a:solidFill>
+                  </a:tcPr>
+                </a:tc>
+                <a:tc>
+                  <a:txBody>
+                    <a:bodyPr/>
+                    <a:lstStyle/>
+                    <a:p>
+                      <a:pPr marL="0" marR="0" lvl="0" indent="0" algn="ctr" defTabSz="914400" rtl="0" eaLnBrk="1" fontAlgn="auto" latinLnBrk="0" hangingPunct="1">
+                        <a:lnSpc>
+                          <a:spcPct val="100000"/>
+                        </a:lnSpc>
+                        <a:spcBef>
+                          <a:spcPts val="0"/>
+                        </a:spcBef>
+                        <a:spcAft>
+                          <a:spcPts val="0"/>
+                        </a:spcAft>
+                        <a:buClrTx/>
+                        <a:buSzTx/>
+                        <a:buFontTx/>
+                        <a:buNone/>
+                        <a:tabLst/>
+                        <a:defRPr/>
+                      </a:pPr>
+                      <a:r>
+                        <a:rPr lang="en-US" sz="1200" b="0" dirty="0">
+                          <a:solidFill>
+                            <a:schemeClr val="tx1"/>
+                          </a:solidFill>
+                        </a:rPr>
+                        <a:t>Patient_3</a:t>
+                      </a:r>
+                    </a:p>
+                  </a:txBody>
+                  <a:tcPr anchor="ctr">
+                    <a:lnL w="12700" cap="flat" cmpd="sng" algn="ctr">
+                      <a:solidFill>
+                        <a:schemeClr val="tx1"/>
+                      </a:solidFill>
+                      <a:prstDash val="solid"/>
+                      <a:round/>
+                      <a:headEnd type="none" w="med" len="med"/>
+                      <a:tailEnd type="none" w="med" len="med"/>
+                    </a:lnL>
+                    <a:lnR w="12700" cap="flat" cmpd="sng" algn="ctr">
+                      <a:solidFill>
+                        <a:schemeClr val="tx1"/>
+                      </a:solidFill>
+                      <a:prstDash val="solid"/>
+                      <a:round/>
+                      <a:headEnd type="none" w="med" len="med"/>
+                      <a:tailEnd type="none" w="med" len="med"/>
+                    </a:lnR>
+                    <a:lnT w="12700" cap="flat" cmpd="sng" algn="ctr">
+                      <a:solidFill>
+                        <a:schemeClr val="tx1"/>
+                      </a:solidFill>
+                      <a:prstDash val="solid"/>
+                      <a:round/>
+                      <a:headEnd type="none" w="med" len="med"/>
+                      <a:tailEnd type="none" w="med" len="med"/>
+                    </a:lnT>
+                    <a:lnB w="12700" cap="flat" cmpd="sng" algn="ctr">
+                      <a:solidFill>
+                        <a:schemeClr val="tx1"/>
+                      </a:solidFill>
+                      <a:prstDash val="solid"/>
+                      <a:round/>
+                      <a:headEnd type="none" w="med" len="med"/>
+                      <a:tailEnd type="none" w="med" len="med"/>
+                    </a:lnB>
+                    <a:solidFill>
+                      <a:schemeClr val="bg1"/>
+                    </a:solidFill>
+                  </a:tcPr>
+                </a:tc>
+                <a:tc>
+                  <a:txBody>
+                    <a:bodyPr/>
+                    <a:lstStyle/>
+                    <a:p>
+                      <a:pPr marL="0" marR="0" lvl="0" indent="0" algn="ctr" defTabSz="914400" rtl="0" eaLnBrk="1" fontAlgn="auto" latinLnBrk="0" hangingPunct="1">
+                        <a:lnSpc>
+                          <a:spcPct val="100000"/>
+                        </a:lnSpc>
+                        <a:spcBef>
+                          <a:spcPts val="0"/>
+                        </a:spcBef>
+                        <a:spcAft>
+                          <a:spcPts val="0"/>
+                        </a:spcAft>
+                        <a:buClrTx/>
+                        <a:buSzTx/>
+                        <a:buFontTx/>
+                        <a:buNone/>
+                        <a:tabLst/>
+                        <a:defRPr/>
+                      </a:pPr>
+                      <a:r>
+                        <a:rPr lang="en-US" sz="1200" b="0" dirty="0">
+                          <a:solidFill>
+                            <a:schemeClr val="tx1"/>
+                          </a:solidFill>
+                        </a:rPr>
+                        <a:t>Patient_4</a:t>
+                      </a:r>
+                    </a:p>
+                  </a:txBody>
+                  <a:tcPr anchor="ctr">
+                    <a:lnL w="12700" cap="flat" cmpd="sng" algn="ctr">
+                      <a:solidFill>
+                        <a:schemeClr val="tx1"/>
+                      </a:solidFill>
+                      <a:prstDash val="solid"/>
+                      <a:round/>
+                      <a:headEnd type="none" w="med" len="med"/>
+                      <a:tailEnd type="none" w="med" len="med"/>
+                    </a:lnL>
+                    <a:lnR w="12700" cap="flat" cmpd="sng" algn="ctr">
+                      <a:solidFill>
+                        <a:schemeClr val="tx1"/>
+                      </a:solidFill>
+                      <a:prstDash val="solid"/>
+                      <a:round/>
+                      <a:headEnd type="none" w="med" len="med"/>
+                      <a:tailEnd type="none" w="med" len="med"/>
+                    </a:lnR>
+                    <a:lnT w="12700" cap="flat" cmpd="sng" algn="ctr">
+                      <a:solidFill>
+                        <a:schemeClr val="tx1"/>
+                      </a:solidFill>
+                      <a:prstDash val="solid"/>
+                      <a:round/>
+                      <a:headEnd type="none" w="med" len="med"/>
+                      <a:tailEnd type="none" w="med" len="med"/>
+                    </a:lnT>
+                    <a:lnB w="12700" cap="flat" cmpd="sng" algn="ctr">
+                      <a:solidFill>
+                        <a:schemeClr val="tx1"/>
+                      </a:solidFill>
+                      <a:prstDash val="solid"/>
+                      <a:round/>
+                      <a:headEnd type="none" w="med" len="med"/>
+                      <a:tailEnd type="none" w="med" len="med"/>
+                    </a:lnB>
+                    <a:solidFill>
+                      <a:schemeClr val="bg1"/>
+                    </a:solidFill>
+                  </a:tcPr>
+                </a:tc>
+                <a:extLst>
+                  <a:ext uri="{0D108BD9-81ED-4DB2-BD59-A6C34878D82A}">
+                    <a16:rowId xmlns:a16="http://schemas.microsoft.com/office/drawing/2014/main" val="3358250160"/>
+                  </a:ext>
+                </a:extLst>
+              </a:tr>
+              <a:tr h="464298">
+                <a:tc>
+                  <a:txBody>
+                    <a:bodyPr/>
+                    <a:lstStyle/>
+                    <a:p>
+                      <a:pPr algn="ctr"/>
+                      <a:r>
+                        <a:rPr lang="en-US" sz="1200" dirty="0"/>
+                        <a:t>Donor_1</a:t>
+                      </a:r>
+                    </a:p>
+                  </a:txBody>
+                  <a:tcPr anchor="ctr">
+                    <a:lnL w="12700" cap="flat" cmpd="sng" algn="ctr">
+                      <a:solidFill>
+                        <a:schemeClr val="tx1"/>
+                      </a:solidFill>
+                      <a:prstDash val="solid"/>
+                      <a:round/>
+                      <a:headEnd type="none" w="med" len="med"/>
+                      <a:tailEnd type="none" w="med" len="med"/>
+                    </a:lnL>
+                    <a:lnR w="12700" cap="flat" cmpd="sng" algn="ctr">
+                      <a:solidFill>
+                        <a:schemeClr val="tx1"/>
+                      </a:solidFill>
+                      <a:prstDash val="solid"/>
+                      <a:round/>
+                      <a:headEnd type="none" w="med" len="med"/>
+                      <a:tailEnd type="none" w="med" len="med"/>
+                    </a:lnR>
+                    <a:lnT w="12700" cap="flat" cmpd="sng" algn="ctr">
+                      <a:solidFill>
+                        <a:schemeClr val="tx1"/>
+                      </a:solidFill>
+                      <a:prstDash val="solid"/>
+                      <a:round/>
+                      <a:headEnd type="none" w="med" len="med"/>
+                      <a:tailEnd type="none" w="med" len="med"/>
+                    </a:lnT>
+                    <a:lnB w="12700" cap="flat" cmpd="sng" algn="ctr">
+                      <a:solidFill>
+                        <a:schemeClr val="tx1"/>
+                      </a:solidFill>
+                      <a:prstDash val="solid"/>
+                      <a:round/>
+                      <a:headEnd type="none" w="med" len="med"/>
+                      <a:tailEnd type="none" w="med" len="med"/>
+                    </a:lnB>
+                    <a:solidFill>
+                      <a:schemeClr val="bg1"/>
+                    </a:solidFill>
+                  </a:tcPr>
+                </a:tc>
+                <a:tc>
+                  <a:txBody>
+                    <a:bodyPr/>
+                    <a:lstStyle/>
+                    <a:p>
+                      <a:pPr marL="0" marR="0" lvl="0" indent="0" algn="ctr" defTabSz="914400" rtl="0" eaLnBrk="1" fontAlgn="auto" latinLnBrk="0" hangingPunct="1">
+                        <a:lnSpc>
+                          <a:spcPct val="100000"/>
+                        </a:lnSpc>
+                        <a:spcBef>
+                          <a:spcPts val="0"/>
+                        </a:spcBef>
+                        <a:spcAft>
+                          <a:spcPts val="0"/>
+                        </a:spcAft>
+                        <a:buClrTx/>
+                        <a:buSzTx/>
+                        <a:buFontTx/>
+                        <a:buNone/>
+                        <a:tabLst/>
+                        <a:defRPr/>
+                      </a:pPr>
+                      <a:r>
+                        <a:rPr lang="en-US" sz="1200" dirty="0">
+                          <a:effectLst/>
+                        </a:rPr>
+                        <a:t>82</a:t>
+                      </a:r>
+                    </a:p>
+                  </a:txBody>
+                  <a:tcPr anchor="ctr">
+                    <a:lnL w="12700" cap="flat" cmpd="sng" algn="ctr">
+                      <a:solidFill>
+                        <a:schemeClr val="tx1"/>
+                      </a:solidFill>
+                      <a:prstDash val="solid"/>
+                      <a:round/>
+                      <a:headEnd type="none" w="med" len="med"/>
+                      <a:tailEnd type="none" w="med" len="med"/>
+                    </a:lnL>
+                    <a:lnR w="12700" cap="flat" cmpd="sng" algn="ctr">
+                      <a:solidFill>
+                        <a:schemeClr val="tx1"/>
+                      </a:solidFill>
+                      <a:prstDash val="solid"/>
+                      <a:round/>
+                      <a:headEnd type="none" w="med" len="med"/>
+                      <a:tailEnd type="none" w="med" len="med"/>
+                    </a:lnR>
+                    <a:lnT w="12700" cap="flat" cmpd="sng" algn="ctr">
+                      <a:solidFill>
+                        <a:schemeClr val="tx1"/>
+                      </a:solidFill>
+                      <a:prstDash val="solid"/>
+                      <a:round/>
+                      <a:headEnd type="none" w="med" len="med"/>
+                      <a:tailEnd type="none" w="med" len="med"/>
+                    </a:lnT>
+                    <a:lnB w="12700" cap="flat" cmpd="sng" algn="ctr">
+                      <a:solidFill>
+                        <a:schemeClr val="tx1"/>
+                      </a:solidFill>
+                      <a:prstDash val="solid"/>
+                      <a:round/>
+                      <a:headEnd type="none" w="med" len="med"/>
+                      <a:tailEnd type="none" w="med" len="med"/>
+                    </a:lnB>
+                    <a:solidFill>
+                      <a:schemeClr val="bg1"/>
+                    </a:solidFill>
+                  </a:tcPr>
+                </a:tc>
+                <a:tc>
+                  <a:txBody>
+                    <a:bodyPr/>
+                    <a:lstStyle/>
+                    <a:p>
+                      <a:pPr algn="ctr" fontAlgn="t"/>
+                      <a:r>
+                        <a:rPr lang="en-US" sz="1200" dirty="0">
+                          <a:effectLst/>
+                        </a:rPr>
+                        <a:t>83</a:t>
+                      </a:r>
+                    </a:p>
+                  </a:txBody>
+                  <a:tcPr anchor="ctr">
+                    <a:lnL w="12700" cap="flat" cmpd="sng" algn="ctr">
+                      <a:solidFill>
+                        <a:schemeClr val="tx1"/>
+                      </a:solidFill>
+                      <a:prstDash val="solid"/>
+                      <a:round/>
+                      <a:headEnd type="none" w="med" len="med"/>
+                      <a:tailEnd type="none" w="med" len="med"/>
+                    </a:lnL>
+                    <a:lnR w="12700" cap="flat" cmpd="sng" algn="ctr">
+                      <a:solidFill>
+                        <a:schemeClr val="tx1"/>
+                      </a:solidFill>
+                      <a:prstDash val="solid"/>
+                      <a:round/>
+                      <a:headEnd type="none" w="med" len="med"/>
+                      <a:tailEnd type="none" w="med" len="med"/>
+                    </a:lnR>
+                    <a:lnT w="12700" cap="flat" cmpd="sng" algn="ctr">
+                      <a:solidFill>
+                        <a:schemeClr val="tx1"/>
+                      </a:solidFill>
+                      <a:prstDash val="solid"/>
+                      <a:round/>
+                      <a:headEnd type="none" w="med" len="med"/>
+                      <a:tailEnd type="none" w="med" len="med"/>
+                    </a:lnT>
+                    <a:lnB w="12700" cap="flat" cmpd="sng" algn="ctr">
+                      <a:solidFill>
+                        <a:schemeClr val="tx1"/>
+                      </a:solidFill>
+                      <a:prstDash val="solid"/>
+                      <a:round/>
+                      <a:headEnd type="none" w="med" len="med"/>
+                      <a:tailEnd type="none" w="med" len="med"/>
+                    </a:lnB>
+                    <a:solidFill>
+                      <a:schemeClr val="bg1"/>
+                    </a:solidFill>
+                  </a:tcPr>
+                </a:tc>
+                <a:tc>
+                  <a:txBody>
+                    <a:bodyPr/>
+                    <a:lstStyle/>
+                    <a:p>
+                      <a:pPr algn="ctr" fontAlgn="t"/>
+                      <a:r>
+                        <a:rPr lang="en-US" sz="1200" dirty="0">
+                          <a:effectLst/>
+                        </a:rPr>
+                        <a:t>69</a:t>
+                      </a:r>
+                    </a:p>
+                  </a:txBody>
+                  <a:tcPr anchor="ctr">
+                    <a:lnL w="12700" cap="flat" cmpd="sng" algn="ctr">
+                      <a:solidFill>
+                        <a:schemeClr val="tx1"/>
+                      </a:solidFill>
+                      <a:prstDash val="solid"/>
+                      <a:round/>
+                      <a:headEnd type="none" w="med" len="med"/>
+                      <a:tailEnd type="none" w="med" len="med"/>
+                    </a:lnL>
+                    <a:lnR w="12700" cap="flat" cmpd="sng" algn="ctr">
+                      <a:solidFill>
+                        <a:schemeClr val="tx1"/>
+                      </a:solidFill>
+                      <a:prstDash val="solid"/>
+                      <a:round/>
+                      <a:headEnd type="none" w="med" len="med"/>
+                      <a:tailEnd type="none" w="med" len="med"/>
+                    </a:lnR>
+                    <a:lnT w="12700" cap="flat" cmpd="sng" algn="ctr">
+                      <a:solidFill>
+                        <a:schemeClr val="tx1"/>
+                      </a:solidFill>
+                      <a:prstDash val="solid"/>
+                      <a:round/>
+                      <a:headEnd type="none" w="med" len="med"/>
+                      <a:tailEnd type="none" w="med" len="med"/>
+                    </a:lnT>
+                    <a:lnB w="12700" cap="flat" cmpd="sng" algn="ctr">
+                      <a:solidFill>
+                        <a:schemeClr val="tx1"/>
+                      </a:solidFill>
+                      <a:prstDash val="solid"/>
+                      <a:round/>
+                      <a:headEnd type="none" w="med" len="med"/>
+                      <a:tailEnd type="none" w="med" len="med"/>
+                    </a:lnB>
+                    <a:solidFill>
+                      <a:schemeClr val="bg1"/>
+                    </a:solidFill>
+                  </a:tcPr>
+                </a:tc>
+                <a:tc>
+                  <a:txBody>
+                    <a:bodyPr/>
+                    <a:lstStyle/>
+                    <a:p>
+                      <a:pPr algn="ctr" fontAlgn="t"/>
+                      <a:r>
+                        <a:rPr lang="en-US" sz="1200" dirty="0">
+                          <a:effectLst/>
+                        </a:rPr>
+                        <a:t>92</a:t>
+                      </a:r>
+                    </a:p>
+                  </a:txBody>
+                  <a:tcPr anchor="ctr">
+                    <a:lnL w="12700" cap="flat" cmpd="sng" algn="ctr">
+                      <a:solidFill>
+                        <a:schemeClr val="tx1"/>
+                      </a:solidFill>
+                      <a:prstDash val="solid"/>
+                      <a:round/>
+                      <a:headEnd type="none" w="med" len="med"/>
+                      <a:tailEnd type="none" w="med" len="med"/>
+                    </a:lnL>
+                    <a:lnR w="12700" cap="flat" cmpd="sng" algn="ctr">
+                      <a:solidFill>
+                        <a:schemeClr val="tx1"/>
+                      </a:solidFill>
+                      <a:prstDash val="solid"/>
+                      <a:round/>
+                      <a:headEnd type="none" w="med" len="med"/>
+                      <a:tailEnd type="none" w="med" len="med"/>
+                    </a:lnR>
+                    <a:lnT w="12700" cap="flat" cmpd="sng" algn="ctr">
+                      <a:solidFill>
+                        <a:schemeClr val="tx1"/>
+                      </a:solidFill>
+                      <a:prstDash val="solid"/>
+                      <a:round/>
+                      <a:headEnd type="none" w="med" len="med"/>
+                      <a:tailEnd type="none" w="med" len="med"/>
+                    </a:lnT>
+                    <a:lnB w="12700" cap="flat" cmpd="sng" algn="ctr">
+                      <a:solidFill>
+                        <a:schemeClr val="tx1"/>
+                      </a:solidFill>
+                      <a:prstDash val="solid"/>
+                      <a:round/>
+                      <a:headEnd type="none" w="med" len="med"/>
+                      <a:tailEnd type="none" w="med" len="med"/>
+                    </a:lnB>
+                    <a:solidFill>
+                      <a:schemeClr val="bg1"/>
+                    </a:solidFill>
+                  </a:tcPr>
+                </a:tc>
+                <a:extLst>
+                  <a:ext uri="{0D108BD9-81ED-4DB2-BD59-A6C34878D82A}">
+                    <a16:rowId xmlns:a16="http://schemas.microsoft.com/office/drawing/2014/main" val="232487972"/>
+                  </a:ext>
+                </a:extLst>
+              </a:tr>
+              <a:tr h="464298">
+                <a:tc>
+                  <a:txBody>
+                    <a:bodyPr/>
+                    <a:lstStyle/>
+                    <a:p>
+                      <a:pPr marL="0" marR="0" lvl="0" indent="0" algn="ctr" defTabSz="914400" rtl="0" eaLnBrk="1" fontAlgn="auto" latinLnBrk="0" hangingPunct="1">
+                        <a:lnSpc>
+                          <a:spcPct val="100000"/>
+                        </a:lnSpc>
+                        <a:spcBef>
+                          <a:spcPts val="0"/>
+                        </a:spcBef>
+                        <a:spcAft>
+                          <a:spcPts val="0"/>
+                        </a:spcAft>
+                        <a:buClrTx/>
+                        <a:buSzTx/>
+                        <a:buFontTx/>
+                        <a:buNone/>
+                        <a:tabLst/>
+                        <a:defRPr/>
+                      </a:pPr>
+                      <a:r>
+                        <a:rPr lang="en-US" sz="1200" dirty="0"/>
+                        <a:t>Donor_2</a:t>
+                      </a:r>
+                    </a:p>
+                  </a:txBody>
+                  <a:tcPr anchor="ctr">
+                    <a:lnL w="12700" cap="flat" cmpd="sng" algn="ctr">
+                      <a:solidFill>
+                        <a:schemeClr val="tx1"/>
+                      </a:solidFill>
+                      <a:prstDash val="solid"/>
+                      <a:round/>
+                      <a:headEnd type="none" w="med" len="med"/>
+                      <a:tailEnd type="none" w="med" len="med"/>
+                    </a:lnL>
+                    <a:lnR w="12700" cap="flat" cmpd="sng" algn="ctr">
+                      <a:solidFill>
+                        <a:schemeClr val="tx1"/>
+                      </a:solidFill>
+                      <a:prstDash val="solid"/>
+                      <a:round/>
+                      <a:headEnd type="none" w="med" len="med"/>
+                      <a:tailEnd type="none" w="med" len="med"/>
+                    </a:lnR>
+                    <a:lnT w="12700" cap="flat" cmpd="sng" algn="ctr">
+                      <a:solidFill>
+                        <a:schemeClr val="tx1"/>
+                      </a:solidFill>
+                      <a:prstDash val="solid"/>
+                      <a:round/>
+                      <a:headEnd type="none" w="med" len="med"/>
+                      <a:tailEnd type="none" w="med" len="med"/>
+                    </a:lnT>
+                    <a:lnB w="12700" cap="flat" cmpd="sng" algn="ctr">
+                      <a:solidFill>
+                        <a:schemeClr val="tx1"/>
+                      </a:solidFill>
+                      <a:prstDash val="solid"/>
+                      <a:round/>
+                      <a:headEnd type="none" w="med" len="med"/>
+                      <a:tailEnd type="none" w="med" len="med"/>
+                    </a:lnB>
+                    <a:solidFill>
+                      <a:schemeClr val="bg1"/>
+                    </a:solidFill>
+                  </a:tcPr>
+                </a:tc>
+                <a:tc>
+                  <a:txBody>
+                    <a:bodyPr/>
+                    <a:lstStyle/>
+                    <a:p>
+                      <a:pPr algn="ctr" fontAlgn="t"/>
+                      <a:r>
+                        <a:rPr lang="en-US" sz="1200" dirty="0">
+                          <a:effectLst/>
+                        </a:rPr>
+                        <a:t>77</a:t>
+                      </a:r>
+                    </a:p>
+                  </a:txBody>
+                  <a:tcPr anchor="ctr">
+                    <a:lnL w="12700" cap="flat" cmpd="sng" algn="ctr">
+                      <a:solidFill>
+                        <a:schemeClr val="tx1"/>
+                      </a:solidFill>
+                      <a:prstDash val="solid"/>
+                      <a:round/>
+                      <a:headEnd type="none" w="med" len="med"/>
+                      <a:tailEnd type="none" w="med" len="med"/>
+                    </a:lnL>
+                    <a:lnR w="12700" cap="flat" cmpd="sng" algn="ctr">
+                      <a:solidFill>
+                        <a:schemeClr val="tx1"/>
+                      </a:solidFill>
+                      <a:prstDash val="solid"/>
+                      <a:round/>
+                      <a:headEnd type="none" w="med" len="med"/>
+                      <a:tailEnd type="none" w="med" len="med"/>
+                    </a:lnR>
+                    <a:lnT w="12700" cap="flat" cmpd="sng" algn="ctr">
+                      <a:solidFill>
+                        <a:schemeClr val="tx1"/>
+                      </a:solidFill>
+                      <a:prstDash val="solid"/>
+                      <a:round/>
+                      <a:headEnd type="none" w="med" len="med"/>
+                      <a:tailEnd type="none" w="med" len="med"/>
+                    </a:lnT>
+                    <a:lnB w="12700" cap="flat" cmpd="sng" algn="ctr">
+                      <a:solidFill>
+                        <a:schemeClr val="tx1"/>
+                      </a:solidFill>
+                      <a:prstDash val="solid"/>
+                      <a:round/>
+                      <a:headEnd type="none" w="med" len="med"/>
+                      <a:tailEnd type="none" w="med" len="med"/>
+                    </a:lnB>
+                    <a:solidFill>
+                      <a:schemeClr val="bg1"/>
+                    </a:solidFill>
+                  </a:tcPr>
+                </a:tc>
+                <a:tc>
+                  <a:txBody>
+                    <a:bodyPr/>
+                    <a:lstStyle/>
+                    <a:p>
+                      <a:pPr algn="ctr" fontAlgn="t"/>
+                      <a:r>
+                        <a:rPr lang="en-US" sz="1200" dirty="0">
+                          <a:effectLst/>
+                        </a:rPr>
+                        <a:t>37</a:t>
+                      </a:r>
+                    </a:p>
+                  </a:txBody>
+                  <a:tcPr anchor="ctr">
+                    <a:lnL w="12700" cap="flat" cmpd="sng" algn="ctr">
+                      <a:solidFill>
+                        <a:schemeClr val="tx1"/>
+                      </a:solidFill>
+                      <a:prstDash val="solid"/>
+                      <a:round/>
+                      <a:headEnd type="none" w="med" len="med"/>
+                      <a:tailEnd type="none" w="med" len="med"/>
+                    </a:lnL>
+                    <a:lnR w="12700" cap="flat" cmpd="sng" algn="ctr">
+                      <a:solidFill>
+                        <a:schemeClr val="tx1"/>
+                      </a:solidFill>
+                      <a:prstDash val="solid"/>
+                      <a:round/>
+                      <a:headEnd type="none" w="med" len="med"/>
+                      <a:tailEnd type="none" w="med" len="med"/>
+                    </a:lnR>
+                    <a:lnT w="12700" cap="flat" cmpd="sng" algn="ctr">
+                      <a:solidFill>
+                        <a:schemeClr val="tx1"/>
+                      </a:solidFill>
+                      <a:prstDash val="solid"/>
+                      <a:round/>
+                      <a:headEnd type="none" w="med" len="med"/>
+                      <a:tailEnd type="none" w="med" len="med"/>
+                    </a:lnT>
+                    <a:lnB w="12700" cap="flat" cmpd="sng" algn="ctr">
+                      <a:solidFill>
+                        <a:schemeClr val="tx1"/>
+                      </a:solidFill>
+                      <a:prstDash val="solid"/>
+                      <a:round/>
+                      <a:headEnd type="none" w="med" len="med"/>
+                      <a:tailEnd type="none" w="med" len="med"/>
+                    </a:lnB>
+                    <a:solidFill>
+                      <a:schemeClr val="bg1"/>
+                    </a:solidFill>
+                  </a:tcPr>
+                </a:tc>
+                <a:tc>
+                  <a:txBody>
+                    <a:bodyPr/>
+                    <a:lstStyle/>
+                    <a:p>
+                      <a:pPr algn="ctr" fontAlgn="t"/>
+                      <a:r>
+                        <a:rPr lang="en-US" sz="1200" dirty="0">
+                          <a:effectLst/>
+                        </a:rPr>
+                        <a:t>49</a:t>
+                      </a:r>
+                    </a:p>
+                  </a:txBody>
+                  <a:tcPr anchor="ctr">
+                    <a:lnL w="12700" cap="flat" cmpd="sng" algn="ctr">
+                      <a:solidFill>
+                        <a:schemeClr val="tx1"/>
+                      </a:solidFill>
+                      <a:prstDash val="solid"/>
+                      <a:round/>
+                      <a:headEnd type="none" w="med" len="med"/>
+                      <a:tailEnd type="none" w="med" len="med"/>
+                    </a:lnL>
+                    <a:lnR w="12700" cap="flat" cmpd="sng" algn="ctr">
+                      <a:solidFill>
+                        <a:schemeClr val="tx1"/>
+                      </a:solidFill>
+                      <a:prstDash val="solid"/>
+                      <a:round/>
+                      <a:headEnd type="none" w="med" len="med"/>
+                      <a:tailEnd type="none" w="med" len="med"/>
+                    </a:lnR>
+                    <a:lnT w="12700" cap="flat" cmpd="sng" algn="ctr">
+                      <a:solidFill>
+                        <a:schemeClr val="tx1"/>
+                      </a:solidFill>
+                      <a:prstDash val="solid"/>
+                      <a:round/>
+                      <a:headEnd type="none" w="med" len="med"/>
+                      <a:tailEnd type="none" w="med" len="med"/>
+                    </a:lnT>
+                    <a:lnB w="12700" cap="flat" cmpd="sng" algn="ctr">
+                      <a:solidFill>
+                        <a:schemeClr val="tx1"/>
+                      </a:solidFill>
+                      <a:prstDash val="solid"/>
+                      <a:round/>
+                      <a:headEnd type="none" w="med" len="med"/>
+                      <a:tailEnd type="none" w="med" len="med"/>
+                    </a:lnB>
+                    <a:solidFill>
+                      <a:schemeClr val="bg1"/>
+                    </a:solidFill>
+                  </a:tcPr>
+                </a:tc>
+                <a:tc>
+                  <a:txBody>
+                    <a:bodyPr/>
+                    <a:lstStyle/>
+                    <a:p>
+                      <a:pPr algn="ctr" fontAlgn="t"/>
+                      <a:r>
+                        <a:rPr lang="en-US" sz="1200" dirty="0">
+                          <a:effectLst/>
+                        </a:rPr>
+                        <a:t>92</a:t>
+                      </a:r>
+                    </a:p>
+                  </a:txBody>
+                  <a:tcPr anchor="ctr">
+                    <a:lnL w="12700" cap="flat" cmpd="sng" algn="ctr">
+                      <a:solidFill>
+                        <a:schemeClr val="tx1"/>
+                      </a:solidFill>
+                      <a:prstDash val="solid"/>
+                      <a:round/>
+                      <a:headEnd type="none" w="med" len="med"/>
+                      <a:tailEnd type="none" w="med" len="med"/>
+                    </a:lnL>
+                    <a:lnR w="12700" cap="flat" cmpd="sng" algn="ctr">
+                      <a:solidFill>
+                        <a:schemeClr val="tx1"/>
+                      </a:solidFill>
+                      <a:prstDash val="solid"/>
+                      <a:round/>
+                      <a:headEnd type="none" w="med" len="med"/>
+                      <a:tailEnd type="none" w="med" len="med"/>
+                    </a:lnR>
+                    <a:lnT w="12700" cap="flat" cmpd="sng" algn="ctr">
+                      <a:solidFill>
+                        <a:schemeClr val="tx1"/>
+                      </a:solidFill>
+                      <a:prstDash val="solid"/>
+                      <a:round/>
+                      <a:headEnd type="none" w="med" len="med"/>
+                      <a:tailEnd type="none" w="med" len="med"/>
+                    </a:lnT>
+                    <a:lnB w="12700" cap="flat" cmpd="sng" algn="ctr">
+                      <a:solidFill>
+                        <a:schemeClr val="tx1"/>
+                      </a:solidFill>
+                      <a:prstDash val="solid"/>
+                      <a:round/>
+                      <a:headEnd type="none" w="med" len="med"/>
+                      <a:tailEnd type="none" w="med" len="med"/>
+                    </a:lnB>
+                    <a:solidFill>
+                      <a:schemeClr val="bg1"/>
+                    </a:solidFill>
+                  </a:tcPr>
+                </a:tc>
+                <a:extLst>
+                  <a:ext uri="{0D108BD9-81ED-4DB2-BD59-A6C34878D82A}">
+                    <a16:rowId xmlns:a16="http://schemas.microsoft.com/office/drawing/2014/main" val="3739604332"/>
+                  </a:ext>
+                </a:extLst>
+              </a:tr>
+              <a:tr h="464298">
+                <a:tc>
+                  <a:txBody>
+                    <a:bodyPr/>
+                    <a:lstStyle/>
+                    <a:p>
+                      <a:pPr marL="0" marR="0" lvl="0" indent="0" algn="ctr" defTabSz="914400" rtl="0" eaLnBrk="1" fontAlgn="auto" latinLnBrk="0" hangingPunct="1">
+                        <a:lnSpc>
+                          <a:spcPct val="100000"/>
+                        </a:lnSpc>
+                        <a:spcBef>
+                          <a:spcPts val="0"/>
+                        </a:spcBef>
+                        <a:spcAft>
+                          <a:spcPts val="0"/>
+                        </a:spcAft>
+                        <a:buClrTx/>
+                        <a:buSzTx/>
+                        <a:buFontTx/>
+                        <a:buNone/>
+                        <a:tabLst/>
+                        <a:defRPr/>
+                      </a:pPr>
+                      <a:r>
+                        <a:rPr lang="en-US" sz="1200" dirty="0"/>
+                        <a:t>Donor_3</a:t>
+                      </a:r>
+                    </a:p>
+                  </a:txBody>
+                  <a:tcPr anchor="ctr">
+                    <a:lnL w="12700" cap="flat" cmpd="sng" algn="ctr">
+                      <a:solidFill>
+                        <a:schemeClr val="tx1"/>
+                      </a:solidFill>
+                      <a:prstDash val="solid"/>
+                      <a:round/>
+                      <a:headEnd type="none" w="med" len="med"/>
+                      <a:tailEnd type="none" w="med" len="med"/>
+                    </a:lnL>
+                    <a:lnR w="12700" cap="flat" cmpd="sng" algn="ctr">
+                      <a:solidFill>
+                        <a:schemeClr val="tx1"/>
+                      </a:solidFill>
+                      <a:prstDash val="solid"/>
+                      <a:round/>
+                      <a:headEnd type="none" w="med" len="med"/>
+                      <a:tailEnd type="none" w="med" len="med"/>
+                    </a:lnR>
+                    <a:lnT w="12700" cap="flat" cmpd="sng" algn="ctr">
+                      <a:solidFill>
+                        <a:schemeClr val="tx1"/>
+                      </a:solidFill>
+                      <a:prstDash val="solid"/>
+                      <a:round/>
+                      <a:headEnd type="none" w="med" len="med"/>
+                      <a:tailEnd type="none" w="med" len="med"/>
+                    </a:lnT>
+                    <a:lnB w="12700" cap="flat" cmpd="sng" algn="ctr">
+                      <a:solidFill>
+                        <a:schemeClr val="tx1"/>
+                      </a:solidFill>
+                      <a:prstDash val="solid"/>
+                      <a:round/>
+                      <a:headEnd type="none" w="med" len="med"/>
+                      <a:tailEnd type="none" w="med" len="med"/>
+                    </a:lnB>
+                    <a:solidFill>
+                      <a:schemeClr val="bg1"/>
+                    </a:solidFill>
+                  </a:tcPr>
+                </a:tc>
+                <a:tc>
+                  <a:txBody>
+                    <a:bodyPr/>
+                    <a:lstStyle/>
+                    <a:p>
+                      <a:pPr algn="ctr" fontAlgn="t"/>
+                      <a:r>
+                        <a:rPr lang="en-US" sz="1200">
+                          <a:effectLst/>
+                        </a:rPr>
+                        <a:t>11</a:t>
+                      </a:r>
+                    </a:p>
+                  </a:txBody>
+                  <a:tcPr anchor="ctr">
+                    <a:lnL w="12700" cap="flat" cmpd="sng" algn="ctr">
+                      <a:solidFill>
+                        <a:schemeClr val="tx1"/>
+                      </a:solidFill>
+                      <a:prstDash val="solid"/>
+                      <a:round/>
+                      <a:headEnd type="none" w="med" len="med"/>
+                      <a:tailEnd type="none" w="med" len="med"/>
+                    </a:lnL>
+                    <a:lnR w="12700" cap="flat" cmpd="sng" algn="ctr">
+                      <a:solidFill>
+                        <a:schemeClr val="tx1"/>
+                      </a:solidFill>
+                      <a:prstDash val="solid"/>
+                      <a:round/>
+                      <a:headEnd type="none" w="med" len="med"/>
+                      <a:tailEnd type="none" w="med" len="med"/>
+                    </a:lnR>
+                    <a:lnT w="12700" cap="flat" cmpd="sng" algn="ctr">
+                      <a:solidFill>
+                        <a:schemeClr val="tx1"/>
+                      </a:solidFill>
+                      <a:prstDash val="solid"/>
+                      <a:round/>
+                      <a:headEnd type="none" w="med" len="med"/>
+                      <a:tailEnd type="none" w="med" len="med"/>
+                    </a:lnT>
+                    <a:lnB w="12700" cap="flat" cmpd="sng" algn="ctr">
+                      <a:solidFill>
+                        <a:schemeClr val="tx1"/>
+                      </a:solidFill>
+                      <a:prstDash val="solid"/>
+                      <a:round/>
+                      <a:headEnd type="none" w="med" len="med"/>
+                      <a:tailEnd type="none" w="med" len="med"/>
+                    </a:lnB>
+                    <a:solidFill>
+                      <a:schemeClr val="bg1"/>
+                    </a:solidFill>
+                  </a:tcPr>
+                </a:tc>
+                <a:tc>
+                  <a:txBody>
+                    <a:bodyPr/>
+                    <a:lstStyle/>
+                    <a:p>
+                      <a:pPr algn="ctr" fontAlgn="t"/>
+                      <a:r>
+                        <a:rPr lang="en-US" sz="1200" dirty="0">
+                          <a:effectLst/>
+                        </a:rPr>
+                        <a:t>69</a:t>
+                      </a:r>
+                    </a:p>
+                  </a:txBody>
+                  <a:tcPr anchor="ctr">
+                    <a:lnL w="12700" cap="flat" cmpd="sng" algn="ctr">
+                      <a:solidFill>
+                        <a:schemeClr val="tx1"/>
+                      </a:solidFill>
+                      <a:prstDash val="solid"/>
+                      <a:round/>
+                      <a:headEnd type="none" w="med" len="med"/>
+                      <a:tailEnd type="none" w="med" len="med"/>
+                    </a:lnL>
+                    <a:lnR w="12700" cap="flat" cmpd="sng" algn="ctr">
+                      <a:solidFill>
+                        <a:schemeClr val="tx1"/>
+                      </a:solidFill>
+                      <a:prstDash val="solid"/>
+                      <a:round/>
+                      <a:headEnd type="none" w="med" len="med"/>
+                      <a:tailEnd type="none" w="med" len="med"/>
+                    </a:lnR>
+                    <a:lnT w="12700" cap="flat" cmpd="sng" algn="ctr">
+                      <a:solidFill>
+                        <a:schemeClr val="tx1"/>
+                      </a:solidFill>
+                      <a:prstDash val="solid"/>
+                      <a:round/>
+                      <a:headEnd type="none" w="med" len="med"/>
+                      <a:tailEnd type="none" w="med" len="med"/>
+                    </a:lnT>
+                    <a:lnB w="12700" cap="flat" cmpd="sng" algn="ctr">
+                      <a:solidFill>
+                        <a:schemeClr val="tx1"/>
+                      </a:solidFill>
+                      <a:prstDash val="solid"/>
+                      <a:round/>
+                      <a:headEnd type="none" w="med" len="med"/>
+                      <a:tailEnd type="none" w="med" len="med"/>
+                    </a:lnB>
+                    <a:solidFill>
+                      <a:schemeClr val="bg1"/>
+                    </a:solidFill>
+                  </a:tcPr>
+                </a:tc>
+                <a:tc>
+                  <a:txBody>
+                    <a:bodyPr/>
+                    <a:lstStyle/>
+                    <a:p>
+                      <a:pPr algn="ctr" fontAlgn="t"/>
+                      <a:r>
+                        <a:rPr lang="en-US" sz="1200" dirty="0">
+                          <a:effectLst/>
+                        </a:rPr>
+                        <a:t>5</a:t>
+                      </a:r>
+                    </a:p>
+                  </a:txBody>
+                  <a:tcPr anchor="ctr">
+                    <a:lnL w="12700" cap="flat" cmpd="sng" algn="ctr">
+                      <a:solidFill>
+                        <a:schemeClr val="tx1"/>
+                      </a:solidFill>
+                      <a:prstDash val="solid"/>
+                      <a:round/>
+                      <a:headEnd type="none" w="med" len="med"/>
+                      <a:tailEnd type="none" w="med" len="med"/>
+                    </a:lnL>
+                    <a:lnR w="12700" cap="flat" cmpd="sng" algn="ctr">
+                      <a:solidFill>
+                        <a:schemeClr val="tx1"/>
+                      </a:solidFill>
+                      <a:prstDash val="solid"/>
+                      <a:round/>
+                      <a:headEnd type="none" w="med" len="med"/>
+                      <a:tailEnd type="none" w="med" len="med"/>
+                    </a:lnR>
+                    <a:lnT w="12700" cap="flat" cmpd="sng" algn="ctr">
+                      <a:solidFill>
+                        <a:schemeClr val="tx1"/>
+                      </a:solidFill>
+                      <a:prstDash val="solid"/>
+                      <a:round/>
+                      <a:headEnd type="none" w="med" len="med"/>
+                      <a:tailEnd type="none" w="med" len="med"/>
+                    </a:lnT>
+                    <a:lnB w="12700" cap="flat" cmpd="sng" algn="ctr">
+                      <a:solidFill>
+                        <a:schemeClr val="tx1"/>
+                      </a:solidFill>
+                      <a:prstDash val="solid"/>
+                      <a:round/>
+                      <a:headEnd type="none" w="med" len="med"/>
+                      <a:tailEnd type="none" w="med" len="med"/>
+                    </a:lnB>
+                    <a:solidFill>
+                      <a:schemeClr val="bg1"/>
+                    </a:solidFill>
+                  </a:tcPr>
+                </a:tc>
+                <a:tc>
+                  <a:txBody>
+                    <a:bodyPr/>
+                    <a:lstStyle/>
+                    <a:p>
+                      <a:pPr algn="ctr" fontAlgn="t"/>
+                      <a:r>
+                        <a:rPr lang="en-US" sz="1200" dirty="0">
+                          <a:effectLst/>
+                        </a:rPr>
+                        <a:t>86</a:t>
+                      </a:r>
+                    </a:p>
+                  </a:txBody>
+                  <a:tcPr anchor="ctr">
+                    <a:lnL w="12700" cap="flat" cmpd="sng" algn="ctr">
+                      <a:solidFill>
+                        <a:schemeClr val="tx1"/>
+                      </a:solidFill>
+                      <a:prstDash val="solid"/>
+                      <a:round/>
+                      <a:headEnd type="none" w="med" len="med"/>
+                      <a:tailEnd type="none" w="med" len="med"/>
+                    </a:lnL>
+                    <a:lnR w="12700" cap="flat" cmpd="sng" algn="ctr">
+                      <a:solidFill>
+                        <a:schemeClr val="tx1"/>
+                      </a:solidFill>
+                      <a:prstDash val="solid"/>
+                      <a:round/>
+                      <a:headEnd type="none" w="med" len="med"/>
+                      <a:tailEnd type="none" w="med" len="med"/>
+                    </a:lnR>
+                    <a:lnT w="12700" cap="flat" cmpd="sng" algn="ctr">
+                      <a:solidFill>
+                        <a:schemeClr val="tx1"/>
+                      </a:solidFill>
+                      <a:prstDash val="solid"/>
+                      <a:round/>
+                      <a:headEnd type="none" w="med" len="med"/>
+                      <a:tailEnd type="none" w="med" len="med"/>
+                    </a:lnT>
+                    <a:lnB w="12700" cap="flat" cmpd="sng" algn="ctr">
+                      <a:solidFill>
+                        <a:schemeClr val="tx1"/>
+                      </a:solidFill>
+                      <a:prstDash val="solid"/>
+                      <a:round/>
+                      <a:headEnd type="none" w="med" len="med"/>
+                      <a:tailEnd type="none" w="med" len="med"/>
+                    </a:lnB>
+                    <a:solidFill>
+                      <a:schemeClr val="bg1"/>
+                    </a:solidFill>
+                  </a:tcPr>
+                </a:tc>
+                <a:extLst>
+                  <a:ext uri="{0D108BD9-81ED-4DB2-BD59-A6C34878D82A}">
+                    <a16:rowId xmlns:a16="http://schemas.microsoft.com/office/drawing/2014/main" val="3171691836"/>
+                  </a:ext>
+                </a:extLst>
+              </a:tr>
+              <a:tr h="464298">
+                <a:tc>
+                  <a:txBody>
+                    <a:bodyPr/>
+                    <a:lstStyle/>
+                    <a:p>
+                      <a:pPr marL="0" marR="0" lvl="0" indent="0" algn="ctr" defTabSz="914400" rtl="0" eaLnBrk="1" fontAlgn="auto" latinLnBrk="0" hangingPunct="1">
+                        <a:lnSpc>
+                          <a:spcPct val="100000"/>
+                        </a:lnSpc>
+                        <a:spcBef>
+                          <a:spcPts val="0"/>
+                        </a:spcBef>
+                        <a:spcAft>
+                          <a:spcPts val="0"/>
+                        </a:spcAft>
+                        <a:buClrTx/>
+                        <a:buSzTx/>
+                        <a:buFontTx/>
+                        <a:buNone/>
+                        <a:tabLst/>
+                        <a:defRPr/>
+                      </a:pPr>
+                      <a:r>
+                        <a:rPr lang="en-US" sz="1200" dirty="0"/>
+                        <a:t>Donor_4</a:t>
+                      </a:r>
+                    </a:p>
+                  </a:txBody>
+                  <a:tcPr anchor="ctr">
+                    <a:lnL w="12700" cap="flat" cmpd="sng" algn="ctr">
+                      <a:solidFill>
+                        <a:schemeClr val="tx1"/>
+                      </a:solidFill>
+                      <a:prstDash val="solid"/>
+                      <a:round/>
+                      <a:headEnd type="none" w="med" len="med"/>
+                      <a:tailEnd type="none" w="med" len="med"/>
+                    </a:lnL>
+                    <a:lnR w="12700" cap="flat" cmpd="sng" algn="ctr">
+                      <a:solidFill>
+                        <a:schemeClr val="tx1"/>
+                      </a:solidFill>
+                      <a:prstDash val="solid"/>
+                      <a:round/>
+                      <a:headEnd type="none" w="med" len="med"/>
+                      <a:tailEnd type="none" w="med" len="med"/>
+                    </a:lnR>
+                    <a:lnT w="12700" cap="flat" cmpd="sng" algn="ctr">
+                      <a:solidFill>
+                        <a:schemeClr val="tx1"/>
+                      </a:solidFill>
+                      <a:prstDash val="solid"/>
+                      <a:round/>
+                      <a:headEnd type="none" w="med" len="med"/>
+                      <a:tailEnd type="none" w="med" len="med"/>
+                    </a:lnT>
+                    <a:lnB w="12700" cap="flat" cmpd="sng" algn="ctr">
+                      <a:solidFill>
+                        <a:schemeClr val="tx1"/>
+                      </a:solidFill>
+                      <a:prstDash val="solid"/>
+                      <a:round/>
+                      <a:headEnd type="none" w="med" len="med"/>
+                      <a:tailEnd type="none" w="med" len="med"/>
+                    </a:lnB>
+                    <a:solidFill>
+                      <a:schemeClr val="bg1"/>
+                    </a:solidFill>
+                  </a:tcPr>
+                </a:tc>
+                <a:tc>
+                  <a:txBody>
+                    <a:bodyPr/>
+                    <a:lstStyle/>
+                    <a:p>
+                      <a:pPr algn="ctr" fontAlgn="t"/>
+                      <a:r>
+                        <a:rPr lang="en-US" sz="1200">
+                          <a:effectLst/>
+                        </a:rPr>
+                        <a:t>8</a:t>
+                      </a:r>
+                    </a:p>
+                  </a:txBody>
+                  <a:tcPr anchor="ctr">
+                    <a:lnL w="12700" cap="flat" cmpd="sng" algn="ctr">
+                      <a:solidFill>
+                        <a:schemeClr val="tx1"/>
+                      </a:solidFill>
+                      <a:prstDash val="solid"/>
+                      <a:round/>
+                      <a:headEnd type="none" w="med" len="med"/>
+                      <a:tailEnd type="none" w="med" len="med"/>
+                    </a:lnL>
+                    <a:lnR w="12700" cap="flat" cmpd="sng" algn="ctr">
+                      <a:solidFill>
+                        <a:schemeClr val="tx1"/>
+                      </a:solidFill>
+                      <a:prstDash val="solid"/>
+                      <a:round/>
+                      <a:headEnd type="none" w="med" len="med"/>
+                      <a:tailEnd type="none" w="med" len="med"/>
+                    </a:lnR>
+                    <a:lnT w="12700" cap="flat" cmpd="sng" algn="ctr">
+                      <a:solidFill>
+                        <a:schemeClr val="tx1"/>
+                      </a:solidFill>
+                      <a:prstDash val="solid"/>
+                      <a:round/>
+                      <a:headEnd type="none" w="med" len="med"/>
+                      <a:tailEnd type="none" w="med" len="med"/>
+                    </a:lnT>
+                    <a:lnB w="12700" cap="flat" cmpd="sng" algn="ctr">
+                      <a:solidFill>
+                        <a:schemeClr val="tx1"/>
+                      </a:solidFill>
+                      <a:prstDash val="solid"/>
+                      <a:round/>
+                      <a:headEnd type="none" w="med" len="med"/>
+                      <a:tailEnd type="none" w="med" len="med"/>
+                    </a:lnB>
+                    <a:solidFill>
+                      <a:schemeClr val="bg1"/>
+                    </a:solidFill>
+                  </a:tcPr>
+                </a:tc>
+                <a:tc>
+                  <a:txBody>
+                    <a:bodyPr/>
+                    <a:lstStyle/>
+                    <a:p>
+                      <a:pPr algn="ctr" fontAlgn="t"/>
+                      <a:r>
+                        <a:rPr lang="en-US" sz="1200">
+                          <a:effectLst/>
+                        </a:rPr>
+                        <a:t>9</a:t>
+                      </a:r>
+                    </a:p>
+                  </a:txBody>
+                  <a:tcPr anchor="ctr">
+                    <a:lnL w="12700" cap="flat" cmpd="sng" algn="ctr">
+                      <a:solidFill>
+                        <a:schemeClr val="tx1"/>
+                      </a:solidFill>
+                      <a:prstDash val="solid"/>
+                      <a:round/>
+                      <a:headEnd type="none" w="med" len="med"/>
+                      <a:tailEnd type="none" w="med" len="med"/>
+                    </a:lnL>
+                    <a:lnR w="12700" cap="flat" cmpd="sng" algn="ctr">
+                      <a:solidFill>
+                        <a:schemeClr val="tx1"/>
+                      </a:solidFill>
+                      <a:prstDash val="solid"/>
+                      <a:round/>
+                      <a:headEnd type="none" w="med" len="med"/>
+                      <a:tailEnd type="none" w="med" len="med"/>
+                    </a:lnR>
+                    <a:lnT w="12700" cap="flat" cmpd="sng" algn="ctr">
+                      <a:solidFill>
+                        <a:schemeClr val="tx1"/>
+                      </a:solidFill>
+                      <a:prstDash val="solid"/>
+                      <a:round/>
+                      <a:headEnd type="none" w="med" len="med"/>
+                      <a:tailEnd type="none" w="med" len="med"/>
+                    </a:lnT>
+                    <a:lnB w="12700" cap="flat" cmpd="sng" algn="ctr">
+                      <a:solidFill>
+                        <a:schemeClr val="tx1"/>
+                      </a:solidFill>
+                      <a:prstDash val="solid"/>
+                      <a:round/>
+                      <a:headEnd type="none" w="med" len="med"/>
+                      <a:tailEnd type="none" w="med" len="med"/>
+                    </a:lnB>
+                    <a:solidFill>
+                      <a:schemeClr val="bg1"/>
+                    </a:solidFill>
+                  </a:tcPr>
+                </a:tc>
+                <a:tc>
+                  <a:txBody>
+                    <a:bodyPr/>
+                    <a:lstStyle/>
+                    <a:p>
+                      <a:pPr algn="ctr" fontAlgn="t"/>
+                      <a:r>
+                        <a:rPr lang="en-US" sz="1200" dirty="0">
+                          <a:effectLst/>
+                        </a:rPr>
+                        <a:t>98</a:t>
+                      </a:r>
+                    </a:p>
+                  </a:txBody>
+                  <a:tcPr anchor="ctr">
+                    <a:lnL w="12700" cap="flat" cmpd="sng" algn="ctr">
+                      <a:solidFill>
+                        <a:schemeClr val="tx1"/>
+                      </a:solidFill>
+                      <a:prstDash val="solid"/>
+                      <a:round/>
+                      <a:headEnd type="none" w="med" len="med"/>
+                      <a:tailEnd type="none" w="med" len="med"/>
+                    </a:lnL>
+                    <a:lnR w="12700" cap="flat" cmpd="sng" algn="ctr">
+                      <a:solidFill>
+                        <a:schemeClr val="tx1"/>
+                      </a:solidFill>
+                      <a:prstDash val="solid"/>
+                      <a:round/>
+                      <a:headEnd type="none" w="med" len="med"/>
+                      <a:tailEnd type="none" w="med" len="med"/>
+                    </a:lnR>
+                    <a:lnT w="12700" cap="flat" cmpd="sng" algn="ctr">
+                      <a:solidFill>
+                        <a:schemeClr val="tx1"/>
+                      </a:solidFill>
+                      <a:prstDash val="solid"/>
+                      <a:round/>
+                      <a:headEnd type="none" w="med" len="med"/>
+                      <a:tailEnd type="none" w="med" len="med"/>
+                    </a:lnT>
+                    <a:lnB w="12700" cap="flat" cmpd="sng" algn="ctr">
+                      <a:solidFill>
+                        <a:schemeClr val="tx1"/>
+                      </a:solidFill>
+                      <a:prstDash val="solid"/>
+                      <a:round/>
+                      <a:headEnd type="none" w="med" len="med"/>
+                      <a:tailEnd type="none" w="med" len="med"/>
+                    </a:lnB>
+                    <a:solidFill>
+                      <a:schemeClr val="bg1"/>
+                    </a:solidFill>
+                  </a:tcPr>
+                </a:tc>
+                <a:tc>
+                  <a:txBody>
+                    <a:bodyPr/>
+                    <a:lstStyle/>
+                    <a:p>
+                      <a:pPr algn="ctr" fontAlgn="t"/>
+                      <a:r>
+                        <a:rPr lang="en-US" sz="1200" dirty="0">
+                          <a:effectLst/>
+                        </a:rPr>
+                        <a:t>23</a:t>
+                      </a:r>
+                    </a:p>
+                  </a:txBody>
+                  <a:tcPr anchor="ctr">
+                    <a:lnL w="12700" cap="flat" cmpd="sng" algn="ctr">
+                      <a:solidFill>
+                        <a:schemeClr val="tx1"/>
+                      </a:solidFill>
+                      <a:prstDash val="solid"/>
+                      <a:round/>
+                      <a:headEnd type="none" w="med" len="med"/>
+                      <a:tailEnd type="none" w="med" len="med"/>
+                    </a:lnL>
+                    <a:lnR w="12700" cap="flat" cmpd="sng" algn="ctr">
+                      <a:solidFill>
+                        <a:schemeClr val="tx1"/>
+                      </a:solidFill>
+                      <a:prstDash val="solid"/>
+                      <a:round/>
+                      <a:headEnd type="none" w="med" len="med"/>
+                      <a:tailEnd type="none" w="med" len="med"/>
+                    </a:lnR>
+                    <a:lnT w="12700" cap="flat" cmpd="sng" algn="ctr">
+                      <a:solidFill>
+                        <a:schemeClr val="tx1"/>
+                      </a:solidFill>
+                      <a:prstDash val="solid"/>
+                      <a:round/>
+                      <a:headEnd type="none" w="med" len="med"/>
+                      <a:tailEnd type="none" w="med" len="med"/>
+                    </a:lnT>
+                    <a:lnB w="12700" cap="flat" cmpd="sng" algn="ctr">
+                      <a:solidFill>
+                        <a:schemeClr val="tx1"/>
+                      </a:solidFill>
+                      <a:prstDash val="solid"/>
+                      <a:round/>
+                      <a:headEnd type="none" w="med" len="med"/>
+                      <a:tailEnd type="none" w="med" len="med"/>
+                    </a:lnB>
+                    <a:solidFill>
+                      <a:schemeClr val="bg1"/>
+                    </a:solidFill>
+                  </a:tcPr>
+                </a:tc>
+                <a:extLst>
+                  <a:ext uri="{0D108BD9-81ED-4DB2-BD59-A6C34878D82A}">
+                    <a16:rowId xmlns:a16="http://schemas.microsoft.com/office/drawing/2014/main" val="2695554642"/>
+                  </a:ext>
+                </a:extLst>
+              </a:tr>
+            </a:tbl>
+          </a:graphicData>
+        </a:graphic>
+      </p:graphicFrame>
+      <p:sp>
+        <p:nvSpPr>
+          <p:cNvPr id="3" name="TextBox 2">
+            <a:extLst>
+              <a:ext uri="{FF2B5EF4-FFF2-40B4-BE49-F238E27FC236}">
+                <a16:creationId xmlns:a16="http://schemas.microsoft.com/office/drawing/2014/main" id="{EC3363C3-6C2B-4427-95DC-3EC474BE0932}"/>
+              </a:ext>
+            </a:extLst>
+          </p:cNvPr>
+          <p:cNvSpPr txBox="1"/>
+          <p:nvPr/>
+        </p:nvSpPr>
+        <p:spPr>
+          <a:xfrm>
+            <a:off x="1208314" y="1624693"/>
+            <a:ext cx="6247223" cy="369332"/>
+          </a:xfrm>
+          <a:prstGeom prst="rect">
+            <a:avLst/>
+          </a:prstGeom>
+          <a:noFill/>
+        </p:spPr>
+        <p:txBody>
+          <a:bodyPr wrap="none" rtlCol="0">
+            <a:spAutoFit/>
+          </a:bodyPr>
+          <a:lstStyle/>
+          <a:p>
+            <a:r>
+              <a:rPr lang="en-US" dirty="0"/>
+              <a:t>Considering the same sample compatibility matching:</a:t>
             </a:r>
           </a:p>
         </p:txBody>
@@ -36539,6 +38538,7344 @@
     <p:extLst>
       <p:ext uri="{BB962C8B-B14F-4D97-AF65-F5344CB8AC3E}">
         <p14:creationId xmlns:p14="http://schemas.microsoft.com/office/powerpoint/2010/main" val="353912460"/>
+      </p:ext>
+    </p:extLst>
+  </p:cSld>
+  <p:clrMapOvr>
+    <a:masterClrMapping/>
+  </p:clrMapOvr>
+</p:sld>
+</file>
+
+<file path=ppt/slides/slide9.xml><?xml version="1.0" encoding="utf-8"?>
+<p:sld xmlns:a="http://schemas.openxmlformats.org/drawingml/2006/main" xmlns:r="http://schemas.openxmlformats.org/officeDocument/2006/relationships" xmlns:p="http://schemas.openxmlformats.org/presentationml/2006/main">
+  <p:cSld>
+    <p:spTree>
+      <p:nvGrpSpPr>
+        <p:cNvPr id="1" name=""/>
+        <p:cNvGrpSpPr/>
+        <p:nvPr/>
+      </p:nvGrpSpPr>
+      <p:grpSpPr>
+        <a:xfrm>
+          <a:off x="0" y="0"/>
+          <a:ext cx="0" cy="0"/>
+          <a:chOff x="0" y="0"/>
+          <a:chExt cx="0" cy="0"/>
+        </a:xfrm>
+      </p:grpSpPr>
+      <p:sp>
+        <p:nvSpPr>
+          <p:cNvPr id="2" name="Title 1">
+            <a:extLst>
+              <a:ext uri="{FF2B5EF4-FFF2-40B4-BE49-F238E27FC236}">
+                <a16:creationId xmlns:a16="http://schemas.microsoft.com/office/drawing/2014/main" id="{0D9E71A6-1CAF-42F4-B647-104B38BE71FE}"/>
+              </a:ext>
+            </a:extLst>
+          </p:cNvPr>
+          <p:cNvSpPr>
+            <a:spLocks noGrp="1"/>
+          </p:cNvSpPr>
+          <p:nvPr>
+            <p:ph type="title"/>
+          </p:nvPr>
+        </p:nvSpPr>
+        <p:spPr>
+          <a:xfrm>
+            <a:off x="266700" y="75751"/>
+            <a:ext cx="10515600" cy="508453"/>
+          </a:xfrm>
+        </p:spPr>
+        <p:txBody>
+          <a:bodyPr>
+            <a:normAutofit fontScale="90000"/>
+          </a:bodyPr>
+          <a:lstStyle/>
+          <a:p>
+            <a:r>
+              <a:rPr lang="en-US" dirty="0"/>
+              <a:t>Working</a:t>
+            </a:r>
+          </a:p>
+        </p:txBody>
+      </p:sp>
+      <p:sp>
+        <p:nvSpPr>
+          <p:cNvPr id="3" name="Content Placeholder 2">
+            <a:extLst>
+              <a:ext uri="{FF2B5EF4-FFF2-40B4-BE49-F238E27FC236}">
+                <a16:creationId xmlns:a16="http://schemas.microsoft.com/office/drawing/2014/main" id="{4B406093-7BC4-41B9-A39B-E07868088EB2}"/>
+              </a:ext>
+            </a:extLst>
+          </p:cNvPr>
+          <p:cNvSpPr>
+            <a:spLocks noGrp="1"/>
+          </p:cNvSpPr>
+          <p:nvPr>
+            <p:ph sz="half" idx="1"/>
+          </p:nvPr>
+        </p:nvSpPr>
+        <p:spPr>
+          <a:xfrm>
+            <a:off x="746991" y="1238275"/>
+            <a:ext cx="889908" cy="312167"/>
+          </a:xfrm>
+        </p:spPr>
+        <p:txBody>
+          <a:bodyPr tIns="0" bIns="0">
+            <a:normAutofit fontScale="92500" lnSpcReduction="10000"/>
+          </a:bodyPr>
+          <a:lstStyle/>
+          <a:p>
+            <a:pPr marL="0" indent="0">
+              <a:buNone/>
+            </a:pPr>
+            <a:r>
+              <a:rPr lang="en-US" sz="2400" dirty="0"/>
+              <a:t>1:</a:t>
+            </a:r>
+          </a:p>
+        </p:txBody>
+      </p:sp>
+      <p:sp>
+        <p:nvSpPr>
+          <p:cNvPr id="5" name="TextBox 4">
+            <a:extLst>
+              <a:ext uri="{FF2B5EF4-FFF2-40B4-BE49-F238E27FC236}">
+                <a16:creationId xmlns:a16="http://schemas.microsoft.com/office/drawing/2014/main" id="{B2967532-9158-448A-960C-866D57001C08}"/>
+              </a:ext>
+            </a:extLst>
+          </p:cNvPr>
+          <p:cNvSpPr txBox="1"/>
+          <p:nvPr/>
+        </p:nvSpPr>
+        <p:spPr>
+          <a:xfrm>
+            <a:off x="266700" y="584204"/>
+            <a:ext cx="11662064" cy="646331"/>
+          </a:xfrm>
+          <a:prstGeom prst="rect">
+            <a:avLst/>
+          </a:prstGeom>
+          <a:noFill/>
+        </p:spPr>
+        <p:txBody>
+          <a:bodyPr wrap="square" rtlCol="0">
+            <a:noAutofit/>
+          </a:bodyPr>
+          <a:lstStyle/>
+          <a:p>
+            <a:r>
+              <a:rPr lang="en-US" dirty="0"/>
+              <a:t>For every Donor starting from the first, pick the patient with the highest compatibility and set the compatibility for that patient to </a:t>
+            </a:r>
+            <a:r>
+              <a:rPr lang="en-US" b="0" i="0" dirty="0">
+                <a:solidFill>
+                  <a:srgbClr val="000000"/>
+                </a:solidFill>
+                <a:effectLst/>
+                <a:latin typeface="Roboto" panose="02000000000000000000" pitchFamily="2" charset="0"/>
+              </a:rPr>
+              <a:t>∞ to remove it from future consideration.</a:t>
+            </a:r>
+            <a:endParaRPr lang="en-US" dirty="0">
+              <a:solidFill>
+                <a:srgbClr val="000000"/>
+              </a:solidFill>
+            </a:endParaRPr>
+          </a:p>
+        </p:txBody>
+      </p:sp>
+      <p:graphicFrame>
+        <p:nvGraphicFramePr>
+          <p:cNvPr id="6" name="Table 69">
+            <a:extLst>
+              <a:ext uri="{FF2B5EF4-FFF2-40B4-BE49-F238E27FC236}">
+                <a16:creationId xmlns:a16="http://schemas.microsoft.com/office/drawing/2014/main" id="{902214DB-2C7A-4886-B503-86C9E7395DB5}"/>
+              </a:ext>
+            </a:extLst>
+          </p:cNvPr>
+          <p:cNvGraphicFramePr>
+            <a:graphicFrameLocks noGrp="1"/>
+          </p:cNvGraphicFramePr>
+          <p:nvPr>
+            <p:extLst>
+              <p:ext uri="{D42A27DB-BD31-4B8C-83A1-F6EECF244321}">
+                <p14:modId xmlns:p14="http://schemas.microsoft.com/office/powerpoint/2010/main" val="610614014"/>
+              </p:ext>
+            </p:extLst>
+          </p:nvPr>
+        </p:nvGraphicFramePr>
+        <p:xfrm>
+          <a:off x="746991" y="1550598"/>
+          <a:ext cx="4645525" cy="2321490"/>
+        </p:xfrm>
+        <a:graphic>
+          <a:graphicData uri="http://schemas.openxmlformats.org/drawingml/2006/table">
+            <a:tbl>
+              <a:tblPr firstRow="1" bandRow="1">
+                <a:tableStyleId>{5C22544A-7EE6-4342-B048-85BDC9FD1C3A}</a:tableStyleId>
+              </a:tblPr>
+              <a:tblGrid>
+                <a:gridCol w="929105">
+                  <a:extLst>
+                    <a:ext uri="{9D8B030D-6E8A-4147-A177-3AD203B41FA5}">
+                      <a16:colId xmlns:a16="http://schemas.microsoft.com/office/drawing/2014/main" val="320037778"/>
+                    </a:ext>
+                  </a:extLst>
+                </a:gridCol>
+                <a:gridCol w="929105">
+                  <a:extLst>
+                    <a:ext uri="{9D8B030D-6E8A-4147-A177-3AD203B41FA5}">
+                      <a16:colId xmlns:a16="http://schemas.microsoft.com/office/drawing/2014/main" val="3061072369"/>
+                    </a:ext>
+                  </a:extLst>
+                </a:gridCol>
+                <a:gridCol w="929105">
+                  <a:extLst>
+                    <a:ext uri="{9D8B030D-6E8A-4147-A177-3AD203B41FA5}">
+                      <a16:colId xmlns:a16="http://schemas.microsoft.com/office/drawing/2014/main" val="3088086231"/>
+                    </a:ext>
+                  </a:extLst>
+                </a:gridCol>
+                <a:gridCol w="929105">
+                  <a:extLst>
+                    <a:ext uri="{9D8B030D-6E8A-4147-A177-3AD203B41FA5}">
+                      <a16:colId xmlns:a16="http://schemas.microsoft.com/office/drawing/2014/main" val="3188720254"/>
+                    </a:ext>
+                  </a:extLst>
+                </a:gridCol>
+                <a:gridCol w="929105">
+                  <a:extLst>
+                    <a:ext uri="{9D8B030D-6E8A-4147-A177-3AD203B41FA5}">
+                      <a16:colId xmlns:a16="http://schemas.microsoft.com/office/drawing/2014/main" val="1387403323"/>
+                    </a:ext>
+                  </a:extLst>
+                </a:gridCol>
+              </a:tblGrid>
+              <a:tr h="464298">
+                <a:tc>
+                  <a:txBody>
+                    <a:bodyPr/>
+                    <a:lstStyle/>
+                    <a:p>
+                      <a:pPr algn="ctr"/>
+                      <a:endParaRPr lang="en-US" sz="1200" dirty="0"/>
+                    </a:p>
+                  </a:txBody>
+                  <a:tcPr anchor="ctr">
+                    <a:lnL w="12700" cap="flat" cmpd="sng" algn="ctr">
+                      <a:solidFill>
+                        <a:schemeClr val="tx1"/>
+                      </a:solidFill>
+                      <a:prstDash val="solid"/>
+                      <a:round/>
+                      <a:headEnd type="none" w="med" len="med"/>
+                      <a:tailEnd type="none" w="med" len="med"/>
+                    </a:lnL>
+                    <a:lnR w="12700" cap="flat" cmpd="sng" algn="ctr">
+                      <a:solidFill>
+                        <a:schemeClr val="tx1"/>
+                      </a:solidFill>
+                      <a:prstDash val="solid"/>
+                      <a:round/>
+                      <a:headEnd type="none" w="med" len="med"/>
+                      <a:tailEnd type="none" w="med" len="med"/>
+                    </a:lnR>
+                    <a:lnT w="12700" cap="flat" cmpd="sng" algn="ctr">
+                      <a:solidFill>
+                        <a:schemeClr val="tx1"/>
+                      </a:solidFill>
+                      <a:prstDash val="solid"/>
+                      <a:round/>
+                      <a:headEnd type="none" w="med" len="med"/>
+                      <a:tailEnd type="none" w="med" len="med"/>
+                    </a:lnT>
+                    <a:lnB w="12700" cap="flat" cmpd="sng" algn="ctr">
+                      <a:solidFill>
+                        <a:schemeClr val="tx1"/>
+                      </a:solidFill>
+                      <a:prstDash val="solid"/>
+                      <a:round/>
+                      <a:headEnd type="none" w="med" len="med"/>
+                      <a:tailEnd type="none" w="med" len="med"/>
+                    </a:lnB>
+                    <a:solidFill>
+                      <a:schemeClr val="bg1"/>
+                    </a:solidFill>
+                  </a:tcPr>
+                </a:tc>
+                <a:tc>
+                  <a:txBody>
+                    <a:bodyPr/>
+                    <a:lstStyle/>
+                    <a:p>
+                      <a:pPr algn="ctr"/>
+                      <a:r>
+                        <a:rPr lang="en-US" sz="1200" b="0" dirty="0">
+                          <a:solidFill>
+                            <a:schemeClr val="tx1"/>
+                          </a:solidFill>
+                        </a:rPr>
+                        <a:t>Patient_1</a:t>
+                      </a:r>
+                    </a:p>
+                  </a:txBody>
+                  <a:tcPr anchor="ctr">
+                    <a:lnL w="12700" cap="flat" cmpd="sng" algn="ctr">
+                      <a:solidFill>
+                        <a:schemeClr val="tx1"/>
+                      </a:solidFill>
+                      <a:prstDash val="solid"/>
+                      <a:round/>
+                      <a:headEnd type="none" w="med" len="med"/>
+                      <a:tailEnd type="none" w="med" len="med"/>
+                    </a:lnL>
+                    <a:lnR w="12700" cap="flat" cmpd="sng" algn="ctr">
+                      <a:solidFill>
+                        <a:schemeClr val="tx1"/>
+                      </a:solidFill>
+                      <a:prstDash val="solid"/>
+                      <a:round/>
+                      <a:headEnd type="none" w="med" len="med"/>
+                      <a:tailEnd type="none" w="med" len="med"/>
+                    </a:lnR>
+                    <a:lnT w="12700" cap="flat" cmpd="sng" algn="ctr">
+                      <a:solidFill>
+                        <a:schemeClr val="tx1"/>
+                      </a:solidFill>
+                      <a:prstDash val="solid"/>
+                      <a:round/>
+                      <a:headEnd type="none" w="med" len="med"/>
+                      <a:tailEnd type="none" w="med" len="med"/>
+                    </a:lnT>
+                    <a:lnB w="12700" cap="flat" cmpd="sng" algn="ctr">
+                      <a:solidFill>
+                        <a:schemeClr val="tx1"/>
+                      </a:solidFill>
+                      <a:prstDash val="solid"/>
+                      <a:round/>
+                      <a:headEnd type="none" w="med" len="med"/>
+                      <a:tailEnd type="none" w="med" len="med"/>
+                    </a:lnB>
+                    <a:solidFill>
+                      <a:schemeClr val="bg1"/>
+                    </a:solidFill>
+                  </a:tcPr>
+                </a:tc>
+                <a:tc>
+                  <a:txBody>
+                    <a:bodyPr/>
+                    <a:lstStyle/>
+                    <a:p>
+                      <a:pPr marL="0" marR="0" lvl="0" indent="0" algn="ctr" defTabSz="914400" rtl="0" eaLnBrk="1" fontAlgn="auto" latinLnBrk="0" hangingPunct="1">
+                        <a:lnSpc>
+                          <a:spcPct val="100000"/>
+                        </a:lnSpc>
+                        <a:spcBef>
+                          <a:spcPts val="0"/>
+                        </a:spcBef>
+                        <a:spcAft>
+                          <a:spcPts val="0"/>
+                        </a:spcAft>
+                        <a:buClrTx/>
+                        <a:buSzTx/>
+                        <a:buFontTx/>
+                        <a:buNone/>
+                        <a:tabLst/>
+                        <a:defRPr/>
+                      </a:pPr>
+                      <a:r>
+                        <a:rPr lang="en-US" sz="1200" b="0" dirty="0">
+                          <a:solidFill>
+                            <a:schemeClr val="tx1"/>
+                          </a:solidFill>
+                        </a:rPr>
+                        <a:t>Patient_2</a:t>
+                      </a:r>
+                    </a:p>
+                  </a:txBody>
+                  <a:tcPr anchor="ctr">
+                    <a:lnL w="12700" cap="flat" cmpd="sng" algn="ctr">
+                      <a:solidFill>
+                        <a:schemeClr val="tx1"/>
+                      </a:solidFill>
+                      <a:prstDash val="solid"/>
+                      <a:round/>
+                      <a:headEnd type="none" w="med" len="med"/>
+                      <a:tailEnd type="none" w="med" len="med"/>
+                    </a:lnL>
+                    <a:lnR w="12700" cap="flat" cmpd="sng" algn="ctr">
+                      <a:solidFill>
+                        <a:schemeClr val="tx1"/>
+                      </a:solidFill>
+                      <a:prstDash val="solid"/>
+                      <a:round/>
+                      <a:headEnd type="none" w="med" len="med"/>
+                      <a:tailEnd type="none" w="med" len="med"/>
+                    </a:lnR>
+                    <a:lnT w="12700" cap="flat" cmpd="sng" algn="ctr">
+                      <a:solidFill>
+                        <a:schemeClr val="tx1"/>
+                      </a:solidFill>
+                      <a:prstDash val="solid"/>
+                      <a:round/>
+                      <a:headEnd type="none" w="med" len="med"/>
+                      <a:tailEnd type="none" w="med" len="med"/>
+                    </a:lnT>
+                    <a:lnB w="12700" cap="flat" cmpd="sng" algn="ctr">
+                      <a:solidFill>
+                        <a:schemeClr val="tx1"/>
+                      </a:solidFill>
+                      <a:prstDash val="solid"/>
+                      <a:round/>
+                      <a:headEnd type="none" w="med" len="med"/>
+                      <a:tailEnd type="none" w="med" len="med"/>
+                    </a:lnB>
+                    <a:solidFill>
+                      <a:schemeClr val="bg1"/>
+                    </a:solidFill>
+                  </a:tcPr>
+                </a:tc>
+                <a:tc>
+                  <a:txBody>
+                    <a:bodyPr/>
+                    <a:lstStyle/>
+                    <a:p>
+                      <a:pPr marL="0" marR="0" lvl="0" indent="0" algn="ctr" defTabSz="914400" rtl="0" eaLnBrk="1" fontAlgn="auto" latinLnBrk="0" hangingPunct="1">
+                        <a:lnSpc>
+                          <a:spcPct val="100000"/>
+                        </a:lnSpc>
+                        <a:spcBef>
+                          <a:spcPts val="0"/>
+                        </a:spcBef>
+                        <a:spcAft>
+                          <a:spcPts val="0"/>
+                        </a:spcAft>
+                        <a:buClrTx/>
+                        <a:buSzTx/>
+                        <a:buFontTx/>
+                        <a:buNone/>
+                        <a:tabLst/>
+                        <a:defRPr/>
+                      </a:pPr>
+                      <a:r>
+                        <a:rPr lang="en-US" sz="1200" b="0" dirty="0">
+                          <a:solidFill>
+                            <a:schemeClr val="tx1"/>
+                          </a:solidFill>
+                        </a:rPr>
+                        <a:t>Patient_3</a:t>
+                      </a:r>
+                    </a:p>
+                  </a:txBody>
+                  <a:tcPr anchor="ctr">
+                    <a:lnL w="12700" cap="flat" cmpd="sng" algn="ctr">
+                      <a:solidFill>
+                        <a:schemeClr val="tx1"/>
+                      </a:solidFill>
+                      <a:prstDash val="solid"/>
+                      <a:round/>
+                      <a:headEnd type="none" w="med" len="med"/>
+                      <a:tailEnd type="none" w="med" len="med"/>
+                    </a:lnL>
+                    <a:lnR w="12700" cap="flat" cmpd="sng" algn="ctr">
+                      <a:solidFill>
+                        <a:schemeClr val="tx1"/>
+                      </a:solidFill>
+                      <a:prstDash val="solid"/>
+                      <a:round/>
+                      <a:headEnd type="none" w="med" len="med"/>
+                      <a:tailEnd type="none" w="med" len="med"/>
+                    </a:lnR>
+                    <a:lnT w="12700" cap="flat" cmpd="sng" algn="ctr">
+                      <a:solidFill>
+                        <a:schemeClr val="tx1"/>
+                      </a:solidFill>
+                      <a:prstDash val="solid"/>
+                      <a:round/>
+                      <a:headEnd type="none" w="med" len="med"/>
+                      <a:tailEnd type="none" w="med" len="med"/>
+                    </a:lnT>
+                    <a:lnB w="12700" cap="flat" cmpd="sng" algn="ctr">
+                      <a:solidFill>
+                        <a:schemeClr val="tx1"/>
+                      </a:solidFill>
+                      <a:prstDash val="solid"/>
+                      <a:round/>
+                      <a:headEnd type="none" w="med" len="med"/>
+                      <a:tailEnd type="none" w="med" len="med"/>
+                    </a:lnB>
+                    <a:solidFill>
+                      <a:schemeClr val="bg1"/>
+                    </a:solidFill>
+                  </a:tcPr>
+                </a:tc>
+                <a:tc>
+                  <a:txBody>
+                    <a:bodyPr/>
+                    <a:lstStyle/>
+                    <a:p>
+                      <a:pPr marL="0" marR="0" lvl="0" indent="0" algn="ctr" defTabSz="914400" rtl="0" eaLnBrk="1" fontAlgn="auto" latinLnBrk="0" hangingPunct="1">
+                        <a:lnSpc>
+                          <a:spcPct val="100000"/>
+                        </a:lnSpc>
+                        <a:spcBef>
+                          <a:spcPts val="0"/>
+                        </a:spcBef>
+                        <a:spcAft>
+                          <a:spcPts val="0"/>
+                        </a:spcAft>
+                        <a:buClrTx/>
+                        <a:buSzTx/>
+                        <a:buFontTx/>
+                        <a:buNone/>
+                        <a:tabLst/>
+                        <a:defRPr/>
+                      </a:pPr>
+                      <a:r>
+                        <a:rPr lang="en-US" sz="1200" b="0" dirty="0">
+                          <a:solidFill>
+                            <a:schemeClr val="tx1"/>
+                          </a:solidFill>
+                        </a:rPr>
+                        <a:t>Patient_4</a:t>
+                      </a:r>
+                    </a:p>
+                  </a:txBody>
+                  <a:tcPr anchor="ctr">
+                    <a:lnL w="12700" cap="flat" cmpd="sng" algn="ctr">
+                      <a:solidFill>
+                        <a:schemeClr val="tx1"/>
+                      </a:solidFill>
+                      <a:prstDash val="solid"/>
+                      <a:round/>
+                      <a:headEnd type="none" w="med" len="med"/>
+                      <a:tailEnd type="none" w="med" len="med"/>
+                    </a:lnL>
+                    <a:lnR w="12700" cap="flat" cmpd="sng" algn="ctr">
+                      <a:solidFill>
+                        <a:schemeClr val="tx1"/>
+                      </a:solidFill>
+                      <a:prstDash val="solid"/>
+                      <a:round/>
+                      <a:headEnd type="none" w="med" len="med"/>
+                      <a:tailEnd type="none" w="med" len="med"/>
+                    </a:lnR>
+                    <a:lnT w="12700" cap="flat" cmpd="sng" algn="ctr">
+                      <a:solidFill>
+                        <a:schemeClr val="tx1"/>
+                      </a:solidFill>
+                      <a:prstDash val="solid"/>
+                      <a:round/>
+                      <a:headEnd type="none" w="med" len="med"/>
+                      <a:tailEnd type="none" w="med" len="med"/>
+                    </a:lnT>
+                    <a:lnB w="12700" cap="flat" cmpd="sng" algn="ctr">
+                      <a:solidFill>
+                        <a:schemeClr val="tx1"/>
+                      </a:solidFill>
+                      <a:prstDash val="solid"/>
+                      <a:round/>
+                      <a:headEnd type="none" w="med" len="med"/>
+                      <a:tailEnd type="none" w="med" len="med"/>
+                    </a:lnB>
+                    <a:solidFill>
+                      <a:schemeClr val="bg1"/>
+                    </a:solidFill>
+                  </a:tcPr>
+                </a:tc>
+                <a:extLst>
+                  <a:ext uri="{0D108BD9-81ED-4DB2-BD59-A6C34878D82A}">
+                    <a16:rowId xmlns:a16="http://schemas.microsoft.com/office/drawing/2014/main" val="3358250160"/>
+                  </a:ext>
+                </a:extLst>
+              </a:tr>
+              <a:tr h="464298">
+                <a:tc>
+                  <a:txBody>
+                    <a:bodyPr/>
+                    <a:lstStyle/>
+                    <a:p>
+                      <a:pPr algn="ctr"/>
+                      <a:r>
+                        <a:rPr lang="en-US" sz="1200" dirty="0"/>
+                        <a:t>Donor_1</a:t>
+                      </a:r>
+                    </a:p>
+                  </a:txBody>
+                  <a:tcPr anchor="ctr">
+                    <a:lnL w="12700" cap="flat" cmpd="sng" algn="ctr">
+                      <a:solidFill>
+                        <a:schemeClr val="tx1"/>
+                      </a:solidFill>
+                      <a:prstDash val="solid"/>
+                      <a:round/>
+                      <a:headEnd type="none" w="med" len="med"/>
+                      <a:tailEnd type="none" w="med" len="med"/>
+                    </a:lnL>
+                    <a:lnR w="12700" cap="flat" cmpd="sng" algn="ctr">
+                      <a:solidFill>
+                        <a:schemeClr val="tx1"/>
+                      </a:solidFill>
+                      <a:prstDash val="solid"/>
+                      <a:round/>
+                      <a:headEnd type="none" w="med" len="med"/>
+                      <a:tailEnd type="none" w="med" len="med"/>
+                    </a:lnR>
+                    <a:lnT w="12700" cap="flat" cmpd="sng" algn="ctr">
+                      <a:solidFill>
+                        <a:schemeClr val="tx1"/>
+                      </a:solidFill>
+                      <a:prstDash val="solid"/>
+                      <a:round/>
+                      <a:headEnd type="none" w="med" len="med"/>
+                      <a:tailEnd type="none" w="med" len="med"/>
+                    </a:lnT>
+                    <a:lnB w="12700" cap="flat" cmpd="sng" algn="ctr">
+                      <a:solidFill>
+                        <a:schemeClr val="tx1"/>
+                      </a:solidFill>
+                      <a:prstDash val="solid"/>
+                      <a:round/>
+                      <a:headEnd type="none" w="med" len="med"/>
+                      <a:tailEnd type="none" w="med" len="med"/>
+                    </a:lnB>
+                    <a:solidFill>
+                      <a:schemeClr val="bg1"/>
+                    </a:solidFill>
+                  </a:tcPr>
+                </a:tc>
+                <a:tc>
+                  <a:txBody>
+                    <a:bodyPr/>
+                    <a:lstStyle/>
+                    <a:p>
+                      <a:pPr marL="0" marR="0" lvl="0" indent="0" algn="ctr" defTabSz="914400" rtl="0" eaLnBrk="1" fontAlgn="auto" latinLnBrk="0" hangingPunct="1">
+                        <a:lnSpc>
+                          <a:spcPct val="100000"/>
+                        </a:lnSpc>
+                        <a:spcBef>
+                          <a:spcPts val="0"/>
+                        </a:spcBef>
+                        <a:spcAft>
+                          <a:spcPts val="0"/>
+                        </a:spcAft>
+                        <a:buClrTx/>
+                        <a:buSzTx/>
+                        <a:buFontTx/>
+                        <a:buNone/>
+                        <a:tabLst/>
+                        <a:defRPr/>
+                      </a:pPr>
+                      <a:r>
+                        <a:rPr lang="en-US" sz="1200" dirty="0">
+                          <a:effectLst/>
+                        </a:rPr>
+                        <a:t>82</a:t>
+                      </a:r>
+                    </a:p>
+                  </a:txBody>
+                  <a:tcPr anchor="ctr">
+                    <a:lnL w="12700" cap="flat" cmpd="sng" algn="ctr">
+                      <a:solidFill>
+                        <a:schemeClr val="tx1"/>
+                      </a:solidFill>
+                      <a:prstDash val="solid"/>
+                      <a:round/>
+                      <a:headEnd type="none" w="med" len="med"/>
+                      <a:tailEnd type="none" w="med" len="med"/>
+                    </a:lnL>
+                    <a:lnR w="12700" cap="flat" cmpd="sng" algn="ctr">
+                      <a:solidFill>
+                        <a:schemeClr val="tx1"/>
+                      </a:solidFill>
+                      <a:prstDash val="solid"/>
+                      <a:round/>
+                      <a:headEnd type="none" w="med" len="med"/>
+                      <a:tailEnd type="none" w="med" len="med"/>
+                    </a:lnR>
+                    <a:lnT w="12700" cap="flat" cmpd="sng" algn="ctr">
+                      <a:solidFill>
+                        <a:schemeClr val="tx1"/>
+                      </a:solidFill>
+                      <a:prstDash val="solid"/>
+                      <a:round/>
+                      <a:headEnd type="none" w="med" len="med"/>
+                      <a:tailEnd type="none" w="med" len="med"/>
+                    </a:lnT>
+                    <a:lnB w="12700" cap="flat" cmpd="sng" algn="ctr">
+                      <a:solidFill>
+                        <a:schemeClr val="tx1"/>
+                      </a:solidFill>
+                      <a:prstDash val="solid"/>
+                      <a:round/>
+                      <a:headEnd type="none" w="med" len="med"/>
+                      <a:tailEnd type="none" w="med" len="med"/>
+                    </a:lnB>
+                    <a:solidFill>
+                      <a:schemeClr val="bg1"/>
+                    </a:solidFill>
+                  </a:tcPr>
+                </a:tc>
+                <a:tc>
+                  <a:txBody>
+                    <a:bodyPr/>
+                    <a:lstStyle/>
+                    <a:p>
+                      <a:pPr algn="ctr" fontAlgn="t"/>
+                      <a:r>
+                        <a:rPr lang="en-US" sz="1200" dirty="0">
+                          <a:effectLst/>
+                        </a:rPr>
+                        <a:t>83</a:t>
+                      </a:r>
+                    </a:p>
+                  </a:txBody>
+                  <a:tcPr anchor="ctr">
+                    <a:lnL w="12700" cap="flat" cmpd="sng" algn="ctr">
+                      <a:solidFill>
+                        <a:schemeClr val="tx1"/>
+                      </a:solidFill>
+                      <a:prstDash val="solid"/>
+                      <a:round/>
+                      <a:headEnd type="none" w="med" len="med"/>
+                      <a:tailEnd type="none" w="med" len="med"/>
+                    </a:lnL>
+                    <a:lnR w="12700" cap="flat" cmpd="sng" algn="ctr">
+                      <a:solidFill>
+                        <a:schemeClr val="tx1"/>
+                      </a:solidFill>
+                      <a:prstDash val="solid"/>
+                      <a:round/>
+                      <a:headEnd type="none" w="med" len="med"/>
+                      <a:tailEnd type="none" w="med" len="med"/>
+                    </a:lnR>
+                    <a:lnT w="12700" cap="flat" cmpd="sng" algn="ctr">
+                      <a:solidFill>
+                        <a:schemeClr val="tx1"/>
+                      </a:solidFill>
+                      <a:prstDash val="solid"/>
+                      <a:round/>
+                      <a:headEnd type="none" w="med" len="med"/>
+                      <a:tailEnd type="none" w="med" len="med"/>
+                    </a:lnT>
+                    <a:lnB w="12700" cap="flat" cmpd="sng" algn="ctr">
+                      <a:solidFill>
+                        <a:schemeClr val="tx1"/>
+                      </a:solidFill>
+                      <a:prstDash val="solid"/>
+                      <a:round/>
+                      <a:headEnd type="none" w="med" len="med"/>
+                      <a:tailEnd type="none" w="med" len="med"/>
+                    </a:lnB>
+                    <a:solidFill>
+                      <a:schemeClr val="bg1"/>
+                    </a:solidFill>
+                  </a:tcPr>
+                </a:tc>
+                <a:tc>
+                  <a:txBody>
+                    <a:bodyPr/>
+                    <a:lstStyle/>
+                    <a:p>
+                      <a:pPr algn="ctr" fontAlgn="t"/>
+                      <a:r>
+                        <a:rPr lang="en-US" sz="1200" dirty="0">
+                          <a:effectLst/>
+                        </a:rPr>
+                        <a:t>69</a:t>
+                      </a:r>
+                    </a:p>
+                  </a:txBody>
+                  <a:tcPr anchor="ctr">
+                    <a:lnL w="12700" cap="flat" cmpd="sng" algn="ctr">
+                      <a:solidFill>
+                        <a:schemeClr val="tx1"/>
+                      </a:solidFill>
+                      <a:prstDash val="solid"/>
+                      <a:round/>
+                      <a:headEnd type="none" w="med" len="med"/>
+                      <a:tailEnd type="none" w="med" len="med"/>
+                    </a:lnL>
+                    <a:lnR w="12700" cap="flat" cmpd="sng" algn="ctr">
+                      <a:solidFill>
+                        <a:schemeClr val="tx1"/>
+                      </a:solidFill>
+                      <a:prstDash val="solid"/>
+                      <a:round/>
+                      <a:headEnd type="none" w="med" len="med"/>
+                      <a:tailEnd type="none" w="med" len="med"/>
+                    </a:lnR>
+                    <a:lnT w="12700" cap="flat" cmpd="sng" algn="ctr">
+                      <a:solidFill>
+                        <a:schemeClr val="tx1"/>
+                      </a:solidFill>
+                      <a:prstDash val="solid"/>
+                      <a:round/>
+                      <a:headEnd type="none" w="med" len="med"/>
+                      <a:tailEnd type="none" w="med" len="med"/>
+                    </a:lnT>
+                    <a:lnB w="12700" cap="flat" cmpd="sng" algn="ctr">
+                      <a:solidFill>
+                        <a:schemeClr val="tx1"/>
+                      </a:solidFill>
+                      <a:prstDash val="solid"/>
+                      <a:round/>
+                      <a:headEnd type="none" w="med" len="med"/>
+                      <a:tailEnd type="none" w="med" len="med"/>
+                    </a:lnB>
+                    <a:solidFill>
+                      <a:schemeClr val="bg1"/>
+                    </a:solidFill>
+                  </a:tcPr>
+                </a:tc>
+                <a:tc>
+                  <a:txBody>
+                    <a:bodyPr/>
+                    <a:lstStyle/>
+                    <a:p>
+                      <a:pPr algn="ctr" fontAlgn="t"/>
+                      <a:r>
+                        <a:rPr lang="en-US" sz="1200" dirty="0">
+                          <a:effectLst/>
+                        </a:rPr>
+                        <a:t>92</a:t>
+                      </a:r>
+                    </a:p>
+                  </a:txBody>
+                  <a:tcPr anchor="ctr">
+                    <a:lnL w="12700" cap="flat" cmpd="sng" algn="ctr">
+                      <a:solidFill>
+                        <a:schemeClr val="tx1"/>
+                      </a:solidFill>
+                      <a:prstDash val="solid"/>
+                      <a:round/>
+                      <a:headEnd type="none" w="med" len="med"/>
+                      <a:tailEnd type="none" w="med" len="med"/>
+                    </a:lnL>
+                    <a:lnR w="12700" cap="flat" cmpd="sng" algn="ctr">
+                      <a:solidFill>
+                        <a:schemeClr val="tx1"/>
+                      </a:solidFill>
+                      <a:prstDash val="solid"/>
+                      <a:round/>
+                      <a:headEnd type="none" w="med" len="med"/>
+                      <a:tailEnd type="none" w="med" len="med"/>
+                    </a:lnR>
+                    <a:lnT w="12700" cap="flat" cmpd="sng" algn="ctr">
+                      <a:solidFill>
+                        <a:schemeClr val="tx1"/>
+                      </a:solidFill>
+                      <a:prstDash val="solid"/>
+                      <a:round/>
+                      <a:headEnd type="none" w="med" len="med"/>
+                      <a:tailEnd type="none" w="med" len="med"/>
+                    </a:lnT>
+                    <a:lnB w="12700" cap="flat" cmpd="sng" algn="ctr">
+                      <a:solidFill>
+                        <a:schemeClr val="tx1"/>
+                      </a:solidFill>
+                      <a:prstDash val="solid"/>
+                      <a:round/>
+                      <a:headEnd type="none" w="med" len="med"/>
+                      <a:tailEnd type="none" w="med" len="med"/>
+                    </a:lnB>
+                    <a:solidFill>
+                      <a:srgbClr val="33CCFF"/>
+                    </a:solidFill>
+                  </a:tcPr>
+                </a:tc>
+                <a:extLst>
+                  <a:ext uri="{0D108BD9-81ED-4DB2-BD59-A6C34878D82A}">
+                    <a16:rowId xmlns:a16="http://schemas.microsoft.com/office/drawing/2014/main" val="232487972"/>
+                  </a:ext>
+                </a:extLst>
+              </a:tr>
+              <a:tr h="464298">
+                <a:tc>
+                  <a:txBody>
+                    <a:bodyPr/>
+                    <a:lstStyle/>
+                    <a:p>
+                      <a:pPr marL="0" marR="0" lvl="0" indent="0" algn="ctr" defTabSz="914400" rtl="0" eaLnBrk="1" fontAlgn="auto" latinLnBrk="0" hangingPunct="1">
+                        <a:lnSpc>
+                          <a:spcPct val="100000"/>
+                        </a:lnSpc>
+                        <a:spcBef>
+                          <a:spcPts val="0"/>
+                        </a:spcBef>
+                        <a:spcAft>
+                          <a:spcPts val="0"/>
+                        </a:spcAft>
+                        <a:buClrTx/>
+                        <a:buSzTx/>
+                        <a:buFontTx/>
+                        <a:buNone/>
+                        <a:tabLst/>
+                        <a:defRPr/>
+                      </a:pPr>
+                      <a:r>
+                        <a:rPr lang="en-US" sz="1200" dirty="0"/>
+                        <a:t>Donor_2</a:t>
+                      </a:r>
+                    </a:p>
+                  </a:txBody>
+                  <a:tcPr anchor="ctr">
+                    <a:lnL w="12700" cap="flat" cmpd="sng" algn="ctr">
+                      <a:solidFill>
+                        <a:schemeClr val="tx1"/>
+                      </a:solidFill>
+                      <a:prstDash val="solid"/>
+                      <a:round/>
+                      <a:headEnd type="none" w="med" len="med"/>
+                      <a:tailEnd type="none" w="med" len="med"/>
+                    </a:lnL>
+                    <a:lnR w="12700" cap="flat" cmpd="sng" algn="ctr">
+                      <a:solidFill>
+                        <a:schemeClr val="tx1"/>
+                      </a:solidFill>
+                      <a:prstDash val="solid"/>
+                      <a:round/>
+                      <a:headEnd type="none" w="med" len="med"/>
+                      <a:tailEnd type="none" w="med" len="med"/>
+                    </a:lnR>
+                    <a:lnT w="12700" cap="flat" cmpd="sng" algn="ctr">
+                      <a:solidFill>
+                        <a:schemeClr val="tx1"/>
+                      </a:solidFill>
+                      <a:prstDash val="solid"/>
+                      <a:round/>
+                      <a:headEnd type="none" w="med" len="med"/>
+                      <a:tailEnd type="none" w="med" len="med"/>
+                    </a:lnT>
+                    <a:lnB w="12700" cap="flat" cmpd="sng" algn="ctr">
+                      <a:solidFill>
+                        <a:schemeClr val="tx1"/>
+                      </a:solidFill>
+                      <a:prstDash val="solid"/>
+                      <a:round/>
+                      <a:headEnd type="none" w="med" len="med"/>
+                      <a:tailEnd type="none" w="med" len="med"/>
+                    </a:lnB>
+                    <a:solidFill>
+                      <a:schemeClr val="bg1"/>
+                    </a:solidFill>
+                  </a:tcPr>
+                </a:tc>
+                <a:tc>
+                  <a:txBody>
+                    <a:bodyPr/>
+                    <a:lstStyle/>
+                    <a:p>
+                      <a:pPr algn="ctr" fontAlgn="t"/>
+                      <a:r>
+                        <a:rPr lang="en-US" sz="1200" dirty="0">
+                          <a:effectLst/>
+                        </a:rPr>
+                        <a:t>77</a:t>
+                      </a:r>
+                    </a:p>
+                  </a:txBody>
+                  <a:tcPr anchor="ctr">
+                    <a:lnL w="12700" cap="flat" cmpd="sng" algn="ctr">
+                      <a:solidFill>
+                        <a:schemeClr val="tx1"/>
+                      </a:solidFill>
+                      <a:prstDash val="solid"/>
+                      <a:round/>
+                      <a:headEnd type="none" w="med" len="med"/>
+                      <a:tailEnd type="none" w="med" len="med"/>
+                    </a:lnL>
+                    <a:lnR w="12700" cap="flat" cmpd="sng" algn="ctr">
+                      <a:solidFill>
+                        <a:schemeClr val="tx1"/>
+                      </a:solidFill>
+                      <a:prstDash val="solid"/>
+                      <a:round/>
+                      <a:headEnd type="none" w="med" len="med"/>
+                      <a:tailEnd type="none" w="med" len="med"/>
+                    </a:lnR>
+                    <a:lnT w="12700" cap="flat" cmpd="sng" algn="ctr">
+                      <a:solidFill>
+                        <a:schemeClr val="tx1"/>
+                      </a:solidFill>
+                      <a:prstDash val="solid"/>
+                      <a:round/>
+                      <a:headEnd type="none" w="med" len="med"/>
+                      <a:tailEnd type="none" w="med" len="med"/>
+                    </a:lnT>
+                    <a:lnB w="12700" cap="flat" cmpd="sng" algn="ctr">
+                      <a:solidFill>
+                        <a:schemeClr val="tx1"/>
+                      </a:solidFill>
+                      <a:prstDash val="solid"/>
+                      <a:round/>
+                      <a:headEnd type="none" w="med" len="med"/>
+                      <a:tailEnd type="none" w="med" len="med"/>
+                    </a:lnB>
+                    <a:solidFill>
+                      <a:schemeClr val="bg1"/>
+                    </a:solidFill>
+                  </a:tcPr>
+                </a:tc>
+                <a:tc>
+                  <a:txBody>
+                    <a:bodyPr/>
+                    <a:lstStyle/>
+                    <a:p>
+                      <a:pPr algn="ctr" fontAlgn="t"/>
+                      <a:r>
+                        <a:rPr lang="en-US" sz="1200" dirty="0">
+                          <a:effectLst/>
+                        </a:rPr>
+                        <a:t>37</a:t>
+                      </a:r>
+                    </a:p>
+                  </a:txBody>
+                  <a:tcPr anchor="ctr">
+                    <a:lnL w="12700" cap="flat" cmpd="sng" algn="ctr">
+                      <a:solidFill>
+                        <a:schemeClr val="tx1"/>
+                      </a:solidFill>
+                      <a:prstDash val="solid"/>
+                      <a:round/>
+                      <a:headEnd type="none" w="med" len="med"/>
+                      <a:tailEnd type="none" w="med" len="med"/>
+                    </a:lnL>
+                    <a:lnR w="12700" cap="flat" cmpd="sng" algn="ctr">
+                      <a:solidFill>
+                        <a:schemeClr val="tx1"/>
+                      </a:solidFill>
+                      <a:prstDash val="solid"/>
+                      <a:round/>
+                      <a:headEnd type="none" w="med" len="med"/>
+                      <a:tailEnd type="none" w="med" len="med"/>
+                    </a:lnR>
+                    <a:lnT w="12700" cap="flat" cmpd="sng" algn="ctr">
+                      <a:solidFill>
+                        <a:schemeClr val="tx1"/>
+                      </a:solidFill>
+                      <a:prstDash val="solid"/>
+                      <a:round/>
+                      <a:headEnd type="none" w="med" len="med"/>
+                      <a:tailEnd type="none" w="med" len="med"/>
+                    </a:lnT>
+                    <a:lnB w="12700" cap="flat" cmpd="sng" algn="ctr">
+                      <a:solidFill>
+                        <a:schemeClr val="tx1"/>
+                      </a:solidFill>
+                      <a:prstDash val="solid"/>
+                      <a:round/>
+                      <a:headEnd type="none" w="med" len="med"/>
+                      <a:tailEnd type="none" w="med" len="med"/>
+                    </a:lnB>
+                    <a:solidFill>
+                      <a:schemeClr val="bg1"/>
+                    </a:solidFill>
+                  </a:tcPr>
+                </a:tc>
+                <a:tc>
+                  <a:txBody>
+                    <a:bodyPr/>
+                    <a:lstStyle/>
+                    <a:p>
+                      <a:pPr algn="ctr" fontAlgn="t"/>
+                      <a:r>
+                        <a:rPr lang="en-US" sz="1200" dirty="0">
+                          <a:effectLst/>
+                        </a:rPr>
+                        <a:t>49</a:t>
+                      </a:r>
+                    </a:p>
+                  </a:txBody>
+                  <a:tcPr anchor="ctr">
+                    <a:lnL w="12700" cap="flat" cmpd="sng" algn="ctr">
+                      <a:solidFill>
+                        <a:schemeClr val="tx1"/>
+                      </a:solidFill>
+                      <a:prstDash val="solid"/>
+                      <a:round/>
+                      <a:headEnd type="none" w="med" len="med"/>
+                      <a:tailEnd type="none" w="med" len="med"/>
+                    </a:lnL>
+                    <a:lnR w="12700" cap="flat" cmpd="sng" algn="ctr">
+                      <a:solidFill>
+                        <a:schemeClr val="tx1"/>
+                      </a:solidFill>
+                      <a:prstDash val="solid"/>
+                      <a:round/>
+                      <a:headEnd type="none" w="med" len="med"/>
+                      <a:tailEnd type="none" w="med" len="med"/>
+                    </a:lnR>
+                    <a:lnT w="12700" cap="flat" cmpd="sng" algn="ctr">
+                      <a:solidFill>
+                        <a:schemeClr val="tx1"/>
+                      </a:solidFill>
+                      <a:prstDash val="solid"/>
+                      <a:round/>
+                      <a:headEnd type="none" w="med" len="med"/>
+                      <a:tailEnd type="none" w="med" len="med"/>
+                    </a:lnT>
+                    <a:lnB w="12700" cap="flat" cmpd="sng" algn="ctr">
+                      <a:solidFill>
+                        <a:schemeClr val="tx1"/>
+                      </a:solidFill>
+                      <a:prstDash val="solid"/>
+                      <a:round/>
+                      <a:headEnd type="none" w="med" len="med"/>
+                      <a:tailEnd type="none" w="med" len="med"/>
+                    </a:lnB>
+                    <a:solidFill>
+                      <a:schemeClr val="bg1"/>
+                    </a:solidFill>
+                  </a:tcPr>
+                </a:tc>
+                <a:tc>
+                  <a:txBody>
+                    <a:bodyPr/>
+                    <a:lstStyle/>
+                    <a:p>
+                      <a:pPr algn="ctr" fontAlgn="t"/>
+                      <a:r>
+                        <a:rPr lang="en-US" sz="1200" dirty="0">
+                          <a:effectLst/>
+                        </a:rPr>
+                        <a:t>92</a:t>
+                      </a:r>
+                    </a:p>
+                  </a:txBody>
+                  <a:tcPr anchor="ctr">
+                    <a:lnL w="12700" cap="flat" cmpd="sng" algn="ctr">
+                      <a:solidFill>
+                        <a:schemeClr val="tx1"/>
+                      </a:solidFill>
+                      <a:prstDash val="solid"/>
+                      <a:round/>
+                      <a:headEnd type="none" w="med" len="med"/>
+                      <a:tailEnd type="none" w="med" len="med"/>
+                    </a:lnL>
+                    <a:lnR w="12700" cap="flat" cmpd="sng" algn="ctr">
+                      <a:solidFill>
+                        <a:schemeClr val="tx1"/>
+                      </a:solidFill>
+                      <a:prstDash val="solid"/>
+                      <a:round/>
+                      <a:headEnd type="none" w="med" len="med"/>
+                      <a:tailEnd type="none" w="med" len="med"/>
+                    </a:lnR>
+                    <a:lnT w="12700" cap="flat" cmpd="sng" algn="ctr">
+                      <a:solidFill>
+                        <a:schemeClr val="tx1"/>
+                      </a:solidFill>
+                      <a:prstDash val="solid"/>
+                      <a:round/>
+                      <a:headEnd type="none" w="med" len="med"/>
+                      <a:tailEnd type="none" w="med" len="med"/>
+                    </a:lnT>
+                    <a:lnB w="12700" cap="flat" cmpd="sng" algn="ctr">
+                      <a:solidFill>
+                        <a:schemeClr val="tx1"/>
+                      </a:solidFill>
+                      <a:prstDash val="solid"/>
+                      <a:round/>
+                      <a:headEnd type="none" w="med" len="med"/>
+                      <a:tailEnd type="none" w="med" len="med"/>
+                    </a:lnB>
+                    <a:solidFill>
+                      <a:schemeClr val="bg1"/>
+                    </a:solidFill>
+                  </a:tcPr>
+                </a:tc>
+                <a:extLst>
+                  <a:ext uri="{0D108BD9-81ED-4DB2-BD59-A6C34878D82A}">
+                    <a16:rowId xmlns:a16="http://schemas.microsoft.com/office/drawing/2014/main" val="3739604332"/>
+                  </a:ext>
+                </a:extLst>
+              </a:tr>
+              <a:tr h="464298">
+                <a:tc>
+                  <a:txBody>
+                    <a:bodyPr/>
+                    <a:lstStyle/>
+                    <a:p>
+                      <a:pPr marL="0" marR="0" lvl="0" indent="0" algn="ctr" defTabSz="914400" rtl="0" eaLnBrk="1" fontAlgn="auto" latinLnBrk="0" hangingPunct="1">
+                        <a:lnSpc>
+                          <a:spcPct val="100000"/>
+                        </a:lnSpc>
+                        <a:spcBef>
+                          <a:spcPts val="0"/>
+                        </a:spcBef>
+                        <a:spcAft>
+                          <a:spcPts val="0"/>
+                        </a:spcAft>
+                        <a:buClrTx/>
+                        <a:buSzTx/>
+                        <a:buFontTx/>
+                        <a:buNone/>
+                        <a:tabLst/>
+                        <a:defRPr/>
+                      </a:pPr>
+                      <a:r>
+                        <a:rPr lang="en-US" sz="1200" dirty="0"/>
+                        <a:t>Donor_3</a:t>
+                      </a:r>
+                    </a:p>
+                  </a:txBody>
+                  <a:tcPr anchor="ctr">
+                    <a:lnL w="12700" cap="flat" cmpd="sng" algn="ctr">
+                      <a:solidFill>
+                        <a:schemeClr val="tx1"/>
+                      </a:solidFill>
+                      <a:prstDash val="solid"/>
+                      <a:round/>
+                      <a:headEnd type="none" w="med" len="med"/>
+                      <a:tailEnd type="none" w="med" len="med"/>
+                    </a:lnL>
+                    <a:lnR w="12700" cap="flat" cmpd="sng" algn="ctr">
+                      <a:solidFill>
+                        <a:schemeClr val="tx1"/>
+                      </a:solidFill>
+                      <a:prstDash val="solid"/>
+                      <a:round/>
+                      <a:headEnd type="none" w="med" len="med"/>
+                      <a:tailEnd type="none" w="med" len="med"/>
+                    </a:lnR>
+                    <a:lnT w="12700" cap="flat" cmpd="sng" algn="ctr">
+                      <a:solidFill>
+                        <a:schemeClr val="tx1"/>
+                      </a:solidFill>
+                      <a:prstDash val="solid"/>
+                      <a:round/>
+                      <a:headEnd type="none" w="med" len="med"/>
+                      <a:tailEnd type="none" w="med" len="med"/>
+                    </a:lnT>
+                    <a:lnB w="12700" cap="flat" cmpd="sng" algn="ctr">
+                      <a:solidFill>
+                        <a:schemeClr val="tx1"/>
+                      </a:solidFill>
+                      <a:prstDash val="solid"/>
+                      <a:round/>
+                      <a:headEnd type="none" w="med" len="med"/>
+                      <a:tailEnd type="none" w="med" len="med"/>
+                    </a:lnB>
+                    <a:solidFill>
+                      <a:schemeClr val="bg1"/>
+                    </a:solidFill>
+                  </a:tcPr>
+                </a:tc>
+                <a:tc>
+                  <a:txBody>
+                    <a:bodyPr/>
+                    <a:lstStyle/>
+                    <a:p>
+                      <a:pPr algn="ctr" fontAlgn="t"/>
+                      <a:r>
+                        <a:rPr lang="en-US" sz="1200">
+                          <a:effectLst/>
+                        </a:rPr>
+                        <a:t>11</a:t>
+                      </a:r>
+                    </a:p>
+                  </a:txBody>
+                  <a:tcPr anchor="ctr">
+                    <a:lnL w="12700" cap="flat" cmpd="sng" algn="ctr">
+                      <a:solidFill>
+                        <a:schemeClr val="tx1"/>
+                      </a:solidFill>
+                      <a:prstDash val="solid"/>
+                      <a:round/>
+                      <a:headEnd type="none" w="med" len="med"/>
+                      <a:tailEnd type="none" w="med" len="med"/>
+                    </a:lnL>
+                    <a:lnR w="12700" cap="flat" cmpd="sng" algn="ctr">
+                      <a:solidFill>
+                        <a:schemeClr val="tx1"/>
+                      </a:solidFill>
+                      <a:prstDash val="solid"/>
+                      <a:round/>
+                      <a:headEnd type="none" w="med" len="med"/>
+                      <a:tailEnd type="none" w="med" len="med"/>
+                    </a:lnR>
+                    <a:lnT w="12700" cap="flat" cmpd="sng" algn="ctr">
+                      <a:solidFill>
+                        <a:schemeClr val="tx1"/>
+                      </a:solidFill>
+                      <a:prstDash val="solid"/>
+                      <a:round/>
+                      <a:headEnd type="none" w="med" len="med"/>
+                      <a:tailEnd type="none" w="med" len="med"/>
+                    </a:lnT>
+                    <a:lnB w="12700" cap="flat" cmpd="sng" algn="ctr">
+                      <a:solidFill>
+                        <a:schemeClr val="tx1"/>
+                      </a:solidFill>
+                      <a:prstDash val="solid"/>
+                      <a:round/>
+                      <a:headEnd type="none" w="med" len="med"/>
+                      <a:tailEnd type="none" w="med" len="med"/>
+                    </a:lnB>
+                    <a:solidFill>
+                      <a:schemeClr val="bg1"/>
+                    </a:solidFill>
+                  </a:tcPr>
+                </a:tc>
+                <a:tc>
+                  <a:txBody>
+                    <a:bodyPr/>
+                    <a:lstStyle/>
+                    <a:p>
+                      <a:pPr algn="ctr" fontAlgn="t"/>
+                      <a:r>
+                        <a:rPr lang="en-US" sz="1200" dirty="0">
+                          <a:effectLst/>
+                        </a:rPr>
+                        <a:t>69</a:t>
+                      </a:r>
+                    </a:p>
+                  </a:txBody>
+                  <a:tcPr anchor="ctr">
+                    <a:lnL w="12700" cap="flat" cmpd="sng" algn="ctr">
+                      <a:solidFill>
+                        <a:schemeClr val="tx1"/>
+                      </a:solidFill>
+                      <a:prstDash val="solid"/>
+                      <a:round/>
+                      <a:headEnd type="none" w="med" len="med"/>
+                      <a:tailEnd type="none" w="med" len="med"/>
+                    </a:lnL>
+                    <a:lnR w="12700" cap="flat" cmpd="sng" algn="ctr">
+                      <a:solidFill>
+                        <a:schemeClr val="tx1"/>
+                      </a:solidFill>
+                      <a:prstDash val="solid"/>
+                      <a:round/>
+                      <a:headEnd type="none" w="med" len="med"/>
+                      <a:tailEnd type="none" w="med" len="med"/>
+                    </a:lnR>
+                    <a:lnT w="12700" cap="flat" cmpd="sng" algn="ctr">
+                      <a:solidFill>
+                        <a:schemeClr val="tx1"/>
+                      </a:solidFill>
+                      <a:prstDash val="solid"/>
+                      <a:round/>
+                      <a:headEnd type="none" w="med" len="med"/>
+                      <a:tailEnd type="none" w="med" len="med"/>
+                    </a:lnT>
+                    <a:lnB w="12700" cap="flat" cmpd="sng" algn="ctr">
+                      <a:solidFill>
+                        <a:schemeClr val="tx1"/>
+                      </a:solidFill>
+                      <a:prstDash val="solid"/>
+                      <a:round/>
+                      <a:headEnd type="none" w="med" len="med"/>
+                      <a:tailEnd type="none" w="med" len="med"/>
+                    </a:lnB>
+                    <a:solidFill>
+                      <a:schemeClr val="bg1"/>
+                    </a:solidFill>
+                  </a:tcPr>
+                </a:tc>
+                <a:tc>
+                  <a:txBody>
+                    <a:bodyPr/>
+                    <a:lstStyle/>
+                    <a:p>
+                      <a:pPr algn="ctr" fontAlgn="t"/>
+                      <a:r>
+                        <a:rPr lang="en-US" sz="1200" dirty="0">
+                          <a:effectLst/>
+                        </a:rPr>
+                        <a:t>5</a:t>
+                      </a:r>
+                    </a:p>
+                  </a:txBody>
+                  <a:tcPr anchor="ctr">
+                    <a:lnL w="12700" cap="flat" cmpd="sng" algn="ctr">
+                      <a:solidFill>
+                        <a:schemeClr val="tx1"/>
+                      </a:solidFill>
+                      <a:prstDash val="solid"/>
+                      <a:round/>
+                      <a:headEnd type="none" w="med" len="med"/>
+                      <a:tailEnd type="none" w="med" len="med"/>
+                    </a:lnL>
+                    <a:lnR w="12700" cap="flat" cmpd="sng" algn="ctr">
+                      <a:solidFill>
+                        <a:schemeClr val="tx1"/>
+                      </a:solidFill>
+                      <a:prstDash val="solid"/>
+                      <a:round/>
+                      <a:headEnd type="none" w="med" len="med"/>
+                      <a:tailEnd type="none" w="med" len="med"/>
+                    </a:lnR>
+                    <a:lnT w="12700" cap="flat" cmpd="sng" algn="ctr">
+                      <a:solidFill>
+                        <a:schemeClr val="tx1"/>
+                      </a:solidFill>
+                      <a:prstDash val="solid"/>
+                      <a:round/>
+                      <a:headEnd type="none" w="med" len="med"/>
+                      <a:tailEnd type="none" w="med" len="med"/>
+                    </a:lnT>
+                    <a:lnB w="12700" cap="flat" cmpd="sng" algn="ctr">
+                      <a:solidFill>
+                        <a:schemeClr val="tx1"/>
+                      </a:solidFill>
+                      <a:prstDash val="solid"/>
+                      <a:round/>
+                      <a:headEnd type="none" w="med" len="med"/>
+                      <a:tailEnd type="none" w="med" len="med"/>
+                    </a:lnB>
+                    <a:solidFill>
+                      <a:schemeClr val="bg1"/>
+                    </a:solidFill>
+                  </a:tcPr>
+                </a:tc>
+                <a:tc>
+                  <a:txBody>
+                    <a:bodyPr/>
+                    <a:lstStyle/>
+                    <a:p>
+                      <a:pPr algn="ctr" fontAlgn="t"/>
+                      <a:r>
+                        <a:rPr lang="en-US" sz="1200" dirty="0">
+                          <a:effectLst/>
+                        </a:rPr>
+                        <a:t>86</a:t>
+                      </a:r>
+                    </a:p>
+                  </a:txBody>
+                  <a:tcPr anchor="ctr">
+                    <a:lnL w="12700" cap="flat" cmpd="sng" algn="ctr">
+                      <a:solidFill>
+                        <a:schemeClr val="tx1"/>
+                      </a:solidFill>
+                      <a:prstDash val="solid"/>
+                      <a:round/>
+                      <a:headEnd type="none" w="med" len="med"/>
+                      <a:tailEnd type="none" w="med" len="med"/>
+                    </a:lnL>
+                    <a:lnR w="12700" cap="flat" cmpd="sng" algn="ctr">
+                      <a:solidFill>
+                        <a:schemeClr val="tx1"/>
+                      </a:solidFill>
+                      <a:prstDash val="solid"/>
+                      <a:round/>
+                      <a:headEnd type="none" w="med" len="med"/>
+                      <a:tailEnd type="none" w="med" len="med"/>
+                    </a:lnR>
+                    <a:lnT w="12700" cap="flat" cmpd="sng" algn="ctr">
+                      <a:solidFill>
+                        <a:schemeClr val="tx1"/>
+                      </a:solidFill>
+                      <a:prstDash val="solid"/>
+                      <a:round/>
+                      <a:headEnd type="none" w="med" len="med"/>
+                      <a:tailEnd type="none" w="med" len="med"/>
+                    </a:lnT>
+                    <a:lnB w="12700" cap="flat" cmpd="sng" algn="ctr">
+                      <a:solidFill>
+                        <a:schemeClr val="tx1"/>
+                      </a:solidFill>
+                      <a:prstDash val="solid"/>
+                      <a:round/>
+                      <a:headEnd type="none" w="med" len="med"/>
+                      <a:tailEnd type="none" w="med" len="med"/>
+                    </a:lnB>
+                    <a:solidFill>
+                      <a:schemeClr val="bg1"/>
+                    </a:solidFill>
+                  </a:tcPr>
+                </a:tc>
+                <a:extLst>
+                  <a:ext uri="{0D108BD9-81ED-4DB2-BD59-A6C34878D82A}">
+                    <a16:rowId xmlns:a16="http://schemas.microsoft.com/office/drawing/2014/main" val="3171691836"/>
+                  </a:ext>
+                </a:extLst>
+              </a:tr>
+              <a:tr h="464298">
+                <a:tc>
+                  <a:txBody>
+                    <a:bodyPr/>
+                    <a:lstStyle/>
+                    <a:p>
+                      <a:pPr marL="0" marR="0" lvl="0" indent="0" algn="ctr" defTabSz="914400" rtl="0" eaLnBrk="1" fontAlgn="auto" latinLnBrk="0" hangingPunct="1">
+                        <a:lnSpc>
+                          <a:spcPct val="100000"/>
+                        </a:lnSpc>
+                        <a:spcBef>
+                          <a:spcPts val="0"/>
+                        </a:spcBef>
+                        <a:spcAft>
+                          <a:spcPts val="0"/>
+                        </a:spcAft>
+                        <a:buClrTx/>
+                        <a:buSzTx/>
+                        <a:buFontTx/>
+                        <a:buNone/>
+                        <a:tabLst/>
+                        <a:defRPr/>
+                      </a:pPr>
+                      <a:r>
+                        <a:rPr lang="en-US" sz="1200" dirty="0"/>
+                        <a:t>Donor_4</a:t>
+                      </a:r>
+                    </a:p>
+                  </a:txBody>
+                  <a:tcPr anchor="ctr">
+                    <a:lnL w="12700" cap="flat" cmpd="sng" algn="ctr">
+                      <a:solidFill>
+                        <a:schemeClr val="tx1"/>
+                      </a:solidFill>
+                      <a:prstDash val="solid"/>
+                      <a:round/>
+                      <a:headEnd type="none" w="med" len="med"/>
+                      <a:tailEnd type="none" w="med" len="med"/>
+                    </a:lnL>
+                    <a:lnR w="12700" cap="flat" cmpd="sng" algn="ctr">
+                      <a:solidFill>
+                        <a:schemeClr val="tx1"/>
+                      </a:solidFill>
+                      <a:prstDash val="solid"/>
+                      <a:round/>
+                      <a:headEnd type="none" w="med" len="med"/>
+                      <a:tailEnd type="none" w="med" len="med"/>
+                    </a:lnR>
+                    <a:lnT w="12700" cap="flat" cmpd="sng" algn="ctr">
+                      <a:solidFill>
+                        <a:schemeClr val="tx1"/>
+                      </a:solidFill>
+                      <a:prstDash val="solid"/>
+                      <a:round/>
+                      <a:headEnd type="none" w="med" len="med"/>
+                      <a:tailEnd type="none" w="med" len="med"/>
+                    </a:lnT>
+                    <a:lnB w="12700" cap="flat" cmpd="sng" algn="ctr">
+                      <a:solidFill>
+                        <a:schemeClr val="tx1"/>
+                      </a:solidFill>
+                      <a:prstDash val="solid"/>
+                      <a:round/>
+                      <a:headEnd type="none" w="med" len="med"/>
+                      <a:tailEnd type="none" w="med" len="med"/>
+                    </a:lnB>
+                    <a:solidFill>
+                      <a:schemeClr val="bg1"/>
+                    </a:solidFill>
+                  </a:tcPr>
+                </a:tc>
+                <a:tc>
+                  <a:txBody>
+                    <a:bodyPr/>
+                    <a:lstStyle/>
+                    <a:p>
+                      <a:pPr algn="ctr" fontAlgn="t"/>
+                      <a:r>
+                        <a:rPr lang="en-US" sz="1200">
+                          <a:effectLst/>
+                        </a:rPr>
+                        <a:t>8</a:t>
+                      </a:r>
+                    </a:p>
+                  </a:txBody>
+                  <a:tcPr anchor="ctr">
+                    <a:lnL w="12700" cap="flat" cmpd="sng" algn="ctr">
+                      <a:solidFill>
+                        <a:schemeClr val="tx1"/>
+                      </a:solidFill>
+                      <a:prstDash val="solid"/>
+                      <a:round/>
+                      <a:headEnd type="none" w="med" len="med"/>
+                      <a:tailEnd type="none" w="med" len="med"/>
+                    </a:lnL>
+                    <a:lnR w="12700" cap="flat" cmpd="sng" algn="ctr">
+                      <a:solidFill>
+                        <a:schemeClr val="tx1"/>
+                      </a:solidFill>
+                      <a:prstDash val="solid"/>
+                      <a:round/>
+                      <a:headEnd type="none" w="med" len="med"/>
+                      <a:tailEnd type="none" w="med" len="med"/>
+                    </a:lnR>
+                    <a:lnT w="12700" cap="flat" cmpd="sng" algn="ctr">
+                      <a:solidFill>
+                        <a:schemeClr val="tx1"/>
+                      </a:solidFill>
+                      <a:prstDash val="solid"/>
+                      <a:round/>
+                      <a:headEnd type="none" w="med" len="med"/>
+                      <a:tailEnd type="none" w="med" len="med"/>
+                    </a:lnT>
+                    <a:lnB w="12700" cap="flat" cmpd="sng" algn="ctr">
+                      <a:solidFill>
+                        <a:schemeClr val="tx1"/>
+                      </a:solidFill>
+                      <a:prstDash val="solid"/>
+                      <a:round/>
+                      <a:headEnd type="none" w="med" len="med"/>
+                      <a:tailEnd type="none" w="med" len="med"/>
+                    </a:lnB>
+                    <a:solidFill>
+                      <a:schemeClr val="bg1"/>
+                    </a:solidFill>
+                  </a:tcPr>
+                </a:tc>
+                <a:tc>
+                  <a:txBody>
+                    <a:bodyPr/>
+                    <a:lstStyle/>
+                    <a:p>
+                      <a:pPr algn="ctr" fontAlgn="t"/>
+                      <a:r>
+                        <a:rPr lang="en-US" sz="1200">
+                          <a:effectLst/>
+                        </a:rPr>
+                        <a:t>9</a:t>
+                      </a:r>
+                    </a:p>
+                  </a:txBody>
+                  <a:tcPr anchor="ctr">
+                    <a:lnL w="12700" cap="flat" cmpd="sng" algn="ctr">
+                      <a:solidFill>
+                        <a:schemeClr val="tx1"/>
+                      </a:solidFill>
+                      <a:prstDash val="solid"/>
+                      <a:round/>
+                      <a:headEnd type="none" w="med" len="med"/>
+                      <a:tailEnd type="none" w="med" len="med"/>
+                    </a:lnL>
+                    <a:lnR w="12700" cap="flat" cmpd="sng" algn="ctr">
+                      <a:solidFill>
+                        <a:schemeClr val="tx1"/>
+                      </a:solidFill>
+                      <a:prstDash val="solid"/>
+                      <a:round/>
+                      <a:headEnd type="none" w="med" len="med"/>
+                      <a:tailEnd type="none" w="med" len="med"/>
+                    </a:lnR>
+                    <a:lnT w="12700" cap="flat" cmpd="sng" algn="ctr">
+                      <a:solidFill>
+                        <a:schemeClr val="tx1"/>
+                      </a:solidFill>
+                      <a:prstDash val="solid"/>
+                      <a:round/>
+                      <a:headEnd type="none" w="med" len="med"/>
+                      <a:tailEnd type="none" w="med" len="med"/>
+                    </a:lnT>
+                    <a:lnB w="12700" cap="flat" cmpd="sng" algn="ctr">
+                      <a:solidFill>
+                        <a:schemeClr val="tx1"/>
+                      </a:solidFill>
+                      <a:prstDash val="solid"/>
+                      <a:round/>
+                      <a:headEnd type="none" w="med" len="med"/>
+                      <a:tailEnd type="none" w="med" len="med"/>
+                    </a:lnB>
+                    <a:solidFill>
+                      <a:schemeClr val="bg1"/>
+                    </a:solidFill>
+                  </a:tcPr>
+                </a:tc>
+                <a:tc>
+                  <a:txBody>
+                    <a:bodyPr/>
+                    <a:lstStyle/>
+                    <a:p>
+                      <a:pPr algn="ctr" fontAlgn="t"/>
+                      <a:r>
+                        <a:rPr lang="en-US" sz="1200" dirty="0">
+                          <a:effectLst/>
+                        </a:rPr>
+                        <a:t>98</a:t>
+                      </a:r>
+                    </a:p>
+                  </a:txBody>
+                  <a:tcPr anchor="ctr">
+                    <a:lnL w="12700" cap="flat" cmpd="sng" algn="ctr">
+                      <a:solidFill>
+                        <a:schemeClr val="tx1"/>
+                      </a:solidFill>
+                      <a:prstDash val="solid"/>
+                      <a:round/>
+                      <a:headEnd type="none" w="med" len="med"/>
+                      <a:tailEnd type="none" w="med" len="med"/>
+                    </a:lnL>
+                    <a:lnR w="12700" cap="flat" cmpd="sng" algn="ctr">
+                      <a:solidFill>
+                        <a:schemeClr val="tx1"/>
+                      </a:solidFill>
+                      <a:prstDash val="solid"/>
+                      <a:round/>
+                      <a:headEnd type="none" w="med" len="med"/>
+                      <a:tailEnd type="none" w="med" len="med"/>
+                    </a:lnR>
+                    <a:lnT w="12700" cap="flat" cmpd="sng" algn="ctr">
+                      <a:solidFill>
+                        <a:schemeClr val="tx1"/>
+                      </a:solidFill>
+                      <a:prstDash val="solid"/>
+                      <a:round/>
+                      <a:headEnd type="none" w="med" len="med"/>
+                      <a:tailEnd type="none" w="med" len="med"/>
+                    </a:lnT>
+                    <a:lnB w="12700" cap="flat" cmpd="sng" algn="ctr">
+                      <a:solidFill>
+                        <a:schemeClr val="tx1"/>
+                      </a:solidFill>
+                      <a:prstDash val="solid"/>
+                      <a:round/>
+                      <a:headEnd type="none" w="med" len="med"/>
+                      <a:tailEnd type="none" w="med" len="med"/>
+                    </a:lnB>
+                    <a:solidFill>
+                      <a:schemeClr val="bg1"/>
+                    </a:solidFill>
+                  </a:tcPr>
+                </a:tc>
+                <a:tc>
+                  <a:txBody>
+                    <a:bodyPr/>
+                    <a:lstStyle/>
+                    <a:p>
+                      <a:pPr algn="ctr" fontAlgn="t"/>
+                      <a:r>
+                        <a:rPr lang="en-US" sz="1200" dirty="0">
+                          <a:effectLst/>
+                        </a:rPr>
+                        <a:t>23</a:t>
+                      </a:r>
+                    </a:p>
+                  </a:txBody>
+                  <a:tcPr anchor="ctr">
+                    <a:lnL w="12700" cap="flat" cmpd="sng" algn="ctr">
+                      <a:solidFill>
+                        <a:schemeClr val="tx1"/>
+                      </a:solidFill>
+                      <a:prstDash val="solid"/>
+                      <a:round/>
+                      <a:headEnd type="none" w="med" len="med"/>
+                      <a:tailEnd type="none" w="med" len="med"/>
+                    </a:lnL>
+                    <a:lnR w="12700" cap="flat" cmpd="sng" algn="ctr">
+                      <a:solidFill>
+                        <a:schemeClr val="tx1"/>
+                      </a:solidFill>
+                      <a:prstDash val="solid"/>
+                      <a:round/>
+                      <a:headEnd type="none" w="med" len="med"/>
+                      <a:tailEnd type="none" w="med" len="med"/>
+                    </a:lnR>
+                    <a:lnT w="12700" cap="flat" cmpd="sng" algn="ctr">
+                      <a:solidFill>
+                        <a:schemeClr val="tx1"/>
+                      </a:solidFill>
+                      <a:prstDash val="solid"/>
+                      <a:round/>
+                      <a:headEnd type="none" w="med" len="med"/>
+                      <a:tailEnd type="none" w="med" len="med"/>
+                    </a:lnT>
+                    <a:lnB w="12700" cap="flat" cmpd="sng" algn="ctr">
+                      <a:solidFill>
+                        <a:schemeClr val="tx1"/>
+                      </a:solidFill>
+                      <a:prstDash val="solid"/>
+                      <a:round/>
+                      <a:headEnd type="none" w="med" len="med"/>
+                      <a:tailEnd type="none" w="med" len="med"/>
+                    </a:lnB>
+                    <a:solidFill>
+                      <a:schemeClr val="bg1"/>
+                    </a:solidFill>
+                  </a:tcPr>
+                </a:tc>
+                <a:extLst>
+                  <a:ext uri="{0D108BD9-81ED-4DB2-BD59-A6C34878D82A}">
+                    <a16:rowId xmlns:a16="http://schemas.microsoft.com/office/drawing/2014/main" val="2695554642"/>
+                  </a:ext>
+                </a:extLst>
+              </a:tr>
+            </a:tbl>
+          </a:graphicData>
+        </a:graphic>
+      </p:graphicFrame>
+      <p:sp>
+        <p:nvSpPr>
+          <p:cNvPr id="13" name="Content Placeholder 2">
+            <a:extLst>
+              <a:ext uri="{FF2B5EF4-FFF2-40B4-BE49-F238E27FC236}">
+                <a16:creationId xmlns:a16="http://schemas.microsoft.com/office/drawing/2014/main" id="{4CCA6D46-7962-45F0-ABC5-DB2201DE0452}"/>
+              </a:ext>
+            </a:extLst>
+          </p:cNvPr>
+          <p:cNvSpPr txBox="1">
+            <a:spLocks/>
+          </p:cNvSpPr>
+          <p:nvPr/>
+        </p:nvSpPr>
+        <p:spPr>
+          <a:xfrm>
+            <a:off x="752435" y="4019574"/>
+            <a:ext cx="884464" cy="283078"/>
+          </a:xfrm>
+          <a:prstGeom prst="rect">
+            <a:avLst/>
+          </a:prstGeom>
+        </p:spPr>
+        <p:txBody>
+          <a:bodyPr vert="horz" lIns="91440" tIns="0" rIns="91440" bIns="0" rtlCol="0" anchor="ctr" anchorCtr="0">
+            <a:normAutofit fontScale="92500" lnSpcReduction="20000"/>
+          </a:bodyPr>
+          <a:lstStyle>
+            <a:lvl1pPr marL="228600" indent="-228600" algn="l" defTabSz="914400" rtl="0" eaLnBrk="1" latinLnBrk="0" hangingPunct="1">
+              <a:lnSpc>
+                <a:spcPct val="100000"/>
+              </a:lnSpc>
+              <a:spcBef>
+                <a:spcPts val="1000"/>
+              </a:spcBef>
+              <a:buFont typeface="Arial" panose="020B0604020202020204" pitchFamily="34" charset="0"/>
+              <a:buChar char="•"/>
+              <a:defRPr sz="2800" kern="1200">
+                <a:solidFill>
+                  <a:schemeClr val="tx1"/>
+                </a:solidFill>
+                <a:latin typeface="+mn-lt"/>
+                <a:ea typeface="+mn-ea"/>
+                <a:cs typeface="+mn-cs"/>
+              </a:defRPr>
+            </a:lvl1pPr>
+            <a:lvl2pPr marL="685800" indent="-228600" algn="l" defTabSz="914400" rtl="0" eaLnBrk="1" latinLnBrk="0" hangingPunct="1">
+              <a:lnSpc>
+                <a:spcPct val="100000"/>
+              </a:lnSpc>
+              <a:spcBef>
+                <a:spcPts val="500"/>
+              </a:spcBef>
+              <a:buFont typeface="Arial" panose="020B0604020202020204" pitchFamily="34" charset="0"/>
+              <a:buChar char="•"/>
+              <a:defRPr sz="2400" kern="1200">
+                <a:solidFill>
+                  <a:schemeClr val="tx1"/>
+                </a:solidFill>
+                <a:latin typeface="+mn-lt"/>
+                <a:ea typeface="+mn-ea"/>
+                <a:cs typeface="+mn-cs"/>
+              </a:defRPr>
+            </a:lvl2pPr>
+            <a:lvl3pPr marL="1143000" indent="-228600" algn="l" defTabSz="914400" rtl="0" eaLnBrk="1" latinLnBrk="0" hangingPunct="1">
+              <a:lnSpc>
+                <a:spcPct val="100000"/>
+              </a:lnSpc>
+              <a:spcBef>
+                <a:spcPts val="500"/>
+              </a:spcBef>
+              <a:buFont typeface="Arial" panose="020B0604020202020204" pitchFamily="34" charset="0"/>
+              <a:buChar char="•"/>
+              <a:defRPr sz="2000" kern="1200">
+                <a:solidFill>
+                  <a:schemeClr val="tx1"/>
+                </a:solidFill>
+                <a:latin typeface="+mn-lt"/>
+                <a:ea typeface="+mn-ea"/>
+                <a:cs typeface="+mn-cs"/>
+              </a:defRPr>
+            </a:lvl3pPr>
+            <a:lvl4pPr marL="1600200" indent="-228600" algn="l" defTabSz="914400" rtl="0" eaLnBrk="1" latinLnBrk="0" hangingPunct="1">
+              <a:lnSpc>
+                <a:spcPct val="100000"/>
+              </a:lnSpc>
+              <a:spcBef>
+                <a:spcPts val="500"/>
+              </a:spcBef>
+              <a:buFont typeface="Arial" panose="020B0604020202020204" pitchFamily="34" charset="0"/>
+              <a:buChar char="•"/>
+              <a:defRPr sz="1800" kern="1200">
+                <a:solidFill>
+                  <a:schemeClr val="tx1"/>
+                </a:solidFill>
+                <a:latin typeface="+mn-lt"/>
+                <a:ea typeface="+mn-ea"/>
+                <a:cs typeface="+mn-cs"/>
+              </a:defRPr>
+            </a:lvl4pPr>
+            <a:lvl5pPr marL="2057400" indent="-228600" algn="l" defTabSz="914400" rtl="0" eaLnBrk="1" latinLnBrk="0" hangingPunct="1">
+              <a:lnSpc>
+                <a:spcPct val="100000"/>
+              </a:lnSpc>
+              <a:spcBef>
+                <a:spcPts val="500"/>
+              </a:spcBef>
+              <a:buFont typeface="Arial" panose="020B0604020202020204" pitchFamily="34" charset="0"/>
+              <a:buChar char="•"/>
+              <a:defRPr sz="1800" kern="1200">
+                <a:solidFill>
+                  <a:schemeClr val="tx1"/>
+                </a:solidFill>
+                <a:latin typeface="+mn-lt"/>
+                <a:ea typeface="+mn-ea"/>
+                <a:cs typeface="+mn-cs"/>
+              </a:defRPr>
+            </a:lvl5pPr>
+            <a:lvl6pPr marL="2514600" indent="-228600" algn="l" defTabSz="914400" rtl="0" eaLnBrk="1" latinLnBrk="0" hangingPunct="1">
+              <a:lnSpc>
+                <a:spcPct val="90000"/>
+              </a:lnSpc>
+              <a:spcBef>
+                <a:spcPts val="500"/>
+              </a:spcBef>
+              <a:buFont typeface="Arial" panose="020B0604020202020204" pitchFamily="34" charset="0"/>
+              <a:buChar char="•"/>
+              <a:defRPr sz="1800" kern="1200">
+                <a:solidFill>
+                  <a:schemeClr val="tx1"/>
+                </a:solidFill>
+                <a:latin typeface="+mn-lt"/>
+                <a:ea typeface="+mn-ea"/>
+                <a:cs typeface="+mn-cs"/>
+              </a:defRPr>
+            </a:lvl6pPr>
+            <a:lvl7pPr marL="2971800" indent="-228600" algn="l" defTabSz="914400" rtl="0" eaLnBrk="1" latinLnBrk="0" hangingPunct="1">
+              <a:lnSpc>
+                <a:spcPct val="90000"/>
+              </a:lnSpc>
+              <a:spcBef>
+                <a:spcPts val="500"/>
+              </a:spcBef>
+              <a:buFont typeface="Arial" panose="020B0604020202020204" pitchFamily="34" charset="0"/>
+              <a:buChar char="•"/>
+              <a:defRPr sz="1800" kern="1200">
+                <a:solidFill>
+                  <a:schemeClr val="tx1"/>
+                </a:solidFill>
+                <a:latin typeface="+mn-lt"/>
+                <a:ea typeface="+mn-ea"/>
+                <a:cs typeface="+mn-cs"/>
+              </a:defRPr>
+            </a:lvl7pPr>
+            <a:lvl8pPr marL="3429000" indent="-228600" algn="l" defTabSz="914400" rtl="0" eaLnBrk="1" latinLnBrk="0" hangingPunct="1">
+              <a:lnSpc>
+                <a:spcPct val="90000"/>
+              </a:lnSpc>
+              <a:spcBef>
+                <a:spcPts val="500"/>
+              </a:spcBef>
+              <a:buFont typeface="Arial" panose="020B0604020202020204" pitchFamily="34" charset="0"/>
+              <a:buChar char="•"/>
+              <a:defRPr sz="1800" kern="1200">
+                <a:solidFill>
+                  <a:schemeClr val="tx1"/>
+                </a:solidFill>
+                <a:latin typeface="+mn-lt"/>
+                <a:ea typeface="+mn-ea"/>
+                <a:cs typeface="+mn-cs"/>
+              </a:defRPr>
+            </a:lvl8pPr>
+            <a:lvl9pPr marL="3886200" indent="-228600" algn="l" defTabSz="914400" rtl="0" eaLnBrk="1" latinLnBrk="0" hangingPunct="1">
+              <a:lnSpc>
+                <a:spcPct val="90000"/>
+              </a:lnSpc>
+              <a:spcBef>
+                <a:spcPts val="500"/>
+              </a:spcBef>
+              <a:buFont typeface="Arial" panose="020B0604020202020204" pitchFamily="34" charset="0"/>
+              <a:buChar char="•"/>
+              <a:defRPr sz="1800" kern="1200">
+                <a:solidFill>
+                  <a:schemeClr val="tx1"/>
+                </a:solidFill>
+                <a:latin typeface="+mn-lt"/>
+                <a:ea typeface="+mn-ea"/>
+                <a:cs typeface="+mn-cs"/>
+              </a:defRPr>
+            </a:lvl9pPr>
+          </a:lstStyle>
+          <a:p>
+            <a:pPr marL="0" indent="0">
+              <a:buNone/>
+            </a:pPr>
+            <a:r>
+              <a:rPr lang="en-US" sz="2400" dirty="0"/>
+              <a:t>3:</a:t>
+            </a:r>
+          </a:p>
+        </p:txBody>
+      </p:sp>
+      <p:graphicFrame>
+        <p:nvGraphicFramePr>
+          <p:cNvPr id="14" name="Table 69">
+            <a:extLst>
+              <a:ext uri="{FF2B5EF4-FFF2-40B4-BE49-F238E27FC236}">
+                <a16:creationId xmlns:a16="http://schemas.microsoft.com/office/drawing/2014/main" id="{883A479B-1BC0-43EF-BF3A-FB6B5D8E1044}"/>
+              </a:ext>
+            </a:extLst>
+          </p:cNvPr>
+          <p:cNvGraphicFramePr>
+            <a:graphicFrameLocks noGrp="1"/>
+          </p:cNvGraphicFramePr>
+          <p:nvPr>
+            <p:extLst>
+              <p:ext uri="{D42A27DB-BD31-4B8C-83A1-F6EECF244321}">
+                <p14:modId xmlns:p14="http://schemas.microsoft.com/office/powerpoint/2010/main" val="2415063823"/>
+              </p:ext>
+            </p:extLst>
+          </p:nvPr>
+        </p:nvGraphicFramePr>
+        <p:xfrm>
+          <a:off x="752435" y="4405562"/>
+          <a:ext cx="4645525" cy="2321490"/>
+        </p:xfrm>
+        <a:graphic>
+          <a:graphicData uri="http://schemas.openxmlformats.org/drawingml/2006/table">
+            <a:tbl>
+              <a:tblPr firstRow="1" bandRow="1">
+                <a:tableStyleId>{5C22544A-7EE6-4342-B048-85BDC9FD1C3A}</a:tableStyleId>
+              </a:tblPr>
+              <a:tblGrid>
+                <a:gridCol w="929105">
+                  <a:extLst>
+                    <a:ext uri="{9D8B030D-6E8A-4147-A177-3AD203B41FA5}">
+                      <a16:colId xmlns:a16="http://schemas.microsoft.com/office/drawing/2014/main" val="320037778"/>
+                    </a:ext>
+                  </a:extLst>
+                </a:gridCol>
+                <a:gridCol w="929105">
+                  <a:extLst>
+                    <a:ext uri="{9D8B030D-6E8A-4147-A177-3AD203B41FA5}">
+                      <a16:colId xmlns:a16="http://schemas.microsoft.com/office/drawing/2014/main" val="3061072369"/>
+                    </a:ext>
+                  </a:extLst>
+                </a:gridCol>
+                <a:gridCol w="929105">
+                  <a:extLst>
+                    <a:ext uri="{9D8B030D-6E8A-4147-A177-3AD203B41FA5}">
+                      <a16:colId xmlns:a16="http://schemas.microsoft.com/office/drawing/2014/main" val="3088086231"/>
+                    </a:ext>
+                  </a:extLst>
+                </a:gridCol>
+                <a:gridCol w="929105">
+                  <a:extLst>
+                    <a:ext uri="{9D8B030D-6E8A-4147-A177-3AD203B41FA5}">
+                      <a16:colId xmlns:a16="http://schemas.microsoft.com/office/drawing/2014/main" val="3188720254"/>
+                    </a:ext>
+                  </a:extLst>
+                </a:gridCol>
+                <a:gridCol w="929105">
+                  <a:extLst>
+                    <a:ext uri="{9D8B030D-6E8A-4147-A177-3AD203B41FA5}">
+                      <a16:colId xmlns:a16="http://schemas.microsoft.com/office/drawing/2014/main" val="1387403323"/>
+                    </a:ext>
+                  </a:extLst>
+                </a:gridCol>
+              </a:tblGrid>
+              <a:tr h="464298">
+                <a:tc>
+                  <a:txBody>
+                    <a:bodyPr/>
+                    <a:lstStyle/>
+                    <a:p>
+                      <a:pPr algn="ctr"/>
+                      <a:endParaRPr lang="en-US" sz="1200" dirty="0"/>
+                    </a:p>
+                  </a:txBody>
+                  <a:tcPr anchor="ctr">
+                    <a:lnL w="12700" cap="flat" cmpd="sng" algn="ctr">
+                      <a:solidFill>
+                        <a:schemeClr val="tx1"/>
+                      </a:solidFill>
+                      <a:prstDash val="solid"/>
+                      <a:round/>
+                      <a:headEnd type="none" w="med" len="med"/>
+                      <a:tailEnd type="none" w="med" len="med"/>
+                    </a:lnL>
+                    <a:lnR w="12700" cap="flat" cmpd="sng" algn="ctr">
+                      <a:solidFill>
+                        <a:schemeClr val="tx1"/>
+                      </a:solidFill>
+                      <a:prstDash val="solid"/>
+                      <a:round/>
+                      <a:headEnd type="none" w="med" len="med"/>
+                      <a:tailEnd type="none" w="med" len="med"/>
+                    </a:lnR>
+                    <a:lnT w="12700" cap="flat" cmpd="sng" algn="ctr">
+                      <a:solidFill>
+                        <a:schemeClr val="tx1"/>
+                      </a:solidFill>
+                      <a:prstDash val="solid"/>
+                      <a:round/>
+                      <a:headEnd type="none" w="med" len="med"/>
+                      <a:tailEnd type="none" w="med" len="med"/>
+                    </a:lnT>
+                    <a:lnB w="12700" cap="flat" cmpd="sng" algn="ctr">
+                      <a:solidFill>
+                        <a:schemeClr val="tx1"/>
+                      </a:solidFill>
+                      <a:prstDash val="solid"/>
+                      <a:round/>
+                      <a:headEnd type="none" w="med" len="med"/>
+                      <a:tailEnd type="none" w="med" len="med"/>
+                    </a:lnB>
+                    <a:solidFill>
+                      <a:schemeClr val="bg1"/>
+                    </a:solidFill>
+                  </a:tcPr>
+                </a:tc>
+                <a:tc>
+                  <a:txBody>
+                    <a:bodyPr/>
+                    <a:lstStyle/>
+                    <a:p>
+                      <a:pPr algn="ctr"/>
+                      <a:r>
+                        <a:rPr lang="en-US" sz="1200" b="0" dirty="0">
+                          <a:solidFill>
+                            <a:schemeClr val="tx1"/>
+                          </a:solidFill>
+                        </a:rPr>
+                        <a:t>Patient_1</a:t>
+                      </a:r>
+                    </a:p>
+                  </a:txBody>
+                  <a:tcPr anchor="ctr">
+                    <a:lnL w="12700" cap="flat" cmpd="sng" algn="ctr">
+                      <a:solidFill>
+                        <a:schemeClr val="tx1"/>
+                      </a:solidFill>
+                      <a:prstDash val="solid"/>
+                      <a:round/>
+                      <a:headEnd type="none" w="med" len="med"/>
+                      <a:tailEnd type="none" w="med" len="med"/>
+                    </a:lnL>
+                    <a:lnR w="12700" cap="flat" cmpd="sng" algn="ctr">
+                      <a:solidFill>
+                        <a:schemeClr val="tx1"/>
+                      </a:solidFill>
+                      <a:prstDash val="solid"/>
+                      <a:round/>
+                      <a:headEnd type="none" w="med" len="med"/>
+                      <a:tailEnd type="none" w="med" len="med"/>
+                    </a:lnR>
+                    <a:lnT w="12700" cap="flat" cmpd="sng" algn="ctr">
+                      <a:solidFill>
+                        <a:schemeClr val="tx1"/>
+                      </a:solidFill>
+                      <a:prstDash val="solid"/>
+                      <a:round/>
+                      <a:headEnd type="none" w="med" len="med"/>
+                      <a:tailEnd type="none" w="med" len="med"/>
+                    </a:lnT>
+                    <a:lnB w="12700" cap="flat" cmpd="sng" algn="ctr">
+                      <a:solidFill>
+                        <a:schemeClr val="tx1"/>
+                      </a:solidFill>
+                      <a:prstDash val="solid"/>
+                      <a:round/>
+                      <a:headEnd type="none" w="med" len="med"/>
+                      <a:tailEnd type="none" w="med" len="med"/>
+                    </a:lnB>
+                    <a:solidFill>
+                      <a:schemeClr val="bg1"/>
+                    </a:solidFill>
+                  </a:tcPr>
+                </a:tc>
+                <a:tc>
+                  <a:txBody>
+                    <a:bodyPr/>
+                    <a:lstStyle/>
+                    <a:p>
+                      <a:pPr marL="0" marR="0" lvl="0" indent="0" algn="ctr" defTabSz="914400" rtl="0" eaLnBrk="1" fontAlgn="auto" latinLnBrk="0" hangingPunct="1">
+                        <a:lnSpc>
+                          <a:spcPct val="100000"/>
+                        </a:lnSpc>
+                        <a:spcBef>
+                          <a:spcPts val="0"/>
+                        </a:spcBef>
+                        <a:spcAft>
+                          <a:spcPts val="0"/>
+                        </a:spcAft>
+                        <a:buClrTx/>
+                        <a:buSzTx/>
+                        <a:buFontTx/>
+                        <a:buNone/>
+                        <a:tabLst/>
+                        <a:defRPr/>
+                      </a:pPr>
+                      <a:r>
+                        <a:rPr lang="en-US" sz="1200" b="0" dirty="0">
+                          <a:solidFill>
+                            <a:schemeClr val="tx1"/>
+                          </a:solidFill>
+                        </a:rPr>
+                        <a:t>Patient_2</a:t>
+                      </a:r>
+                    </a:p>
+                  </a:txBody>
+                  <a:tcPr anchor="ctr">
+                    <a:lnL w="12700" cap="flat" cmpd="sng" algn="ctr">
+                      <a:solidFill>
+                        <a:schemeClr val="tx1"/>
+                      </a:solidFill>
+                      <a:prstDash val="solid"/>
+                      <a:round/>
+                      <a:headEnd type="none" w="med" len="med"/>
+                      <a:tailEnd type="none" w="med" len="med"/>
+                    </a:lnL>
+                    <a:lnR w="12700" cap="flat" cmpd="sng" algn="ctr">
+                      <a:solidFill>
+                        <a:schemeClr val="tx1"/>
+                      </a:solidFill>
+                      <a:prstDash val="solid"/>
+                      <a:round/>
+                      <a:headEnd type="none" w="med" len="med"/>
+                      <a:tailEnd type="none" w="med" len="med"/>
+                    </a:lnR>
+                    <a:lnT w="12700" cap="flat" cmpd="sng" algn="ctr">
+                      <a:solidFill>
+                        <a:schemeClr val="tx1"/>
+                      </a:solidFill>
+                      <a:prstDash val="solid"/>
+                      <a:round/>
+                      <a:headEnd type="none" w="med" len="med"/>
+                      <a:tailEnd type="none" w="med" len="med"/>
+                    </a:lnT>
+                    <a:lnB w="12700" cap="flat" cmpd="sng" algn="ctr">
+                      <a:solidFill>
+                        <a:schemeClr val="tx1"/>
+                      </a:solidFill>
+                      <a:prstDash val="solid"/>
+                      <a:round/>
+                      <a:headEnd type="none" w="med" len="med"/>
+                      <a:tailEnd type="none" w="med" len="med"/>
+                    </a:lnB>
+                    <a:solidFill>
+                      <a:schemeClr val="bg1"/>
+                    </a:solidFill>
+                  </a:tcPr>
+                </a:tc>
+                <a:tc>
+                  <a:txBody>
+                    <a:bodyPr/>
+                    <a:lstStyle/>
+                    <a:p>
+                      <a:pPr marL="0" marR="0" lvl="0" indent="0" algn="ctr" defTabSz="914400" rtl="0" eaLnBrk="1" fontAlgn="auto" latinLnBrk="0" hangingPunct="1">
+                        <a:lnSpc>
+                          <a:spcPct val="100000"/>
+                        </a:lnSpc>
+                        <a:spcBef>
+                          <a:spcPts val="0"/>
+                        </a:spcBef>
+                        <a:spcAft>
+                          <a:spcPts val="0"/>
+                        </a:spcAft>
+                        <a:buClrTx/>
+                        <a:buSzTx/>
+                        <a:buFontTx/>
+                        <a:buNone/>
+                        <a:tabLst/>
+                        <a:defRPr/>
+                      </a:pPr>
+                      <a:r>
+                        <a:rPr lang="en-US" sz="1200" b="0" dirty="0">
+                          <a:solidFill>
+                            <a:schemeClr val="tx1"/>
+                          </a:solidFill>
+                        </a:rPr>
+                        <a:t>Patient_3</a:t>
+                      </a:r>
+                    </a:p>
+                  </a:txBody>
+                  <a:tcPr anchor="ctr">
+                    <a:lnL w="12700" cap="flat" cmpd="sng" algn="ctr">
+                      <a:solidFill>
+                        <a:schemeClr val="tx1"/>
+                      </a:solidFill>
+                      <a:prstDash val="solid"/>
+                      <a:round/>
+                      <a:headEnd type="none" w="med" len="med"/>
+                      <a:tailEnd type="none" w="med" len="med"/>
+                    </a:lnL>
+                    <a:lnR w="12700" cap="flat" cmpd="sng" algn="ctr">
+                      <a:solidFill>
+                        <a:schemeClr val="tx1"/>
+                      </a:solidFill>
+                      <a:prstDash val="solid"/>
+                      <a:round/>
+                      <a:headEnd type="none" w="med" len="med"/>
+                      <a:tailEnd type="none" w="med" len="med"/>
+                    </a:lnR>
+                    <a:lnT w="12700" cap="flat" cmpd="sng" algn="ctr">
+                      <a:solidFill>
+                        <a:schemeClr val="tx1"/>
+                      </a:solidFill>
+                      <a:prstDash val="solid"/>
+                      <a:round/>
+                      <a:headEnd type="none" w="med" len="med"/>
+                      <a:tailEnd type="none" w="med" len="med"/>
+                    </a:lnT>
+                    <a:lnB w="12700" cap="flat" cmpd="sng" algn="ctr">
+                      <a:solidFill>
+                        <a:schemeClr val="tx1"/>
+                      </a:solidFill>
+                      <a:prstDash val="solid"/>
+                      <a:round/>
+                      <a:headEnd type="none" w="med" len="med"/>
+                      <a:tailEnd type="none" w="med" len="med"/>
+                    </a:lnB>
+                    <a:solidFill>
+                      <a:schemeClr val="bg1"/>
+                    </a:solidFill>
+                  </a:tcPr>
+                </a:tc>
+                <a:tc>
+                  <a:txBody>
+                    <a:bodyPr/>
+                    <a:lstStyle/>
+                    <a:p>
+                      <a:pPr marL="0" marR="0" lvl="0" indent="0" algn="ctr" defTabSz="914400" rtl="0" eaLnBrk="1" fontAlgn="auto" latinLnBrk="0" hangingPunct="1">
+                        <a:lnSpc>
+                          <a:spcPct val="100000"/>
+                        </a:lnSpc>
+                        <a:spcBef>
+                          <a:spcPts val="0"/>
+                        </a:spcBef>
+                        <a:spcAft>
+                          <a:spcPts val="0"/>
+                        </a:spcAft>
+                        <a:buClrTx/>
+                        <a:buSzTx/>
+                        <a:buFontTx/>
+                        <a:buNone/>
+                        <a:tabLst/>
+                        <a:defRPr/>
+                      </a:pPr>
+                      <a:r>
+                        <a:rPr lang="en-US" sz="1200" b="0" dirty="0">
+                          <a:solidFill>
+                            <a:schemeClr val="tx1"/>
+                          </a:solidFill>
+                        </a:rPr>
+                        <a:t>Patient_4</a:t>
+                      </a:r>
+                    </a:p>
+                  </a:txBody>
+                  <a:tcPr anchor="ctr">
+                    <a:lnL w="12700" cap="flat" cmpd="sng" algn="ctr">
+                      <a:solidFill>
+                        <a:schemeClr val="tx1"/>
+                      </a:solidFill>
+                      <a:prstDash val="solid"/>
+                      <a:round/>
+                      <a:headEnd type="none" w="med" len="med"/>
+                      <a:tailEnd type="none" w="med" len="med"/>
+                    </a:lnL>
+                    <a:lnR w="12700" cap="flat" cmpd="sng" algn="ctr">
+                      <a:solidFill>
+                        <a:schemeClr val="tx1"/>
+                      </a:solidFill>
+                      <a:prstDash val="solid"/>
+                      <a:round/>
+                      <a:headEnd type="none" w="med" len="med"/>
+                      <a:tailEnd type="none" w="med" len="med"/>
+                    </a:lnR>
+                    <a:lnT w="12700" cap="flat" cmpd="sng" algn="ctr">
+                      <a:solidFill>
+                        <a:schemeClr val="tx1"/>
+                      </a:solidFill>
+                      <a:prstDash val="solid"/>
+                      <a:round/>
+                      <a:headEnd type="none" w="med" len="med"/>
+                      <a:tailEnd type="none" w="med" len="med"/>
+                    </a:lnT>
+                    <a:lnB w="12700" cap="flat" cmpd="sng" algn="ctr">
+                      <a:solidFill>
+                        <a:schemeClr val="tx1"/>
+                      </a:solidFill>
+                      <a:prstDash val="solid"/>
+                      <a:round/>
+                      <a:headEnd type="none" w="med" len="med"/>
+                      <a:tailEnd type="none" w="med" len="med"/>
+                    </a:lnB>
+                    <a:solidFill>
+                      <a:schemeClr val="bg1"/>
+                    </a:solidFill>
+                  </a:tcPr>
+                </a:tc>
+                <a:extLst>
+                  <a:ext uri="{0D108BD9-81ED-4DB2-BD59-A6C34878D82A}">
+                    <a16:rowId xmlns:a16="http://schemas.microsoft.com/office/drawing/2014/main" val="3358250160"/>
+                  </a:ext>
+                </a:extLst>
+              </a:tr>
+              <a:tr h="464298">
+                <a:tc>
+                  <a:txBody>
+                    <a:bodyPr/>
+                    <a:lstStyle/>
+                    <a:p>
+                      <a:pPr algn="ctr"/>
+                      <a:r>
+                        <a:rPr lang="en-US" sz="1200" dirty="0"/>
+                        <a:t>Donor_1</a:t>
+                      </a:r>
+                    </a:p>
+                  </a:txBody>
+                  <a:tcPr anchor="ctr">
+                    <a:lnL w="12700" cap="flat" cmpd="sng" algn="ctr">
+                      <a:solidFill>
+                        <a:schemeClr val="tx1"/>
+                      </a:solidFill>
+                      <a:prstDash val="solid"/>
+                      <a:round/>
+                      <a:headEnd type="none" w="med" len="med"/>
+                      <a:tailEnd type="none" w="med" len="med"/>
+                    </a:lnL>
+                    <a:lnR w="12700" cap="flat" cmpd="sng" algn="ctr">
+                      <a:solidFill>
+                        <a:schemeClr val="tx1"/>
+                      </a:solidFill>
+                      <a:prstDash val="solid"/>
+                      <a:round/>
+                      <a:headEnd type="none" w="med" len="med"/>
+                      <a:tailEnd type="none" w="med" len="med"/>
+                    </a:lnR>
+                    <a:lnT w="12700" cap="flat" cmpd="sng" algn="ctr">
+                      <a:solidFill>
+                        <a:schemeClr val="tx1"/>
+                      </a:solidFill>
+                      <a:prstDash val="solid"/>
+                      <a:round/>
+                      <a:headEnd type="none" w="med" len="med"/>
+                      <a:tailEnd type="none" w="med" len="med"/>
+                    </a:lnT>
+                    <a:lnB w="12700" cap="flat" cmpd="sng" algn="ctr">
+                      <a:solidFill>
+                        <a:schemeClr val="tx1"/>
+                      </a:solidFill>
+                      <a:prstDash val="solid"/>
+                      <a:round/>
+                      <a:headEnd type="none" w="med" len="med"/>
+                      <a:tailEnd type="none" w="med" len="med"/>
+                    </a:lnB>
+                    <a:solidFill>
+                      <a:schemeClr val="bg1"/>
+                    </a:solidFill>
+                  </a:tcPr>
+                </a:tc>
+                <a:tc>
+                  <a:txBody>
+                    <a:bodyPr/>
+                    <a:lstStyle/>
+                    <a:p>
+                      <a:pPr marL="0" marR="0" lvl="0" indent="0" algn="ctr" defTabSz="914400" rtl="0" eaLnBrk="1" fontAlgn="auto" latinLnBrk="0" hangingPunct="1">
+                        <a:lnSpc>
+                          <a:spcPct val="100000"/>
+                        </a:lnSpc>
+                        <a:spcBef>
+                          <a:spcPts val="0"/>
+                        </a:spcBef>
+                        <a:spcAft>
+                          <a:spcPts val="0"/>
+                        </a:spcAft>
+                        <a:buClrTx/>
+                        <a:buSzTx/>
+                        <a:buFontTx/>
+                        <a:buNone/>
+                        <a:tabLst/>
+                        <a:defRPr/>
+                      </a:pPr>
+                      <a:r>
+                        <a:rPr lang="en-US" sz="1200" b="0" i="0" dirty="0">
+                          <a:solidFill>
+                            <a:srgbClr val="000000"/>
+                          </a:solidFill>
+                          <a:effectLst/>
+                          <a:latin typeface="Roboto" panose="02000000000000000000" pitchFamily="2" charset="0"/>
+                        </a:rPr>
+                        <a:t>∞</a:t>
+                      </a:r>
+                      <a:endParaRPr lang="en-US" sz="1200" dirty="0">
+                        <a:effectLst/>
+                      </a:endParaRPr>
+                    </a:p>
+                  </a:txBody>
+                  <a:tcPr anchor="ctr">
+                    <a:lnL w="12700" cap="flat" cmpd="sng" algn="ctr">
+                      <a:solidFill>
+                        <a:schemeClr val="tx1"/>
+                      </a:solidFill>
+                      <a:prstDash val="solid"/>
+                      <a:round/>
+                      <a:headEnd type="none" w="med" len="med"/>
+                      <a:tailEnd type="none" w="med" len="med"/>
+                    </a:lnL>
+                    <a:lnR w="12700" cap="flat" cmpd="sng" algn="ctr">
+                      <a:solidFill>
+                        <a:schemeClr val="tx1"/>
+                      </a:solidFill>
+                      <a:prstDash val="solid"/>
+                      <a:round/>
+                      <a:headEnd type="none" w="med" len="med"/>
+                      <a:tailEnd type="none" w="med" len="med"/>
+                    </a:lnR>
+                    <a:lnT w="12700" cap="flat" cmpd="sng" algn="ctr">
+                      <a:solidFill>
+                        <a:schemeClr val="tx1"/>
+                      </a:solidFill>
+                      <a:prstDash val="solid"/>
+                      <a:round/>
+                      <a:headEnd type="none" w="med" len="med"/>
+                      <a:tailEnd type="none" w="med" len="med"/>
+                    </a:lnT>
+                    <a:lnB w="12700" cap="flat" cmpd="sng" algn="ctr">
+                      <a:solidFill>
+                        <a:schemeClr val="tx1"/>
+                      </a:solidFill>
+                      <a:prstDash val="solid"/>
+                      <a:round/>
+                      <a:headEnd type="none" w="med" len="med"/>
+                      <a:tailEnd type="none" w="med" len="med"/>
+                    </a:lnB>
+                    <a:solidFill>
+                      <a:schemeClr val="bg1"/>
+                    </a:solidFill>
+                  </a:tcPr>
+                </a:tc>
+                <a:tc>
+                  <a:txBody>
+                    <a:bodyPr/>
+                    <a:lstStyle/>
+                    <a:p>
+                      <a:pPr algn="ctr" fontAlgn="t"/>
+                      <a:r>
+                        <a:rPr lang="en-US" sz="1200" dirty="0">
+                          <a:effectLst/>
+                        </a:rPr>
+                        <a:t>83</a:t>
+                      </a:r>
+                    </a:p>
+                  </a:txBody>
+                  <a:tcPr anchor="ctr">
+                    <a:lnL w="12700" cap="flat" cmpd="sng" algn="ctr">
+                      <a:solidFill>
+                        <a:schemeClr val="tx1"/>
+                      </a:solidFill>
+                      <a:prstDash val="solid"/>
+                      <a:round/>
+                      <a:headEnd type="none" w="med" len="med"/>
+                      <a:tailEnd type="none" w="med" len="med"/>
+                    </a:lnL>
+                    <a:lnR w="12700" cap="flat" cmpd="sng" algn="ctr">
+                      <a:solidFill>
+                        <a:schemeClr val="tx1"/>
+                      </a:solidFill>
+                      <a:prstDash val="solid"/>
+                      <a:round/>
+                      <a:headEnd type="none" w="med" len="med"/>
+                      <a:tailEnd type="none" w="med" len="med"/>
+                    </a:lnR>
+                    <a:lnT w="12700" cap="flat" cmpd="sng" algn="ctr">
+                      <a:solidFill>
+                        <a:schemeClr val="tx1"/>
+                      </a:solidFill>
+                      <a:prstDash val="solid"/>
+                      <a:round/>
+                      <a:headEnd type="none" w="med" len="med"/>
+                      <a:tailEnd type="none" w="med" len="med"/>
+                    </a:lnT>
+                    <a:lnB w="12700" cap="flat" cmpd="sng" algn="ctr">
+                      <a:solidFill>
+                        <a:schemeClr val="tx1"/>
+                      </a:solidFill>
+                      <a:prstDash val="solid"/>
+                      <a:round/>
+                      <a:headEnd type="none" w="med" len="med"/>
+                      <a:tailEnd type="none" w="med" len="med"/>
+                    </a:lnB>
+                    <a:solidFill>
+                      <a:schemeClr val="bg1"/>
+                    </a:solidFill>
+                  </a:tcPr>
+                </a:tc>
+                <a:tc>
+                  <a:txBody>
+                    <a:bodyPr/>
+                    <a:lstStyle/>
+                    <a:p>
+                      <a:pPr algn="ctr" fontAlgn="t"/>
+                      <a:r>
+                        <a:rPr lang="en-US" sz="1200" dirty="0">
+                          <a:effectLst/>
+                        </a:rPr>
+                        <a:t>69</a:t>
+                      </a:r>
+                    </a:p>
+                  </a:txBody>
+                  <a:tcPr anchor="ctr">
+                    <a:lnL w="12700" cap="flat" cmpd="sng" algn="ctr">
+                      <a:solidFill>
+                        <a:schemeClr val="tx1"/>
+                      </a:solidFill>
+                      <a:prstDash val="solid"/>
+                      <a:round/>
+                      <a:headEnd type="none" w="med" len="med"/>
+                      <a:tailEnd type="none" w="med" len="med"/>
+                    </a:lnL>
+                    <a:lnR w="12700" cap="flat" cmpd="sng" algn="ctr">
+                      <a:solidFill>
+                        <a:schemeClr val="tx1"/>
+                      </a:solidFill>
+                      <a:prstDash val="solid"/>
+                      <a:round/>
+                      <a:headEnd type="none" w="med" len="med"/>
+                      <a:tailEnd type="none" w="med" len="med"/>
+                    </a:lnR>
+                    <a:lnT w="12700" cap="flat" cmpd="sng" algn="ctr">
+                      <a:solidFill>
+                        <a:schemeClr val="tx1"/>
+                      </a:solidFill>
+                      <a:prstDash val="solid"/>
+                      <a:round/>
+                      <a:headEnd type="none" w="med" len="med"/>
+                      <a:tailEnd type="none" w="med" len="med"/>
+                    </a:lnT>
+                    <a:lnB w="12700" cap="flat" cmpd="sng" algn="ctr">
+                      <a:solidFill>
+                        <a:schemeClr val="tx1"/>
+                      </a:solidFill>
+                      <a:prstDash val="solid"/>
+                      <a:round/>
+                      <a:headEnd type="none" w="med" len="med"/>
+                      <a:tailEnd type="none" w="med" len="med"/>
+                    </a:lnB>
+                    <a:solidFill>
+                      <a:schemeClr val="bg1"/>
+                    </a:solidFill>
+                  </a:tcPr>
+                </a:tc>
+                <a:tc>
+                  <a:txBody>
+                    <a:bodyPr/>
+                    <a:lstStyle/>
+                    <a:p>
+                      <a:pPr algn="ctr" fontAlgn="t"/>
+                      <a:r>
+                        <a:rPr lang="en-US" sz="1200" dirty="0">
+                          <a:effectLst/>
+                        </a:rPr>
+                        <a:t>92</a:t>
+                      </a:r>
+                    </a:p>
+                  </a:txBody>
+                  <a:tcPr anchor="ctr">
+                    <a:lnL w="12700" cap="flat" cmpd="sng" algn="ctr">
+                      <a:solidFill>
+                        <a:schemeClr val="tx1"/>
+                      </a:solidFill>
+                      <a:prstDash val="solid"/>
+                      <a:round/>
+                      <a:headEnd type="none" w="med" len="med"/>
+                      <a:tailEnd type="none" w="med" len="med"/>
+                    </a:lnL>
+                    <a:lnR w="12700" cap="flat" cmpd="sng" algn="ctr">
+                      <a:solidFill>
+                        <a:schemeClr val="tx1"/>
+                      </a:solidFill>
+                      <a:prstDash val="solid"/>
+                      <a:round/>
+                      <a:headEnd type="none" w="med" len="med"/>
+                      <a:tailEnd type="none" w="med" len="med"/>
+                    </a:lnR>
+                    <a:lnT w="12700" cap="flat" cmpd="sng" algn="ctr">
+                      <a:solidFill>
+                        <a:schemeClr val="tx1"/>
+                      </a:solidFill>
+                      <a:prstDash val="solid"/>
+                      <a:round/>
+                      <a:headEnd type="none" w="med" len="med"/>
+                      <a:tailEnd type="none" w="med" len="med"/>
+                    </a:lnT>
+                    <a:lnB w="12700" cap="flat" cmpd="sng" algn="ctr">
+                      <a:solidFill>
+                        <a:schemeClr val="tx1"/>
+                      </a:solidFill>
+                      <a:prstDash val="solid"/>
+                      <a:round/>
+                      <a:headEnd type="none" w="med" len="med"/>
+                      <a:tailEnd type="none" w="med" len="med"/>
+                    </a:lnB>
+                    <a:solidFill>
+                      <a:srgbClr val="33CCFF"/>
+                    </a:solidFill>
+                  </a:tcPr>
+                </a:tc>
+                <a:extLst>
+                  <a:ext uri="{0D108BD9-81ED-4DB2-BD59-A6C34878D82A}">
+                    <a16:rowId xmlns:a16="http://schemas.microsoft.com/office/drawing/2014/main" val="232487972"/>
+                  </a:ext>
+                </a:extLst>
+              </a:tr>
+              <a:tr h="464298">
+                <a:tc>
+                  <a:txBody>
+                    <a:bodyPr/>
+                    <a:lstStyle/>
+                    <a:p>
+                      <a:pPr marL="0" marR="0" lvl="0" indent="0" algn="ctr" defTabSz="914400" rtl="0" eaLnBrk="1" fontAlgn="auto" latinLnBrk="0" hangingPunct="1">
+                        <a:lnSpc>
+                          <a:spcPct val="100000"/>
+                        </a:lnSpc>
+                        <a:spcBef>
+                          <a:spcPts val="0"/>
+                        </a:spcBef>
+                        <a:spcAft>
+                          <a:spcPts val="0"/>
+                        </a:spcAft>
+                        <a:buClrTx/>
+                        <a:buSzTx/>
+                        <a:buFontTx/>
+                        <a:buNone/>
+                        <a:tabLst/>
+                        <a:defRPr/>
+                      </a:pPr>
+                      <a:r>
+                        <a:rPr lang="en-US" sz="1200" dirty="0"/>
+                        <a:t>Donor_2</a:t>
+                      </a:r>
+                    </a:p>
+                  </a:txBody>
+                  <a:tcPr anchor="ctr">
+                    <a:lnL w="12700" cap="flat" cmpd="sng" algn="ctr">
+                      <a:solidFill>
+                        <a:schemeClr val="tx1"/>
+                      </a:solidFill>
+                      <a:prstDash val="solid"/>
+                      <a:round/>
+                      <a:headEnd type="none" w="med" len="med"/>
+                      <a:tailEnd type="none" w="med" len="med"/>
+                    </a:lnL>
+                    <a:lnR w="12700" cap="flat" cmpd="sng" algn="ctr">
+                      <a:solidFill>
+                        <a:schemeClr val="tx1"/>
+                      </a:solidFill>
+                      <a:prstDash val="solid"/>
+                      <a:round/>
+                      <a:headEnd type="none" w="med" len="med"/>
+                      <a:tailEnd type="none" w="med" len="med"/>
+                    </a:lnR>
+                    <a:lnT w="12700" cap="flat" cmpd="sng" algn="ctr">
+                      <a:solidFill>
+                        <a:schemeClr val="tx1"/>
+                      </a:solidFill>
+                      <a:prstDash val="solid"/>
+                      <a:round/>
+                      <a:headEnd type="none" w="med" len="med"/>
+                      <a:tailEnd type="none" w="med" len="med"/>
+                    </a:lnT>
+                    <a:lnB w="12700" cap="flat" cmpd="sng" algn="ctr">
+                      <a:solidFill>
+                        <a:schemeClr val="tx1"/>
+                      </a:solidFill>
+                      <a:prstDash val="solid"/>
+                      <a:round/>
+                      <a:headEnd type="none" w="med" len="med"/>
+                      <a:tailEnd type="none" w="med" len="med"/>
+                    </a:lnB>
+                    <a:solidFill>
+                      <a:schemeClr val="bg1"/>
+                    </a:solidFill>
+                  </a:tcPr>
+                </a:tc>
+                <a:tc>
+                  <a:txBody>
+                    <a:bodyPr/>
+                    <a:lstStyle/>
+                    <a:p>
+                      <a:pPr algn="ctr" fontAlgn="t"/>
+                      <a:r>
+                        <a:rPr lang="en-US" sz="1200" dirty="0">
+                          <a:effectLst/>
+                        </a:rPr>
+                        <a:t>77</a:t>
+                      </a:r>
+                    </a:p>
+                  </a:txBody>
+                  <a:tcPr anchor="ctr">
+                    <a:lnL w="12700" cap="flat" cmpd="sng" algn="ctr">
+                      <a:solidFill>
+                        <a:schemeClr val="tx1"/>
+                      </a:solidFill>
+                      <a:prstDash val="solid"/>
+                      <a:round/>
+                      <a:headEnd type="none" w="med" len="med"/>
+                      <a:tailEnd type="none" w="med" len="med"/>
+                    </a:lnL>
+                    <a:lnR w="12700" cap="flat" cmpd="sng" algn="ctr">
+                      <a:solidFill>
+                        <a:schemeClr val="tx1"/>
+                      </a:solidFill>
+                      <a:prstDash val="solid"/>
+                      <a:round/>
+                      <a:headEnd type="none" w="med" len="med"/>
+                      <a:tailEnd type="none" w="med" len="med"/>
+                    </a:lnR>
+                    <a:lnT w="12700" cap="flat" cmpd="sng" algn="ctr">
+                      <a:solidFill>
+                        <a:schemeClr val="tx1"/>
+                      </a:solidFill>
+                      <a:prstDash val="solid"/>
+                      <a:round/>
+                      <a:headEnd type="none" w="med" len="med"/>
+                      <a:tailEnd type="none" w="med" len="med"/>
+                    </a:lnT>
+                    <a:lnB w="12700" cap="flat" cmpd="sng" algn="ctr">
+                      <a:solidFill>
+                        <a:schemeClr val="tx1"/>
+                      </a:solidFill>
+                      <a:prstDash val="solid"/>
+                      <a:round/>
+                      <a:headEnd type="none" w="med" len="med"/>
+                      <a:tailEnd type="none" w="med" len="med"/>
+                    </a:lnB>
+                    <a:solidFill>
+                      <a:srgbClr val="33CCFF"/>
+                    </a:solidFill>
+                  </a:tcPr>
+                </a:tc>
+                <a:tc>
+                  <a:txBody>
+                    <a:bodyPr/>
+                    <a:lstStyle/>
+                    <a:p>
+                      <a:pPr algn="ctr" fontAlgn="t"/>
+                      <a:r>
+                        <a:rPr lang="en-US" sz="1200" dirty="0">
+                          <a:effectLst/>
+                        </a:rPr>
+                        <a:t>37</a:t>
+                      </a:r>
+                    </a:p>
+                  </a:txBody>
+                  <a:tcPr anchor="ctr">
+                    <a:lnL w="12700" cap="flat" cmpd="sng" algn="ctr">
+                      <a:solidFill>
+                        <a:schemeClr val="tx1"/>
+                      </a:solidFill>
+                      <a:prstDash val="solid"/>
+                      <a:round/>
+                      <a:headEnd type="none" w="med" len="med"/>
+                      <a:tailEnd type="none" w="med" len="med"/>
+                    </a:lnL>
+                    <a:lnR w="12700" cap="flat" cmpd="sng" algn="ctr">
+                      <a:solidFill>
+                        <a:schemeClr val="tx1"/>
+                      </a:solidFill>
+                      <a:prstDash val="solid"/>
+                      <a:round/>
+                      <a:headEnd type="none" w="med" len="med"/>
+                      <a:tailEnd type="none" w="med" len="med"/>
+                    </a:lnR>
+                    <a:lnT w="12700" cap="flat" cmpd="sng" algn="ctr">
+                      <a:solidFill>
+                        <a:schemeClr val="tx1"/>
+                      </a:solidFill>
+                      <a:prstDash val="solid"/>
+                      <a:round/>
+                      <a:headEnd type="none" w="med" len="med"/>
+                      <a:tailEnd type="none" w="med" len="med"/>
+                    </a:lnT>
+                    <a:lnB w="12700" cap="flat" cmpd="sng" algn="ctr">
+                      <a:solidFill>
+                        <a:schemeClr val="tx1"/>
+                      </a:solidFill>
+                      <a:prstDash val="solid"/>
+                      <a:round/>
+                      <a:headEnd type="none" w="med" len="med"/>
+                      <a:tailEnd type="none" w="med" len="med"/>
+                    </a:lnB>
+                    <a:solidFill>
+                      <a:schemeClr val="bg1"/>
+                    </a:solidFill>
+                  </a:tcPr>
+                </a:tc>
+                <a:tc>
+                  <a:txBody>
+                    <a:bodyPr/>
+                    <a:lstStyle/>
+                    <a:p>
+                      <a:pPr algn="ctr" fontAlgn="t"/>
+                      <a:r>
+                        <a:rPr lang="en-US" sz="1200" dirty="0">
+                          <a:effectLst/>
+                        </a:rPr>
+                        <a:t>49</a:t>
+                      </a:r>
+                    </a:p>
+                  </a:txBody>
+                  <a:tcPr anchor="ctr">
+                    <a:lnL w="12700" cap="flat" cmpd="sng" algn="ctr">
+                      <a:solidFill>
+                        <a:schemeClr val="tx1"/>
+                      </a:solidFill>
+                      <a:prstDash val="solid"/>
+                      <a:round/>
+                      <a:headEnd type="none" w="med" len="med"/>
+                      <a:tailEnd type="none" w="med" len="med"/>
+                    </a:lnL>
+                    <a:lnR w="12700" cap="flat" cmpd="sng" algn="ctr">
+                      <a:solidFill>
+                        <a:schemeClr val="tx1"/>
+                      </a:solidFill>
+                      <a:prstDash val="solid"/>
+                      <a:round/>
+                      <a:headEnd type="none" w="med" len="med"/>
+                      <a:tailEnd type="none" w="med" len="med"/>
+                    </a:lnR>
+                    <a:lnT w="12700" cap="flat" cmpd="sng" algn="ctr">
+                      <a:solidFill>
+                        <a:schemeClr val="tx1"/>
+                      </a:solidFill>
+                      <a:prstDash val="solid"/>
+                      <a:round/>
+                      <a:headEnd type="none" w="med" len="med"/>
+                      <a:tailEnd type="none" w="med" len="med"/>
+                    </a:lnT>
+                    <a:lnB w="12700" cap="flat" cmpd="sng" algn="ctr">
+                      <a:solidFill>
+                        <a:schemeClr val="tx1"/>
+                      </a:solidFill>
+                      <a:prstDash val="solid"/>
+                      <a:round/>
+                      <a:headEnd type="none" w="med" len="med"/>
+                      <a:tailEnd type="none" w="med" len="med"/>
+                    </a:lnB>
+                    <a:solidFill>
+                      <a:schemeClr val="bg1"/>
+                    </a:solidFill>
+                  </a:tcPr>
+                </a:tc>
+                <a:tc>
+                  <a:txBody>
+                    <a:bodyPr/>
+                    <a:lstStyle/>
+                    <a:p>
+                      <a:pPr algn="ctr" fontAlgn="t"/>
+                      <a:r>
+                        <a:rPr lang="en-US" sz="1200" b="0" i="0" dirty="0">
+                          <a:solidFill>
+                            <a:srgbClr val="000000"/>
+                          </a:solidFill>
+                          <a:effectLst/>
+                          <a:latin typeface="Roboto" panose="02000000000000000000" pitchFamily="2" charset="0"/>
+                        </a:rPr>
+                        <a:t>∞</a:t>
+                      </a:r>
+                      <a:endParaRPr lang="en-US" sz="1200" dirty="0">
+                        <a:effectLst/>
+                      </a:endParaRPr>
+                    </a:p>
+                  </a:txBody>
+                  <a:tcPr anchor="ctr">
+                    <a:lnL w="12700" cap="flat" cmpd="sng" algn="ctr">
+                      <a:solidFill>
+                        <a:schemeClr val="tx1"/>
+                      </a:solidFill>
+                      <a:prstDash val="solid"/>
+                      <a:round/>
+                      <a:headEnd type="none" w="med" len="med"/>
+                      <a:tailEnd type="none" w="med" len="med"/>
+                    </a:lnL>
+                    <a:lnR w="12700" cap="flat" cmpd="sng" algn="ctr">
+                      <a:solidFill>
+                        <a:schemeClr val="tx1"/>
+                      </a:solidFill>
+                      <a:prstDash val="solid"/>
+                      <a:round/>
+                      <a:headEnd type="none" w="med" len="med"/>
+                      <a:tailEnd type="none" w="med" len="med"/>
+                    </a:lnR>
+                    <a:lnT w="12700" cap="flat" cmpd="sng" algn="ctr">
+                      <a:solidFill>
+                        <a:schemeClr val="tx1"/>
+                      </a:solidFill>
+                      <a:prstDash val="solid"/>
+                      <a:round/>
+                      <a:headEnd type="none" w="med" len="med"/>
+                      <a:tailEnd type="none" w="med" len="med"/>
+                    </a:lnT>
+                    <a:lnB w="12700" cap="flat" cmpd="sng" algn="ctr">
+                      <a:solidFill>
+                        <a:schemeClr val="tx1"/>
+                      </a:solidFill>
+                      <a:prstDash val="solid"/>
+                      <a:round/>
+                      <a:headEnd type="none" w="med" len="med"/>
+                      <a:tailEnd type="none" w="med" len="med"/>
+                    </a:lnB>
+                    <a:solidFill>
+                      <a:schemeClr val="bg1"/>
+                    </a:solidFill>
+                  </a:tcPr>
+                </a:tc>
+                <a:extLst>
+                  <a:ext uri="{0D108BD9-81ED-4DB2-BD59-A6C34878D82A}">
+                    <a16:rowId xmlns:a16="http://schemas.microsoft.com/office/drawing/2014/main" val="3739604332"/>
+                  </a:ext>
+                </a:extLst>
+              </a:tr>
+              <a:tr h="464298">
+                <a:tc>
+                  <a:txBody>
+                    <a:bodyPr/>
+                    <a:lstStyle/>
+                    <a:p>
+                      <a:pPr marL="0" marR="0" lvl="0" indent="0" algn="ctr" defTabSz="914400" rtl="0" eaLnBrk="1" fontAlgn="auto" latinLnBrk="0" hangingPunct="1">
+                        <a:lnSpc>
+                          <a:spcPct val="100000"/>
+                        </a:lnSpc>
+                        <a:spcBef>
+                          <a:spcPts val="0"/>
+                        </a:spcBef>
+                        <a:spcAft>
+                          <a:spcPts val="0"/>
+                        </a:spcAft>
+                        <a:buClrTx/>
+                        <a:buSzTx/>
+                        <a:buFontTx/>
+                        <a:buNone/>
+                        <a:tabLst/>
+                        <a:defRPr/>
+                      </a:pPr>
+                      <a:r>
+                        <a:rPr lang="en-US" sz="1200" dirty="0"/>
+                        <a:t>Donor_3</a:t>
+                      </a:r>
+                    </a:p>
+                  </a:txBody>
+                  <a:tcPr anchor="ctr">
+                    <a:lnL w="12700" cap="flat" cmpd="sng" algn="ctr">
+                      <a:solidFill>
+                        <a:schemeClr val="tx1"/>
+                      </a:solidFill>
+                      <a:prstDash val="solid"/>
+                      <a:round/>
+                      <a:headEnd type="none" w="med" len="med"/>
+                      <a:tailEnd type="none" w="med" len="med"/>
+                    </a:lnL>
+                    <a:lnR w="12700" cap="flat" cmpd="sng" algn="ctr">
+                      <a:solidFill>
+                        <a:schemeClr val="tx1"/>
+                      </a:solidFill>
+                      <a:prstDash val="solid"/>
+                      <a:round/>
+                      <a:headEnd type="none" w="med" len="med"/>
+                      <a:tailEnd type="none" w="med" len="med"/>
+                    </a:lnR>
+                    <a:lnT w="12700" cap="flat" cmpd="sng" algn="ctr">
+                      <a:solidFill>
+                        <a:schemeClr val="tx1"/>
+                      </a:solidFill>
+                      <a:prstDash val="solid"/>
+                      <a:round/>
+                      <a:headEnd type="none" w="med" len="med"/>
+                      <a:tailEnd type="none" w="med" len="med"/>
+                    </a:lnT>
+                    <a:lnB w="12700" cap="flat" cmpd="sng" algn="ctr">
+                      <a:solidFill>
+                        <a:schemeClr val="tx1"/>
+                      </a:solidFill>
+                      <a:prstDash val="solid"/>
+                      <a:round/>
+                      <a:headEnd type="none" w="med" len="med"/>
+                      <a:tailEnd type="none" w="med" len="med"/>
+                    </a:lnB>
+                    <a:solidFill>
+                      <a:schemeClr val="bg1"/>
+                    </a:solidFill>
+                  </a:tcPr>
+                </a:tc>
+                <a:tc>
+                  <a:txBody>
+                    <a:bodyPr/>
+                    <a:lstStyle/>
+                    <a:p>
+                      <a:pPr algn="ctr" fontAlgn="t"/>
+                      <a:r>
+                        <a:rPr lang="en-US" sz="1200" b="0" i="0" dirty="0">
+                          <a:solidFill>
+                            <a:srgbClr val="000000"/>
+                          </a:solidFill>
+                          <a:effectLst/>
+                          <a:latin typeface="Roboto" panose="02000000000000000000" pitchFamily="2" charset="0"/>
+                        </a:rPr>
+                        <a:t>∞</a:t>
+                      </a:r>
+                      <a:endParaRPr lang="en-US" sz="1200" dirty="0">
+                        <a:effectLst/>
+                      </a:endParaRPr>
+                    </a:p>
+                  </a:txBody>
+                  <a:tcPr anchor="ctr">
+                    <a:lnL w="12700" cap="flat" cmpd="sng" algn="ctr">
+                      <a:solidFill>
+                        <a:schemeClr val="tx1"/>
+                      </a:solidFill>
+                      <a:prstDash val="solid"/>
+                      <a:round/>
+                      <a:headEnd type="none" w="med" len="med"/>
+                      <a:tailEnd type="none" w="med" len="med"/>
+                    </a:lnL>
+                    <a:lnR w="12700" cap="flat" cmpd="sng" algn="ctr">
+                      <a:solidFill>
+                        <a:schemeClr val="tx1"/>
+                      </a:solidFill>
+                      <a:prstDash val="solid"/>
+                      <a:round/>
+                      <a:headEnd type="none" w="med" len="med"/>
+                      <a:tailEnd type="none" w="med" len="med"/>
+                    </a:lnR>
+                    <a:lnT w="12700" cap="flat" cmpd="sng" algn="ctr">
+                      <a:solidFill>
+                        <a:schemeClr val="tx1"/>
+                      </a:solidFill>
+                      <a:prstDash val="solid"/>
+                      <a:round/>
+                      <a:headEnd type="none" w="med" len="med"/>
+                      <a:tailEnd type="none" w="med" len="med"/>
+                    </a:lnT>
+                    <a:lnB w="12700" cap="flat" cmpd="sng" algn="ctr">
+                      <a:solidFill>
+                        <a:schemeClr val="tx1"/>
+                      </a:solidFill>
+                      <a:prstDash val="solid"/>
+                      <a:round/>
+                      <a:headEnd type="none" w="med" len="med"/>
+                      <a:tailEnd type="none" w="med" len="med"/>
+                    </a:lnB>
+                    <a:solidFill>
+                      <a:schemeClr val="bg1"/>
+                    </a:solidFill>
+                  </a:tcPr>
+                </a:tc>
+                <a:tc>
+                  <a:txBody>
+                    <a:bodyPr/>
+                    <a:lstStyle/>
+                    <a:p>
+                      <a:pPr algn="ctr" fontAlgn="t"/>
+                      <a:r>
+                        <a:rPr lang="en-US" sz="1200" dirty="0">
+                          <a:effectLst/>
+                        </a:rPr>
+                        <a:t>69</a:t>
+                      </a:r>
+                    </a:p>
+                  </a:txBody>
+                  <a:tcPr anchor="ctr">
+                    <a:lnL w="12700" cap="flat" cmpd="sng" algn="ctr">
+                      <a:solidFill>
+                        <a:schemeClr val="tx1"/>
+                      </a:solidFill>
+                      <a:prstDash val="solid"/>
+                      <a:round/>
+                      <a:headEnd type="none" w="med" len="med"/>
+                      <a:tailEnd type="none" w="med" len="med"/>
+                    </a:lnL>
+                    <a:lnR w="12700" cap="flat" cmpd="sng" algn="ctr">
+                      <a:solidFill>
+                        <a:schemeClr val="tx1"/>
+                      </a:solidFill>
+                      <a:prstDash val="solid"/>
+                      <a:round/>
+                      <a:headEnd type="none" w="med" len="med"/>
+                      <a:tailEnd type="none" w="med" len="med"/>
+                    </a:lnR>
+                    <a:lnT w="12700" cap="flat" cmpd="sng" algn="ctr">
+                      <a:solidFill>
+                        <a:schemeClr val="tx1"/>
+                      </a:solidFill>
+                      <a:prstDash val="solid"/>
+                      <a:round/>
+                      <a:headEnd type="none" w="med" len="med"/>
+                      <a:tailEnd type="none" w="med" len="med"/>
+                    </a:lnT>
+                    <a:lnB w="12700" cap="flat" cmpd="sng" algn="ctr">
+                      <a:solidFill>
+                        <a:schemeClr val="tx1"/>
+                      </a:solidFill>
+                      <a:prstDash val="solid"/>
+                      <a:round/>
+                      <a:headEnd type="none" w="med" len="med"/>
+                      <a:tailEnd type="none" w="med" len="med"/>
+                    </a:lnB>
+                    <a:solidFill>
+                      <a:srgbClr val="33CCFF"/>
+                    </a:solidFill>
+                  </a:tcPr>
+                </a:tc>
+                <a:tc>
+                  <a:txBody>
+                    <a:bodyPr/>
+                    <a:lstStyle/>
+                    <a:p>
+                      <a:pPr algn="ctr" fontAlgn="t"/>
+                      <a:r>
+                        <a:rPr lang="en-US" sz="1200" dirty="0">
+                          <a:effectLst/>
+                        </a:rPr>
+                        <a:t>5</a:t>
+                      </a:r>
+                    </a:p>
+                  </a:txBody>
+                  <a:tcPr anchor="ctr">
+                    <a:lnL w="12700" cap="flat" cmpd="sng" algn="ctr">
+                      <a:solidFill>
+                        <a:schemeClr val="tx1"/>
+                      </a:solidFill>
+                      <a:prstDash val="solid"/>
+                      <a:round/>
+                      <a:headEnd type="none" w="med" len="med"/>
+                      <a:tailEnd type="none" w="med" len="med"/>
+                    </a:lnL>
+                    <a:lnR w="12700" cap="flat" cmpd="sng" algn="ctr">
+                      <a:solidFill>
+                        <a:schemeClr val="tx1"/>
+                      </a:solidFill>
+                      <a:prstDash val="solid"/>
+                      <a:round/>
+                      <a:headEnd type="none" w="med" len="med"/>
+                      <a:tailEnd type="none" w="med" len="med"/>
+                    </a:lnR>
+                    <a:lnT w="12700" cap="flat" cmpd="sng" algn="ctr">
+                      <a:solidFill>
+                        <a:schemeClr val="tx1"/>
+                      </a:solidFill>
+                      <a:prstDash val="solid"/>
+                      <a:round/>
+                      <a:headEnd type="none" w="med" len="med"/>
+                      <a:tailEnd type="none" w="med" len="med"/>
+                    </a:lnT>
+                    <a:lnB w="12700" cap="flat" cmpd="sng" algn="ctr">
+                      <a:solidFill>
+                        <a:schemeClr val="tx1"/>
+                      </a:solidFill>
+                      <a:prstDash val="solid"/>
+                      <a:round/>
+                      <a:headEnd type="none" w="med" len="med"/>
+                      <a:tailEnd type="none" w="med" len="med"/>
+                    </a:lnB>
+                    <a:solidFill>
+                      <a:schemeClr val="bg1"/>
+                    </a:solidFill>
+                  </a:tcPr>
+                </a:tc>
+                <a:tc>
+                  <a:txBody>
+                    <a:bodyPr/>
+                    <a:lstStyle/>
+                    <a:p>
+                      <a:pPr algn="ctr" fontAlgn="t"/>
+                      <a:r>
+                        <a:rPr lang="en-US" sz="1200" b="0" i="0" dirty="0">
+                          <a:solidFill>
+                            <a:srgbClr val="000000"/>
+                          </a:solidFill>
+                          <a:effectLst/>
+                          <a:latin typeface="Roboto" panose="02000000000000000000" pitchFamily="2" charset="0"/>
+                        </a:rPr>
+                        <a:t>∞</a:t>
+                      </a:r>
+                      <a:endParaRPr lang="en-US" sz="1200" dirty="0">
+                        <a:effectLst/>
+                      </a:endParaRPr>
+                    </a:p>
+                  </a:txBody>
+                  <a:tcPr anchor="ctr">
+                    <a:lnL w="12700" cap="flat" cmpd="sng" algn="ctr">
+                      <a:solidFill>
+                        <a:schemeClr val="tx1"/>
+                      </a:solidFill>
+                      <a:prstDash val="solid"/>
+                      <a:round/>
+                      <a:headEnd type="none" w="med" len="med"/>
+                      <a:tailEnd type="none" w="med" len="med"/>
+                    </a:lnL>
+                    <a:lnR w="12700" cap="flat" cmpd="sng" algn="ctr">
+                      <a:solidFill>
+                        <a:schemeClr val="tx1"/>
+                      </a:solidFill>
+                      <a:prstDash val="solid"/>
+                      <a:round/>
+                      <a:headEnd type="none" w="med" len="med"/>
+                      <a:tailEnd type="none" w="med" len="med"/>
+                    </a:lnR>
+                    <a:lnT w="12700" cap="flat" cmpd="sng" algn="ctr">
+                      <a:solidFill>
+                        <a:schemeClr val="tx1"/>
+                      </a:solidFill>
+                      <a:prstDash val="solid"/>
+                      <a:round/>
+                      <a:headEnd type="none" w="med" len="med"/>
+                      <a:tailEnd type="none" w="med" len="med"/>
+                    </a:lnT>
+                    <a:lnB w="12700" cap="flat" cmpd="sng" algn="ctr">
+                      <a:solidFill>
+                        <a:schemeClr val="tx1"/>
+                      </a:solidFill>
+                      <a:prstDash val="solid"/>
+                      <a:round/>
+                      <a:headEnd type="none" w="med" len="med"/>
+                      <a:tailEnd type="none" w="med" len="med"/>
+                    </a:lnB>
+                    <a:solidFill>
+                      <a:schemeClr val="bg1"/>
+                    </a:solidFill>
+                  </a:tcPr>
+                </a:tc>
+                <a:extLst>
+                  <a:ext uri="{0D108BD9-81ED-4DB2-BD59-A6C34878D82A}">
+                    <a16:rowId xmlns:a16="http://schemas.microsoft.com/office/drawing/2014/main" val="3171691836"/>
+                  </a:ext>
+                </a:extLst>
+              </a:tr>
+              <a:tr h="464298">
+                <a:tc>
+                  <a:txBody>
+                    <a:bodyPr/>
+                    <a:lstStyle/>
+                    <a:p>
+                      <a:pPr marL="0" marR="0" lvl="0" indent="0" algn="ctr" defTabSz="914400" rtl="0" eaLnBrk="1" fontAlgn="auto" latinLnBrk="0" hangingPunct="1">
+                        <a:lnSpc>
+                          <a:spcPct val="100000"/>
+                        </a:lnSpc>
+                        <a:spcBef>
+                          <a:spcPts val="0"/>
+                        </a:spcBef>
+                        <a:spcAft>
+                          <a:spcPts val="0"/>
+                        </a:spcAft>
+                        <a:buClrTx/>
+                        <a:buSzTx/>
+                        <a:buFontTx/>
+                        <a:buNone/>
+                        <a:tabLst/>
+                        <a:defRPr/>
+                      </a:pPr>
+                      <a:r>
+                        <a:rPr lang="en-US" sz="1200" dirty="0"/>
+                        <a:t>Donor_4</a:t>
+                      </a:r>
+                    </a:p>
+                  </a:txBody>
+                  <a:tcPr anchor="ctr">
+                    <a:lnL w="12700" cap="flat" cmpd="sng" algn="ctr">
+                      <a:solidFill>
+                        <a:schemeClr val="tx1"/>
+                      </a:solidFill>
+                      <a:prstDash val="solid"/>
+                      <a:round/>
+                      <a:headEnd type="none" w="med" len="med"/>
+                      <a:tailEnd type="none" w="med" len="med"/>
+                    </a:lnL>
+                    <a:lnR w="12700" cap="flat" cmpd="sng" algn="ctr">
+                      <a:solidFill>
+                        <a:schemeClr val="tx1"/>
+                      </a:solidFill>
+                      <a:prstDash val="solid"/>
+                      <a:round/>
+                      <a:headEnd type="none" w="med" len="med"/>
+                      <a:tailEnd type="none" w="med" len="med"/>
+                    </a:lnR>
+                    <a:lnT w="12700" cap="flat" cmpd="sng" algn="ctr">
+                      <a:solidFill>
+                        <a:schemeClr val="tx1"/>
+                      </a:solidFill>
+                      <a:prstDash val="solid"/>
+                      <a:round/>
+                      <a:headEnd type="none" w="med" len="med"/>
+                      <a:tailEnd type="none" w="med" len="med"/>
+                    </a:lnT>
+                    <a:lnB w="12700" cap="flat" cmpd="sng" algn="ctr">
+                      <a:solidFill>
+                        <a:schemeClr val="tx1"/>
+                      </a:solidFill>
+                      <a:prstDash val="solid"/>
+                      <a:round/>
+                      <a:headEnd type="none" w="med" len="med"/>
+                      <a:tailEnd type="none" w="med" len="med"/>
+                    </a:lnB>
+                    <a:solidFill>
+                      <a:schemeClr val="bg1"/>
+                    </a:solidFill>
+                  </a:tcPr>
+                </a:tc>
+                <a:tc>
+                  <a:txBody>
+                    <a:bodyPr/>
+                    <a:lstStyle/>
+                    <a:p>
+                      <a:pPr algn="ctr" fontAlgn="t"/>
+                      <a:r>
+                        <a:rPr lang="en-US" sz="1200" b="0" i="0" dirty="0">
+                          <a:solidFill>
+                            <a:srgbClr val="000000"/>
+                          </a:solidFill>
+                          <a:effectLst/>
+                          <a:latin typeface="Roboto" panose="02000000000000000000" pitchFamily="2" charset="0"/>
+                        </a:rPr>
+                        <a:t>∞</a:t>
+                      </a:r>
+                      <a:endParaRPr lang="en-US" sz="1200" dirty="0">
+                        <a:effectLst/>
+                      </a:endParaRPr>
+                    </a:p>
+                  </a:txBody>
+                  <a:tcPr anchor="ctr">
+                    <a:lnL w="12700" cap="flat" cmpd="sng" algn="ctr">
+                      <a:solidFill>
+                        <a:schemeClr val="tx1"/>
+                      </a:solidFill>
+                      <a:prstDash val="solid"/>
+                      <a:round/>
+                      <a:headEnd type="none" w="med" len="med"/>
+                      <a:tailEnd type="none" w="med" len="med"/>
+                    </a:lnL>
+                    <a:lnR w="12700" cap="flat" cmpd="sng" algn="ctr">
+                      <a:solidFill>
+                        <a:schemeClr val="tx1"/>
+                      </a:solidFill>
+                      <a:prstDash val="solid"/>
+                      <a:round/>
+                      <a:headEnd type="none" w="med" len="med"/>
+                      <a:tailEnd type="none" w="med" len="med"/>
+                    </a:lnR>
+                    <a:lnT w="12700" cap="flat" cmpd="sng" algn="ctr">
+                      <a:solidFill>
+                        <a:schemeClr val="tx1"/>
+                      </a:solidFill>
+                      <a:prstDash val="solid"/>
+                      <a:round/>
+                      <a:headEnd type="none" w="med" len="med"/>
+                      <a:tailEnd type="none" w="med" len="med"/>
+                    </a:lnT>
+                    <a:lnB w="12700" cap="flat" cmpd="sng" algn="ctr">
+                      <a:solidFill>
+                        <a:schemeClr val="tx1"/>
+                      </a:solidFill>
+                      <a:prstDash val="solid"/>
+                      <a:round/>
+                      <a:headEnd type="none" w="med" len="med"/>
+                      <a:tailEnd type="none" w="med" len="med"/>
+                    </a:lnB>
+                    <a:solidFill>
+                      <a:schemeClr val="bg1"/>
+                    </a:solidFill>
+                  </a:tcPr>
+                </a:tc>
+                <a:tc>
+                  <a:txBody>
+                    <a:bodyPr/>
+                    <a:lstStyle/>
+                    <a:p>
+                      <a:pPr algn="ctr" fontAlgn="t"/>
+                      <a:r>
+                        <a:rPr lang="en-US" sz="1200">
+                          <a:effectLst/>
+                        </a:rPr>
+                        <a:t>9</a:t>
+                      </a:r>
+                    </a:p>
+                  </a:txBody>
+                  <a:tcPr anchor="ctr">
+                    <a:lnL w="12700" cap="flat" cmpd="sng" algn="ctr">
+                      <a:solidFill>
+                        <a:schemeClr val="tx1"/>
+                      </a:solidFill>
+                      <a:prstDash val="solid"/>
+                      <a:round/>
+                      <a:headEnd type="none" w="med" len="med"/>
+                      <a:tailEnd type="none" w="med" len="med"/>
+                    </a:lnL>
+                    <a:lnR w="12700" cap="flat" cmpd="sng" algn="ctr">
+                      <a:solidFill>
+                        <a:schemeClr val="tx1"/>
+                      </a:solidFill>
+                      <a:prstDash val="solid"/>
+                      <a:round/>
+                      <a:headEnd type="none" w="med" len="med"/>
+                      <a:tailEnd type="none" w="med" len="med"/>
+                    </a:lnR>
+                    <a:lnT w="12700" cap="flat" cmpd="sng" algn="ctr">
+                      <a:solidFill>
+                        <a:schemeClr val="tx1"/>
+                      </a:solidFill>
+                      <a:prstDash val="solid"/>
+                      <a:round/>
+                      <a:headEnd type="none" w="med" len="med"/>
+                      <a:tailEnd type="none" w="med" len="med"/>
+                    </a:lnT>
+                    <a:lnB w="12700" cap="flat" cmpd="sng" algn="ctr">
+                      <a:solidFill>
+                        <a:schemeClr val="tx1"/>
+                      </a:solidFill>
+                      <a:prstDash val="solid"/>
+                      <a:round/>
+                      <a:headEnd type="none" w="med" len="med"/>
+                      <a:tailEnd type="none" w="med" len="med"/>
+                    </a:lnB>
+                    <a:solidFill>
+                      <a:schemeClr val="bg1"/>
+                    </a:solidFill>
+                  </a:tcPr>
+                </a:tc>
+                <a:tc>
+                  <a:txBody>
+                    <a:bodyPr/>
+                    <a:lstStyle/>
+                    <a:p>
+                      <a:pPr algn="ctr" fontAlgn="t"/>
+                      <a:r>
+                        <a:rPr lang="en-US" sz="1200" dirty="0">
+                          <a:effectLst/>
+                        </a:rPr>
+                        <a:t>98</a:t>
+                      </a:r>
+                    </a:p>
+                  </a:txBody>
+                  <a:tcPr anchor="ctr">
+                    <a:lnL w="12700" cap="flat" cmpd="sng" algn="ctr">
+                      <a:solidFill>
+                        <a:schemeClr val="tx1"/>
+                      </a:solidFill>
+                      <a:prstDash val="solid"/>
+                      <a:round/>
+                      <a:headEnd type="none" w="med" len="med"/>
+                      <a:tailEnd type="none" w="med" len="med"/>
+                    </a:lnL>
+                    <a:lnR w="12700" cap="flat" cmpd="sng" algn="ctr">
+                      <a:solidFill>
+                        <a:schemeClr val="tx1"/>
+                      </a:solidFill>
+                      <a:prstDash val="solid"/>
+                      <a:round/>
+                      <a:headEnd type="none" w="med" len="med"/>
+                      <a:tailEnd type="none" w="med" len="med"/>
+                    </a:lnR>
+                    <a:lnT w="12700" cap="flat" cmpd="sng" algn="ctr">
+                      <a:solidFill>
+                        <a:schemeClr val="tx1"/>
+                      </a:solidFill>
+                      <a:prstDash val="solid"/>
+                      <a:round/>
+                      <a:headEnd type="none" w="med" len="med"/>
+                      <a:tailEnd type="none" w="med" len="med"/>
+                    </a:lnT>
+                    <a:lnB w="12700" cap="flat" cmpd="sng" algn="ctr">
+                      <a:solidFill>
+                        <a:schemeClr val="tx1"/>
+                      </a:solidFill>
+                      <a:prstDash val="solid"/>
+                      <a:round/>
+                      <a:headEnd type="none" w="med" len="med"/>
+                      <a:tailEnd type="none" w="med" len="med"/>
+                    </a:lnB>
+                    <a:solidFill>
+                      <a:schemeClr val="bg1"/>
+                    </a:solidFill>
+                  </a:tcPr>
+                </a:tc>
+                <a:tc>
+                  <a:txBody>
+                    <a:bodyPr/>
+                    <a:lstStyle/>
+                    <a:p>
+                      <a:pPr algn="ctr" fontAlgn="t"/>
+                      <a:r>
+                        <a:rPr lang="en-US" sz="1200" b="0" i="0" dirty="0">
+                          <a:solidFill>
+                            <a:srgbClr val="000000"/>
+                          </a:solidFill>
+                          <a:effectLst/>
+                          <a:latin typeface="Roboto" panose="02000000000000000000" pitchFamily="2" charset="0"/>
+                        </a:rPr>
+                        <a:t>∞</a:t>
+                      </a:r>
+                      <a:endParaRPr lang="en-US" sz="1200" dirty="0">
+                        <a:effectLst/>
+                      </a:endParaRPr>
+                    </a:p>
+                  </a:txBody>
+                  <a:tcPr anchor="ctr">
+                    <a:lnL w="12700" cap="flat" cmpd="sng" algn="ctr">
+                      <a:solidFill>
+                        <a:schemeClr val="tx1"/>
+                      </a:solidFill>
+                      <a:prstDash val="solid"/>
+                      <a:round/>
+                      <a:headEnd type="none" w="med" len="med"/>
+                      <a:tailEnd type="none" w="med" len="med"/>
+                    </a:lnL>
+                    <a:lnR w="12700" cap="flat" cmpd="sng" algn="ctr">
+                      <a:solidFill>
+                        <a:schemeClr val="tx1"/>
+                      </a:solidFill>
+                      <a:prstDash val="solid"/>
+                      <a:round/>
+                      <a:headEnd type="none" w="med" len="med"/>
+                      <a:tailEnd type="none" w="med" len="med"/>
+                    </a:lnR>
+                    <a:lnT w="12700" cap="flat" cmpd="sng" algn="ctr">
+                      <a:solidFill>
+                        <a:schemeClr val="tx1"/>
+                      </a:solidFill>
+                      <a:prstDash val="solid"/>
+                      <a:round/>
+                      <a:headEnd type="none" w="med" len="med"/>
+                      <a:tailEnd type="none" w="med" len="med"/>
+                    </a:lnT>
+                    <a:lnB w="12700" cap="flat" cmpd="sng" algn="ctr">
+                      <a:solidFill>
+                        <a:schemeClr val="tx1"/>
+                      </a:solidFill>
+                      <a:prstDash val="solid"/>
+                      <a:round/>
+                      <a:headEnd type="none" w="med" len="med"/>
+                      <a:tailEnd type="none" w="med" len="med"/>
+                    </a:lnB>
+                    <a:solidFill>
+                      <a:schemeClr val="bg1"/>
+                    </a:solidFill>
+                  </a:tcPr>
+                </a:tc>
+                <a:extLst>
+                  <a:ext uri="{0D108BD9-81ED-4DB2-BD59-A6C34878D82A}">
+                    <a16:rowId xmlns:a16="http://schemas.microsoft.com/office/drawing/2014/main" val="2695554642"/>
+                  </a:ext>
+                </a:extLst>
+              </a:tr>
+            </a:tbl>
+          </a:graphicData>
+        </a:graphic>
+      </p:graphicFrame>
+      <p:sp>
+        <p:nvSpPr>
+          <p:cNvPr id="15" name="Content Placeholder 2">
+            <a:extLst>
+              <a:ext uri="{FF2B5EF4-FFF2-40B4-BE49-F238E27FC236}">
+                <a16:creationId xmlns:a16="http://schemas.microsoft.com/office/drawing/2014/main" id="{85499DCF-DFB0-41A3-BD56-43FC988ACA45}"/>
+              </a:ext>
+            </a:extLst>
+          </p:cNvPr>
+          <p:cNvSpPr txBox="1">
+            <a:spLocks/>
+          </p:cNvSpPr>
+          <p:nvPr/>
+        </p:nvSpPr>
+        <p:spPr>
+          <a:xfrm>
+            <a:off x="6576291" y="1233505"/>
+            <a:ext cx="889908" cy="312167"/>
+          </a:xfrm>
+          <a:prstGeom prst="rect">
+            <a:avLst/>
+          </a:prstGeom>
+        </p:spPr>
+        <p:txBody>
+          <a:bodyPr vert="horz" lIns="91440" tIns="0" rIns="91440" bIns="0" rtlCol="0">
+            <a:normAutofit fontScale="92500" lnSpcReduction="10000"/>
+          </a:bodyPr>
+          <a:lstStyle>
+            <a:lvl1pPr marL="228600" indent="-228600" algn="l" defTabSz="914400" rtl="0" eaLnBrk="1" latinLnBrk="0" hangingPunct="1">
+              <a:lnSpc>
+                <a:spcPct val="100000"/>
+              </a:lnSpc>
+              <a:spcBef>
+                <a:spcPts val="1000"/>
+              </a:spcBef>
+              <a:buFont typeface="Arial" panose="020B0604020202020204" pitchFamily="34" charset="0"/>
+              <a:buChar char="•"/>
+              <a:defRPr sz="2800" kern="1200">
+                <a:solidFill>
+                  <a:schemeClr val="tx1"/>
+                </a:solidFill>
+                <a:latin typeface="+mn-lt"/>
+                <a:ea typeface="+mn-ea"/>
+                <a:cs typeface="+mn-cs"/>
+              </a:defRPr>
+            </a:lvl1pPr>
+            <a:lvl2pPr marL="685800" indent="-228600" algn="l" defTabSz="914400" rtl="0" eaLnBrk="1" latinLnBrk="0" hangingPunct="1">
+              <a:lnSpc>
+                <a:spcPct val="100000"/>
+              </a:lnSpc>
+              <a:spcBef>
+                <a:spcPts val="500"/>
+              </a:spcBef>
+              <a:buFont typeface="Arial" panose="020B0604020202020204" pitchFamily="34" charset="0"/>
+              <a:buChar char="•"/>
+              <a:defRPr sz="2400" kern="1200">
+                <a:solidFill>
+                  <a:schemeClr val="tx1"/>
+                </a:solidFill>
+                <a:latin typeface="+mn-lt"/>
+                <a:ea typeface="+mn-ea"/>
+                <a:cs typeface="+mn-cs"/>
+              </a:defRPr>
+            </a:lvl2pPr>
+            <a:lvl3pPr marL="1143000" indent="-228600" algn="l" defTabSz="914400" rtl="0" eaLnBrk="1" latinLnBrk="0" hangingPunct="1">
+              <a:lnSpc>
+                <a:spcPct val="100000"/>
+              </a:lnSpc>
+              <a:spcBef>
+                <a:spcPts val="500"/>
+              </a:spcBef>
+              <a:buFont typeface="Arial" panose="020B0604020202020204" pitchFamily="34" charset="0"/>
+              <a:buChar char="•"/>
+              <a:defRPr sz="2000" kern="1200">
+                <a:solidFill>
+                  <a:schemeClr val="tx1"/>
+                </a:solidFill>
+                <a:latin typeface="+mn-lt"/>
+                <a:ea typeface="+mn-ea"/>
+                <a:cs typeface="+mn-cs"/>
+              </a:defRPr>
+            </a:lvl3pPr>
+            <a:lvl4pPr marL="1600200" indent="-228600" algn="l" defTabSz="914400" rtl="0" eaLnBrk="1" latinLnBrk="0" hangingPunct="1">
+              <a:lnSpc>
+                <a:spcPct val="100000"/>
+              </a:lnSpc>
+              <a:spcBef>
+                <a:spcPts val="500"/>
+              </a:spcBef>
+              <a:buFont typeface="Arial" panose="020B0604020202020204" pitchFamily="34" charset="0"/>
+              <a:buChar char="•"/>
+              <a:defRPr sz="1800" kern="1200">
+                <a:solidFill>
+                  <a:schemeClr val="tx1"/>
+                </a:solidFill>
+                <a:latin typeface="+mn-lt"/>
+                <a:ea typeface="+mn-ea"/>
+                <a:cs typeface="+mn-cs"/>
+              </a:defRPr>
+            </a:lvl4pPr>
+            <a:lvl5pPr marL="2057400" indent="-228600" algn="l" defTabSz="914400" rtl="0" eaLnBrk="1" latinLnBrk="0" hangingPunct="1">
+              <a:lnSpc>
+                <a:spcPct val="100000"/>
+              </a:lnSpc>
+              <a:spcBef>
+                <a:spcPts val="500"/>
+              </a:spcBef>
+              <a:buFont typeface="Arial" panose="020B0604020202020204" pitchFamily="34" charset="0"/>
+              <a:buChar char="•"/>
+              <a:defRPr sz="1800" kern="1200">
+                <a:solidFill>
+                  <a:schemeClr val="tx1"/>
+                </a:solidFill>
+                <a:latin typeface="+mn-lt"/>
+                <a:ea typeface="+mn-ea"/>
+                <a:cs typeface="+mn-cs"/>
+              </a:defRPr>
+            </a:lvl5pPr>
+            <a:lvl6pPr marL="2514600" indent="-228600" algn="l" defTabSz="914400" rtl="0" eaLnBrk="1" latinLnBrk="0" hangingPunct="1">
+              <a:lnSpc>
+                <a:spcPct val="90000"/>
+              </a:lnSpc>
+              <a:spcBef>
+                <a:spcPts val="500"/>
+              </a:spcBef>
+              <a:buFont typeface="Arial" panose="020B0604020202020204" pitchFamily="34" charset="0"/>
+              <a:buChar char="•"/>
+              <a:defRPr sz="1800" kern="1200">
+                <a:solidFill>
+                  <a:schemeClr val="tx1"/>
+                </a:solidFill>
+                <a:latin typeface="+mn-lt"/>
+                <a:ea typeface="+mn-ea"/>
+                <a:cs typeface="+mn-cs"/>
+              </a:defRPr>
+            </a:lvl6pPr>
+            <a:lvl7pPr marL="2971800" indent="-228600" algn="l" defTabSz="914400" rtl="0" eaLnBrk="1" latinLnBrk="0" hangingPunct="1">
+              <a:lnSpc>
+                <a:spcPct val="90000"/>
+              </a:lnSpc>
+              <a:spcBef>
+                <a:spcPts val="500"/>
+              </a:spcBef>
+              <a:buFont typeface="Arial" panose="020B0604020202020204" pitchFamily="34" charset="0"/>
+              <a:buChar char="•"/>
+              <a:defRPr sz="1800" kern="1200">
+                <a:solidFill>
+                  <a:schemeClr val="tx1"/>
+                </a:solidFill>
+                <a:latin typeface="+mn-lt"/>
+                <a:ea typeface="+mn-ea"/>
+                <a:cs typeface="+mn-cs"/>
+              </a:defRPr>
+            </a:lvl7pPr>
+            <a:lvl8pPr marL="3429000" indent="-228600" algn="l" defTabSz="914400" rtl="0" eaLnBrk="1" latinLnBrk="0" hangingPunct="1">
+              <a:lnSpc>
+                <a:spcPct val="90000"/>
+              </a:lnSpc>
+              <a:spcBef>
+                <a:spcPts val="500"/>
+              </a:spcBef>
+              <a:buFont typeface="Arial" panose="020B0604020202020204" pitchFamily="34" charset="0"/>
+              <a:buChar char="•"/>
+              <a:defRPr sz="1800" kern="1200">
+                <a:solidFill>
+                  <a:schemeClr val="tx1"/>
+                </a:solidFill>
+                <a:latin typeface="+mn-lt"/>
+                <a:ea typeface="+mn-ea"/>
+                <a:cs typeface="+mn-cs"/>
+              </a:defRPr>
+            </a:lvl8pPr>
+            <a:lvl9pPr marL="3886200" indent="-228600" algn="l" defTabSz="914400" rtl="0" eaLnBrk="1" latinLnBrk="0" hangingPunct="1">
+              <a:lnSpc>
+                <a:spcPct val="90000"/>
+              </a:lnSpc>
+              <a:spcBef>
+                <a:spcPts val="500"/>
+              </a:spcBef>
+              <a:buFont typeface="Arial" panose="020B0604020202020204" pitchFamily="34" charset="0"/>
+              <a:buChar char="•"/>
+              <a:defRPr sz="1800" kern="1200">
+                <a:solidFill>
+                  <a:schemeClr val="tx1"/>
+                </a:solidFill>
+                <a:latin typeface="+mn-lt"/>
+                <a:ea typeface="+mn-ea"/>
+                <a:cs typeface="+mn-cs"/>
+              </a:defRPr>
+            </a:lvl9pPr>
+          </a:lstStyle>
+          <a:p>
+            <a:pPr marL="0" indent="0">
+              <a:buFont typeface="Arial" panose="020B0604020202020204" pitchFamily="34" charset="0"/>
+              <a:buNone/>
+            </a:pPr>
+            <a:r>
+              <a:rPr lang="en-US" sz="2400" dirty="0"/>
+              <a:t>2:</a:t>
+            </a:r>
+          </a:p>
+        </p:txBody>
+      </p:sp>
+      <p:graphicFrame>
+        <p:nvGraphicFramePr>
+          <p:cNvPr id="16" name="Table 69">
+            <a:extLst>
+              <a:ext uri="{FF2B5EF4-FFF2-40B4-BE49-F238E27FC236}">
+                <a16:creationId xmlns:a16="http://schemas.microsoft.com/office/drawing/2014/main" id="{3B69C4C8-9B79-4484-B1A2-C4590C856CB3}"/>
+              </a:ext>
+            </a:extLst>
+          </p:cNvPr>
+          <p:cNvGraphicFramePr>
+            <a:graphicFrameLocks noGrp="1"/>
+          </p:cNvGraphicFramePr>
+          <p:nvPr>
+            <p:extLst>
+              <p:ext uri="{D42A27DB-BD31-4B8C-83A1-F6EECF244321}">
+                <p14:modId xmlns:p14="http://schemas.microsoft.com/office/powerpoint/2010/main" val="838165979"/>
+              </p:ext>
+            </p:extLst>
+          </p:nvPr>
+        </p:nvGraphicFramePr>
+        <p:xfrm>
+          <a:off x="6576291" y="1545828"/>
+          <a:ext cx="4645525" cy="2321490"/>
+        </p:xfrm>
+        <a:graphic>
+          <a:graphicData uri="http://schemas.openxmlformats.org/drawingml/2006/table">
+            <a:tbl>
+              <a:tblPr firstRow="1" bandRow="1">
+                <a:tableStyleId>{5C22544A-7EE6-4342-B048-85BDC9FD1C3A}</a:tableStyleId>
+              </a:tblPr>
+              <a:tblGrid>
+                <a:gridCol w="929105">
+                  <a:extLst>
+                    <a:ext uri="{9D8B030D-6E8A-4147-A177-3AD203B41FA5}">
+                      <a16:colId xmlns:a16="http://schemas.microsoft.com/office/drawing/2014/main" val="320037778"/>
+                    </a:ext>
+                  </a:extLst>
+                </a:gridCol>
+                <a:gridCol w="929105">
+                  <a:extLst>
+                    <a:ext uri="{9D8B030D-6E8A-4147-A177-3AD203B41FA5}">
+                      <a16:colId xmlns:a16="http://schemas.microsoft.com/office/drawing/2014/main" val="3061072369"/>
+                    </a:ext>
+                  </a:extLst>
+                </a:gridCol>
+                <a:gridCol w="929105">
+                  <a:extLst>
+                    <a:ext uri="{9D8B030D-6E8A-4147-A177-3AD203B41FA5}">
+                      <a16:colId xmlns:a16="http://schemas.microsoft.com/office/drawing/2014/main" val="3088086231"/>
+                    </a:ext>
+                  </a:extLst>
+                </a:gridCol>
+                <a:gridCol w="929105">
+                  <a:extLst>
+                    <a:ext uri="{9D8B030D-6E8A-4147-A177-3AD203B41FA5}">
+                      <a16:colId xmlns:a16="http://schemas.microsoft.com/office/drawing/2014/main" val="3188720254"/>
+                    </a:ext>
+                  </a:extLst>
+                </a:gridCol>
+                <a:gridCol w="929105">
+                  <a:extLst>
+                    <a:ext uri="{9D8B030D-6E8A-4147-A177-3AD203B41FA5}">
+                      <a16:colId xmlns:a16="http://schemas.microsoft.com/office/drawing/2014/main" val="1387403323"/>
+                    </a:ext>
+                  </a:extLst>
+                </a:gridCol>
+              </a:tblGrid>
+              <a:tr h="464298">
+                <a:tc>
+                  <a:txBody>
+                    <a:bodyPr/>
+                    <a:lstStyle/>
+                    <a:p>
+                      <a:pPr algn="ctr"/>
+                      <a:endParaRPr lang="en-US" sz="1200" dirty="0"/>
+                    </a:p>
+                  </a:txBody>
+                  <a:tcPr anchor="ctr">
+                    <a:lnL w="12700" cap="flat" cmpd="sng" algn="ctr">
+                      <a:solidFill>
+                        <a:schemeClr val="tx1"/>
+                      </a:solidFill>
+                      <a:prstDash val="solid"/>
+                      <a:round/>
+                      <a:headEnd type="none" w="med" len="med"/>
+                      <a:tailEnd type="none" w="med" len="med"/>
+                    </a:lnL>
+                    <a:lnR w="12700" cap="flat" cmpd="sng" algn="ctr">
+                      <a:solidFill>
+                        <a:schemeClr val="tx1"/>
+                      </a:solidFill>
+                      <a:prstDash val="solid"/>
+                      <a:round/>
+                      <a:headEnd type="none" w="med" len="med"/>
+                      <a:tailEnd type="none" w="med" len="med"/>
+                    </a:lnR>
+                    <a:lnT w="12700" cap="flat" cmpd="sng" algn="ctr">
+                      <a:solidFill>
+                        <a:schemeClr val="tx1"/>
+                      </a:solidFill>
+                      <a:prstDash val="solid"/>
+                      <a:round/>
+                      <a:headEnd type="none" w="med" len="med"/>
+                      <a:tailEnd type="none" w="med" len="med"/>
+                    </a:lnT>
+                    <a:lnB w="12700" cap="flat" cmpd="sng" algn="ctr">
+                      <a:solidFill>
+                        <a:schemeClr val="tx1"/>
+                      </a:solidFill>
+                      <a:prstDash val="solid"/>
+                      <a:round/>
+                      <a:headEnd type="none" w="med" len="med"/>
+                      <a:tailEnd type="none" w="med" len="med"/>
+                    </a:lnB>
+                    <a:solidFill>
+                      <a:schemeClr val="bg1"/>
+                    </a:solidFill>
+                  </a:tcPr>
+                </a:tc>
+                <a:tc>
+                  <a:txBody>
+                    <a:bodyPr/>
+                    <a:lstStyle/>
+                    <a:p>
+                      <a:pPr algn="ctr"/>
+                      <a:r>
+                        <a:rPr lang="en-US" sz="1200" b="0" dirty="0">
+                          <a:solidFill>
+                            <a:schemeClr val="tx1"/>
+                          </a:solidFill>
+                        </a:rPr>
+                        <a:t>Patient_1</a:t>
+                      </a:r>
+                    </a:p>
+                  </a:txBody>
+                  <a:tcPr anchor="ctr">
+                    <a:lnL w="12700" cap="flat" cmpd="sng" algn="ctr">
+                      <a:solidFill>
+                        <a:schemeClr val="tx1"/>
+                      </a:solidFill>
+                      <a:prstDash val="solid"/>
+                      <a:round/>
+                      <a:headEnd type="none" w="med" len="med"/>
+                      <a:tailEnd type="none" w="med" len="med"/>
+                    </a:lnL>
+                    <a:lnR w="12700" cap="flat" cmpd="sng" algn="ctr">
+                      <a:solidFill>
+                        <a:schemeClr val="tx1"/>
+                      </a:solidFill>
+                      <a:prstDash val="solid"/>
+                      <a:round/>
+                      <a:headEnd type="none" w="med" len="med"/>
+                      <a:tailEnd type="none" w="med" len="med"/>
+                    </a:lnR>
+                    <a:lnT w="12700" cap="flat" cmpd="sng" algn="ctr">
+                      <a:solidFill>
+                        <a:schemeClr val="tx1"/>
+                      </a:solidFill>
+                      <a:prstDash val="solid"/>
+                      <a:round/>
+                      <a:headEnd type="none" w="med" len="med"/>
+                      <a:tailEnd type="none" w="med" len="med"/>
+                    </a:lnT>
+                    <a:lnB w="12700" cap="flat" cmpd="sng" algn="ctr">
+                      <a:solidFill>
+                        <a:schemeClr val="tx1"/>
+                      </a:solidFill>
+                      <a:prstDash val="solid"/>
+                      <a:round/>
+                      <a:headEnd type="none" w="med" len="med"/>
+                      <a:tailEnd type="none" w="med" len="med"/>
+                    </a:lnB>
+                    <a:solidFill>
+                      <a:schemeClr val="bg1"/>
+                    </a:solidFill>
+                  </a:tcPr>
+                </a:tc>
+                <a:tc>
+                  <a:txBody>
+                    <a:bodyPr/>
+                    <a:lstStyle/>
+                    <a:p>
+                      <a:pPr marL="0" marR="0" lvl="0" indent="0" algn="ctr" defTabSz="914400" rtl="0" eaLnBrk="1" fontAlgn="auto" latinLnBrk="0" hangingPunct="1">
+                        <a:lnSpc>
+                          <a:spcPct val="100000"/>
+                        </a:lnSpc>
+                        <a:spcBef>
+                          <a:spcPts val="0"/>
+                        </a:spcBef>
+                        <a:spcAft>
+                          <a:spcPts val="0"/>
+                        </a:spcAft>
+                        <a:buClrTx/>
+                        <a:buSzTx/>
+                        <a:buFontTx/>
+                        <a:buNone/>
+                        <a:tabLst/>
+                        <a:defRPr/>
+                      </a:pPr>
+                      <a:r>
+                        <a:rPr lang="en-US" sz="1200" b="0" dirty="0">
+                          <a:solidFill>
+                            <a:schemeClr val="tx1"/>
+                          </a:solidFill>
+                        </a:rPr>
+                        <a:t>Patient_2</a:t>
+                      </a:r>
+                    </a:p>
+                  </a:txBody>
+                  <a:tcPr anchor="ctr">
+                    <a:lnL w="12700" cap="flat" cmpd="sng" algn="ctr">
+                      <a:solidFill>
+                        <a:schemeClr val="tx1"/>
+                      </a:solidFill>
+                      <a:prstDash val="solid"/>
+                      <a:round/>
+                      <a:headEnd type="none" w="med" len="med"/>
+                      <a:tailEnd type="none" w="med" len="med"/>
+                    </a:lnL>
+                    <a:lnR w="12700" cap="flat" cmpd="sng" algn="ctr">
+                      <a:solidFill>
+                        <a:schemeClr val="tx1"/>
+                      </a:solidFill>
+                      <a:prstDash val="solid"/>
+                      <a:round/>
+                      <a:headEnd type="none" w="med" len="med"/>
+                      <a:tailEnd type="none" w="med" len="med"/>
+                    </a:lnR>
+                    <a:lnT w="12700" cap="flat" cmpd="sng" algn="ctr">
+                      <a:solidFill>
+                        <a:schemeClr val="tx1"/>
+                      </a:solidFill>
+                      <a:prstDash val="solid"/>
+                      <a:round/>
+                      <a:headEnd type="none" w="med" len="med"/>
+                      <a:tailEnd type="none" w="med" len="med"/>
+                    </a:lnT>
+                    <a:lnB w="12700" cap="flat" cmpd="sng" algn="ctr">
+                      <a:solidFill>
+                        <a:schemeClr val="tx1"/>
+                      </a:solidFill>
+                      <a:prstDash val="solid"/>
+                      <a:round/>
+                      <a:headEnd type="none" w="med" len="med"/>
+                      <a:tailEnd type="none" w="med" len="med"/>
+                    </a:lnB>
+                    <a:solidFill>
+                      <a:schemeClr val="bg1"/>
+                    </a:solidFill>
+                  </a:tcPr>
+                </a:tc>
+                <a:tc>
+                  <a:txBody>
+                    <a:bodyPr/>
+                    <a:lstStyle/>
+                    <a:p>
+                      <a:pPr marL="0" marR="0" lvl="0" indent="0" algn="ctr" defTabSz="914400" rtl="0" eaLnBrk="1" fontAlgn="auto" latinLnBrk="0" hangingPunct="1">
+                        <a:lnSpc>
+                          <a:spcPct val="100000"/>
+                        </a:lnSpc>
+                        <a:spcBef>
+                          <a:spcPts val="0"/>
+                        </a:spcBef>
+                        <a:spcAft>
+                          <a:spcPts val="0"/>
+                        </a:spcAft>
+                        <a:buClrTx/>
+                        <a:buSzTx/>
+                        <a:buFontTx/>
+                        <a:buNone/>
+                        <a:tabLst/>
+                        <a:defRPr/>
+                      </a:pPr>
+                      <a:r>
+                        <a:rPr lang="en-US" sz="1200" b="0" dirty="0">
+                          <a:solidFill>
+                            <a:schemeClr val="tx1"/>
+                          </a:solidFill>
+                        </a:rPr>
+                        <a:t>Patient_3</a:t>
+                      </a:r>
+                    </a:p>
+                  </a:txBody>
+                  <a:tcPr anchor="ctr">
+                    <a:lnL w="12700" cap="flat" cmpd="sng" algn="ctr">
+                      <a:solidFill>
+                        <a:schemeClr val="tx1"/>
+                      </a:solidFill>
+                      <a:prstDash val="solid"/>
+                      <a:round/>
+                      <a:headEnd type="none" w="med" len="med"/>
+                      <a:tailEnd type="none" w="med" len="med"/>
+                    </a:lnL>
+                    <a:lnR w="12700" cap="flat" cmpd="sng" algn="ctr">
+                      <a:solidFill>
+                        <a:schemeClr val="tx1"/>
+                      </a:solidFill>
+                      <a:prstDash val="solid"/>
+                      <a:round/>
+                      <a:headEnd type="none" w="med" len="med"/>
+                      <a:tailEnd type="none" w="med" len="med"/>
+                    </a:lnR>
+                    <a:lnT w="12700" cap="flat" cmpd="sng" algn="ctr">
+                      <a:solidFill>
+                        <a:schemeClr val="tx1"/>
+                      </a:solidFill>
+                      <a:prstDash val="solid"/>
+                      <a:round/>
+                      <a:headEnd type="none" w="med" len="med"/>
+                      <a:tailEnd type="none" w="med" len="med"/>
+                    </a:lnT>
+                    <a:lnB w="12700" cap="flat" cmpd="sng" algn="ctr">
+                      <a:solidFill>
+                        <a:schemeClr val="tx1"/>
+                      </a:solidFill>
+                      <a:prstDash val="solid"/>
+                      <a:round/>
+                      <a:headEnd type="none" w="med" len="med"/>
+                      <a:tailEnd type="none" w="med" len="med"/>
+                    </a:lnB>
+                    <a:solidFill>
+                      <a:schemeClr val="bg1"/>
+                    </a:solidFill>
+                  </a:tcPr>
+                </a:tc>
+                <a:tc>
+                  <a:txBody>
+                    <a:bodyPr/>
+                    <a:lstStyle/>
+                    <a:p>
+                      <a:pPr marL="0" marR="0" lvl="0" indent="0" algn="ctr" defTabSz="914400" rtl="0" eaLnBrk="1" fontAlgn="auto" latinLnBrk="0" hangingPunct="1">
+                        <a:lnSpc>
+                          <a:spcPct val="100000"/>
+                        </a:lnSpc>
+                        <a:spcBef>
+                          <a:spcPts val="0"/>
+                        </a:spcBef>
+                        <a:spcAft>
+                          <a:spcPts val="0"/>
+                        </a:spcAft>
+                        <a:buClrTx/>
+                        <a:buSzTx/>
+                        <a:buFontTx/>
+                        <a:buNone/>
+                        <a:tabLst/>
+                        <a:defRPr/>
+                      </a:pPr>
+                      <a:r>
+                        <a:rPr lang="en-US" sz="1200" b="0" dirty="0">
+                          <a:solidFill>
+                            <a:schemeClr val="tx1"/>
+                          </a:solidFill>
+                        </a:rPr>
+                        <a:t>Patient_4</a:t>
+                      </a:r>
+                    </a:p>
+                  </a:txBody>
+                  <a:tcPr anchor="ctr">
+                    <a:lnL w="12700" cap="flat" cmpd="sng" algn="ctr">
+                      <a:solidFill>
+                        <a:schemeClr val="tx1"/>
+                      </a:solidFill>
+                      <a:prstDash val="solid"/>
+                      <a:round/>
+                      <a:headEnd type="none" w="med" len="med"/>
+                      <a:tailEnd type="none" w="med" len="med"/>
+                    </a:lnL>
+                    <a:lnR w="12700" cap="flat" cmpd="sng" algn="ctr">
+                      <a:solidFill>
+                        <a:schemeClr val="tx1"/>
+                      </a:solidFill>
+                      <a:prstDash val="solid"/>
+                      <a:round/>
+                      <a:headEnd type="none" w="med" len="med"/>
+                      <a:tailEnd type="none" w="med" len="med"/>
+                    </a:lnR>
+                    <a:lnT w="12700" cap="flat" cmpd="sng" algn="ctr">
+                      <a:solidFill>
+                        <a:schemeClr val="tx1"/>
+                      </a:solidFill>
+                      <a:prstDash val="solid"/>
+                      <a:round/>
+                      <a:headEnd type="none" w="med" len="med"/>
+                      <a:tailEnd type="none" w="med" len="med"/>
+                    </a:lnT>
+                    <a:lnB w="12700" cap="flat" cmpd="sng" algn="ctr">
+                      <a:solidFill>
+                        <a:schemeClr val="tx1"/>
+                      </a:solidFill>
+                      <a:prstDash val="solid"/>
+                      <a:round/>
+                      <a:headEnd type="none" w="med" len="med"/>
+                      <a:tailEnd type="none" w="med" len="med"/>
+                    </a:lnB>
+                    <a:solidFill>
+                      <a:schemeClr val="bg1"/>
+                    </a:solidFill>
+                  </a:tcPr>
+                </a:tc>
+                <a:extLst>
+                  <a:ext uri="{0D108BD9-81ED-4DB2-BD59-A6C34878D82A}">
+                    <a16:rowId xmlns:a16="http://schemas.microsoft.com/office/drawing/2014/main" val="3358250160"/>
+                  </a:ext>
+                </a:extLst>
+              </a:tr>
+              <a:tr h="464298">
+                <a:tc>
+                  <a:txBody>
+                    <a:bodyPr/>
+                    <a:lstStyle/>
+                    <a:p>
+                      <a:pPr algn="ctr"/>
+                      <a:r>
+                        <a:rPr lang="en-US" sz="1200" dirty="0"/>
+                        <a:t>Donor_1</a:t>
+                      </a:r>
+                    </a:p>
+                  </a:txBody>
+                  <a:tcPr anchor="ctr">
+                    <a:lnL w="12700" cap="flat" cmpd="sng" algn="ctr">
+                      <a:solidFill>
+                        <a:schemeClr val="tx1"/>
+                      </a:solidFill>
+                      <a:prstDash val="solid"/>
+                      <a:round/>
+                      <a:headEnd type="none" w="med" len="med"/>
+                      <a:tailEnd type="none" w="med" len="med"/>
+                    </a:lnL>
+                    <a:lnR w="12700" cap="flat" cmpd="sng" algn="ctr">
+                      <a:solidFill>
+                        <a:schemeClr val="tx1"/>
+                      </a:solidFill>
+                      <a:prstDash val="solid"/>
+                      <a:round/>
+                      <a:headEnd type="none" w="med" len="med"/>
+                      <a:tailEnd type="none" w="med" len="med"/>
+                    </a:lnR>
+                    <a:lnT w="12700" cap="flat" cmpd="sng" algn="ctr">
+                      <a:solidFill>
+                        <a:schemeClr val="tx1"/>
+                      </a:solidFill>
+                      <a:prstDash val="solid"/>
+                      <a:round/>
+                      <a:headEnd type="none" w="med" len="med"/>
+                      <a:tailEnd type="none" w="med" len="med"/>
+                    </a:lnT>
+                    <a:lnB w="12700" cap="flat" cmpd="sng" algn="ctr">
+                      <a:solidFill>
+                        <a:schemeClr val="tx1"/>
+                      </a:solidFill>
+                      <a:prstDash val="solid"/>
+                      <a:round/>
+                      <a:headEnd type="none" w="med" len="med"/>
+                      <a:tailEnd type="none" w="med" len="med"/>
+                    </a:lnB>
+                    <a:solidFill>
+                      <a:schemeClr val="bg1"/>
+                    </a:solidFill>
+                  </a:tcPr>
+                </a:tc>
+                <a:tc>
+                  <a:txBody>
+                    <a:bodyPr/>
+                    <a:lstStyle/>
+                    <a:p>
+                      <a:pPr marL="0" marR="0" lvl="0" indent="0" algn="ctr" defTabSz="914400" rtl="0" eaLnBrk="1" fontAlgn="auto" latinLnBrk="0" hangingPunct="1">
+                        <a:lnSpc>
+                          <a:spcPct val="100000"/>
+                        </a:lnSpc>
+                        <a:spcBef>
+                          <a:spcPts val="0"/>
+                        </a:spcBef>
+                        <a:spcAft>
+                          <a:spcPts val="0"/>
+                        </a:spcAft>
+                        <a:buClrTx/>
+                        <a:buSzTx/>
+                        <a:buFontTx/>
+                        <a:buNone/>
+                        <a:tabLst/>
+                        <a:defRPr/>
+                      </a:pPr>
+                      <a:r>
+                        <a:rPr lang="en-US" sz="1200" dirty="0">
+                          <a:effectLst/>
+                        </a:rPr>
+                        <a:t>82</a:t>
+                      </a:r>
+                    </a:p>
+                  </a:txBody>
+                  <a:tcPr anchor="ctr">
+                    <a:lnL w="12700" cap="flat" cmpd="sng" algn="ctr">
+                      <a:solidFill>
+                        <a:schemeClr val="tx1"/>
+                      </a:solidFill>
+                      <a:prstDash val="solid"/>
+                      <a:round/>
+                      <a:headEnd type="none" w="med" len="med"/>
+                      <a:tailEnd type="none" w="med" len="med"/>
+                    </a:lnL>
+                    <a:lnR w="12700" cap="flat" cmpd="sng" algn="ctr">
+                      <a:solidFill>
+                        <a:schemeClr val="tx1"/>
+                      </a:solidFill>
+                      <a:prstDash val="solid"/>
+                      <a:round/>
+                      <a:headEnd type="none" w="med" len="med"/>
+                      <a:tailEnd type="none" w="med" len="med"/>
+                    </a:lnR>
+                    <a:lnT w="12700" cap="flat" cmpd="sng" algn="ctr">
+                      <a:solidFill>
+                        <a:schemeClr val="tx1"/>
+                      </a:solidFill>
+                      <a:prstDash val="solid"/>
+                      <a:round/>
+                      <a:headEnd type="none" w="med" len="med"/>
+                      <a:tailEnd type="none" w="med" len="med"/>
+                    </a:lnT>
+                    <a:lnB w="12700" cap="flat" cmpd="sng" algn="ctr">
+                      <a:solidFill>
+                        <a:schemeClr val="tx1"/>
+                      </a:solidFill>
+                      <a:prstDash val="solid"/>
+                      <a:round/>
+                      <a:headEnd type="none" w="med" len="med"/>
+                      <a:tailEnd type="none" w="med" len="med"/>
+                    </a:lnB>
+                    <a:solidFill>
+                      <a:schemeClr val="bg1"/>
+                    </a:solidFill>
+                  </a:tcPr>
+                </a:tc>
+                <a:tc>
+                  <a:txBody>
+                    <a:bodyPr/>
+                    <a:lstStyle/>
+                    <a:p>
+                      <a:pPr algn="ctr" fontAlgn="t"/>
+                      <a:r>
+                        <a:rPr lang="en-US" sz="1200" dirty="0">
+                          <a:effectLst/>
+                        </a:rPr>
+                        <a:t>83</a:t>
+                      </a:r>
+                    </a:p>
+                  </a:txBody>
+                  <a:tcPr anchor="ctr">
+                    <a:lnL w="12700" cap="flat" cmpd="sng" algn="ctr">
+                      <a:solidFill>
+                        <a:schemeClr val="tx1"/>
+                      </a:solidFill>
+                      <a:prstDash val="solid"/>
+                      <a:round/>
+                      <a:headEnd type="none" w="med" len="med"/>
+                      <a:tailEnd type="none" w="med" len="med"/>
+                    </a:lnL>
+                    <a:lnR w="12700" cap="flat" cmpd="sng" algn="ctr">
+                      <a:solidFill>
+                        <a:schemeClr val="tx1"/>
+                      </a:solidFill>
+                      <a:prstDash val="solid"/>
+                      <a:round/>
+                      <a:headEnd type="none" w="med" len="med"/>
+                      <a:tailEnd type="none" w="med" len="med"/>
+                    </a:lnR>
+                    <a:lnT w="12700" cap="flat" cmpd="sng" algn="ctr">
+                      <a:solidFill>
+                        <a:schemeClr val="tx1"/>
+                      </a:solidFill>
+                      <a:prstDash val="solid"/>
+                      <a:round/>
+                      <a:headEnd type="none" w="med" len="med"/>
+                      <a:tailEnd type="none" w="med" len="med"/>
+                    </a:lnT>
+                    <a:lnB w="12700" cap="flat" cmpd="sng" algn="ctr">
+                      <a:solidFill>
+                        <a:schemeClr val="tx1"/>
+                      </a:solidFill>
+                      <a:prstDash val="solid"/>
+                      <a:round/>
+                      <a:headEnd type="none" w="med" len="med"/>
+                      <a:tailEnd type="none" w="med" len="med"/>
+                    </a:lnB>
+                    <a:solidFill>
+                      <a:schemeClr val="bg1"/>
+                    </a:solidFill>
+                  </a:tcPr>
+                </a:tc>
+                <a:tc>
+                  <a:txBody>
+                    <a:bodyPr/>
+                    <a:lstStyle/>
+                    <a:p>
+                      <a:pPr algn="ctr" fontAlgn="t"/>
+                      <a:r>
+                        <a:rPr lang="en-US" sz="1200" dirty="0">
+                          <a:effectLst/>
+                        </a:rPr>
+                        <a:t>69</a:t>
+                      </a:r>
+                    </a:p>
+                  </a:txBody>
+                  <a:tcPr anchor="ctr">
+                    <a:lnL w="12700" cap="flat" cmpd="sng" algn="ctr">
+                      <a:solidFill>
+                        <a:schemeClr val="tx1"/>
+                      </a:solidFill>
+                      <a:prstDash val="solid"/>
+                      <a:round/>
+                      <a:headEnd type="none" w="med" len="med"/>
+                      <a:tailEnd type="none" w="med" len="med"/>
+                    </a:lnL>
+                    <a:lnR w="12700" cap="flat" cmpd="sng" algn="ctr">
+                      <a:solidFill>
+                        <a:schemeClr val="tx1"/>
+                      </a:solidFill>
+                      <a:prstDash val="solid"/>
+                      <a:round/>
+                      <a:headEnd type="none" w="med" len="med"/>
+                      <a:tailEnd type="none" w="med" len="med"/>
+                    </a:lnR>
+                    <a:lnT w="12700" cap="flat" cmpd="sng" algn="ctr">
+                      <a:solidFill>
+                        <a:schemeClr val="tx1"/>
+                      </a:solidFill>
+                      <a:prstDash val="solid"/>
+                      <a:round/>
+                      <a:headEnd type="none" w="med" len="med"/>
+                      <a:tailEnd type="none" w="med" len="med"/>
+                    </a:lnT>
+                    <a:lnB w="12700" cap="flat" cmpd="sng" algn="ctr">
+                      <a:solidFill>
+                        <a:schemeClr val="tx1"/>
+                      </a:solidFill>
+                      <a:prstDash val="solid"/>
+                      <a:round/>
+                      <a:headEnd type="none" w="med" len="med"/>
+                      <a:tailEnd type="none" w="med" len="med"/>
+                    </a:lnB>
+                    <a:solidFill>
+                      <a:schemeClr val="bg1"/>
+                    </a:solidFill>
+                  </a:tcPr>
+                </a:tc>
+                <a:tc>
+                  <a:txBody>
+                    <a:bodyPr/>
+                    <a:lstStyle/>
+                    <a:p>
+                      <a:pPr algn="ctr" fontAlgn="t"/>
+                      <a:r>
+                        <a:rPr lang="en-US" sz="1200" dirty="0">
+                          <a:effectLst/>
+                        </a:rPr>
+                        <a:t>92</a:t>
+                      </a:r>
+                    </a:p>
+                  </a:txBody>
+                  <a:tcPr anchor="ctr">
+                    <a:lnL w="12700" cap="flat" cmpd="sng" algn="ctr">
+                      <a:solidFill>
+                        <a:schemeClr val="tx1"/>
+                      </a:solidFill>
+                      <a:prstDash val="solid"/>
+                      <a:round/>
+                      <a:headEnd type="none" w="med" len="med"/>
+                      <a:tailEnd type="none" w="med" len="med"/>
+                    </a:lnL>
+                    <a:lnR w="12700" cap="flat" cmpd="sng" algn="ctr">
+                      <a:solidFill>
+                        <a:schemeClr val="tx1"/>
+                      </a:solidFill>
+                      <a:prstDash val="solid"/>
+                      <a:round/>
+                      <a:headEnd type="none" w="med" len="med"/>
+                      <a:tailEnd type="none" w="med" len="med"/>
+                    </a:lnR>
+                    <a:lnT w="12700" cap="flat" cmpd="sng" algn="ctr">
+                      <a:solidFill>
+                        <a:schemeClr val="tx1"/>
+                      </a:solidFill>
+                      <a:prstDash val="solid"/>
+                      <a:round/>
+                      <a:headEnd type="none" w="med" len="med"/>
+                      <a:tailEnd type="none" w="med" len="med"/>
+                    </a:lnT>
+                    <a:lnB w="12700" cap="flat" cmpd="sng" algn="ctr">
+                      <a:solidFill>
+                        <a:schemeClr val="tx1"/>
+                      </a:solidFill>
+                      <a:prstDash val="solid"/>
+                      <a:round/>
+                      <a:headEnd type="none" w="med" len="med"/>
+                      <a:tailEnd type="none" w="med" len="med"/>
+                    </a:lnB>
+                    <a:solidFill>
+                      <a:srgbClr val="33CCFF"/>
+                    </a:solidFill>
+                  </a:tcPr>
+                </a:tc>
+                <a:extLst>
+                  <a:ext uri="{0D108BD9-81ED-4DB2-BD59-A6C34878D82A}">
+                    <a16:rowId xmlns:a16="http://schemas.microsoft.com/office/drawing/2014/main" val="232487972"/>
+                  </a:ext>
+                </a:extLst>
+              </a:tr>
+              <a:tr h="464298">
+                <a:tc>
+                  <a:txBody>
+                    <a:bodyPr/>
+                    <a:lstStyle/>
+                    <a:p>
+                      <a:pPr marL="0" marR="0" lvl="0" indent="0" algn="ctr" defTabSz="914400" rtl="0" eaLnBrk="1" fontAlgn="auto" latinLnBrk="0" hangingPunct="1">
+                        <a:lnSpc>
+                          <a:spcPct val="100000"/>
+                        </a:lnSpc>
+                        <a:spcBef>
+                          <a:spcPts val="0"/>
+                        </a:spcBef>
+                        <a:spcAft>
+                          <a:spcPts val="0"/>
+                        </a:spcAft>
+                        <a:buClrTx/>
+                        <a:buSzTx/>
+                        <a:buFontTx/>
+                        <a:buNone/>
+                        <a:tabLst/>
+                        <a:defRPr/>
+                      </a:pPr>
+                      <a:r>
+                        <a:rPr lang="en-US" sz="1200" dirty="0"/>
+                        <a:t>Donor_2</a:t>
+                      </a:r>
+                    </a:p>
+                  </a:txBody>
+                  <a:tcPr anchor="ctr">
+                    <a:lnL w="12700" cap="flat" cmpd="sng" algn="ctr">
+                      <a:solidFill>
+                        <a:schemeClr val="tx1"/>
+                      </a:solidFill>
+                      <a:prstDash val="solid"/>
+                      <a:round/>
+                      <a:headEnd type="none" w="med" len="med"/>
+                      <a:tailEnd type="none" w="med" len="med"/>
+                    </a:lnL>
+                    <a:lnR w="12700" cap="flat" cmpd="sng" algn="ctr">
+                      <a:solidFill>
+                        <a:schemeClr val="tx1"/>
+                      </a:solidFill>
+                      <a:prstDash val="solid"/>
+                      <a:round/>
+                      <a:headEnd type="none" w="med" len="med"/>
+                      <a:tailEnd type="none" w="med" len="med"/>
+                    </a:lnR>
+                    <a:lnT w="12700" cap="flat" cmpd="sng" algn="ctr">
+                      <a:solidFill>
+                        <a:schemeClr val="tx1"/>
+                      </a:solidFill>
+                      <a:prstDash val="solid"/>
+                      <a:round/>
+                      <a:headEnd type="none" w="med" len="med"/>
+                      <a:tailEnd type="none" w="med" len="med"/>
+                    </a:lnT>
+                    <a:lnB w="12700" cap="flat" cmpd="sng" algn="ctr">
+                      <a:solidFill>
+                        <a:schemeClr val="tx1"/>
+                      </a:solidFill>
+                      <a:prstDash val="solid"/>
+                      <a:round/>
+                      <a:headEnd type="none" w="med" len="med"/>
+                      <a:tailEnd type="none" w="med" len="med"/>
+                    </a:lnB>
+                    <a:solidFill>
+                      <a:schemeClr val="bg1"/>
+                    </a:solidFill>
+                  </a:tcPr>
+                </a:tc>
+                <a:tc>
+                  <a:txBody>
+                    <a:bodyPr/>
+                    <a:lstStyle/>
+                    <a:p>
+                      <a:pPr algn="ctr" fontAlgn="t"/>
+                      <a:r>
+                        <a:rPr lang="en-US" sz="1200" dirty="0">
+                          <a:effectLst/>
+                        </a:rPr>
+                        <a:t>77</a:t>
+                      </a:r>
+                    </a:p>
+                  </a:txBody>
+                  <a:tcPr anchor="ctr">
+                    <a:lnL w="12700" cap="flat" cmpd="sng" algn="ctr">
+                      <a:solidFill>
+                        <a:schemeClr val="tx1"/>
+                      </a:solidFill>
+                      <a:prstDash val="solid"/>
+                      <a:round/>
+                      <a:headEnd type="none" w="med" len="med"/>
+                      <a:tailEnd type="none" w="med" len="med"/>
+                    </a:lnL>
+                    <a:lnR w="12700" cap="flat" cmpd="sng" algn="ctr">
+                      <a:solidFill>
+                        <a:schemeClr val="tx1"/>
+                      </a:solidFill>
+                      <a:prstDash val="solid"/>
+                      <a:round/>
+                      <a:headEnd type="none" w="med" len="med"/>
+                      <a:tailEnd type="none" w="med" len="med"/>
+                    </a:lnR>
+                    <a:lnT w="12700" cap="flat" cmpd="sng" algn="ctr">
+                      <a:solidFill>
+                        <a:schemeClr val="tx1"/>
+                      </a:solidFill>
+                      <a:prstDash val="solid"/>
+                      <a:round/>
+                      <a:headEnd type="none" w="med" len="med"/>
+                      <a:tailEnd type="none" w="med" len="med"/>
+                    </a:lnT>
+                    <a:lnB w="12700" cap="flat" cmpd="sng" algn="ctr">
+                      <a:solidFill>
+                        <a:schemeClr val="tx1"/>
+                      </a:solidFill>
+                      <a:prstDash val="solid"/>
+                      <a:round/>
+                      <a:headEnd type="none" w="med" len="med"/>
+                      <a:tailEnd type="none" w="med" len="med"/>
+                    </a:lnB>
+                    <a:solidFill>
+                      <a:srgbClr val="33CCFF"/>
+                    </a:solidFill>
+                  </a:tcPr>
+                </a:tc>
+                <a:tc>
+                  <a:txBody>
+                    <a:bodyPr/>
+                    <a:lstStyle/>
+                    <a:p>
+                      <a:pPr algn="ctr" fontAlgn="t"/>
+                      <a:r>
+                        <a:rPr lang="en-US" sz="1200" dirty="0">
+                          <a:effectLst/>
+                        </a:rPr>
+                        <a:t>37</a:t>
+                      </a:r>
+                    </a:p>
+                  </a:txBody>
+                  <a:tcPr anchor="ctr">
+                    <a:lnL w="12700" cap="flat" cmpd="sng" algn="ctr">
+                      <a:solidFill>
+                        <a:schemeClr val="tx1"/>
+                      </a:solidFill>
+                      <a:prstDash val="solid"/>
+                      <a:round/>
+                      <a:headEnd type="none" w="med" len="med"/>
+                      <a:tailEnd type="none" w="med" len="med"/>
+                    </a:lnL>
+                    <a:lnR w="12700" cap="flat" cmpd="sng" algn="ctr">
+                      <a:solidFill>
+                        <a:schemeClr val="tx1"/>
+                      </a:solidFill>
+                      <a:prstDash val="solid"/>
+                      <a:round/>
+                      <a:headEnd type="none" w="med" len="med"/>
+                      <a:tailEnd type="none" w="med" len="med"/>
+                    </a:lnR>
+                    <a:lnT w="12700" cap="flat" cmpd="sng" algn="ctr">
+                      <a:solidFill>
+                        <a:schemeClr val="tx1"/>
+                      </a:solidFill>
+                      <a:prstDash val="solid"/>
+                      <a:round/>
+                      <a:headEnd type="none" w="med" len="med"/>
+                      <a:tailEnd type="none" w="med" len="med"/>
+                    </a:lnT>
+                    <a:lnB w="12700" cap="flat" cmpd="sng" algn="ctr">
+                      <a:solidFill>
+                        <a:schemeClr val="tx1"/>
+                      </a:solidFill>
+                      <a:prstDash val="solid"/>
+                      <a:round/>
+                      <a:headEnd type="none" w="med" len="med"/>
+                      <a:tailEnd type="none" w="med" len="med"/>
+                    </a:lnB>
+                    <a:solidFill>
+                      <a:schemeClr val="bg1"/>
+                    </a:solidFill>
+                  </a:tcPr>
+                </a:tc>
+                <a:tc>
+                  <a:txBody>
+                    <a:bodyPr/>
+                    <a:lstStyle/>
+                    <a:p>
+                      <a:pPr algn="ctr" fontAlgn="t"/>
+                      <a:r>
+                        <a:rPr lang="en-US" sz="1200" dirty="0">
+                          <a:effectLst/>
+                        </a:rPr>
+                        <a:t>49</a:t>
+                      </a:r>
+                    </a:p>
+                  </a:txBody>
+                  <a:tcPr anchor="ctr">
+                    <a:lnL w="12700" cap="flat" cmpd="sng" algn="ctr">
+                      <a:solidFill>
+                        <a:schemeClr val="tx1"/>
+                      </a:solidFill>
+                      <a:prstDash val="solid"/>
+                      <a:round/>
+                      <a:headEnd type="none" w="med" len="med"/>
+                      <a:tailEnd type="none" w="med" len="med"/>
+                    </a:lnL>
+                    <a:lnR w="12700" cap="flat" cmpd="sng" algn="ctr">
+                      <a:solidFill>
+                        <a:schemeClr val="tx1"/>
+                      </a:solidFill>
+                      <a:prstDash val="solid"/>
+                      <a:round/>
+                      <a:headEnd type="none" w="med" len="med"/>
+                      <a:tailEnd type="none" w="med" len="med"/>
+                    </a:lnR>
+                    <a:lnT w="12700" cap="flat" cmpd="sng" algn="ctr">
+                      <a:solidFill>
+                        <a:schemeClr val="tx1"/>
+                      </a:solidFill>
+                      <a:prstDash val="solid"/>
+                      <a:round/>
+                      <a:headEnd type="none" w="med" len="med"/>
+                      <a:tailEnd type="none" w="med" len="med"/>
+                    </a:lnT>
+                    <a:lnB w="12700" cap="flat" cmpd="sng" algn="ctr">
+                      <a:solidFill>
+                        <a:schemeClr val="tx1"/>
+                      </a:solidFill>
+                      <a:prstDash val="solid"/>
+                      <a:round/>
+                      <a:headEnd type="none" w="med" len="med"/>
+                      <a:tailEnd type="none" w="med" len="med"/>
+                    </a:lnB>
+                    <a:solidFill>
+                      <a:schemeClr val="bg1"/>
+                    </a:solidFill>
+                  </a:tcPr>
+                </a:tc>
+                <a:tc>
+                  <a:txBody>
+                    <a:bodyPr/>
+                    <a:lstStyle/>
+                    <a:p>
+                      <a:pPr algn="ctr" fontAlgn="t"/>
+                      <a:r>
+                        <a:rPr lang="en-US" sz="1200" b="0" i="0" dirty="0">
+                          <a:solidFill>
+                            <a:srgbClr val="000000"/>
+                          </a:solidFill>
+                          <a:effectLst/>
+                          <a:latin typeface="Roboto" panose="02000000000000000000" pitchFamily="2" charset="0"/>
+                        </a:rPr>
+                        <a:t>∞</a:t>
+                      </a:r>
+                      <a:endParaRPr lang="en-US" sz="1200" dirty="0">
+                        <a:effectLst/>
+                      </a:endParaRPr>
+                    </a:p>
+                  </a:txBody>
+                  <a:tcPr anchor="ctr">
+                    <a:lnL w="12700" cap="flat" cmpd="sng" algn="ctr">
+                      <a:solidFill>
+                        <a:schemeClr val="tx1"/>
+                      </a:solidFill>
+                      <a:prstDash val="solid"/>
+                      <a:round/>
+                      <a:headEnd type="none" w="med" len="med"/>
+                      <a:tailEnd type="none" w="med" len="med"/>
+                    </a:lnL>
+                    <a:lnR w="12700" cap="flat" cmpd="sng" algn="ctr">
+                      <a:solidFill>
+                        <a:schemeClr val="tx1"/>
+                      </a:solidFill>
+                      <a:prstDash val="solid"/>
+                      <a:round/>
+                      <a:headEnd type="none" w="med" len="med"/>
+                      <a:tailEnd type="none" w="med" len="med"/>
+                    </a:lnR>
+                    <a:lnT w="12700" cap="flat" cmpd="sng" algn="ctr">
+                      <a:solidFill>
+                        <a:schemeClr val="tx1"/>
+                      </a:solidFill>
+                      <a:prstDash val="solid"/>
+                      <a:round/>
+                      <a:headEnd type="none" w="med" len="med"/>
+                      <a:tailEnd type="none" w="med" len="med"/>
+                    </a:lnT>
+                    <a:lnB w="12700" cap="flat" cmpd="sng" algn="ctr">
+                      <a:solidFill>
+                        <a:schemeClr val="tx1"/>
+                      </a:solidFill>
+                      <a:prstDash val="solid"/>
+                      <a:round/>
+                      <a:headEnd type="none" w="med" len="med"/>
+                      <a:tailEnd type="none" w="med" len="med"/>
+                    </a:lnB>
+                    <a:solidFill>
+                      <a:schemeClr val="bg1"/>
+                    </a:solidFill>
+                  </a:tcPr>
+                </a:tc>
+                <a:extLst>
+                  <a:ext uri="{0D108BD9-81ED-4DB2-BD59-A6C34878D82A}">
+                    <a16:rowId xmlns:a16="http://schemas.microsoft.com/office/drawing/2014/main" val="3739604332"/>
+                  </a:ext>
+                </a:extLst>
+              </a:tr>
+              <a:tr h="464298">
+                <a:tc>
+                  <a:txBody>
+                    <a:bodyPr/>
+                    <a:lstStyle/>
+                    <a:p>
+                      <a:pPr marL="0" marR="0" lvl="0" indent="0" algn="ctr" defTabSz="914400" rtl="0" eaLnBrk="1" fontAlgn="auto" latinLnBrk="0" hangingPunct="1">
+                        <a:lnSpc>
+                          <a:spcPct val="100000"/>
+                        </a:lnSpc>
+                        <a:spcBef>
+                          <a:spcPts val="0"/>
+                        </a:spcBef>
+                        <a:spcAft>
+                          <a:spcPts val="0"/>
+                        </a:spcAft>
+                        <a:buClrTx/>
+                        <a:buSzTx/>
+                        <a:buFontTx/>
+                        <a:buNone/>
+                        <a:tabLst/>
+                        <a:defRPr/>
+                      </a:pPr>
+                      <a:r>
+                        <a:rPr lang="en-US" sz="1200" dirty="0"/>
+                        <a:t>Donor_3</a:t>
+                      </a:r>
+                    </a:p>
+                  </a:txBody>
+                  <a:tcPr anchor="ctr">
+                    <a:lnL w="12700" cap="flat" cmpd="sng" algn="ctr">
+                      <a:solidFill>
+                        <a:schemeClr val="tx1"/>
+                      </a:solidFill>
+                      <a:prstDash val="solid"/>
+                      <a:round/>
+                      <a:headEnd type="none" w="med" len="med"/>
+                      <a:tailEnd type="none" w="med" len="med"/>
+                    </a:lnL>
+                    <a:lnR w="12700" cap="flat" cmpd="sng" algn="ctr">
+                      <a:solidFill>
+                        <a:schemeClr val="tx1"/>
+                      </a:solidFill>
+                      <a:prstDash val="solid"/>
+                      <a:round/>
+                      <a:headEnd type="none" w="med" len="med"/>
+                      <a:tailEnd type="none" w="med" len="med"/>
+                    </a:lnR>
+                    <a:lnT w="12700" cap="flat" cmpd="sng" algn="ctr">
+                      <a:solidFill>
+                        <a:schemeClr val="tx1"/>
+                      </a:solidFill>
+                      <a:prstDash val="solid"/>
+                      <a:round/>
+                      <a:headEnd type="none" w="med" len="med"/>
+                      <a:tailEnd type="none" w="med" len="med"/>
+                    </a:lnT>
+                    <a:lnB w="12700" cap="flat" cmpd="sng" algn="ctr">
+                      <a:solidFill>
+                        <a:schemeClr val="tx1"/>
+                      </a:solidFill>
+                      <a:prstDash val="solid"/>
+                      <a:round/>
+                      <a:headEnd type="none" w="med" len="med"/>
+                      <a:tailEnd type="none" w="med" len="med"/>
+                    </a:lnB>
+                    <a:solidFill>
+                      <a:schemeClr val="bg1"/>
+                    </a:solidFill>
+                  </a:tcPr>
+                </a:tc>
+                <a:tc>
+                  <a:txBody>
+                    <a:bodyPr/>
+                    <a:lstStyle/>
+                    <a:p>
+                      <a:pPr algn="ctr" fontAlgn="t"/>
+                      <a:r>
+                        <a:rPr lang="en-US" sz="1200">
+                          <a:effectLst/>
+                        </a:rPr>
+                        <a:t>11</a:t>
+                      </a:r>
+                    </a:p>
+                  </a:txBody>
+                  <a:tcPr anchor="ctr">
+                    <a:lnL w="12700" cap="flat" cmpd="sng" algn="ctr">
+                      <a:solidFill>
+                        <a:schemeClr val="tx1"/>
+                      </a:solidFill>
+                      <a:prstDash val="solid"/>
+                      <a:round/>
+                      <a:headEnd type="none" w="med" len="med"/>
+                      <a:tailEnd type="none" w="med" len="med"/>
+                    </a:lnL>
+                    <a:lnR w="12700" cap="flat" cmpd="sng" algn="ctr">
+                      <a:solidFill>
+                        <a:schemeClr val="tx1"/>
+                      </a:solidFill>
+                      <a:prstDash val="solid"/>
+                      <a:round/>
+                      <a:headEnd type="none" w="med" len="med"/>
+                      <a:tailEnd type="none" w="med" len="med"/>
+                    </a:lnR>
+                    <a:lnT w="12700" cap="flat" cmpd="sng" algn="ctr">
+                      <a:solidFill>
+                        <a:schemeClr val="tx1"/>
+                      </a:solidFill>
+                      <a:prstDash val="solid"/>
+                      <a:round/>
+                      <a:headEnd type="none" w="med" len="med"/>
+                      <a:tailEnd type="none" w="med" len="med"/>
+                    </a:lnT>
+                    <a:lnB w="12700" cap="flat" cmpd="sng" algn="ctr">
+                      <a:solidFill>
+                        <a:schemeClr val="tx1"/>
+                      </a:solidFill>
+                      <a:prstDash val="solid"/>
+                      <a:round/>
+                      <a:headEnd type="none" w="med" len="med"/>
+                      <a:tailEnd type="none" w="med" len="med"/>
+                    </a:lnB>
+                    <a:solidFill>
+                      <a:schemeClr val="bg1"/>
+                    </a:solidFill>
+                  </a:tcPr>
+                </a:tc>
+                <a:tc>
+                  <a:txBody>
+                    <a:bodyPr/>
+                    <a:lstStyle/>
+                    <a:p>
+                      <a:pPr algn="ctr" fontAlgn="t"/>
+                      <a:r>
+                        <a:rPr lang="en-US" sz="1200" dirty="0">
+                          <a:effectLst/>
+                        </a:rPr>
+                        <a:t>69</a:t>
+                      </a:r>
+                    </a:p>
+                  </a:txBody>
+                  <a:tcPr anchor="ctr">
+                    <a:lnL w="12700" cap="flat" cmpd="sng" algn="ctr">
+                      <a:solidFill>
+                        <a:schemeClr val="tx1"/>
+                      </a:solidFill>
+                      <a:prstDash val="solid"/>
+                      <a:round/>
+                      <a:headEnd type="none" w="med" len="med"/>
+                      <a:tailEnd type="none" w="med" len="med"/>
+                    </a:lnL>
+                    <a:lnR w="12700" cap="flat" cmpd="sng" algn="ctr">
+                      <a:solidFill>
+                        <a:schemeClr val="tx1"/>
+                      </a:solidFill>
+                      <a:prstDash val="solid"/>
+                      <a:round/>
+                      <a:headEnd type="none" w="med" len="med"/>
+                      <a:tailEnd type="none" w="med" len="med"/>
+                    </a:lnR>
+                    <a:lnT w="12700" cap="flat" cmpd="sng" algn="ctr">
+                      <a:solidFill>
+                        <a:schemeClr val="tx1"/>
+                      </a:solidFill>
+                      <a:prstDash val="solid"/>
+                      <a:round/>
+                      <a:headEnd type="none" w="med" len="med"/>
+                      <a:tailEnd type="none" w="med" len="med"/>
+                    </a:lnT>
+                    <a:lnB w="12700" cap="flat" cmpd="sng" algn="ctr">
+                      <a:solidFill>
+                        <a:schemeClr val="tx1"/>
+                      </a:solidFill>
+                      <a:prstDash val="solid"/>
+                      <a:round/>
+                      <a:headEnd type="none" w="med" len="med"/>
+                      <a:tailEnd type="none" w="med" len="med"/>
+                    </a:lnB>
+                    <a:solidFill>
+                      <a:schemeClr val="bg1"/>
+                    </a:solidFill>
+                  </a:tcPr>
+                </a:tc>
+                <a:tc>
+                  <a:txBody>
+                    <a:bodyPr/>
+                    <a:lstStyle/>
+                    <a:p>
+                      <a:pPr algn="ctr" fontAlgn="t"/>
+                      <a:r>
+                        <a:rPr lang="en-US" sz="1200" dirty="0">
+                          <a:effectLst/>
+                        </a:rPr>
+                        <a:t>5</a:t>
+                      </a:r>
+                    </a:p>
+                  </a:txBody>
+                  <a:tcPr anchor="ctr">
+                    <a:lnL w="12700" cap="flat" cmpd="sng" algn="ctr">
+                      <a:solidFill>
+                        <a:schemeClr val="tx1"/>
+                      </a:solidFill>
+                      <a:prstDash val="solid"/>
+                      <a:round/>
+                      <a:headEnd type="none" w="med" len="med"/>
+                      <a:tailEnd type="none" w="med" len="med"/>
+                    </a:lnL>
+                    <a:lnR w="12700" cap="flat" cmpd="sng" algn="ctr">
+                      <a:solidFill>
+                        <a:schemeClr val="tx1"/>
+                      </a:solidFill>
+                      <a:prstDash val="solid"/>
+                      <a:round/>
+                      <a:headEnd type="none" w="med" len="med"/>
+                      <a:tailEnd type="none" w="med" len="med"/>
+                    </a:lnR>
+                    <a:lnT w="12700" cap="flat" cmpd="sng" algn="ctr">
+                      <a:solidFill>
+                        <a:schemeClr val="tx1"/>
+                      </a:solidFill>
+                      <a:prstDash val="solid"/>
+                      <a:round/>
+                      <a:headEnd type="none" w="med" len="med"/>
+                      <a:tailEnd type="none" w="med" len="med"/>
+                    </a:lnT>
+                    <a:lnB w="12700" cap="flat" cmpd="sng" algn="ctr">
+                      <a:solidFill>
+                        <a:schemeClr val="tx1"/>
+                      </a:solidFill>
+                      <a:prstDash val="solid"/>
+                      <a:round/>
+                      <a:headEnd type="none" w="med" len="med"/>
+                      <a:tailEnd type="none" w="med" len="med"/>
+                    </a:lnB>
+                    <a:solidFill>
+                      <a:schemeClr val="bg1"/>
+                    </a:solidFill>
+                  </a:tcPr>
+                </a:tc>
+                <a:tc>
+                  <a:txBody>
+                    <a:bodyPr/>
+                    <a:lstStyle/>
+                    <a:p>
+                      <a:pPr algn="ctr" fontAlgn="t"/>
+                      <a:r>
+                        <a:rPr lang="en-US" sz="1200" b="0" i="0" dirty="0">
+                          <a:solidFill>
+                            <a:srgbClr val="000000"/>
+                          </a:solidFill>
+                          <a:effectLst/>
+                          <a:latin typeface="Roboto" panose="02000000000000000000" pitchFamily="2" charset="0"/>
+                        </a:rPr>
+                        <a:t>∞</a:t>
+                      </a:r>
+                      <a:endParaRPr lang="en-US" sz="1200" dirty="0">
+                        <a:effectLst/>
+                      </a:endParaRPr>
+                    </a:p>
+                  </a:txBody>
+                  <a:tcPr anchor="ctr">
+                    <a:lnL w="12700" cap="flat" cmpd="sng" algn="ctr">
+                      <a:solidFill>
+                        <a:schemeClr val="tx1"/>
+                      </a:solidFill>
+                      <a:prstDash val="solid"/>
+                      <a:round/>
+                      <a:headEnd type="none" w="med" len="med"/>
+                      <a:tailEnd type="none" w="med" len="med"/>
+                    </a:lnL>
+                    <a:lnR w="12700" cap="flat" cmpd="sng" algn="ctr">
+                      <a:solidFill>
+                        <a:schemeClr val="tx1"/>
+                      </a:solidFill>
+                      <a:prstDash val="solid"/>
+                      <a:round/>
+                      <a:headEnd type="none" w="med" len="med"/>
+                      <a:tailEnd type="none" w="med" len="med"/>
+                    </a:lnR>
+                    <a:lnT w="12700" cap="flat" cmpd="sng" algn="ctr">
+                      <a:solidFill>
+                        <a:schemeClr val="tx1"/>
+                      </a:solidFill>
+                      <a:prstDash val="solid"/>
+                      <a:round/>
+                      <a:headEnd type="none" w="med" len="med"/>
+                      <a:tailEnd type="none" w="med" len="med"/>
+                    </a:lnT>
+                    <a:lnB w="12700" cap="flat" cmpd="sng" algn="ctr">
+                      <a:solidFill>
+                        <a:schemeClr val="tx1"/>
+                      </a:solidFill>
+                      <a:prstDash val="solid"/>
+                      <a:round/>
+                      <a:headEnd type="none" w="med" len="med"/>
+                      <a:tailEnd type="none" w="med" len="med"/>
+                    </a:lnB>
+                    <a:solidFill>
+                      <a:schemeClr val="bg1"/>
+                    </a:solidFill>
+                  </a:tcPr>
+                </a:tc>
+                <a:extLst>
+                  <a:ext uri="{0D108BD9-81ED-4DB2-BD59-A6C34878D82A}">
+                    <a16:rowId xmlns:a16="http://schemas.microsoft.com/office/drawing/2014/main" val="3171691836"/>
+                  </a:ext>
+                </a:extLst>
+              </a:tr>
+              <a:tr h="464298">
+                <a:tc>
+                  <a:txBody>
+                    <a:bodyPr/>
+                    <a:lstStyle/>
+                    <a:p>
+                      <a:pPr marL="0" marR="0" lvl="0" indent="0" algn="ctr" defTabSz="914400" rtl="0" eaLnBrk="1" fontAlgn="auto" latinLnBrk="0" hangingPunct="1">
+                        <a:lnSpc>
+                          <a:spcPct val="100000"/>
+                        </a:lnSpc>
+                        <a:spcBef>
+                          <a:spcPts val="0"/>
+                        </a:spcBef>
+                        <a:spcAft>
+                          <a:spcPts val="0"/>
+                        </a:spcAft>
+                        <a:buClrTx/>
+                        <a:buSzTx/>
+                        <a:buFontTx/>
+                        <a:buNone/>
+                        <a:tabLst/>
+                        <a:defRPr/>
+                      </a:pPr>
+                      <a:r>
+                        <a:rPr lang="en-US" sz="1200" dirty="0"/>
+                        <a:t>Donor_4</a:t>
+                      </a:r>
+                    </a:p>
+                  </a:txBody>
+                  <a:tcPr anchor="ctr">
+                    <a:lnL w="12700" cap="flat" cmpd="sng" algn="ctr">
+                      <a:solidFill>
+                        <a:schemeClr val="tx1"/>
+                      </a:solidFill>
+                      <a:prstDash val="solid"/>
+                      <a:round/>
+                      <a:headEnd type="none" w="med" len="med"/>
+                      <a:tailEnd type="none" w="med" len="med"/>
+                    </a:lnL>
+                    <a:lnR w="12700" cap="flat" cmpd="sng" algn="ctr">
+                      <a:solidFill>
+                        <a:schemeClr val="tx1"/>
+                      </a:solidFill>
+                      <a:prstDash val="solid"/>
+                      <a:round/>
+                      <a:headEnd type="none" w="med" len="med"/>
+                      <a:tailEnd type="none" w="med" len="med"/>
+                    </a:lnR>
+                    <a:lnT w="12700" cap="flat" cmpd="sng" algn="ctr">
+                      <a:solidFill>
+                        <a:schemeClr val="tx1"/>
+                      </a:solidFill>
+                      <a:prstDash val="solid"/>
+                      <a:round/>
+                      <a:headEnd type="none" w="med" len="med"/>
+                      <a:tailEnd type="none" w="med" len="med"/>
+                    </a:lnT>
+                    <a:lnB w="12700" cap="flat" cmpd="sng" algn="ctr">
+                      <a:solidFill>
+                        <a:schemeClr val="tx1"/>
+                      </a:solidFill>
+                      <a:prstDash val="solid"/>
+                      <a:round/>
+                      <a:headEnd type="none" w="med" len="med"/>
+                      <a:tailEnd type="none" w="med" len="med"/>
+                    </a:lnB>
+                    <a:solidFill>
+                      <a:schemeClr val="bg1"/>
+                    </a:solidFill>
+                  </a:tcPr>
+                </a:tc>
+                <a:tc>
+                  <a:txBody>
+                    <a:bodyPr/>
+                    <a:lstStyle/>
+                    <a:p>
+                      <a:pPr algn="ctr" fontAlgn="t"/>
+                      <a:r>
+                        <a:rPr lang="en-US" sz="1200">
+                          <a:effectLst/>
+                        </a:rPr>
+                        <a:t>8</a:t>
+                      </a:r>
+                    </a:p>
+                  </a:txBody>
+                  <a:tcPr anchor="ctr">
+                    <a:lnL w="12700" cap="flat" cmpd="sng" algn="ctr">
+                      <a:solidFill>
+                        <a:schemeClr val="tx1"/>
+                      </a:solidFill>
+                      <a:prstDash val="solid"/>
+                      <a:round/>
+                      <a:headEnd type="none" w="med" len="med"/>
+                      <a:tailEnd type="none" w="med" len="med"/>
+                    </a:lnL>
+                    <a:lnR w="12700" cap="flat" cmpd="sng" algn="ctr">
+                      <a:solidFill>
+                        <a:schemeClr val="tx1"/>
+                      </a:solidFill>
+                      <a:prstDash val="solid"/>
+                      <a:round/>
+                      <a:headEnd type="none" w="med" len="med"/>
+                      <a:tailEnd type="none" w="med" len="med"/>
+                    </a:lnR>
+                    <a:lnT w="12700" cap="flat" cmpd="sng" algn="ctr">
+                      <a:solidFill>
+                        <a:schemeClr val="tx1"/>
+                      </a:solidFill>
+                      <a:prstDash val="solid"/>
+                      <a:round/>
+                      <a:headEnd type="none" w="med" len="med"/>
+                      <a:tailEnd type="none" w="med" len="med"/>
+                    </a:lnT>
+                    <a:lnB w="12700" cap="flat" cmpd="sng" algn="ctr">
+                      <a:solidFill>
+                        <a:schemeClr val="tx1"/>
+                      </a:solidFill>
+                      <a:prstDash val="solid"/>
+                      <a:round/>
+                      <a:headEnd type="none" w="med" len="med"/>
+                      <a:tailEnd type="none" w="med" len="med"/>
+                    </a:lnB>
+                    <a:solidFill>
+                      <a:schemeClr val="bg1"/>
+                    </a:solidFill>
+                  </a:tcPr>
+                </a:tc>
+                <a:tc>
+                  <a:txBody>
+                    <a:bodyPr/>
+                    <a:lstStyle/>
+                    <a:p>
+                      <a:pPr algn="ctr" fontAlgn="t"/>
+                      <a:r>
+                        <a:rPr lang="en-US" sz="1200">
+                          <a:effectLst/>
+                        </a:rPr>
+                        <a:t>9</a:t>
+                      </a:r>
+                    </a:p>
+                  </a:txBody>
+                  <a:tcPr anchor="ctr">
+                    <a:lnL w="12700" cap="flat" cmpd="sng" algn="ctr">
+                      <a:solidFill>
+                        <a:schemeClr val="tx1"/>
+                      </a:solidFill>
+                      <a:prstDash val="solid"/>
+                      <a:round/>
+                      <a:headEnd type="none" w="med" len="med"/>
+                      <a:tailEnd type="none" w="med" len="med"/>
+                    </a:lnL>
+                    <a:lnR w="12700" cap="flat" cmpd="sng" algn="ctr">
+                      <a:solidFill>
+                        <a:schemeClr val="tx1"/>
+                      </a:solidFill>
+                      <a:prstDash val="solid"/>
+                      <a:round/>
+                      <a:headEnd type="none" w="med" len="med"/>
+                      <a:tailEnd type="none" w="med" len="med"/>
+                    </a:lnR>
+                    <a:lnT w="12700" cap="flat" cmpd="sng" algn="ctr">
+                      <a:solidFill>
+                        <a:schemeClr val="tx1"/>
+                      </a:solidFill>
+                      <a:prstDash val="solid"/>
+                      <a:round/>
+                      <a:headEnd type="none" w="med" len="med"/>
+                      <a:tailEnd type="none" w="med" len="med"/>
+                    </a:lnT>
+                    <a:lnB w="12700" cap="flat" cmpd="sng" algn="ctr">
+                      <a:solidFill>
+                        <a:schemeClr val="tx1"/>
+                      </a:solidFill>
+                      <a:prstDash val="solid"/>
+                      <a:round/>
+                      <a:headEnd type="none" w="med" len="med"/>
+                      <a:tailEnd type="none" w="med" len="med"/>
+                    </a:lnB>
+                    <a:solidFill>
+                      <a:schemeClr val="bg1"/>
+                    </a:solidFill>
+                  </a:tcPr>
+                </a:tc>
+                <a:tc>
+                  <a:txBody>
+                    <a:bodyPr/>
+                    <a:lstStyle/>
+                    <a:p>
+                      <a:pPr algn="ctr" fontAlgn="t"/>
+                      <a:r>
+                        <a:rPr lang="en-US" sz="1200" dirty="0">
+                          <a:effectLst/>
+                        </a:rPr>
+                        <a:t>98</a:t>
+                      </a:r>
+                    </a:p>
+                  </a:txBody>
+                  <a:tcPr anchor="ctr">
+                    <a:lnL w="12700" cap="flat" cmpd="sng" algn="ctr">
+                      <a:solidFill>
+                        <a:schemeClr val="tx1"/>
+                      </a:solidFill>
+                      <a:prstDash val="solid"/>
+                      <a:round/>
+                      <a:headEnd type="none" w="med" len="med"/>
+                      <a:tailEnd type="none" w="med" len="med"/>
+                    </a:lnL>
+                    <a:lnR w="12700" cap="flat" cmpd="sng" algn="ctr">
+                      <a:solidFill>
+                        <a:schemeClr val="tx1"/>
+                      </a:solidFill>
+                      <a:prstDash val="solid"/>
+                      <a:round/>
+                      <a:headEnd type="none" w="med" len="med"/>
+                      <a:tailEnd type="none" w="med" len="med"/>
+                    </a:lnR>
+                    <a:lnT w="12700" cap="flat" cmpd="sng" algn="ctr">
+                      <a:solidFill>
+                        <a:schemeClr val="tx1"/>
+                      </a:solidFill>
+                      <a:prstDash val="solid"/>
+                      <a:round/>
+                      <a:headEnd type="none" w="med" len="med"/>
+                      <a:tailEnd type="none" w="med" len="med"/>
+                    </a:lnT>
+                    <a:lnB w="12700" cap="flat" cmpd="sng" algn="ctr">
+                      <a:solidFill>
+                        <a:schemeClr val="tx1"/>
+                      </a:solidFill>
+                      <a:prstDash val="solid"/>
+                      <a:round/>
+                      <a:headEnd type="none" w="med" len="med"/>
+                      <a:tailEnd type="none" w="med" len="med"/>
+                    </a:lnB>
+                    <a:solidFill>
+                      <a:schemeClr val="bg1"/>
+                    </a:solidFill>
+                  </a:tcPr>
+                </a:tc>
+                <a:tc>
+                  <a:txBody>
+                    <a:bodyPr/>
+                    <a:lstStyle/>
+                    <a:p>
+                      <a:pPr algn="ctr" fontAlgn="t"/>
+                      <a:r>
+                        <a:rPr lang="en-US" sz="1200" b="0" i="0" dirty="0">
+                          <a:solidFill>
+                            <a:srgbClr val="000000"/>
+                          </a:solidFill>
+                          <a:effectLst/>
+                          <a:latin typeface="Roboto" panose="02000000000000000000" pitchFamily="2" charset="0"/>
+                        </a:rPr>
+                        <a:t>∞</a:t>
+                      </a:r>
+                      <a:endParaRPr lang="en-US" sz="1200" dirty="0">
+                        <a:effectLst/>
+                      </a:endParaRPr>
+                    </a:p>
+                  </a:txBody>
+                  <a:tcPr anchor="ctr">
+                    <a:lnL w="12700" cap="flat" cmpd="sng" algn="ctr">
+                      <a:solidFill>
+                        <a:schemeClr val="tx1"/>
+                      </a:solidFill>
+                      <a:prstDash val="solid"/>
+                      <a:round/>
+                      <a:headEnd type="none" w="med" len="med"/>
+                      <a:tailEnd type="none" w="med" len="med"/>
+                    </a:lnL>
+                    <a:lnR w="12700" cap="flat" cmpd="sng" algn="ctr">
+                      <a:solidFill>
+                        <a:schemeClr val="tx1"/>
+                      </a:solidFill>
+                      <a:prstDash val="solid"/>
+                      <a:round/>
+                      <a:headEnd type="none" w="med" len="med"/>
+                      <a:tailEnd type="none" w="med" len="med"/>
+                    </a:lnR>
+                    <a:lnT w="12700" cap="flat" cmpd="sng" algn="ctr">
+                      <a:solidFill>
+                        <a:schemeClr val="tx1"/>
+                      </a:solidFill>
+                      <a:prstDash val="solid"/>
+                      <a:round/>
+                      <a:headEnd type="none" w="med" len="med"/>
+                      <a:tailEnd type="none" w="med" len="med"/>
+                    </a:lnT>
+                    <a:lnB w="12700" cap="flat" cmpd="sng" algn="ctr">
+                      <a:solidFill>
+                        <a:schemeClr val="tx1"/>
+                      </a:solidFill>
+                      <a:prstDash val="solid"/>
+                      <a:round/>
+                      <a:headEnd type="none" w="med" len="med"/>
+                      <a:tailEnd type="none" w="med" len="med"/>
+                    </a:lnB>
+                    <a:solidFill>
+                      <a:schemeClr val="bg1"/>
+                    </a:solidFill>
+                  </a:tcPr>
+                </a:tc>
+                <a:extLst>
+                  <a:ext uri="{0D108BD9-81ED-4DB2-BD59-A6C34878D82A}">
+                    <a16:rowId xmlns:a16="http://schemas.microsoft.com/office/drawing/2014/main" val="2695554642"/>
+                  </a:ext>
+                </a:extLst>
+              </a:tr>
+            </a:tbl>
+          </a:graphicData>
+        </a:graphic>
+      </p:graphicFrame>
+      <p:sp>
+        <p:nvSpPr>
+          <p:cNvPr id="17" name="Content Placeholder 2">
+            <a:extLst>
+              <a:ext uri="{FF2B5EF4-FFF2-40B4-BE49-F238E27FC236}">
+                <a16:creationId xmlns:a16="http://schemas.microsoft.com/office/drawing/2014/main" id="{35F49615-4BCF-427D-B693-BD1293455CB7}"/>
+              </a:ext>
+            </a:extLst>
+          </p:cNvPr>
+          <p:cNvSpPr txBox="1">
+            <a:spLocks/>
+          </p:cNvSpPr>
+          <p:nvPr/>
+        </p:nvSpPr>
+        <p:spPr>
+          <a:xfrm>
+            <a:off x="6581735" y="4014804"/>
+            <a:ext cx="884464" cy="283078"/>
+          </a:xfrm>
+          <a:prstGeom prst="rect">
+            <a:avLst/>
+          </a:prstGeom>
+        </p:spPr>
+        <p:txBody>
+          <a:bodyPr vert="horz" lIns="91440" tIns="0" rIns="91440" bIns="0" rtlCol="0" anchor="ctr" anchorCtr="0">
+            <a:normAutofit fontScale="92500" lnSpcReduction="20000"/>
+          </a:bodyPr>
+          <a:lstStyle>
+            <a:lvl1pPr marL="228600" indent="-228600" algn="l" defTabSz="914400" rtl="0" eaLnBrk="1" latinLnBrk="0" hangingPunct="1">
+              <a:lnSpc>
+                <a:spcPct val="100000"/>
+              </a:lnSpc>
+              <a:spcBef>
+                <a:spcPts val="1000"/>
+              </a:spcBef>
+              <a:buFont typeface="Arial" panose="020B0604020202020204" pitchFamily="34" charset="0"/>
+              <a:buChar char="•"/>
+              <a:defRPr sz="2800" kern="1200">
+                <a:solidFill>
+                  <a:schemeClr val="tx1"/>
+                </a:solidFill>
+                <a:latin typeface="+mn-lt"/>
+                <a:ea typeface="+mn-ea"/>
+                <a:cs typeface="+mn-cs"/>
+              </a:defRPr>
+            </a:lvl1pPr>
+            <a:lvl2pPr marL="685800" indent="-228600" algn="l" defTabSz="914400" rtl="0" eaLnBrk="1" latinLnBrk="0" hangingPunct="1">
+              <a:lnSpc>
+                <a:spcPct val="100000"/>
+              </a:lnSpc>
+              <a:spcBef>
+                <a:spcPts val="500"/>
+              </a:spcBef>
+              <a:buFont typeface="Arial" panose="020B0604020202020204" pitchFamily="34" charset="0"/>
+              <a:buChar char="•"/>
+              <a:defRPr sz="2400" kern="1200">
+                <a:solidFill>
+                  <a:schemeClr val="tx1"/>
+                </a:solidFill>
+                <a:latin typeface="+mn-lt"/>
+                <a:ea typeface="+mn-ea"/>
+                <a:cs typeface="+mn-cs"/>
+              </a:defRPr>
+            </a:lvl2pPr>
+            <a:lvl3pPr marL="1143000" indent="-228600" algn="l" defTabSz="914400" rtl="0" eaLnBrk="1" latinLnBrk="0" hangingPunct="1">
+              <a:lnSpc>
+                <a:spcPct val="100000"/>
+              </a:lnSpc>
+              <a:spcBef>
+                <a:spcPts val="500"/>
+              </a:spcBef>
+              <a:buFont typeface="Arial" panose="020B0604020202020204" pitchFamily="34" charset="0"/>
+              <a:buChar char="•"/>
+              <a:defRPr sz="2000" kern="1200">
+                <a:solidFill>
+                  <a:schemeClr val="tx1"/>
+                </a:solidFill>
+                <a:latin typeface="+mn-lt"/>
+                <a:ea typeface="+mn-ea"/>
+                <a:cs typeface="+mn-cs"/>
+              </a:defRPr>
+            </a:lvl3pPr>
+            <a:lvl4pPr marL="1600200" indent="-228600" algn="l" defTabSz="914400" rtl="0" eaLnBrk="1" latinLnBrk="0" hangingPunct="1">
+              <a:lnSpc>
+                <a:spcPct val="100000"/>
+              </a:lnSpc>
+              <a:spcBef>
+                <a:spcPts val="500"/>
+              </a:spcBef>
+              <a:buFont typeface="Arial" panose="020B0604020202020204" pitchFamily="34" charset="0"/>
+              <a:buChar char="•"/>
+              <a:defRPr sz="1800" kern="1200">
+                <a:solidFill>
+                  <a:schemeClr val="tx1"/>
+                </a:solidFill>
+                <a:latin typeface="+mn-lt"/>
+                <a:ea typeface="+mn-ea"/>
+                <a:cs typeface="+mn-cs"/>
+              </a:defRPr>
+            </a:lvl4pPr>
+            <a:lvl5pPr marL="2057400" indent="-228600" algn="l" defTabSz="914400" rtl="0" eaLnBrk="1" latinLnBrk="0" hangingPunct="1">
+              <a:lnSpc>
+                <a:spcPct val="100000"/>
+              </a:lnSpc>
+              <a:spcBef>
+                <a:spcPts val="500"/>
+              </a:spcBef>
+              <a:buFont typeface="Arial" panose="020B0604020202020204" pitchFamily="34" charset="0"/>
+              <a:buChar char="•"/>
+              <a:defRPr sz="1800" kern="1200">
+                <a:solidFill>
+                  <a:schemeClr val="tx1"/>
+                </a:solidFill>
+                <a:latin typeface="+mn-lt"/>
+                <a:ea typeface="+mn-ea"/>
+                <a:cs typeface="+mn-cs"/>
+              </a:defRPr>
+            </a:lvl5pPr>
+            <a:lvl6pPr marL="2514600" indent="-228600" algn="l" defTabSz="914400" rtl="0" eaLnBrk="1" latinLnBrk="0" hangingPunct="1">
+              <a:lnSpc>
+                <a:spcPct val="90000"/>
+              </a:lnSpc>
+              <a:spcBef>
+                <a:spcPts val="500"/>
+              </a:spcBef>
+              <a:buFont typeface="Arial" panose="020B0604020202020204" pitchFamily="34" charset="0"/>
+              <a:buChar char="•"/>
+              <a:defRPr sz="1800" kern="1200">
+                <a:solidFill>
+                  <a:schemeClr val="tx1"/>
+                </a:solidFill>
+                <a:latin typeface="+mn-lt"/>
+                <a:ea typeface="+mn-ea"/>
+                <a:cs typeface="+mn-cs"/>
+              </a:defRPr>
+            </a:lvl6pPr>
+            <a:lvl7pPr marL="2971800" indent="-228600" algn="l" defTabSz="914400" rtl="0" eaLnBrk="1" latinLnBrk="0" hangingPunct="1">
+              <a:lnSpc>
+                <a:spcPct val="90000"/>
+              </a:lnSpc>
+              <a:spcBef>
+                <a:spcPts val="500"/>
+              </a:spcBef>
+              <a:buFont typeface="Arial" panose="020B0604020202020204" pitchFamily="34" charset="0"/>
+              <a:buChar char="•"/>
+              <a:defRPr sz="1800" kern="1200">
+                <a:solidFill>
+                  <a:schemeClr val="tx1"/>
+                </a:solidFill>
+                <a:latin typeface="+mn-lt"/>
+                <a:ea typeface="+mn-ea"/>
+                <a:cs typeface="+mn-cs"/>
+              </a:defRPr>
+            </a:lvl7pPr>
+            <a:lvl8pPr marL="3429000" indent="-228600" algn="l" defTabSz="914400" rtl="0" eaLnBrk="1" latinLnBrk="0" hangingPunct="1">
+              <a:lnSpc>
+                <a:spcPct val="90000"/>
+              </a:lnSpc>
+              <a:spcBef>
+                <a:spcPts val="500"/>
+              </a:spcBef>
+              <a:buFont typeface="Arial" panose="020B0604020202020204" pitchFamily="34" charset="0"/>
+              <a:buChar char="•"/>
+              <a:defRPr sz="1800" kern="1200">
+                <a:solidFill>
+                  <a:schemeClr val="tx1"/>
+                </a:solidFill>
+                <a:latin typeface="+mn-lt"/>
+                <a:ea typeface="+mn-ea"/>
+                <a:cs typeface="+mn-cs"/>
+              </a:defRPr>
+            </a:lvl8pPr>
+            <a:lvl9pPr marL="3886200" indent="-228600" algn="l" defTabSz="914400" rtl="0" eaLnBrk="1" latinLnBrk="0" hangingPunct="1">
+              <a:lnSpc>
+                <a:spcPct val="90000"/>
+              </a:lnSpc>
+              <a:spcBef>
+                <a:spcPts val="500"/>
+              </a:spcBef>
+              <a:buFont typeface="Arial" panose="020B0604020202020204" pitchFamily="34" charset="0"/>
+              <a:buChar char="•"/>
+              <a:defRPr sz="1800" kern="1200">
+                <a:solidFill>
+                  <a:schemeClr val="tx1"/>
+                </a:solidFill>
+                <a:latin typeface="+mn-lt"/>
+                <a:ea typeface="+mn-ea"/>
+                <a:cs typeface="+mn-cs"/>
+              </a:defRPr>
+            </a:lvl9pPr>
+          </a:lstStyle>
+          <a:p>
+            <a:pPr marL="0" indent="0">
+              <a:buNone/>
+            </a:pPr>
+            <a:r>
+              <a:rPr lang="en-US" sz="2400" dirty="0"/>
+              <a:t>4:</a:t>
+            </a:r>
+          </a:p>
+        </p:txBody>
+      </p:sp>
+      <p:graphicFrame>
+        <p:nvGraphicFramePr>
+          <p:cNvPr id="18" name="Table 69">
+            <a:extLst>
+              <a:ext uri="{FF2B5EF4-FFF2-40B4-BE49-F238E27FC236}">
+                <a16:creationId xmlns:a16="http://schemas.microsoft.com/office/drawing/2014/main" id="{C6CA99FF-878E-4209-A1ED-83442F487B0C}"/>
+              </a:ext>
+            </a:extLst>
+          </p:cNvPr>
+          <p:cNvGraphicFramePr>
+            <a:graphicFrameLocks noGrp="1"/>
+          </p:cNvGraphicFramePr>
+          <p:nvPr>
+            <p:extLst>
+              <p:ext uri="{D42A27DB-BD31-4B8C-83A1-F6EECF244321}">
+                <p14:modId xmlns:p14="http://schemas.microsoft.com/office/powerpoint/2010/main" val="3511447225"/>
+              </p:ext>
+            </p:extLst>
+          </p:nvPr>
+        </p:nvGraphicFramePr>
+        <p:xfrm>
+          <a:off x="6581735" y="4400792"/>
+          <a:ext cx="4645525" cy="2321490"/>
+        </p:xfrm>
+        <a:graphic>
+          <a:graphicData uri="http://schemas.openxmlformats.org/drawingml/2006/table">
+            <a:tbl>
+              <a:tblPr firstRow="1" bandRow="1">
+                <a:tableStyleId>{5C22544A-7EE6-4342-B048-85BDC9FD1C3A}</a:tableStyleId>
+              </a:tblPr>
+              <a:tblGrid>
+                <a:gridCol w="929105">
+                  <a:extLst>
+                    <a:ext uri="{9D8B030D-6E8A-4147-A177-3AD203B41FA5}">
+                      <a16:colId xmlns:a16="http://schemas.microsoft.com/office/drawing/2014/main" val="320037778"/>
+                    </a:ext>
+                  </a:extLst>
+                </a:gridCol>
+                <a:gridCol w="929105">
+                  <a:extLst>
+                    <a:ext uri="{9D8B030D-6E8A-4147-A177-3AD203B41FA5}">
+                      <a16:colId xmlns:a16="http://schemas.microsoft.com/office/drawing/2014/main" val="3061072369"/>
+                    </a:ext>
+                  </a:extLst>
+                </a:gridCol>
+                <a:gridCol w="929105">
+                  <a:extLst>
+                    <a:ext uri="{9D8B030D-6E8A-4147-A177-3AD203B41FA5}">
+                      <a16:colId xmlns:a16="http://schemas.microsoft.com/office/drawing/2014/main" val="3088086231"/>
+                    </a:ext>
+                  </a:extLst>
+                </a:gridCol>
+                <a:gridCol w="929105">
+                  <a:extLst>
+                    <a:ext uri="{9D8B030D-6E8A-4147-A177-3AD203B41FA5}">
+                      <a16:colId xmlns:a16="http://schemas.microsoft.com/office/drawing/2014/main" val="3188720254"/>
+                    </a:ext>
+                  </a:extLst>
+                </a:gridCol>
+                <a:gridCol w="929105">
+                  <a:extLst>
+                    <a:ext uri="{9D8B030D-6E8A-4147-A177-3AD203B41FA5}">
+                      <a16:colId xmlns:a16="http://schemas.microsoft.com/office/drawing/2014/main" val="1387403323"/>
+                    </a:ext>
+                  </a:extLst>
+                </a:gridCol>
+              </a:tblGrid>
+              <a:tr h="464298">
+                <a:tc>
+                  <a:txBody>
+                    <a:bodyPr/>
+                    <a:lstStyle/>
+                    <a:p>
+                      <a:pPr algn="ctr"/>
+                      <a:endParaRPr lang="en-US" sz="1200" dirty="0"/>
+                    </a:p>
+                  </a:txBody>
+                  <a:tcPr anchor="ctr">
+                    <a:lnL w="12700" cap="flat" cmpd="sng" algn="ctr">
+                      <a:solidFill>
+                        <a:schemeClr val="tx1"/>
+                      </a:solidFill>
+                      <a:prstDash val="solid"/>
+                      <a:round/>
+                      <a:headEnd type="none" w="med" len="med"/>
+                      <a:tailEnd type="none" w="med" len="med"/>
+                    </a:lnL>
+                    <a:lnR w="12700" cap="flat" cmpd="sng" algn="ctr">
+                      <a:solidFill>
+                        <a:schemeClr val="tx1"/>
+                      </a:solidFill>
+                      <a:prstDash val="solid"/>
+                      <a:round/>
+                      <a:headEnd type="none" w="med" len="med"/>
+                      <a:tailEnd type="none" w="med" len="med"/>
+                    </a:lnR>
+                    <a:lnT w="12700" cap="flat" cmpd="sng" algn="ctr">
+                      <a:solidFill>
+                        <a:schemeClr val="tx1"/>
+                      </a:solidFill>
+                      <a:prstDash val="solid"/>
+                      <a:round/>
+                      <a:headEnd type="none" w="med" len="med"/>
+                      <a:tailEnd type="none" w="med" len="med"/>
+                    </a:lnT>
+                    <a:lnB w="12700" cap="flat" cmpd="sng" algn="ctr">
+                      <a:solidFill>
+                        <a:schemeClr val="tx1"/>
+                      </a:solidFill>
+                      <a:prstDash val="solid"/>
+                      <a:round/>
+                      <a:headEnd type="none" w="med" len="med"/>
+                      <a:tailEnd type="none" w="med" len="med"/>
+                    </a:lnB>
+                    <a:solidFill>
+                      <a:schemeClr val="bg1"/>
+                    </a:solidFill>
+                  </a:tcPr>
+                </a:tc>
+                <a:tc>
+                  <a:txBody>
+                    <a:bodyPr/>
+                    <a:lstStyle/>
+                    <a:p>
+                      <a:pPr algn="ctr"/>
+                      <a:r>
+                        <a:rPr lang="en-US" sz="1200" b="0" dirty="0">
+                          <a:solidFill>
+                            <a:schemeClr val="tx1"/>
+                          </a:solidFill>
+                        </a:rPr>
+                        <a:t>Patient_1</a:t>
+                      </a:r>
+                    </a:p>
+                  </a:txBody>
+                  <a:tcPr anchor="ctr">
+                    <a:lnL w="12700" cap="flat" cmpd="sng" algn="ctr">
+                      <a:solidFill>
+                        <a:schemeClr val="tx1"/>
+                      </a:solidFill>
+                      <a:prstDash val="solid"/>
+                      <a:round/>
+                      <a:headEnd type="none" w="med" len="med"/>
+                      <a:tailEnd type="none" w="med" len="med"/>
+                    </a:lnL>
+                    <a:lnR w="12700" cap="flat" cmpd="sng" algn="ctr">
+                      <a:solidFill>
+                        <a:schemeClr val="tx1"/>
+                      </a:solidFill>
+                      <a:prstDash val="solid"/>
+                      <a:round/>
+                      <a:headEnd type="none" w="med" len="med"/>
+                      <a:tailEnd type="none" w="med" len="med"/>
+                    </a:lnR>
+                    <a:lnT w="12700" cap="flat" cmpd="sng" algn="ctr">
+                      <a:solidFill>
+                        <a:schemeClr val="tx1"/>
+                      </a:solidFill>
+                      <a:prstDash val="solid"/>
+                      <a:round/>
+                      <a:headEnd type="none" w="med" len="med"/>
+                      <a:tailEnd type="none" w="med" len="med"/>
+                    </a:lnT>
+                    <a:lnB w="12700" cap="flat" cmpd="sng" algn="ctr">
+                      <a:solidFill>
+                        <a:schemeClr val="tx1"/>
+                      </a:solidFill>
+                      <a:prstDash val="solid"/>
+                      <a:round/>
+                      <a:headEnd type="none" w="med" len="med"/>
+                      <a:tailEnd type="none" w="med" len="med"/>
+                    </a:lnB>
+                    <a:solidFill>
+                      <a:schemeClr val="bg1"/>
+                    </a:solidFill>
+                  </a:tcPr>
+                </a:tc>
+                <a:tc>
+                  <a:txBody>
+                    <a:bodyPr/>
+                    <a:lstStyle/>
+                    <a:p>
+                      <a:pPr marL="0" marR="0" lvl="0" indent="0" algn="ctr" defTabSz="914400" rtl="0" eaLnBrk="1" fontAlgn="auto" latinLnBrk="0" hangingPunct="1">
+                        <a:lnSpc>
+                          <a:spcPct val="100000"/>
+                        </a:lnSpc>
+                        <a:spcBef>
+                          <a:spcPts val="0"/>
+                        </a:spcBef>
+                        <a:spcAft>
+                          <a:spcPts val="0"/>
+                        </a:spcAft>
+                        <a:buClrTx/>
+                        <a:buSzTx/>
+                        <a:buFontTx/>
+                        <a:buNone/>
+                        <a:tabLst/>
+                        <a:defRPr/>
+                      </a:pPr>
+                      <a:r>
+                        <a:rPr lang="en-US" sz="1200" b="0" dirty="0">
+                          <a:solidFill>
+                            <a:schemeClr val="tx1"/>
+                          </a:solidFill>
+                        </a:rPr>
+                        <a:t>Patient_2</a:t>
+                      </a:r>
+                    </a:p>
+                  </a:txBody>
+                  <a:tcPr anchor="ctr">
+                    <a:lnL w="12700" cap="flat" cmpd="sng" algn="ctr">
+                      <a:solidFill>
+                        <a:schemeClr val="tx1"/>
+                      </a:solidFill>
+                      <a:prstDash val="solid"/>
+                      <a:round/>
+                      <a:headEnd type="none" w="med" len="med"/>
+                      <a:tailEnd type="none" w="med" len="med"/>
+                    </a:lnL>
+                    <a:lnR w="12700" cap="flat" cmpd="sng" algn="ctr">
+                      <a:solidFill>
+                        <a:schemeClr val="tx1"/>
+                      </a:solidFill>
+                      <a:prstDash val="solid"/>
+                      <a:round/>
+                      <a:headEnd type="none" w="med" len="med"/>
+                      <a:tailEnd type="none" w="med" len="med"/>
+                    </a:lnR>
+                    <a:lnT w="12700" cap="flat" cmpd="sng" algn="ctr">
+                      <a:solidFill>
+                        <a:schemeClr val="tx1"/>
+                      </a:solidFill>
+                      <a:prstDash val="solid"/>
+                      <a:round/>
+                      <a:headEnd type="none" w="med" len="med"/>
+                      <a:tailEnd type="none" w="med" len="med"/>
+                    </a:lnT>
+                    <a:lnB w="12700" cap="flat" cmpd="sng" algn="ctr">
+                      <a:solidFill>
+                        <a:schemeClr val="tx1"/>
+                      </a:solidFill>
+                      <a:prstDash val="solid"/>
+                      <a:round/>
+                      <a:headEnd type="none" w="med" len="med"/>
+                      <a:tailEnd type="none" w="med" len="med"/>
+                    </a:lnB>
+                    <a:solidFill>
+                      <a:schemeClr val="bg1"/>
+                    </a:solidFill>
+                  </a:tcPr>
+                </a:tc>
+                <a:tc>
+                  <a:txBody>
+                    <a:bodyPr/>
+                    <a:lstStyle/>
+                    <a:p>
+                      <a:pPr marL="0" marR="0" lvl="0" indent="0" algn="ctr" defTabSz="914400" rtl="0" eaLnBrk="1" fontAlgn="auto" latinLnBrk="0" hangingPunct="1">
+                        <a:lnSpc>
+                          <a:spcPct val="100000"/>
+                        </a:lnSpc>
+                        <a:spcBef>
+                          <a:spcPts val="0"/>
+                        </a:spcBef>
+                        <a:spcAft>
+                          <a:spcPts val="0"/>
+                        </a:spcAft>
+                        <a:buClrTx/>
+                        <a:buSzTx/>
+                        <a:buFontTx/>
+                        <a:buNone/>
+                        <a:tabLst/>
+                        <a:defRPr/>
+                      </a:pPr>
+                      <a:r>
+                        <a:rPr lang="en-US" sz="1200" b="0" dirty="0">
+                          <a:solidFill>
+                            <a:schemeClr val="tx1"/>
+                          </a:solidFill>
+                        </a:rPr>
+                        <a:t>Patient_3</a:t>
+                      </a:r>
+                    </a:p>
+                  </a:txBody>
+                  <a:tcPr anchor="ctr">
+                    <a:lnL w="12700" cap="flat" cmpd="sng" algn="ctr">
+                      <a:solidFill>
+                        <a:schemeClr val="tx1"/>
+                      </a:solidFill>
+                      <a:prstDash val="solid"/>
+                      <a:round/>
+                      <a:headEnd type="none" w="med" len="med"/>
+                      <a:tailEnd type="none" w="med" len="med"/>
+                    </a:lnL>
+                    <a:lnR w="12700" cap="flat" cmpd="sng" algn="ctr">
+                      <a:solidFill>
+                        <a:schemeClr val="tx1"/>
+                      </a:solidFill>
+                      <a:prstDash val="solid"/>
+                      <a:round/>
+                      <a:headEnd type="none" w="med" len="med"/>
+                      <a:tailEnd type="none" w="med" len="med"/>
+                    </a:lnR>
+                    <a:lnT w="12700" cap="flat" cmpd="sng" algn="ctr">
+                      <a:solidFill>
+                        <a:schemeClr val="tx1"/>
+                      </a:solidFill>
+                      <a:prstDash val="solid"/>
+                      <a:round/>
+                      <a:headEnd type="none" w="med" len="med"/>
+                      <a:tailEnd type="none" w="med" len="med"/>
+                    </a:lnT>
+                    <a:lnB w="12700" cap="flat" cmpd="sng" algn="ctr">
+                      <a:solidFill>
+                        <a:schemeClr val="tx1"/>
+                      </a:solidFill>
+                      <a:prstDash val="solid"/>
+                      <a:round/>
+                      <a:headEnd type="none" w="med" len="med"/>
+                      <a:tailEnd type="none" w="med" len="med"/>
+                    </a:lnB>
+                    <a:solidFill>
+                      <a:schemeClr val="bg1"/>
+                    </a:solidFill>
+                  </a:tcPr>
+                </a:tc>
+                <a:tc>
+                  <a:txBody>
+                    <a:bodyPr/>
+                    <a:lstStyle/>
+                    <a:p>
+                      <a:pPr marL="0" marR="0" lvl="0" indent="0" algn="ctr" defTabSz="914400" rtl="0" eaLnBrk="1" fontAlgn="auto" latinLnBrk="0" hangingPunct="1">
+                        <a:lnSpc>
+                          <a:spcPct val="100000"/>
+                        </a:lnSpc>
+                        <a:spcBef>
+                          <a:spcPts val="0"/>
+                        </a:spcBef>
+                        <a:spcAft>
+                          <a:spcPts val="0"/>
+                        </a:spcAft>
+                        <a:buClrTx/>
+                        <a:buSzTx/>
+                        <a:buFontTx/>
+                        <a:buNone/>
+                        <a:tabLst/>
+                        <a:defRPr/>
+                      </a:pPr>
+                      <a:r>
+                        <a:rPr lang="en-US" sz="1200" b="0" dirty="0">
+                          <a:solidFill>
+                            <a:schemeClr val="tx1"/>
+                          </a:solidFill>
+                        </a:rPr>
+                        <a:t>Patient_4</a:t>
+                      </a:r>
+                    </a:p>
+                  </a:txBody>
+                  <a:tcPr anchor="ctr">
+                    <a:lnL w="12700" cap="flat" cmpd="sng" algn="ctr">
+                      <a:solidFill>
+                        <a:schemeClr val="tx1"/>
+                      </a:solidFill>
+                      <a:prstDash val="solid"/>
+                      <a:round/>
+                      <a:headEnd type="none" w="med" len="med"/>
+                      <a:tailEnd type="none" w="med" len="med"/>
+                    </a:lnL>
+                    <a:lnR w="12700" cap="flat" cmpd="sng" algn="ctr">
+                      <a:solidFill>
+                        <a:schemeClr val="tx1"/>
+                      </a:solidFill>
+                      <a:prstDash val="solid"/>
+                      <a:round/>
+                      <a:headEnd type="none" w="med" len="med"/>
+                      <a:tailEnd type="none" w="med" len="med"/>
+                    </a:lnR>
+                    <a:lnT w="12700" cap="flat" cmpd="sng" algn="ctr">
+                      <a:solidFill>
+                        <a:schemeClr val="tx1"/>
+                      </a:solidFill>
+                      <a:prstDash val="solid"/>
+                      <a:round/>
+                      <a:headEnd type="none" w="med" len="med"/>
+                      <a:tailEnd type="none" w="med" len="med"/>
+                    </a:lnT>
+                    <a:lnB w="12700" cap="flat" cmpd="sng" algn="ctr">
+                      <a:solidFill>
+                        <a:schemeClr val="tx1"/>
+                      </a:solidFill>
+                      <a:prstDash val="solid"/>
+                      <a:round/>
+                      <a:headEnd type="none" w="med" len="med"/>
+                      <a:tailEnd type="none" w="med" len="med"/>
+                    </a:lnB>
+                    <a:solidFill>
+                      <a:schemeClr val="bg1"/>
+                    </a:solidFill>
+                  </a:tcPr>
+                </a:tc>
+                <a:extLst>
+                  <a:ext uri="{0D108BD9-81ED-4DB2-BD59-A6C34878D82A}">
+                    <a16:rowId xmlns:a16="http://schemas.microsoft.com/office/drawing/2014/main" val="3358250160"/>
+                  </a:ext>
+                </a:extLst>
+              </a:tr>
+              <a:tr h="464298">
+                <a:tc>
+                  <a:txBody>
+                    <a:bodyPr/>
+                    <a:lstStyle/>
+                    <a:p>
+                      <a:pPr algn="ctr"/>
+                      <a:r>
+                        <a:rPr lang="en-US" sz="1200" dirty="0"/>
+                        <a:t>Donor_1</a:t>
+                      </a:r>
+                    </a:p>
+                  </a:txBody>
+                  <a:tcPr anchor="ctr">
+                    <a:lnL w="12700" cap="flat" cmpd="sng" algn="ctr">
+                      <a:solidFill>
+                        <a:schemeClr val="tx1"/>
+                      </a:solidFill>
+                      <a:prstDash val="solid"/>
+                      <a:round/>
+                      <a:headEnd type="none" w="med" len="med"/>
+                      <a:tailEnd type="none" w="med" len="med"/>
+                    </a:lnL>
+                    <a:lnR w="12700" cap="flat" cmpd="sng" algn="ctr">
+                      <a:solidFill>
+                        <a:schemeClr val="tx1"/>
+                      </a:solidFill>
+                      <a:prstDash val="solid"/>
+                      <a:round/>
+                      <a:headEnd type="none" w="med" len="med"/>
+                      <a:tailEnd type="none" w="med" len="med"/>
+                    </a:lnR>
+                    <a:lnT w="12700" cap="flat" cmpd="sng" algn="ctr">
+                      <a:solidFill>
+                        <a:schemeClr val="tx1"/>
+                      </a:solidFill>
+                      <a:prstDash val="solid"/>
+                      <a:round/>
+                      <a:headEnd type="none" w="med" len="med"/>
+                      <a:tailEnd type="none" w="med" len="med"/>
+                    </a:lnT>
+                    <a:lnB w="12700" cap="flat" cmpd="sng" algn="ctr">
+                      <a:solidFill>
+                        <a:schemeClr val="tx1"/>
+                      </a:solidFill>
+                      <a:prstDash val="solid"/>
+                      <a:round/>
+                      <a:headEnd type="none" w="med" len="med"/>
+                      <a:tailEnd type="none" w="med" len="med"/>
+                    </a:lnB>
+                    <a:solidFill>
+                      <a:schemeClr val="bg1"/>
+                    </a:solidFill>
+                  </a:tcPr>
+                </a:tc>
+                <a:tc>
+                  <a:txBody>
+                    <a:bodyPr/>
+                    <a:lstStyle/>
+                    <a:p>
+                      <a:pPr marL="0" marR="0" lvl="0" indent="0" algn="ctr" defTabSz="914400" rtl="0" eaLnBrk="1" fontAlgn="auto" latinLnBrk="0" hangingPunct="1">
+                        <a:lnSpc>
+                          <a:spcPct val="100000"/>
+                        </a:lnSpc>
+                        <a:spcBef>
+                          <a:spcPts val="0"/>
+                        </a:spcBef>
+                        <a:spcAft>
+                          <a:spcPts val="0"/>
+                        </a:spcAft>
+                        <a:buClrTx/>
+                        <a:buSzTx/>
+                        <a:buFontTx/>
+                        <a:buNone/>
+                        <a:tabLst/>
+                        <a:defRPr/>
+                      </a:pPr>
+                      <a:r>
+                        <a:rPr lang="en-US" sz="1200" b="0" i="0" dirty="0">
+                          <a:solidFill>
+                            <a:srgbClr val="000000"/>
+                          </a:solidFill>
+                          <a:effectLst/>
+                          <a:latin typeface="Roboto" panose="02000000000000000000" pitchFamily="2" charset="0"/>
+                        </a:rPr>
+                        <a:t>∞</a:t>
+                      </a:r>
+                      <a:endParaRPr lang="en-US" sz="1200" dirty="0">
+                        <a:effectLst/>
+                      </a:endParaRPr>
+                    </a:p>
+                  </a:txBody>
+                  <a:tcPr anchor="ctr">
+                    <a:lnL w="12700" cap="flat" cmpd="sng" algn="ctr">
+                      <a:solidFill>
+                        <a:schemeClr val="tx1"/>
+                      </a:solidFill>
+                      <a:prstDash val="solid"/>
+                      <a:round/>
+                      <a:headEnd type="none" w="med" len="med"/>
+                      <a:tailEnd type="none" w="med" len="med"/>
+                    </a:lnL>
+                    <a:lnR w="12700" cap="flat" cmpd="sng" algn="ctr">
+                      <a:solidFill>
+                        <a:schemeClr val="tx1"/>
+                      </a:solidFill>
+                      <a:prstDash val="solid"/>
+                      <a:round/>
+                      <a:headEnd type="none" w="med" len="med"/>
+                      <a:tailEnd type="none" w="med" len="med"/>
+                    </a:lnR>
+                    <a:lnT w="12700" cap="flat" cmpd="sng" algn="ctr">
+                      <a:solidFill>
+                        <a:schemeClr val="tx1"/>
+                      </a:solidFill>
+                      <a:prstDash val="solid"/>
+                      <a:round/>
+                      <a:headEnd type="none" w="med" len="med"/>
+                      <a:tailEnd type="none" w="med" len="med"/>
+                    </a:lnT>
+                    <a:lnB w="12700" cap="flat" cmpd="sng" algn="ctr">
+                      <a:solidFill>
+                        <a:schemeClr val="tx1"/>
+                      </a:solidFill>
+                      <a:prstDash val="solid"/>
+                      <a:round/>
+                      <a:headEnd type="none" w="med" len="med"/>
+                      <a:tailEnd type="none" w="med" len="med"/>
+                    </a:lnB>
+                    <a:solidFill>
+                      <a:schemeClr val="bg1"/>
+                    </a:solidFill>
+                  </a:tcPr>
+                </a:tc>
+                <a:tc>
+                  <a:txBody>
+                    <a:bodyPr/>
+                    <a:lstStyle/>
+                    <a:p>
+                      <a:pPr algn="ctr" fontAlgn="t"/>
+                      <a:r>
+                        <a:rPr lang="en-US" sz="1200" b="0" i="0" dirty="0">
+                          <a:solidFill>
+                            <a:srgbClr val="000000"/>
+                          </a:solidFill>
+                          <a:effectLst/>
+                          <a:latin typeface="Roboto" panose="02000000000000000000" pitchFamily="2" charset="0"/>
+                        </a:rPr>
+                        <a:t>∞</a:t>
+                      </a:r>
+                      <a:endParaRPr lang="en-US" sz="1200" dirty="0">
+                        <a:effectLst/>
+                      </a:endParaRPr>
+                    </a:p>
+                  </a:txBody>
+                  <a:tcPr anchor="ctr">
+                    <a:lnL w="12700" cap="flat" cmpd="sng" algn="ctr">
+                      <a:solidFill>
+                        <a:schemeClr val="tx1"/>
+                      </a:solidFill>
+                      <a:prstDash val="solid"/>
+                      <a:round/>
+                      <a:headEnd type="none" w="med" len="med"/>
+                      <a:tailEnd type="none" w="med" len="med"/>
+                    </a:lnL>
+                    <a:lnR w="12700" cap="flat" cmpd="sng" algn="ctr">
+                      <a:solidFill>
+                        <a:schemeClr val="tx1"/>
+                      </a:solidFill>
+                      <a:prstDash val="solid"/>
+                      <a:round/>
+                      <a:headEnd type="none" w="med" len="med"/>
+                      <a:tailEnd type="none" w="med" len="med"/>
+                    </a:lnR>
+                    <a:lnT w="12700" cap="flat" cmpd="sng" algn="ctr">
+                      <a:solidFill>
+                        <a:schemeClr val="tx1"/>
+                      </a:solidFill>
+                      <a:prstDash val="solid"/>
+                      <a:round/>
+                      <a:headEnd type="none" w="med" len="med"/>
+                      <a:tailEnd type="none" w="med" len="med"/>
+                    </a:lnT>
+                    <a:lnB w="12700" cap="flat" cmpd="sng" algn="ctr">
+                      <a:solidFill>
+                        <a:schemeClr val="tx1"/>
+                      </a:solidFill>
+                      <a:prstDash val="solid"/>
+                      <a:round/>
+                      <a:headEnd type="none" w="med" len="med"/>
+                      <a:tailEnd type="none" w="med" len="med"/>
+                    </a:lnB>
+                    <a:solidFill>
+                      <a:schemeClr val="bg1"/>
+                    </a:solidFill>
+                  </a:tcPr>
+                </a:tc>
+                <a:tc>
+                  <a:txBody>
+                    <a:bodyPr/>
+                    <a:lstStyle/>
+                    <a:p>
+                      <a:pPr algn="ctr" fontAlgn="t"/>
+                      <a:r>
+                        <a:rPr lang="en-US" sz="1200" dirty="0">
+                          <a:effectLst/>
+                        </a:rPr>
+                        <a:t>69</a:t>
+                      </a:r>
+                    </a:p>
+                  </a:txBody>
+                  <a:tcPr anchor="ctr">
+                    <a:lnL w="12700" cap="flat" cmpd="sng" algn="ctr">
+                      <a:solidFill>
+                        <a:schemeClr val="tx1"/>
+                      </a:solidFill>
+                      <a:prstDash val="solid"/>
+                      <a:round/>
+                      <a:headEnd type="none" w="med" len="med"/>
+                      <a:tailEnd type="none" w="med" len="med"/>
+                    </a:lnL>
+                    <a:lnR w="12700" cap="flat" cmpd="sng" algn="ctr">
+                      <a:solidFill>
+                        <a:schemeClr val="tx1"/>
+                      </a:solidFill>
+                      <a:prstDash val="solid"/>
+                      <a:round/>
+                      <a:headEnd type="none" w="med" len="med"/>
+                      <a:tailEnd type="none" w="med" len="med"/>
+                    </a:lnR>
+                    <a:lnT w="12700" cap="flat" cmpd="sng" algn="ctr">
+                      <a:solidFill>
+                        <a:schemeClr val="tx1"/>
+                      </a:solidFill>
+                      <a:prstDash val="solid"/>
+                      <a:round/>
+                      <a:headEnd type="none" w="med" len="med"/>
+                      <a:tailEnd type="none" w="med" len="med"/>
+                    </a:lnT>
+                    <a:lnB w="12700" cap="flat" cmpd="sng" algn="ctr">
+                      <a:solidFill>
+                        <a:schemeClr val="tx1"/>
+                      </a:solidFill>
+                      <a:prstDash val="solid"/>
+                      <a:round/>
+                      <a:headEnd type="none" w="med" len="med"/>
+                      <a:tailEnd type="none" w="med" len="med"/>
+                    </a:lnB>
+                    <a:solidFill>
+                      <a:schemeClr val="bg1"/>
+                    </a:solidFill>
+                  </a:tcPr>
+                </a:tc>
+                <a:tc>
+                  <a:txBody>
+                    <a:bodyPr/>
+                    <a:lstStyle/>
+                    <a:p>
+                      <a:pPr algn="ctr" fontAlgn="t"/>
+                      <a:r>
+                        <a:rPr lang="en-US" sz="1200" dirty="0">
+                          <a:effectLst/>
+                        </a:rPr>
+                        <a:t>92</a:t>
+                      </a:r>
+                    </a:p>
+                  </a:txBody>
+                  <a:tcPr anchor="ctr">
+                    <a:lnL w="12700" cap="flat" cmpd="sng" algn="ctr">
+                      <a:solidFill>
+                        <a:schemeClr val="tx1"/>
+                      </a:solidFill>
+                      <a:prstDash val="solid"/>
+                      <a:round/>
+                      <a:headEnd type="none" w="med" len="med"/>
+                      <a:tailEnd type="none" w="med" len="med"/>
+                    </a:lnL>
+                    <a:lnR w="12700" cap="flat" cmpd="sng" algn="ctr">
+                      <a:solidFill>
+                        <a:schemeClr val="tx1"/>
+                      </a:solidFill>
+                      <a:prstDash val="solid"/>
+                      <a:round/>
+                      <a:headEnd type="none" w="med" len="med"/>
+                      <a:tailEnd type="none" w="med" len="med"/>
+                    </a:lnR>
+                    <a:lnT w="12700" cap="flat" cmpd="sng" algn="ctr">
+                      <a:solidFill>
+                        <a:schemeClr val="tx1"/>
+                      </a:solidFill>
+                      <a:prstDash val="solid"/>
+                      <a:round/>
+                      <a:headEnd type="none" w="med" len="med"/>
+                      <a:tailEnd type="none" w="med" len="med"/>
+                    </a:lnT>
+                    <a:lnB w="12700" cap="flat" cmpd="sng" algn="ctr">
+                      <a:solidFill>
+                        <a:schemeClr val="tx1"/>
+                      </a:solidFill>
+                      <a:prstDash val="solid"/>
+                      <a:round/>
+                      <a:headEnd type="none" w="med" len="med"/>
+                      <a:tailEnd type="none" w="med" len="med"/>
+                    </a:lnB>
+                    <a:solidFill>
+                      <a:srgbClr val="33CCFF"/>
+                    </a:solidFill>
+                  </a:tcPr>
+                </a:tc>
+                <a:extLst>
+                  <a:ext uri="{0D108BD9-81ED-4DB2-BD59-A6C34878D82A}">
+                    <a16:rowId xmlns:a16="http://schemas.microsoft.com/office/drawing/2014/main" val="232487972"/>
+                  </a:ext>
+                </a:extLst>
+              </a:tr>
+              <a:tr h="464298">
+                <a:tc>
+                  <a:txBody>
+                    <a:bodyPr/>
+                    <a:lstStyle/>
+                    <a:p>
+                      <a:pPr marL="0" marR="0" lvl="0" indent="0" algn="ctr" defTabSz="914400" rtl="0" eaLnBrk="1" fontAlgn="auto" latinLnBrk="0" hangingPunct="1">
+                        <a:lnSpc>
+                          <a:spcPct val="100000"/>
+                        </a:lnSpc>
+                        <a:spcBef>
+                          <a:spcPts val="0"/>
+                        </a:spcBef>
+                        <a:spcAft>
+                          <a:spcPts val="0"/>
+                        </a:spcAft>
+                        <a:buClrTx/>
+                        <a:buSzTx/>
+                        <a:buFontTx/>
+                        <a:buNone/>
+                        <a:tabLst/>
+                        <a:defRPr/>
+                      </a:pPr>
+                      <a:r>
+                        <a:rPr lang="en-US" sz="1200" dirty="0"/>
+                        <a:t>Donor_2</a:t>
+                      </a:r>
+                    </a:p>
+                  </a:txBody>
+                  <a:tcPr anchor="ctr">
+                    <a:lnL w="12700" cap="flat" cmpd="sng" algn="ctr">
+                      <a:solidFill>
+                        <a:schemeClr val="tx1"/>
+                      </a:solidFill>
+                      <a:prstDash val="solid"/>
+                      <a:round/>
+                      <a:headEnd type="none" w="med" len="med"/>
+                      <a:tailEnd type="none" w="med" len="med"/>
+                    </a:lnL>
+                    <a:lnR w="12700" cap="flat" cmpd="sng" algn="ctr">
+                      <a:solidFill>
+                        <a:schemeClr val="tx1"/>
+                      </a:solidFill>
+                      <a:prstDash val="solid"/>
+                      <a:round/>
+                      <a:headEnd type="none" w="med" len="med"/>
+                      <a:tailEnd type="none" w="med" len="med"/>
+                    </a:lnR>
+                    <a:lnT w="12700" cap="flat" cmpd="sng" algn="ctr">
+                      <a:solidFill>
+                        <a:schemeClr val="tx1"/>
+                      </a:solidFill>
+                      <a:prstDash val="solid"/>
+                      <a:round/>
+                      <a:headEnd type="none" w="med" len="med"/>
+                      <a:tailEnd type="none" w="med" len="med"/>
+                    </a:lnT>
+                    <a:lnB w="12700" cap="flat" cmpd="sng" algn="ctr">
+                      <a:solidFill>
+                        <a:schemeClr val="tx1"/>
+                      </a:solidFill>
+                      <a:prstDash val="solid"/>
+                      <a:round/>
+                      <a:headEnd type="none" w="med" len="med"/>
+                      <a:tailEnd type="none" w="med" len="med"/>
+                    </a:lnB>
+                    <a:solidFill>
+                      <a:schemeClr val="bg1"/>
+                    </a:solidFill>
+                  </a:tcPr>
+                </a:tc>
+                <a:tc>
+                  <a:txBody>
+                    <a:bodyPr/>
+                    <a:lstStyle/>
+                    <a:p>
+                      <a:pPr algn="ctr" fontAlgn="t"/>
+                      <a:r>
+                        <a:rPr lang="en-US" sz="1200" dirty="0">
+                          <a:effectLst/>
+                        </a:rPr>
+                        <a:t>77</a:t>
+                      </a:r>
+                    </a:p>
+                  </a:txBody>
+                  <a:tcPr anchor="ctr">
+                    <a:lnL w="12700" cap="flat" cmpd="sng" algn="ctr">
+                      <a:solidFill>
+                        <a:schemeClr val="tx1"/>
+                      </a:solidFill>
+                      <a:prstDash val="solid"/>
+                      <a:round/>
+                      <a:headEnd type="none" w="med" len="med"/>
+                      <a:tailEnd type="none" w="med" len="med"/>
+                    </a:lnL>
+                    <a:lnR w="12700" cap="flat" cmpd="sng" algn="ctr">
+                      <a:solidFill>
+                        <a:schemeClr val="tx1"/>
+                      </a:solidFill>
+                      <a:prstDash val="solid"/>
+                      <a:round/>
+                      <a:headEnd type="none" w="med" len="med"/>
+                      <a:tailEnd type="none" w="med" len="med"/>
+                    </a:lnR>
+                    <a:lnT w="12700" cap="flat" cmpd="sng" algn="ctr">
+                      <a:solidFill>
+                        <a:schemeClr val="tx1"/>
+                      </a:solidFill>
+                      <a:prstDash val="solid"/>
+                      <a:round/>
+                      <a:headEnd type="none" w="med" len="med"/>
+                      <a:tailEnd type="none" w="med" len="med"/>
+                    </a:lnT>
+                    <a:lnB w="12700" cap="flat" cmpd="sng" algn="ctr">
+                      <a:solidFill>
+                        <a:schemeClr val="tx1"/>
+                      </a:solidFill>
+                      <a:prstDash val="solid"/>
+                      <a:round/>
+                      <a:headEnd type="none" w="med" len="med"/>
+                      <a:tailEnd type="none" w="med" len="med"/>
+                    </a:lnB>
+                    <a:solidFill>
+                      <a:srgbClr val="33CCFF"/>
+                    </a:solidFill>
+                  </a:tcPr>
+                </a:tc>
+                <a:tc>
+                  <a:txBody>
+                    <a:bodyPr/>
+                    <a:lstStyle/>
+                    <a:p>
+                      <a:pPr algn="ctr" fontAlgn="t"/>
+                      <a:r>
+                        <a:rPr lang="en-US" sz="1200" b="0" i="0" dirty="0">
+                          <a:solidFill>
+                            <a:srgbClr val="000000"/>
+                          </a:solidFill>
+                          <a:effectLst/>
+                          <a:latin typeface="Roboto" panose="02000000000000000000" pitchFamily="2" charset="0"/>
+                        </a:rPr>
+                        <a:t>∞</a:t>
+                      </a:r>
+                      <a:endParaRPr lang="en-US" sz="1200" dirty="0">
+                        <a:effectLst/>
+                      </a:endParaRPr>
+                    </a:p>
+                  </a:txBody>
+                  <a:tcPr anchor="ctr">
+                    <a:lnL w="12700" cap="flat" cmpd="sng" algn="ctr">
+                      <a:solidFill>
+                        <a:schemeClr val="tx1"/>
+                      </a:solidFill>
+                      <a:prstDash val="solid"/>
+                      <a:round/>
+                      <a:headEnd type="none" w="med" len="med"/>
+                      <a:tailEnd type="none" w="med" len="med"/>
+                    </a:lnL>
+                    <a:lnR w="12700" cap="flat" cmpd="sng" algn="ctr">
+                      <a:solidFill>
+                        <a:schemeClr val="tx1"/>
+                      </a:solidFill>
+                      <a:prstDash val="solid"/>
+                      <a:round/>
+                      <a:headEnd type="none" w="med" len="med"/>
+                      <a:tailEnd type="none" w="med" len="med"/>
+                    </a:lnR>
+                    <a:lnT w="12700" cap="flat" cmpd="sng" algn="ctr">
+                      <a:solidFill>
+                        <a:schemeClr val="tx1"/>
+                      </a:solidFill>
+                      <a:prstDash val="solid"/>
+                      <a:round/>
+                      <a:headEnd type="none" w="med" len="med"/>
+                      <a:tailEnd type="none" w="med" len="med"/>
+                    </a:lnT>
+                    <a:lnB w="12700" cap="flat" cmpd="sng" algn="ctr">
+                      <a:solidFill>
+                        <a:schemeClr val="tx1"/>
+                      </a:solidFill>
+                      <a:prstDash val="solid"/>
+                      <a:round/>
+                      <a:headEnd type="none" w="med" len="med"/>
+                      <a:tailEnd type="none" w="med" len="med"/>
+                    </a:lnB>
+                    <a:solidFill>
+                      <a:schemeClr val="bg1"/>
+                    </a:solidFill>
+                  </a:tcPr>
+                </a:tc>
+                <a:tc>
+                  <a:txBody>
+                    <a:bodyPr/>
+                    <a:lstStyle/>
+                    <a:p>
+                      <a:pPr algn="ctr" fontAlgn="t"/>
+                      <a:r>
+                        <a:rPr lang="en-US" sz="1200" dirty="0">
+                          <a:effectLst/>
+                        </a:rPr>
+                        <a:t>49</a:t>
+                      </a:r>
+                    </a:p>
+                  </a:txBody>
+                  <a:tcPr anchor="ctr">
+                    <a:lnL w="12700" cap="flat" cmpd="sng" algn="ctr">
+                      <a:solidFill>
+                        <a:schemeClr val="tx1"/>
+                      </a:solidFill>
+                      <a:prstDash val="solid"/>
+                      <a:round/>
+                      <a:headEnd type="none" w="med" len="med"/>
+                      <a:tailEnd type="none" w="med" len="med"/>
+                    </a:lnL>
+                    <a:lnR w="12700" cap="flat" cmpd="sng" algn="ctr">
+                      <a:solidFill>
+                        <a:schemeClr val="tx1"/>
+                      </a:solidFill>
+                      <a:prstDash val="solid"/>
+                      <a:round/>
+                      <a:headEnd type="none" w="med" len="med"/>
+                      <a:tailEnd type="none" w="med" len="med"/>
+                    </a:lnR>
+                    <a:lnT w="12700" cap="flat" cmpd="sng" algn="ctr">
+                      <a:solidFill>
+                        <a:schemeClr val="tx1"/>
+                      </a:solidFill>
+                      <a:prstDash val="solid"/>
+                      <a:round/>
+                      <a:headEnd type="none" w="med" len="med"/>
+                      <a:tailEnd type="none" w="med" len="med"/>
+                    </a:lnT>
+                    <a:lnB w="12700" cap="flat" cmpd="sng" algn="ctr">
+                      <a:solidFill>
+                        <a:schemeClr val="tx1"/>
+                      </a:solidFill>
+                      <a:prstDash val="solid"/>
+                      <a:round/>
+                      <a:headEnd type="none" w="med" len="med"/>
+                      <a:tailEnd type="none" w="med" len="med"/>
+                    </a:lnB>
+                    <a:solidFill>
+                      <a:schemeClr val="bg1"/>
+                    </a:solidFill>
+                  </a:tcPr>
+                </a:tc>
+                <a:tc>
+                  <a:txBody>
+                    <a:bodyPr/>
+                    <a:lstStyle/>
+                    <a:p>
+                      <a:pPr algn="ctr" fontAlgn="t"/>
+                      <a:r>
+                        <a:rPr lang="en-US" sz="1200" b="0" i="0" dirty="0">
+                          <a:solidFill>
+                            <a:srgbClr val="000000"/>
+                          </a:solidFill>
+                          <a:effectLst/>
+                          <a:latin typeface="Roboto" panose="02000000000000000000" pitchFamily="2" charset="0"/>
+                        </a:rPr>
+                        <a:t>∞</a:t>
+                      </a:r>
+                      <a:endParaRPr lang="en-US" sz="1200" dirty="0">
+                        <a:effectLst/>
+                      </a:endParaRPr>
+                    </a:p>
+                  </a:txBody>
+                  <a:tcPr anchor="ctr">
+                    <a:lnL w="12700" cap="flat" cmpd="sng" algn="ctr">
+                      <a:solidFill>
+                        <a:schemeClr val="tx1"/>
+                      </a:solidFill>
+                      <a:prstDash val="solid"/>
+                      <a:round/>
+                      <a:headEnd type="none" w="med" len="med"/>
+                      <a:tailEnd type="none" w="med" len="med"/>
+                    </a:lnL>
+                    <a:lnR w="12700" cap="flat" cmpd="sng" algn="ctr">
+                      <a:solidFill>
+                        <a:schemeClr val="tx1"/>
+                      </a:solidFill>
+                      <a:prstDash val="solid"/>
+                      <a:round/>
+                      <a:headEnd type="none" w="med" len="med"/>
+                      <a:tailEnd type="none" w="med" len="med"/>
+                    </a:lnR>
+                    <a:lnT w="12700" cap="flat" cmpd="sng" algn="ctr">
+                      <a:solidFill>
+                        <a:schemeClr val="tx1"/>
+                      </a:solidFill>
+                      <a:prstDash val="solid"/>
+                      <a:round/>
+                      <a:headEnd type="none" w="med" len="med"/>
+                      <a:tailEnd type="none" w="med" len="med"/>
+                    </a:lnT>
+                    <a:lnB w="12700" cap="flat" cmpd="sng" algn="ctr">
+                      <a:solidFill>
+                        <a:schemeClr val="tx1"/>
+                      </a:solidFill>
+                      <a:prstDash val="solid"/>
+                      <a:round/>
+                      <a:headEnd type="none" w="med" len="med"/>
+                      <a:tailEnd type="none" w="med" len="med"/>
+                    </a:lnB>
+                    <a:solidFill>
+                      <a:schemeClr val="bg1"/>
+                    </a:solidFill>
+                  </a:tcPr>
+                </a:tc>
+                <a:extLst>
+                  <a:ext uri="{0D108BD9-81ED-4DB2-BD59-A6C34878D82A}">
+                    <a16:rowId xmlns:a16="http://schemas.microsoft.com/office/drawing/2014/main" val="3739604332"/>
+                  </a:ext>
+                </a:extLst>
+              </a:tr>
+              <a:tr h="464298">
+                <a:tc>
+                  <a:txBody>
+                    <a:bodyPr/>
+                    <a:lstStyle/>
+                    <a:p>
+                      <a:pPr marL="0" marR="0" lvl="0" indent="0" algn="ctr" defTabSz="914400" rtl="0" eaLnBrk="1" fontAlgn="auto" latinLnBrk="0" hangingPunct="1">
+                        <a:lnSpc>
+                          <a:spcPct val="100000"/>
+                        </a:lnSpc>
+                        <a:spcBef>
+                          <a:spcPts val="0"/>
+                        </a:spcBef>
+                        <a:spcAft>
+                          <a:spcPts val="0"/>
+                        </a:spcAft>
+                        <a:buClrTx/>
+                        <a:buSzTx/>
+                        <a:buFontTx/>
+                        <a:buNone/>
+                        <a:tabLst/>
+                        <a:defRPr/>
+                      </a:pPr>
+                      <a:r>
+                        <a:rPr lang="en-US" sz="1200" dirty="0"/>
+                        <a:t>Donor_3</a:t>
+                      </a:r>
+                    </a:p>
+                  </a:txBody>
+                  <a:tcPr anchor="ctr">
+                    <a:lnL w="12700" cap="flat" cmpd="sng" algn="ctr">
+                      <a:solidFill>
+                        <a:schemeClr val="tx1"/>
+                      </a:solidFill>
+                      <a:prstDash val="solid"/>
+                      <a:round/>
+                      <a:headEnd type="none" w="med" len="med"/>
+                      <a:tailEnd type="none" w="med" len="med"/>
+                    </a:lnL>
+                    <a:lnR w="12700" cap="flat" cmpd="sng" algn="ctr">
+                      <a:solidFill>
+                        <a:schemeClr val="tx1"/>
+                      </a:solidFill>
+                      <a:prstDash val="solid"/>
+                      <a:round/>
+                      <a:headEnd type="none" w="med" len="med"/>
+                      <a:tailEnd type="none" w="med" len="med"/>
+                    </a:lnR>
+                    <a:lnT w="12700" cap="flat" cmpd="sng" algn="ctr">
+                      <a:solidFill>
+                        <a:schemeClr val="tx1"/>
+                      </a:solidFill>
+                      <a:prstDash val="solid"/>
+                      <a:round/>
+                      <a:headEnd type="none" w="med" len="med"/>
+                      <a:tailEnd type="none" w="med" len="med"/>
+                    </a:lnT>
+                    <a:lnB w="12700" cap="flat" cmpd="sng" algn="ctr">
+                      <a:solidFill>
+                        <a:schemeClr val="tx1"/>
+                      </a:solidFill>
+                      <a:prstDash val="solid"/>
+                      <a:round/>
+                      <a:headEnd type="none" w="med" len="med"/>
+                      <a:tailEnd type="none" w="med" len="med"/>
+                    </a:lnB>
+                    <a:solidFill>
+                      <a:schemeClr val="bg1"/>
+                    </a:solidFill>
+                  </a:tcPr>
+                </a:tc>
+                <a:tc>
+                  <a:txBody>
+                    <a:bodyPr/>
+                    <a:lstStyle/>
+                    <a:p>
+                      <a:pPr algn="ctr" fontAlgn="t"/>
+                      <a:r>
+                        <a:rPr lang="en-US" sz="1200" b="0" i="0" dirty="0">
+                          <a:solidFill>
+                            <a:srgbClr val="000000"/>
+                          </a:solidFill>
+                          <a:effectLst/>
+                          <a:latin typeface="Roboto" panose="02000000000000000000" pitchFamily="2" charset="0"/>
+                        </a:rPr>
+                        <a:t>∞</a:t>
+                      </a:r>
+                      <a:endParaRPr lang="en-US" sz="1200" dirty="0">
+                        <a:effectLst/>
+                      </a:endParaRPr>
+                    </a:p>
+                  </a:txBody>
+                  <a:tcPr anchor="ctr">
+                    <a:lnL w="12700" cap="flat" cmpd="sng" algn="ctr">
+                      <a:solidFill>
+                        <a:schemeClr val="tx1"/>
+                      </a:solidFill>
+                      <a:prstDash val="solid"/>
+                      <a:round/>
+                      <a:headEnd type="none" w="med" len="med"/>
+                      <a:tailEnd type="none" w="med" len="med"/>
+                    </a:lnL>
+                    <a:lnR w="12700" cap="flat" cmpd="sng" algn="ctr">
+                      <a:solidFill>
+                        <a:schemeClr val="tx1"/>
+                      </a:solidFill>
+                      <a:prstDash val="solid"/>
+                      <a:round/>
+                      <a:headEnd type="none" w="med" len="med"/>
+                      <a:tailEnd type="none" w="med" len="med"/>
+                    </a:lnR>
+                    <a:lnT w="12700" cap="flat" cmpd="sng" algn="ctr">
+                      <a:solidFill>
+                        <a:schemeClr val="tx1"/>
+                      </a:solidFill>
+                      <a:prstDash val="solid"/>
+                      <a:round/>
+                      <a:headEnd type="none" w="med" len="med"/>
+                      <a:tailEnd type="none" w="med" len="med"/>
+                    </a:lnT>
+                    <a:lnB w="12700" cap="flat" cmpd="sng" algn="ctr">
+                      <a:solidFill>
+                        <a:schemeClr val="tx1"/>
+                      </a:solidFill>
+                      <a:prstDash val="solid"/>
+                      <a:round/>
+                      <a:headEnd type="none" w="med" len="med"/>
+                      <a:tailEnd type="none" w="med" len="med"/>
+                    </a:lnB>
+                    <a:solidFill>
+                      <a:schemeClr val="bg1"/>
+                    </a:solidFill>
+                  </a:tcPr>
+                </a:tc>
+                <a:tc>
+                  <a:txBody>
+                    <a:bodyPr/>
+                    <a:lstStyle/>
+                    <a:p>
+                      <a:pPr algn="ctr" fontAlgn="t"/>
+                      <a:r>
+                        <a:rPr lang="en-US" sz="1200" dirty="0">
+                          <a:effectLst/>
+                        </a:rPr>
+                        <a:t>69</a:t>
+                      </a:r>
+                    </a:p>
+                  </a:txBody>
+                  <a:tcPr anchor="ctr">
+                    <a:lnL w="12700" cap="flat" cmpd="sng" algn="ctr">
+                      <a:solidFill>
+                        <a:schemeClr val="tx1"/>
+                      </a:solidFill>
+                      <a:prstDash val="solid"/>
+                      <a:round/>
+                      <a:headEnd type="none" w="med" len="med"/>
+                      <a:tailEnd type="none" w="med" len="med"/>
+                    </a:lnL>
+                    <a:lnR w="12700" cap="flat" cmpd="sng" algn="ctr">
+                      <a:solidFill>
+                        <a:schemeClr val="tx1"/>
+                      </a:solidFill>
+                      <a:prstDash val="solid"/>
+                      <a:round/>
+                      <a:headEnd type="none" w="med" len="med"/>
+                      <a:tailEnd type="none" w="med" len="med"/>
+                    </a:lnR>
+                    <a:lnT w="12700" cap="flat" cmpd="sng" algn="ctr">
+                      <a:solidFill>
+                        <a:schemeClr val="tx1"/>
+                      </a:solidFill>
+                      <a:prstDash val="solid"/>
+                      <a:round/>
+                      <a:headEnd type="none" w="med" len="med"/>
+                      <a:tailEnd type="none" w="med" len="med"/>
+                    </a:lnT>
+                    <a:lnB w="12700" cap="flat" cmpd="sng" algn="ctr">
+                      <a:solidFill>
+                        <a:schemeClr val="tx1"/>
+                      </a:solidFill>
+                      <a:prstDash val="solid"/>
+                      <a:round/>
+                      <a:headEnd type="none" w="med" len="med"/>
+                      <a:tailEnd type="none" w="med" len="med"/>
+                    </a:lnB>
+                    <a:solidFill>
+                      <a:srgbClr val="33CCFF"/>
+                    </a:solidFill>
+                  </a:tcPr>
+                </a:tc>
+                <a:tc>
+                  <a:txBody>
+                    <a:bodyPr/>
+                    <a:lstStyle/>
+                    <a:p>
+                      <a:pPr algn="ctr" fontAlgn="t"/>
+                      <a:r>
+                        <a:rPr lang="en-US" sz="1200" dirty="0">
+                          <a:effectLst/>
+                        </a:rPr>
+                        <a:t>5</a:t>
+                      </a:r>
+                    </a:p>
+                  </a:txBody>
+                  <a:tcPr anchor="ctr">
+                    <a:lnL w="12700" cap="flat" cmpd="sng" algn="ctr">
+                      <a:solidFill>
+                        <a:schemeClr val="tx1"/>
+                      </a:solidFill>
+                      <a:prstDash val="solid"/>
+                      <a:round/>
+                      <a:headEnd type="none" w="med" len="med"/>
+                      <a:tailEnd type="none" w="med" len="med"/>
+                    </a:lnL>
+                    <a:lnR w="12700" cap="flat" cmpd="sng" algn="ctr">
+                      <a:solidFill>
+                        <a:schemeClr val="tx1"/>
+                      </a:solidFill>
+                      <a:prstDash val="solid"/>
+                      <a:round/>
+                      <a:headEnd type="none" w="med" len="med"/>
+                      <a:tailEnd type="none" w="med" len="med"/>
+                    </a:lnR>
+                    <a:lnT w="12700" cap="flat" cmpd="sng" algn="ctr">
+                      <a:solidFill>
+                        <a:schemeClr val="tx1"/>
+                      </a:solidFill>
+                      <a:prstDash val="solid"/>
+                      <a:round/>
+                      <a:headEnd type="none" w="med" len="med"/>
+                      <a:tailEnd type="none" w="med" len="med"/>
+                    </a:lnT>
+                    <a:lnB w="12700" cap="flat" cmpd="sng" algn="ctr">
+                      <a:solidFill>
+                        <a:schemeClr val="tx1"/>
+                      </a:solidFill>
+                      <a:prstDash val="solid"/>
+                      <a:round/>
+                      <a:headEnd type="none" w="med" len="med"/>
+                      <a:tailEnd type="none" w="med" len="med"/>
+                    </a:lnB>
+                    <a:solidFill>
+                      <a:schemeClr val="bg1"/>
+                    </a:solidFill>
+                  </a:tcPr>
+                </a:tc>
+                <a:tc>
+                  <a:txBody>
+                    <a:bodyPr/>
+                    <a:lstStyle/>
+                    <a:p>
+                      <a:pPr algn="ctr" fontAlgn="t"/>
+                      <a:r>
+                        <a:rPr lang="en-US" sz="1200" b="0" i="0" dirty="0">
+                          <a:solidFill>
+                            <a:srgbClr val="000000"/>
+                          </a:solidFill>
+                          <a:effectLst/>
+                          <a:latin typeface="Roboto" panose="02000000000000000000" pitchFamily="2" charset="0"/>
+                        </a:rPr>
+                        <a:t>∞</a:t>
+                      </a:r>
+                      <a:endParaRPr lang="en-US" sz="1200" dirty="0">
+                        <a:effectLst/>
+                      </a:endParaRPr>
+                    </a:p>
+                  </a:txBody>
+                  <a:tcPr anchor="ctr">
+                    <a:lnL w="12700" cap="flat" cmpd="sng" algn="ctr">
+                      <a:solidFill>
+                        <a:schemeClr val="tx1"/>
+                      </a:solidFill>
+                      <a:prstDash val="solid"/>
+                      <a:round/>
+                      <a:headEnd type="none" w="med" len="med"/>
+                      <a:tailEnd type="none" w="med" len="med"/>
+                    </a:lnL>
+                    <a:lnR w="12700" cap="flat" cmpd="sng" algn="ctr">
+                      <a:solidFill>
+                        <a:schemeClr val="tx1"/>
+                      </a:solidFill>
+                      <a:prstDash val="solid"/>
+                      <a:round/>
+                      <a:headEnd type="none" w="med" len="med"/>
+                      <a:tailEnd type="none" w="med" len="med"/>
+                    </a:lnR>
+                    <a:lnT w="12700" cap="flat" cmpd="sng" algn="ctr">
+                      <a:solidFill>
+                        <a:schemeClr val="tx1"/>
+                      </a:solidFill>
+                      <a:prstDash val="solid"/>
+                      <a:round/>
+                      <a:headEnd type="none" w="med" len="med"/>
+                      <a:tailEnd type="none" w="med" len="med"/>
+                    </a:lnT>
+                    <a:lnB w="12700" cap="flat" cmpd="sng" algn="ctr">
+                      <a:solidFill>
+                        <a:schemeClr val="tx1"/>
+                      </a:solidFill>
+                      <a:prstDash val="solid"/>
+                      <a:round/>
+                      <a:headEnd type="none" w="med" len="med"/>
+                      <a:tailEnd type="none" w="med" len="med"/>
+                    </a:lnB>
+                    <a:solidFill>
+                      <a:schemeClr val="bg1"/>
+                    </a:solidFill>
+                  </a:tcPr>
+                </a:tc>
+                <a:extLst>
+                  <a:ext uri="{0D108BD9-81ED-4DB2-BD59-A6C34878D82A}">
+                    <a16:rowId xmlns:a16="http://schemas.microsoft.com/office/drawing/2014/main" val="3171691836"/>
+                  </a:ext>
+                </a:extLst>
+              </a:tr>
+              <a:tr h="464298">
+                <a:tc>
+                  <a:txBody>
+                    <a:bodyPr/>
+                    <a:lstStyle/>
+                    <a:p>
+                      <a:pPr marL="0" marR="0" lvl="0" indent="0" algn="ctr" defTabSz="914400" rtl="0" eaLnBrk="1" fontAlgn="auto" latinLnBrk="0" hangingPunct="1">
+                        <a:lnSpc>
+                          <a:spcPct val="100000"/>
+                        </a:lnSpc>
+                        <a:spcBef>
+                          <a:spcPts val="0"/>
+                        </a:spcBef>
+                        <a:spcAft>
+                          <a:spcPts val="0"/>
+                        </a:spcAft>
+                        <a:buClrTx/>
+                        <a:buSzTx/>
+                        <a:buFontTx/>
+                        <a:buNone/>
+                        <a:tabLst/>
+                        <a:defRPr/>
+                      </a:pPr>
+                      <a:r>
+                        <a:rPr lang="en-US" sz="1200" dirty="0"/>
+                        <a:t>Donor_4</a:t>
+                      </a:r>
+                    </a:p>
+                  </a:txBody>
+                  <a:tcPr anchor="ctr">
+                    <a:lnL w="12700" cap="flat" cmpd="sng" algn="ctr">
+                      <a:solidFill>
+                        <a:schemeClr val="tx1"/>
+                      </a:solidFill>
+                      <a:prstDash val="solid"/>
+                      <a:round/>
+                      <a:headEnd type="none" w="med" len="med"/>
+                      <a:tailEnd type="none" w="med" len="med"/>
+                    </a:lnL>
+                    <a:lnR w="12700" cap="flat" cmpd="sng" algn="ctr">
+                      <a:solidFill>
+                        <a:schemeClr val="tx1"/>
+                      </a:solidFill>
+                      <a:prstDash val="solid"/>
+                      <a:round/>
+                      <a:headEnd type="none" w="med" len="med"/>
+                      <a:tailEnd type="none" w="med" len="med"/>
+                    </a:lnR>
+                    <a:lnT w="12700" cap="flat" cmpd="sng" algn="ctr">
+                      <a:solidFill>
+                        <a:schemeClr val="tx1"/>
+                      </a:solidFill>
+                      <a:prstDash val="solid"/>
+                      <a:round/>
+                      <a:headEnd type="none" w="med" len="med"/>
+                      <a:tailEnd type="none" w="med" len="med"/>
+                    </a:lnT>
+                    <a:lnB w="12700" cap="flat" cmpd="sng" algn="ctr">
+                      <a:solidFill>
+                        <a:schemeClr val="tx1"/>
+                      </a:solidFill>
+                      <a:prstDash val="solid"/>
+                      <a:round/>
+                      <a:headEnd type="none" w="med" len="med"/>
+                      <a:tailEnd type="none" w="med" len="med"/>
+                    </a:lnB>
+                    <a:solidFill>
+                      <a:schemeClr val="bg1"/>
+                    </a:solidFill>
+                  </a:tcPr>
+                </a:tc>
+                <a:tc>
+                  <a:txBody>
+                    <a:bodyPr/>
+                    <a:lstStyle/>
+                    <a:p>
+                      <a:pPr algn="ctr" fontAlgn="t"/>
+                      <a:r>
+                        <a:rPr lang="en-US" sz="1200" b="0" i="0" dirty="0">
+                          <a:solidFill>
+                            <a:srgbClr val="000000"/>
+                          </a:solidFill>
+                          <a:effectLst/>
+                          <a:latin typeface="Roboto" panose="02000000000000000000" pitchFamily="2" charset="0"/>
+                        </a:rPr>
+                        <a:t>∞</a:t>
+                      </a:r>
+                      <a:endParaRPr lang="en-US" sz="1200" dirty="0">
+                        <a:effectLst/>
+                      </a:endParaRPr>
+                    </a:p>
+                  </a:txBody>
+                  <a:tcPr anchor="ctr">
+                    <a:lnL w="12700" cap="flat" cmpd="sng" algn="ctr">
+                      <a:solidFill>
+                        <a:schemeClr val="tx1"/>
+                      </a:solidFill>
+                      <a:prstDash val="solid"/>
+                      <a:round/>
+                      <a:headEnd type="none" w="med" len="med"/>
+                      <a:tailEnd type="none" w="med" len="med"/>
+                    </a:lnL>
+                    <a:lnR w="12700" cap="flat" cmpd="sng" algn="ctr">
+                      <a:solidFill>
+                        <a:schemeClr val="tx1"/>
+                      </a:solidFill>
+                      <a:prstDash val="solid"/>
+                      <a:round/>
+                      <a:headEnd type="none" w="med" len="med"/>
+                      <a:tailEnd type="none" w="med" len="med"/>
+                    </a:lnR>
+                    <a:lnT w="12700" cap="flat" cmpd="sng" algn="ctr">
+                      <a:solidFill>
+                        <a:schemeClr val="tx1"/>
+                      </a:solidFill>
+                      <a:prstDash val="solid"/>
+                      <a:round/>
+                      <a:headEnd type="none" w="med" len="med"/>
+                      <a:tailEnd type="none" w="med" len="med"/>
+                    </a:lnT>
+                    <a:lnB w="12700" cap="flat" cmpd="sng" algn="ctr">
+                      <a:solidFill>
+                        <a:schemeClr val="tx1"/>
+                      </a:solidFill>
+                      <a:prstDash val="solid"/>
+                      <a:round/>
+                      <a:headEnd type="none" w="med" len="med"/>
+                      <a:tailEnd type="none" w="med" len="med"/>
+                    </a:lnB>
+                    <a:solidFill>
+                      <a:schemeClr val="bg1"/>
+                    </a:solidFill>
+                  </a:tcPr>
+                </a:tc>
+                <a:tc>
+                  <a:txBody>
+                    <a:bodyPr/>
+                    <a:lstStyle/>
+                    <a:p>
+                      <a:pPr algn="ctr" fontAlgn="t"/>
+                      <a:r>
+                        <a:rPr lang="en-US" sz="1200" b="0" i="0" dirty="0">
+                          <a:solidFill>
+                            <a:srgbClr val="000000"/>
+                          </a:solidFill>
+                          <a:effectLst/>
+                          <a:latin typeface="Roboto" panose="02000000000000000000" pitchFamily="2" charset="0"/>
+                        </a:rPr>
+                        <a:t>∞</a:t>
+                      </a:r>
+                      <a:endParaRPr lang="en-US" sz="1200" dirty="0">
+                        <a:effectLst/>
+                      </a:endParaRPr>
+                    </a:p>
+                  </a:txBody>
+                  <a:tcPr anchor="ctr">
+                    <a:lnL w="12700" cap="flat" cmpd="sng" algn="ctr">
+                      <a:solidFill>
+                        <a:schemeClr val="tx1"/>
+                      </a:solidFill>
+                      <a:prstDash val="solid"/>
+                      <a:round/>
+                      <a:headEnd type="none" w="med" len="med"/>
+                      <a:tailEnd type="none" w="med" len="med"/>
+                    </a:lnL>
+                    <a:lnR w="12700" cap="flat" cmpd="sng" algn="ctr">
+                      <a:solidFill>
+                        <a:schemeClr val="tx1"/>
+                      </a:solidFill>
+                      <a:prstDash val="solid"/>
+                      <a:round/>
+                      <a:headEnd type="none" w="med" len="med"/>
+                      <a:tailEnd type="none" w="med" len="med"/>
+                    </a:lnR>
+                    <a:lnT w="12700" cap="flat" cmpd="sng" algn="ctr">
+                      <a:solidFill>
+                        <a:schemeClr val="tx1"/>
+                      </a:solidFill>
+                      <a:prstDash val="solid"/>
+                      <a:round/>
+                      <a:headEnd type="none" w="med" len="med"/>
+                      <a:tailEnd type="none" w="med" len="med"/>
+                    </a:lnT>
+                    <a:lnB w="12700" cap="flat" cmpd="sng" algn="ctr">
+                      <a:solidFill>
+                        <a:schemeClr val="tx1"/>
+                      </a:solidFill>
+                      <a:prstDash val="solid"/>
+                      <a:round/>
+                      <a:headEnd type="none" w="med" len="med"/>
+                      <a:tailEnd type="none" w="med" len="med"/>
+                    </a:lnB>
+                    <a:solidFill>
+                      <a:schemeClr val="bg1"/>
+                    </a:solidFill>
+                  </a:tcPr>
+                </a:tc>
+                <a:tc>
+                  <a:txBody>
+                    <a:bodyPr/>
+                    <a:lstStyle/>
+                    <a:p>
+                      <a:pPr algn="ctr" fontAlgn="t"/>
+                      <a:r>
+                        <a:rPr lang="en-US" sz="1200" dirty="0">
+                          <a:effectLst/>
+                        </a:rPr>
+                        <a:t>98</a:t>
+                      </a:r>
+                    </a:p>
+                  </a:txBody>
+                  <a:tcPr anchor="ctr">
+                    <a:lnL w="12700" cap="flat" cmpd="sng" algn="ctr">
+                      <a:solidFill>
+                        <a:schemeClr val="tx1"/>
+                      </a:solidFill>
+                      <a:prstDash val="solid"/>
+                      <a:round/>
+                      <a:headEnd type="none" w="med" len="med"/>
+                      <a:tailEnd type="none" w="med" len="med"/>
+                    </a:lnL>
+                    <a:lnR w="12700" cap="flat" cmpd="sng" algn="ctr">
+                      <a:solidFill>
+                        <a:schemeClr val="tx1"/>
+                      </a:solidFill>
+                      <a:prstDash val="solid"/>
+                      <a:round/>
+                      <a:headEnd type="none" w="med" len="med"/>
+                      <a:tailEnd type="none" w="med" len="med"/>
+                    </a:lnR>
+                    <a:lnT w="12700" cap="flat" cmpd="sng" algn="ctr">
+                      <a:solidFill>
+                        <a:schemeClr val="tx1"/>
+                      </a:solidFill>
+                      <a:prstDash val="solid"/>
+                      <a:round/>
+                      <a:headEnd type="none" w="med" len="med"/>
+                      <a:tailEnd type="none" w="med" len="med"/>
+                    </a:lnT>
+                    <a:lnB w="12700" cap="flat" cmpd="sng" algn="ctr">
+                      <a:solidFill>
+                        <a:schemeClr val="tx1"/>
+                      </a:solidFill>
+                      <a:prstDash val="solid"/>
+                      <a:round/>
+                      <a:headEnd type="none" w="med" len="med"/>
+                      <a:tailEnd type="none" w="med" len="med"/>
+                    </a:lnB>
+                    <a:solidFill>
+                      <a:srgbClr val="33CCFF"/>
+                    </a:solidFill>
+                  </a:tcPr>
+                </a:tc>
+                <a:tc>
+                  <a:txBody>
+                    <a:bodyPr/>
+                    <a:lstStyle/>
+                    <a:p>
+                      <a:pPr algn="ctr" fontAlgn="t"/>
+                      <a:r>
+                        <a:rPr lang="en-US" sz="1200" b="0" i="0" dirty="0">
+                          <a:solidFill>
+                            <a:srgbClr val="000000"/>
+                          </a:solidFill>
+                          <a:effectLst/>
+                          <a:latin typeface="Roboto" panose="02000000000000000000" pitchFamily="2" charset="0"/>
+                        </a:rPr>
+                        <a:t>∞</a:t>
+                      </a:r>
+                      <a:endParaRPr lang="en-US" sz="1200" dirty="0">
+                        <a:effectLst/>
+                      </a:endParaRPr>
+                    </a:p>
+                  </a:txBody>
+                  <a:tcPr anchor="ctr">
+                    <a:lnL w="12700" cap="flat" cmpd="sng" algn="ctr">
+                      <a:solidFill>
+                        <a:schemeClr val="tx1"/>
+                      </a:solidFill>
+                      <a:prstDash val="solid"/>
+                      <a:round/>
+                      <a:headEnd type="none" w="med" len="med"/>
+                      <a:tailEnd type="none" w="med" len="med"/>
+                    </a:lnL>
+                    <a:lnR w="12700" cap="flat" cmpd="sng" algn="ctr">
+                      <a:solidFill>
+                        <a:schemeClr val="tx1"/>
+                      </a:solidFill>
+                      <a:prstDash val="solid"/>
+                      <a:round/>
+                      <a:headEnd type="none" w="med" len="med"/>
+                      <a:tailEnd type="none" w="med" len="med"/>
+                    </a:lnR>
+                    <a:lnT w="12700" cap="flat" cmpd="sng" algn="ctr">
+                      <a:solidFill>
+                        <a:schemeClr val="tx1"/>
+                      </a:solidFill>
+                      <a:prstDash val="solid"/>
+                      <a:round/>
+                      <a:headEnd type="none" w="med" len="med"/>
+                      <a:tailEnd type="none" w="med" len="med"/>
+                    </a:lnT>
+                    <a:lnB w="12700" cap="flat" cmpd="sng" algn="ctr">
+                      <a:solidFill>
+                        <a:schemeClr val="tx1"/>
+                      </a:solidFill>
+                      <a:prstDash val="solid"/>
+                      <a:round/>
+                      <a:headEnd type="none" w="med" len="med"/>
+                      <a:tailEnd type="none" w="med" len="med"/>
+                    </a:lnB>
+                    <a:solidFill>
+                      <a:schemeClr val="bg1"/>
+                    </a:solidFill>
+                  </a:tcPr>
+                </a:tc>
+                <a:extLst>
+                  <a:ext uri="{0D108BD9-81ED-4DB2-BD59-A6C34878D82A}">
+                    <a16:rowId xmlns:a16="http://schemas.microsoft.com/office/drawing/2014/main" val="2695554642"/>
+                  </a:ext>
+                </a:extLst>
+              </a:tr>
+            </a:tbl>
+          </a:graphicData>
+        </a:graphic>
+      </p:graphicFrame>
+    </p:spTree>
+    <p:extLst>
+      <p:ext uri="{BB962C8B-B14F-4D97-AF65-F5344CB8AC3E}">
+        <p14:creationId xmlns:p14="http://schemas.microsoft.com/office/powerpoint/2010/main" val="1654515251"/>
       </p:ext>
     </p:extLst>
   </p:cSld>
